--- a/docs/mock-ups/Mock-ups.pptx
+++ b/docs/mock-ups/Mock-ups.pptx
@@ -5243,8 +5243,8 @@
         </p:nvSpPr>
         <p:spPr>
           <a:xfrm>
-            <a:off x="5105401" y="-19237"/>
-            <a:ext cx="3412672" cy="6267637"/>
+            <a:off x="5105401" y="76200"/>
+            <a:ext cx="3412672" cy="6172200"/>
           </a:xfrm>
           <a:prstGeom prst="rect">
             <a:avLst/>
@@ -5678,8 +5678,8 @@
         </p:nvSpPr>
         <p:spPr>
           <a:xfrm>
-            <a:off x="5105400" y="0"/>
-            <a:ext cx="3397431" cy="1905000"/>
+            <a:off x="5105400" y="76200"/>
+            <a:ext cx="3397431" cy="1828800"/>
           </a:xfrm>
           <a:prstGeom prst="rect">
             <a:avLst/>
@@ -6443,6 +6443,42 @@
           </a:p>
         </p:txBody>
       </p:sp>
+      <p:cxnSp>
+        <p:nvCxnSpPr>
+          <p:cNvPr id="57" name="Straight Arrow Connector 56"/>
+          <p:cNvCxnSpPr/>
+          <p:nvPr/>
+        </p:nvCxnSpPr>
+        <p:spPr>
+          <a:xfrm>
+            <a:off x="152400" y="3048000"/>
+            <a:ext cx="304800" cy="0"/>
+          </a:xfrm>
+          <a:prstGeom prst="straightConnector1">
+            <a:avLst/>
+          </a:prstGeom>
+          <a:ln w="28575">
+            <a:solidFill>
+              <a:srgbClr val="FF0000"/>
+            </a:solidFill>
+            <a:tailEnd type="arrow"/>
+          </a:ln>
+        </p:spPr>
+        <p:style>
+          <a:lnRef idx="1">
+            <a:schemeClr val="accent1"/>
+          </a:lnRef>
+          <a:fillRef idx="0">
+            <a:schemeClr val="accent1"/>
+          </a:fillRef>
+          <a:effectRef idx="0">
+            <a:schemeClr val="accent1"/>
+          </a:effectRef>
+          <a:fontRef idx="minor">
+            <a:schemeClr val="tx1"/>
+          </a:fontRef>
+        </p:style>
+      </p:cxnSp>
     </p:spTree>
     <p:extLst>
       <p:ext uri="{BB962C8B-B14F-4D97-AF65-F5344CB8AC3E}">
@@ -13518,6 +13554,42 @@
           </a:prstGeom>
         </p:spPr>
       </p:pic>
+      <p:cxnSp>
+        <p:nvCxnSpPr>
+          <p:cNvPr id="41" name="Straight Arrow Connector 40"/>
+          <p:cNvCxnSpPr/>
+          <p:nvPr/>
+        </p:nvCxnSpPr>
+        <p:spPr>
+          <a:xfrm>
+            <a:off x="8610600" y="3048000"/>
+            <a:ext cx="381000" cy="0"/>
+          </a:xfrm>
+          <a:prstGeom prst="straightConnector1">
+            <a:avLst/>
+          </a:prstGeom>
+          <a:ln w="28575">
+            <a:solidFill>
+              <a:srgbClr val="FF0000"/>
+            </a:solidFill>
+            <a:tailEnd type="arrow"/>
+          </a:ln>
+        </p:spPr>
+        <p:style>
+          <a:lnRef idx="1">
+            <a:schemeClr val="accent1"/>
+          </a:lnRef>
+          <a:fillRef idx="0">
+            <a:schemeClr val="accent1"/>
+          </a:fillRef>
+          <a:effectRef idx="0">
+            <a:schemeClr val="accent1"/>
+          </a:effectRef>
+          <a:fontRef idx="minor">
+            <a:schemeClr val="tx1"/>
+          </a:fontRef>
+        </p:style>
+      </p:cxnSp>
     </p:spTree>
     <p:extLst>
       <p:ext uri="{BB962C8B-B14F-4D97-AF65-F5344CB8AC3E}">
@@ -13556,7 +13628,7 @@
         </p:nvSpPr>
         <p:spPr>
           <a:xfrm>
-            <a:off x="457200" y="304800"/>
+            <a:off x="533400" y="304800"/>
             <a:ext cx="3397431" cy="5562600"/>
           </a:xfrm>
           <a:prstGeom prst="rect">
@@ -13616,7 +13688,7 @@
         </p:nvSpPr>
         <p:spPr>
           <a:xfrm>
-            <a:off x="1219200" y="2404714"/>
+            <a:off x="1295400" y="2404714"/>
             <a:ext cx="1905000" cy="1100486"/>
           </a:xfrm>
           <a:prstGeom prst="roundRect">
@@ -13667,7 +13739,7 @@
         </p:nvSpPr>
         <p:spPr>
           <a:xfrm>
-            <a:off x="3200400" y="3657600"/>
+            <a:off x="3276600" y="3657600"/>
             <a:ext cx="304800" cy="304800"/>
           </a:xfrm>
           <a:prstGeom prst="mathPlus">
@@ -13715,7 +13787,7 @@
         </p:nvSpPr>
         <p:spPr>
           <a:xfrm>
-            <a:off x="1219200" y="3623914"/>
+            <a:off x="1295400" y="3623914"/>
             <a:ext cx="1905000" cy="381000"/>
           </a:xfrm>
           <a:prstGeom prst="roundRect">
@@ -13766,7 +13838,7 @@
         </p:nvSpPr>
         <p:spPr>
           <a:xfrm>
-            <a:off x="1219200" y="3657600"/>
+            <a:off x="1295400" y="3657600"/>
             <a:ext cx="1828800" cy="338554"/>
           </a:xfrm>
           <a:prstGeom prst="rect">
@@ -13796,7 +13868,7 @@
         </p:nvSpPr>
         <p:spPr>
           <a:xfrm>
-            <a:off x="457200" y="457200"/>
+            <a:off x="533400" y="457200"/>
             <a:ext cx="3352800" cy="2154436"/>
           </a:xfrm>
           <a:prstGeom prst="rect">
@@ -13850,7 +13922,7 @@
         </p:nvSpPr>
         <p:spPr>
           <a:xfrm>
-            <a:off x="3200400" y="2819400"/>
+            <a:off x="3276600" y="2819400"/>
             <a:ext cx="304800" cy="228600"/>
           </a:xfrm>
           <a:prstGeom prst="mathMinus">
@@ -13897,7 +13969,7 @@
         </p:nvSpPr>
         <p:spPr>
           <a:xfrm>
-            <a:off x="457200" y="5867400"/>
+            <a:off x="533400" y="5867400"/>
             <a:ext cx="3352800" cy="369332"/>
           </a:xfrm>
           <a:prstGeom prst="rect">
@@ -13936,7 +14008,7 @@
         </p:nvSpPr>
         <p:spPr>
           <a:xfrm>
-            <a:off x="1295400" y="2438400"/>
+            <a:off x="1371600" y="2438400"/>
             <a:ext cx="1752600" cy="304800"/>
           </a:xfrm>
           <a:prstGeom prst="rect">
@@ -13981,7 +14053,7 @@
         </p:nvSpPr>
         <p:spPr>
           <a:xfrm>
-            <a:off x="1295400" y="3200400"/>
+            <a:off x="1371600" y="3200400"/>
             <a:ext cx="1752600" cy="228600"/>
           </a:xfrm>
           <a:prstGeom prst="rect">
@@ -14026,7 +14098,7 @@
         </p:nvSpPr>
         <p:spPr>
           <a:xfrm>
-            <a:off x="1219200" y="2438400"/>
+            <a:off x="1295400" y="2438400"/>
             <a:ext cx="1828800" cy="1323439"/>
           </a:xfrm>
           <a:prstGeom prst="rect">
@@ -14076,7 +14148,7 @@
         </p:nvSpPr>
         <p:spPr>
           <a:xfrm>
-            <a:off x="3124200" y="2667000"/>
+            <a:off x="3200400" y="2667000"/>
             <a:ext cx="457200" cy="533400"/>
           </a:xfrm>
           <a:prstGeom prst="rect">
@@ -14679,7 +14751,7 @@
         </p:nvSpPr>
         <p:spPr>
           <a:xfrm>
-            <a:off x="1219200" y="4114800"/>
+            <a:off x="1295400" y="4114800"/>
             <a:ext cx="928278" cy="369332"/>
           </a:xfrm>
           <a:prstGeom prst="rect">
@@ -14729,7 +14801,7 @@
         </p:nvSpPr>
         <p:spPr>
           <a:xfrm>
-            <a:off x="2286000" y="4114800"/>
+            <a:off x="2362200" y="4114800"/>
             <a:ext cx="928278" cy="369332"/>
           </a:xfrm>
           <a:prstGeom prst="rect">
@@ -14815,7 +14887,7 @@
         </p:nvSpPr>
         <p:spPr>
           <a:xfrm>
-            <a:off x="457199" y="5257800"/>
+            <a:off x="533399" y="5257800"/>
             <a:ext cx="3397431" cy="609600"/>
           </a:xfrm>
           <a:prstGeom prst="rect">
@@ -14855,7 +14927,7 @@
         </p:nvSpPr>
         <p:spPr>
           <a:xfrm>
-            <a:off x="457200" y="5257800"/>
+            <a:off x="533400" y="5257800"/>
             <a:ext cx="3397431" cy="609600"/>
           </a:xfrm>
           <a:prstGeom prst="rect">
@@ -14909,7 +14981,7 @@
         </p:blipFill>
         <p:spPr>
           <a:xfrm>
-            <a:off x="1143000" y="5410200"/>
+            <a:off x="1219200" y="5410200"/>
             <a:ext cx="304800" cy="304800"/>
           </a:xfrm>
           <a:prstGeom prst="rect">
@@ -14939,7 +15011,7 @@
         </p:blipFill>
         <p:spPr>
           <a:xfrm>
-            <a:off x="3352800" y="5410200"/>
+            <a:off x="3429000" y="5410200"/>
             <a:ext cx="304800" cy="304800"/>
           </a:xfrm>
           <a:prstGeom prst="rect">
@@ -14955,7 +15027,7 @@
         </p:nvSpPr>
         <p:spPr>
           <a:xfrm>
-            <a:off x="1754777" y="5286103"/>
+            <a:off x="1830977" y="5286103"/>
             <a:ext cx="685800" cy="533400"/>
           </a:xfrm>
           <a:prstGeom prst="roundRect">
@@ -15016,7 +15088,7 @@
         </p:blipFill>
         <p:spPr>
           <a:xfrm>
-            <a:off x="533400" y="5410200"/>
+            <a:off x="609600" y="5410200"/>
             <a:ext cx="304800" cy="304800"/>
           </a:xfrm>
           <a:prstGeom prst="rect">
@@ -15046,7 +15118,7 @@
         </p:blipFill>
         <p:spPr>
           <a:xfrm>
-            <a:off x="2743200" y="5410200"/>
+            <a:off x="2819400" y="5410200"/>
             <a:ext cx="304800" cy="304800"/>
           </a:xfrm>
           <a:prstGeom prst="rect">
@@ -15301,6 +15373,42 @@
           </a:prstGeom>
         </p:spPr>
       </p:pic>
+      <p:cxnSp>
+        <p:nvCxnSpPr>
+          <p:cNvPr id="47" name="Straight Arrow Connector 46"/>
+          <p:cNvCxnSpPr/>
+          <p:nvPr/>
+        </p:nvCxnSpPr>
+        <p:spPr>
+          <a:xfrm>
+            <a:off x="152400" y="3048000"/>
+            <a:ext cx="304800" cy="0"/>
+          </a:xfrm>
+          <a:prstGeom prst="straightConnector1">
+            <a:avLst/>
+          </a:prstGeom>
+          <a:ln w="28575">
+            <a:solidFill>
+              <a:srgbClr val="FF0000"/>
+            </a:solidFill>
+            <a:tailEnd type="arrow"/>
+          </a:ln>
+        </p:spPr>
+        <p:style>
+          <a:lnRef idx="1">
+            <a:schemeClr val="accent1"/>
+          </a:lnRef>
+          <a:fillRef idx="0">
+            <a:schemeClr val="accent1"/>
+          </a:fillRef>
+          <a:effectRef idx="0">
+            <a:schemeClr val="accent1"/>
+          </a:effectRef>
+          <a:fontRef idx="minor">
+            <a:schemeClr val="tx1"/>
+          </a:fontRef>
+        </p:style>
+      </p:cxnSp>
     </p:spTree>
     <p:extLst>
       <p:ext uri="{BB962C8B-B14F-4D97-AF65-F5344CB8AC3E}">
@@ -29741,8 +29849,8 @@
         </p:nvSpPr>
         <p:spPr>
           <a:xfrm>
-            <a:off x="5105401" y="-19237"/>
-            <a:ext cx="3412672" cy="6267637"/>
+            <a:off x="5105401" y="76200"/>
+            <a:ext cx="3412672" cy="6172200"/>
           </a:xfrm>
           <a:prstGeom prst="rect">
             <a:avLst/>
@@ -30558,8 +30666,8 @@
         </p:nvSpPr>
         <p:spPr>
           <a:xfrm>
-            <a:off x="5105400" y="0"/>
-            <a:ext cx="3397431" cy="1905000"/>
+            <a:off x="5105400" y="76200"/>
+            <a:ext cx="3397431" cy="1828800"/>
           </a:xfrm>
           <a:prstGeom prst="rect">
             <a:avLst/>

--- a/docs/mock-ups/Mock-ups.pptx
+++ b/docs/mock-ups/Mock-ups.pptx
@@ -304,7 +304,7 @@
           <a:p>
             <a:fld id="{4D43845C-15FD-4393-A4A3-99F12671E842}" type="datetimeFigureOut">
               <a:rPr lang="en-US" smtClean="0"/>
-              <a:t>2/3/15</a:t>
+              <a:t>2/5/15</a:t>
             </a:fld>
             <a:endParaRPr lang="en-US"/>
           </a:p>
@@ -474,7 +474,7 @@
           <a:p>
             <a:fld id="{4D43845C-15FD-4393-A4A3-99F12671E842}" type="datetimeFigureOut">
               <a:rPr lang="en-US" smtClean="0"/>
-              <a:t>2/3/15</a:t>
+              <a:t>2/5/15</a:t>
             </a:fld>
             <a:endParaRPr lang="en-US"/>
           </a:p>
@@ -654,7 +654,7 @@
           <a:p>
             <a:fld id="{4D43845C-15FD-4393-A4A3-99F12671E842}" type="datetimeFigureOut">
               <a:rPr lang="en-US" smtClean="0"/>
-              <a:t>2/3/15</a:t>
+              <a:t>2/5/15</a:t>
             </a:fld>
             <a:endParaRPr lang="en-US"/>
           </a:p>
@@ -824,7 +824,7 @@
           <a:p>
             <a:fld id="{4D43845C-15FD-4393-A4A3-99F12671E842}" type="datetimeFigureOut">
               <a:rPr lang="en-US" smtClean="0"/>
-              <a:t>2/3/15</a:t>
+              <a:t>2/5/15</a:t>
             </a:fld>
             <a:endParaRPr lang="en-US"/>
           </a:p>
@@ -1070,7 +1070,7 @@
           <a:p>
             <a:fld id="{4D43845C-15FD-4393-A4A3-99F12671E842}" type="datetimeFigureOut">
               <a:rPr lang="en-US" smtClean="0"/>
-              <a:t>2/3/15</a:t>
+              <a:t>2/5/15</a:t>
             </a:fld>
             <a:endParaRPr lang="en-US"/>
           </a:p>
@@ -1358,7 +1358,7 @@
           <a:p>
             <a:fld id="{4D43845C-15FD-4393-A4A3-99F12671E842}" type="datetimeFigureOut">
               <a:rPr lang="en-US" smtClean="0"/>
-              <a:t>2/3/15</a:t>
+              <a:t>2/5/15</a:t>
             </a:fld>
             <a:endParaRPr lang="en-US"/>
           </a:p>
@@ -1780,7 +1780,7 @@
           <a:p>
             <a:fld id="{4D43845C-15FD-4393-A4A3-99F12671E842}" type="datetimeFigureOut">
               <a:rPr lang="en-US" smtClean="0"/>
-              <a:t>2/3/15</a:t>
+              <a:t>2/5/15</a:t>
             </a:fld>
             <a:endParaRPr lang="en-US"/>
           </a:p>
@@ -1898,7 +1898,7 @@
           <a:p>
             <a:fld id="{4D43845C-15FD-4393-A4A3-99F12671E842}" type="datetimeFigureOut">
               <a:rPr lang="en-US" smtClean="0"/>
-              <a:t>2/3/15</a:t>
+              <a:t>2/5/15</a:t>
             </a:fld>
             <a:endParaRPr lang="en-US"/>
           </a:p>
@@ -1993,7 +1993,7 @@
           <a:p>
             <a:fld id="{4D43845C-15FD-4393-A4A3-99F12671E842}" type="datetimeFigureOut">
               <a:rPr lang="en-US" smtClean="0"/>
-              <a:t>2/3/15</a:t>
+              <a:t>2/5/15</a:t>
             </a:fld>
             <a:endParaRPr lang="en-US"/>
           </a:p>
@@ -2270,7 +2270,7 @@
           <a:p>
             <a:fld id="{4D43845C-15FD-4393-A4A3-99F12671E842}" type="datetimeFigureOut">
               <a:rPr lang="en-US" smtClean="0"/>
-              <a:t>2/3/15</a:t>
+              <a:t>2/5/15</a:t>
             </a:fld>
             <a:endParaRPr lang="en-US"/>
           </a:p>
@@ -2523,7 +2523,7 @@
           <a:p>
             <a:fld id="{4D43845C-15FD-4393-A4A3-99F12671E842}" type="datetimeFigureOut">
               <a:rPr lang="en-US" smtClean="0"/>
-              <a:t>2/3/15</a:t>
+              <a:t>2/5/15</a:t>
             </a:fld>
             <a:endParaRPr lang="en-US"/>
           </a:p>
@@ -2736,7 +2736,7 @@
           <a:p>
             <a:fld id="{4D43845C-15FD-4393-A4A3-99F12671E842}" type="datetimeFigureOut">
               <a:rPr lang="en-US" smtClean="0"/>
-              <a:t>2/3/15</a:t>
+              <a:t>2/5/15</a:t>
             </a:fld>
             <a:endParaRPr lang="en-US"/>
           </a:p>
@@ -3366,6 +3366,18 @@
           <a:p>
             <a:pPr algn="r"/>
             <a:r>
+              <a:rPr lang="en-US" dirty="0">
+                <a:solidFill>
+                  <a:schemeClr val="tx2">
+                    <a:lumMod val="75000"/>
+                  </a:schemeClr>
+                </a:solidFill>
+                <a:latin typeface="Bradley Hand Bold"/>
+                <a:cs typeface="Bradley Hand Bold"/>
+              </a:rPr>
+              <a:t>U</a:t>
+            </a:r>
+            <a:r>
               <a:rPr lang="en-US" dirty="0" smtClean="0">
                 <a:solidFill>
                   <a:schemeClr val="tx2">
@@ -3375,7 +3387,7 @@
                 <a:latin typeface="Bradley Hand Bold"/>
                 <a:cs typeface="Bradley Hand Bold"/>
               </a:rPr>
-              <a:t>Email</a:t>
+              <a:t>sername</a:t>
             </a:r>
             <a:endParaRPr lang="en-US" dirty="0">
               <a:solidFill>
@@ -3444,8 +3456,8 @@
         </p:nvSpPr>
         <p:spPr>
           <a:xfrm>
-            <a:off x="5029200" y="254778"/>
-            <a:ext cx="3397431" cy="5778922"/>
+            <a:off x="5029200" y="76200"/>
+            <a:ext cx="3397431" cy="6324600"/>
           </a:xfrm>
           <a:prstGeom prst="rect">
             <a:avLst/>
@@ -3496,7 +3508,7 @@
         </p:nvSpPr>
         <p:spPr>
           <a:xfrm>
-            <a:off x="6324600" y="1702578"/>
+            <a:off x="6324600" y="2057400"/>
             <a:ext cx="1905000" cy="381000"/>
           </a:xfrm>
           <a:prstGeom prst="roundRect">
@@ -3547,7 +3559,7 @@
         </p:nvSpPr>
         <p:spPr>
           <a:xfrm>
-            <a:off x="6324600" y="2312178"/>
+            <a:off x="6324600" y="2667000"/>
             <a:ext cx="1905000" cy="381000"/>
           </a:xfrm>
           <a:prstGeom prst="roundRect">
@@ -3598,7 +3610,7 @@
         </p:nvSpPr>
         <p:spPr>
           <a:xfrm>
-            <a:off x="5105400" y="1702578"/>
+            <a:off x="5105400" y="2057400"/>
             <a:ext cx="1219200" cy="381000"/>
           </a:xfrm>
           <a:prstGeom prst="rect">
@@ -3645,7 +3657,7 @@
         </p:nvSpPr>
         <p:spPr>
           <a:xfrm>
-            <a:off x="5105400" y="2312178"/>
+            <a:off x="5105400" y="2667000"/>
             <a:ext cx="1219200" cy="381000"/>
           </a:xfrm>
           <a:prstGeom prst="rect">
@@ -3692,7 +3704,7 @@
         </p:nvSpPr>
         <p:spPr>
           <a:xfrm>
-            <a:off x="6324600" y="3531378"/>
+            <a:off x="6324600" y="3886200"/>
             <a:ext cx="1905000" cy="381000"/>
           </a:xfrm>
           <a:prstGeom prst="roundRect">
@@ -3743,7 +3755,7 @@
         </p:nvSpPr>
         <p:spPr>
           <a:xfrm>
-            <a:off x="5105400" y="3531378"/>
+            <a:off x="5105400" y="3886200"/>
             <a:ext cx="1219200" cy="381000"/>
           </a:xfrm>
           <a:prstGeom prst="rect">
@@ -3790,7 +3802,7 @@
         </p:nvSpPr>
         <p:spPr>
           <a:xfrm>
-            <a:off x="6324600" y="4140978"/>
+            <a:off x="6324600" y="4495800"/>
             <a:ext cx="1905000" cy="1219200"/>
           </a:xfrm>
           <a:prstGeom prst="roundRect">
@@ -3841,7 +3853,7 @@
         </p:nvSpPr>
         <p:spPr>
           <a:xfrm>
-            <a:off x="5105400" y="4140978"/>
+            <a:off x="5105400" y="4495800"/>
             <a:ext cx="1219200" cy="381000"/>
           </a:xfrm>
           <a:prstGeom prst="rect">
@@ -3888,7 +3900,7 @@
         </p:nvSpPr>
         <p:spPr>
           <a:xfrm>
-            <a:off x="6324600" y="483378"/>
+            <a:off x="6324600" y="304800"/>
             <a:ext cx="990600" cy="914400"/>
           </a:xfrm>
           <a:prstGeom prst="rect">
@@ -3936,7 +3948,7 @@
         </p:nvSpPr>
         <p:spPr>
           <a:xfrm>
-            <a:off x="6248400" y="711978"/>
+            <a:off x="6248400" y="533400"/>
             <a:ext cx="990600" cy="338554"/>
           </a:xfrm>
           <a:prstGeom prst="rect">
@@ -4100,7 +4112,7 @@
         </p:nvSpPr>
         <p:spPr>
           <a:xfrm>
-            <a:off x="6324600" y="2921778"/>
+            <a:off x="6324600" y="3276600"/>
             <a:ext cx="1905000" cy="381000"/>
           </a:xfrm>
           <a:prstGeom prst="roundRect">
@@ -4151,7 +4163,7 @@
         </p:nvSpPr>
         <p:spPr>
           <a:xfrm>
-            <a:off x="5105400" y="2803064"/>
+            <a:off x="5105400" y="3157886"/>
             <a:ext cx="1219200" cy="646331"/>
           </a:xfrm>
           <a:prstGeom prst="rect">
@@ -4252,8 +4264,8 @@
         </p:nvSpPr>
         <p:spPr>
           <a:xfrm>
-            <a:off x="5029200" y="6019800"/>
-            <a:ext cx="3429000" cy="369332"/>
+            <a:off x="5029200" y="6324600"/>
+            <a:ext cx="3429000" cy="646331"/>
           </a:xfrm>
           <a:prstGeom prst="rect">
             <a:avLst/>
@@ -4289,7 +4301,7 @@
                   <a:srgbClr val="FF0000"/>
                 </a:solidFill>
               </a:rPr>
-              <a:t>Screen</a:t>
+              <a:t>Screen (new user)</a:t>
             </a:r>
             <a:endParaRPr lang="en-US" b="1" dirty="0">
               <a:solidFill>
@@ -4381,42 +4393,6 @@
           </a:fontRef>
         </p:style>
       </p:cxnSp>
-      <p:cxnSp>
-        <p:nvCxnSpPr>
-          <p:cNvPr id="31" name="Straight Arrow Connector 30"/>
-          <p:cNvCxnSpPr/>
-          <p:nvPr/>
-        </p:nvCxnSpPr>
-        <p:spPr>
-          <a:xfrm>
-            <a:off x="8610600" y="3048000"/>
-            <a:ext cx="381000" cy="0"/>
-          </a:xfrm>
-          <a:prstGeom prst="straightConnector1">
-            <a:avLst/>
-          </a:prstGeom>
-          <a:ln w="28575">
-            <a:solidFill>
-              <a:srgbClr val="FF0000"/>
-            </a:solidFill>
-            <a:tailEnd type="arrow"/>
-          </a:ln>
-        </p:spPr>
-        <p:style>
-          <a:lnRef idx="1">
-            <a:schemeClr val="accent1"/>
-          </a:lnRef>
-          <a:fillRef idx="0">
-            <a:schemeClr val="accent1"/>
-          </a:fillRef>
-          <a:effectRef idx="0">
-            <a:schemeClr val="accent1"/>
-          </a:effectRef>
-          <a:fontRef idx="minor">
-            <a:schemeClr val="tx1"/>
-          </a:fontRef>
-        </p:style>
-      </p:cxnSp>
       <p:sp>
         <p:nvSpPr>
           <p:cNvPr id="34" name="TextBox 33"/>
@@ -4425,7 +4401,7 @@
         </p:nvSpPr>
         <p:spPr>
           <a:xfrm>
-            <a:off x="6324600" y="5486400"/>
+            <a:off x="6324600" y="5841222"/>
             <a:ext cx="928278" cy="369332"/>
           </a:xfrm>
           <a:prstGeom prst="rect">
@@ -4475,7 +4451,7 @@
         </p:nvSpPr>
         <p:spPr>
           <a:xfrm>
-            <a:off x="7391400" y="5486400"/>
+            <a:off x="7391400" y="5841222"/>
             <a:ext cx="928278" cy="369332"/>
           </a:xfrm>
           <a:prstGeom prst="rect">
@@ -4517,6 +4493,140 @@
           </a:p>
         </p:txBody>
       </p:sp>
+      <p:sp>
+        <p:nvSpPr>
+          <p:cNvPr id="32" name="Rounded Rectangle 31"/>
+          <p:cNvSpPr/>
+          <p:nvPr/>
+        </p:nvSpPr>
+        <p:spPr>
+          <a:xfrm>
+            <a:off x="6324600" y="1447800"/>
+            <a:ext cx="1905000" cy="381000"/>
+          </a:xfrm>
+          <a:prstGeom prst="roundRect">
+            <a:avLst/>
+          </a:prstGeom>
+          <a:solidFill>
+            <a:schemeClr val="bg1">
+              <a:alpha val="60000"/>
+            </a:schemeClr>
+          </a:solidFill>
+          <a:ln>
+            <a:solidFill>
+              <a:schemeClr val="accent1">
+                <a:lumMod val="75000"/>
+              </a:schemeClr>
+            </a:solidFill>
+          </a:ln>
+          <a:effectLst/>
+        </p:spPr>
+        <p:style>
+          <a:lnRef idx="1">
+            <a:schemeClr val="accent1"/>
+          </a:lnRef>
+          <a:fillRef idx="3">
+            <a:schemeClr val="accent1"/>
+          </a:fillRef>
+          <a:effectRef idx="2">
+            <a:schemeClr val="accent1"/>
+          </a:effectRef>
+          <a:fontRef idx="minor">
+            <a:schemeClr val="lt1"/>
+          </a:fontRef>
+        </p:style>
+        <p:txBody>
+          <a:bodyPr rtlCol="0" anchor="ctr"/>
+          <a:lstStyle/>
+          <a:p>
+            <a:pPr algn="ctr"/>
+            <a:endParaRPr lang="en-US"/>
+          </a:p>
+        </p:txBody>
+      </p:sp>
+      <p:sp>
+        <p:nvSpPr>
+          <p:cNvPr id="33" name="TextBox 32"/>
+          <p:cNvSpPr txBox="1"/>
+          <p:nvPr/>
+        </p:nvSpPr>
+        <p:spPr>
+          <a:xfrm>
+            <a:off x="5105400" y="1447800"/>
+            <a:ext cx="1219200" cy="381000"/>
+          </a:xfrm>
+          <a:prstGeom prst="rect">
+            <a:avLst/>
+          </a:prstGeom>
+          <a:noFill/>
+        </p:spPr>
+        <p:txBody>
+          <a:bodyPr wrap="square" rtlCol="0">
+            <a:spAutoFit/>
+          </a:bodyPr>
+          <a:lstStyle/>
+          <a:p>
+            <a:pPr algn="r"/>
+            <a:r>
+              <a:rPr lang="en-US" dirty="0" smtClean="0">
+                <a:solidFill>
+                  <a:schemeClr val="tx2">
+                    <a:lumMod val="75000"/>
+                  </a:schemeClr>
+                </a:solidFill>
+                <a:latin typeface="Bradley Hand Bold"/>
+                <a:cs typeface="Bradley Hand Bold"/>
+              </a:rPr>
+              <a:t>Username</a:t>
+            </a:r>
+            <a:endParaRPr lang="en-US" dirty="0">
+              <a:solidFill>
+                <a:schemeClr val="tx2">
+                  <a:lumMod val="75000"/>
+                </a:schemeClr>
+              </a:solidFill>
+              <a:latin typeface="Bradley Hand Bold"/>
+              <a:cs typeface="Bradley Hand Bold"/>
+            </a:endParaRPr>
+          </a:p>
+        </p:txBody>
+      </p:sp>
+      <p:cxnSp>
+        <p:nvCxnSpPr>
+          <p:cNvPr id="36" name="Straight Arrow Connector 35"/>
+          <p:cNvCxnSpPr/>
+          <p:nvPr/>
+        </p:nvCxnSpPr>
+        <p:spPr>
+          <a:xfrm>
+            <a:off x="8610600" y="3048000"/>
+            <a:ext cx="381000" cy="0"/>
+          </a:xfrm>
+          <a:prstGeom prst="straightConnector1">
+            <a:avLst/>
+          </a:prstGeom>
+          <a:ln w="28575">
+            <a:solidFill>
+              <a:srgbClr val="FF0000"/>
+            </a:solidFill>
+            <a:tailEnd type="arrow"/>
+          </a:ln>
+        </p:spPr>
+        <p:style>
+          <a:lnRef idx="1">
+            <a:schemeClr val="accent1"/>
+          </a:lnRef>
+          <a:fillRef idx="0">
+            <a:schemeClr val="accent1"/>
+          </a:fillRef>
+          <a:effectRef idx="0">
+            <a:schemeClr val="accent1"/>
+          </a:effectRef>
+          <a:fontRef idx="minor">
+            <a:schemeClr val="tx1"/>
+          </a:fontRef>
+        </p:style>
+      </p:cxnSp>
     </p:spTree>
     <p:extLst>
       <p:ext uri="{BB962C8B-B14F-4D97-AF65-F5344CB8AC3E}">
@@ -8255,989 +8365,6 @@
       </p:sp>
       <p:sp>
         <p:nvSpPr>
-          <p:cNvPr id="32" name="Rectangle 31"/>
-          <p:cNvSpPr/>
-          <p:nvPr/>
-        </p:nvSpPr>
-        <p:spPr>
-          <a:xfrm>
-            <a:off x="4953000" y="304800"/>
-            <a:ext cx="3397431" cy="5778922"/>
-          </a:xfrm>
-          <a:prstGeom prst="rect">
-            <a:avLst/>
-          </a:prstGeom>
-          <a:gradFill flip="none" rotWithShape="1">
-            <a:gsLst>
-              <a:gs pos="0">
-                <a:schemeClr val="accent5"/>
-              </a:gs>
-              <a:gs pos="100000">
-                <a:schemeClr val="accent1"/>
-              </a:gs>
-            </a:gsLst>
-            <a:lin ang="5160000" scaled="0"/>
-            <a:tileRect/>
-          </a:gradFill>
-        </p:spPr>
-        <p:style>
-          <a:lnRef idx="2">
-            <a:schemeClr val="accent1">
-              <a:shade val="50000"/>
-            </a:schemeClr>
-          </a:lnRef>
-          <a:fillRef idx="1">
-            <a:schemeClr val="accent1"/>
-          </a:fillRef>
-          <a:effectRef idx="0">
-            <a:schemeClr val="accent1"/>
-          </a:effectRef>
-          <a:fontRef idx="minor">
-            <a:schemeClr val="lt1"/>
-          </a:fontRef>
-        </p:style>
-        <p:txBody>
-          <a:bodyPr rtlCol="0" anchor="ctr"/>
-          <a:lstStyle/>
-          <a:p>
-            <a:pPr algn="ctr"/>
-            <a:endParaRPr lang="en-US" dirty="0"/>
-          </a:p>
-        </p:txBody>
-      </p:sp>
-      <p:sp>
-        <p:nvSpPr>
-          <p:cNvPr id="33" name="Rounded Rectangle 32"/>
-          <p:cNvSpPr/>
-          <p:nvPr/>
-        </p:nvSpPr>
-        <p:spPr>
-          <a:xfrm>
-            <a:off x="6248400" y="1752600"/>
-            <a:ext cx="1905000" cy="381000"/>
-          </a:xfrm>
-          <a:prstGeom prst="roundRect">
-            <a:avLst/>
-          </a:prstGeom>
-          <a:solidFill>
-            <a:schemeClr val="bg1">
-              <a:alpha val="60000"/>
-            </a:schemeClr>
-          </a:solidFill>
-          <a:ln>
-            <a:solidFill>
-              <a:schemeClr val="accent1">
-                <a:lumMod val="75000"/>
-              </a:schemeClr>
-            </a:solidFill>
-          </a:ln>
-          <a:effectLst/>
-        </p:spPr>
-        <p:style>
-          <a:lnRef idx="1">
-            <a:schemeClr val="accent1"/>
-          </a:lnRef>
-          <a:fillRef idx="3">
-            <a:schemeClr val="accent1"/>
-          </a:fillRef>
-          <a:effectRef idx="2">
-            <a:schemeClr val="accent1"/>
-          </a:effectRef>
-          <a:fontRef idx="minor">
-            <a:schemeClr val="lt1"/>
-          </a:fontRef>
-        </p:style>
-        <p:txBody>
-          <a:bodyPr rtlCol="0" anchor="ctr"/>
-          <a:lstStyle/>
-          <a:p>
-            <a:pPr algn="ctr"/>
-            <a:endParaRPr lang="en-US"/>
-          </a:p>
-        </p:txBody>
-      </p:sp>
-      <p:sp>
-        <p:nvSpPr>
-          <p:cNvPr id="34" name="Rounded Rectangle 33"/>
-          <p:cNvSpPr/>
-          <p:nvPr/>
-        </p:nvSpPr>
-        <p:spPr>
-          <a:xfrm>
-            <a:off x="6248400" y="2362200"/>
-            <a:ext cx="1905000" cy="381000"/>
-          </a:xfrm>
-          <a:prstGeom prst="roundRect">
-            <a:avLst/>
-          </a:prstGeom>
-          <a:solidFill>
-            <a:schemeClr val="bg1">
-              <a:alpha val="60000"/>
-            </a:schemeClr>
-          </a:solidFill>
-          <a:ln>
-            <a:solidFill>
-              <a:schemeClr val="accent1">
-                <a:lumMod val="75000"/>
-              </a:schemeClr>
-            </a:solidFill>
-          </a:ln>
-          <a:effectLst/>
-        </p:spPr>
-        <p:style>
-          <a:lnRef idx="1">
-            <a:schemeClr val="accent1"/>
-          </a:lnRef>
-          <a:fillRef idx="3">
-            <a:schemeClr val="accent1"/>
-          </a:fillRef>
-          <a:effectRef idx="2">
-            <a:schemeClr val="accent1"/>
-          </a:effectRef>
-          <a:fontRef idx="minor">
-            <a:schemeClr val="lt1"/>
-          </a:fontRef>
-        </p:style>
-        <p:txBody>
-          <a:bodyPr rtlCol="0" anchor="ctr"/>
-          <a:lstStyle/>
-          <a:p>
-            <a:pPr algn="ctr"/>
-            <a:endParaRPr lang="en-US"/>
-          </a:p>
-        </p:txBody>
-      </p:sp>
-      <p:sp>
-        <p:nvSpPr>
-          <p:cNvPr id="35" name="TextBox 34"/>
-          <p:cNvSpPr txBox="1"/>
-          <p:nvPr/>
-        </p:nvSpPr>
-        <p:spPr>
-          <a:xfrm>
-            <a:off x="5029200" y="1752600"/>
-            <a:ext cx="1219200" cy="381000"/>
-          </a:xfrm>
-          <a:prstGeom prst="rect">
-            <a:avLst/>
-          </a:prstGeom>
-          <a:noFill/>
-        </p:spPr>
-        <p:txBody>
-          <a:bodyPr wrap="square" rtlCol="0">
-            <a:spAutoFit/>
-          </a:bodyPr>
-          <a:lstStyle/>
-          <a:p>
-            <a:pPr algn="r"/>
-            <a:r>
-              <a:rPr lang="en-US" dirty="0" smtClean="0">
-                <a:solidFill>
-                  <a:schemeClr val="tx2">
-                    <a:lumMod val="75000"/>
-                  </a:schemeClr>
-                </a:solidFill>
-                <a:latin typeface="Bradley Hand Bold"/>
-                <a:cs typeface="Bradley Hand Bold"/>
-              </a:rPr>
-              <a:t>Email</a:t>
-            </a:r>
-            <a:endParaRPr lang="en-US" dirty="0">
-              <a:solidFill>
-                <a:schemeClr val="tx2">
-                  <a:lumMod val="75000"/>
-                </a:schemeClr>
-              </a:solidFill>
-              <a:latin typeface="Bradley Hand Bold"/>
-              <a:cs typeface="Bradley Hand Bold"/>
-            </a:endParaRPr>
-          </a:p>
-        </p:txBody>
-      </p:sp>
-      <p:sp>
-        <p:nvSpPr>
-          <p:cNvPr id="36" name="TextBox 35"/>
-          <p:cNvSpPr txBox="1"/>
-          <p:nvPr/>
-        </p:nvSpPr>
-        <p:spPr>
-          <a:xfrm>
-            <a:off x="5029200" y="2362200"/>
-            <a:ext cx="1219200" cy="381000"/>
-          </a:xfrm>
-          <a:prstGeom prst="rect">
-            <a:avLst/>
-          </a:prstGeom>
-          <a:noFill/>
-        </p:spPr>
-        <p:txBody>
-          <a:bodyPr wrap="square" rtlCol="0">
-            <a:spAutoFit/>
-          </a:bodyPr>
-          <a:lstStyle/>
-          <a:p>
-            <a:pPr algn="r"/>
-            <a:r>
-              <a:rPr lang="en-US" dirty="0" smtClean="0">
-                <a:solidFill>
-                  <a:schemeClr val="tx2">
-                    <a:lumMod val="75000"/>
-                  </a:schemeClr>
-                </a:solidFill>
-                <a:latin typeface="Bradley Hand Bold"/>
-                <a:cs typeface="Bradley Hand Bold"/>
-              </a:rPr>
-              <a:t>Password</a:t>
-            </a:r>
-            <a:endParaRPr lang="en-US" dirty="0">
-              <a:solidFill>
-                <a:schemeClr val="tx2">
-                  <a:lumMod val="75000"/>
-                </a:schemeClr>
-              </a:solidFill>
-              <a:latin typeface="Bradley Hand Bold"/>
-              <a:cs typeface="Bradley Hand Bold"/>
-            </a:endParaRPr>
-          </a:p>
-        </p:txBody>
-      </p:sp>
-      <p:sp>
-        <p:nvSpPr>
-          <p:cNvPr id="37" name="Rounded Rectangle 36"/>
-          <p:cNvSpPr/>
-          <p:nvPr/>
-        </p:nvSpPr>
-        <p:spPr>
-          <a:xfrm>
-            <a:off x="6248400" y="3581400"/>
-            <a:ext cx="1905000" cy="381000"/>
-          </a:xfrm>
-          <a:prstGeom prst="roundRect">
-            <a:avLst/>
-          </a:prstGeom>
-          <a:solidFill>
-            <a:schemeClr val="bg1">
-              <a:alpha val="60000"/>
-            </a:schemeClr>
-          </a:solidFill>
-          <a:ln>
-            <a:solidFill>
-              <a:schemeClr val="accent1">
-                <a:lumMod val="75000"/>
-              </a:schemeClr>
-            </a:solidFill>
-          </a:ln>
-          <a:effectLst/>
-        </p:spPr>
-        <p:style>
-          <a:lnRef idx="1">
-            <a:schemeClr val="accent1"/>
-          </a:lnRef>
-          <a:fillRef idx="3">
-            <a:schemeClr val="accent1"/>
-          </a:fillRef>
-          <a:effectRef idx="2">
-            <a:schemeClr val="accent1"/>
-          </a:effectRef>
-          <a:fontRef idx="minor">
-            <a:schemeClr val="lt1"/>
-          </a:fontRef>
-        </p:style>
-        <p:txBody>
-          <a:bodyPr rtlCol="0" anchor="ctr"/>
-          <a:lstStyle/>
-          <a:p>
-            <a:pPr algn="ctr"/>
-            <a:endParaRPr lang="en-US"/>
-          </a:p>
-        </p:txBody>
-      </p:sp>
-      <p:sp>
-        <p:nvSpPr>
-          <p:cNvPr id="38" name="TextBox 37"/>
-          <p:cNvSpPr txBox="1"/>
-          <p:nvPr/>
-        </p:nvSpPr>
-        <p:spPr>
-          <a:xfrm>
-            <a:off x="5029200" y="3581400"/>
-            <a:ext cx="1219200" cy="381000"/>
-          </a:xfrm>
-          <a:prstGeom prst="rect">
-            <a:avLst/>
-          </a:prstGeom>
-          <a:noFill/>
-        </p:spPr>
-        <p:txBody>
-          <a:bodyPr wrap="square" rtlCol="0">
-            <a:spAutoFit/>
-          </a:bodyPr>
-          <a:lstStyle/>
-          <a:p>
-            <a:pPr algn="r"/>
-            <a:r>
-              <a:rPr lang="en-US" dirty="0" smtClean="0">
-                <a:solidFill>
-                  <a:schemeClr val="tx2">
-                    <a:lumMod val="75000"/>
-                  </a:schemeClr>
-                </a:solidFill>
-                <a:latin typeface="Bradley Hand Bold"/>
-                <a:cs typeface="Bradley Hand Bold"/>
-              </a:rPr>
-              <a:t>Name</a:t>
-            </a:r>
-            <a:endParaRPr lang="en-US" dirty="0">
-              <a:solidFill>
-                <a:schemeClr val="tx2">
-                  <a:lumMod val="75000"/>
-                </a:schemeClr>
-              </a:solidFill>
-              <a:latin typeface="Bradley Hand Bold"/>
-              <a:cs typeface="Bradley Hand Bold"/>
-            </a:endParaRPr>
-          </a:p>
-        </p:txBody>
-      </p:sp>
-      <p:sp>
-        <p:nvSpPr>
-          <p:cNvPr id="39" name="Rounded Rectangle 38"/>
-          <p:cNvSpPr/>
-          <p:nvPr/>
-        </p:nvSpPr>
-        <p:spPr>
-          <a:xfrm>
-            <a:off x="6248400" y="4191000"/>
-            <a:ext cx="1905000" cy="1219200"/>
-          </a:xfrm>
-          <a:prstGeom prst="roundRect">
-            <a:avLst/>
-          </a:prstGeom>
-          <a:solidFill>
-            <a:schemeClr val="bg1">
-              <a:alpha val="60000"/>
-            </a:schemeClr>
-          </a:solidFill>
-          <a:ln>
-            <a:solidFill>
-              <a:schemeClr val="accent1">
-                <a:lumMod val="75000"/>
-              </a:schemeClr>
-            </a:solidFill>
-          </a:ln>
-          <a:effectLst/>
-        </p:spPr>
-        <p:style>
-          <a:lnRef idx="1">
-            <a:schemeClr val="accent1"/>
-          </a:lnRef>
-          <a:fillRef idx="3">
-            <a:schemeClr val="accent1"/>
-          </a:fillRef>
-          <a:effectRef idx="2">
-            <a:schemeClr val="accent1"/>
-          </a:effectRef>
-          <a:fontRef idx="minor">
-            <a:schemeClr val="lt1"/>
-          </a:fontRef>
-        </p:style>
-        <p:txBody>
-          <a:bodyPr rtlCol="0" anchor="ctr"/>
-          <a:lstStyle/>
-          <a:p>
-            <a:pPr algn="ctr"/>
-            <a:endParaRPr lang="en-US"/>
-          </a:p>
-        </p:txBody>
-      </p:sp>
-      <p:sp>
-        <p:nvSpPr>
-          <p:cNvPr id="40" name="TextBox 39"/>
-          <p:cNvSpPr txBox="1"/>
-          <p:nvPr/>
-        </p:nvSpPr>
-        <p:spPr>
-          <a:xfrm>
-            <a:off x="5029200" y="4191000"/>
-            <a:ext cx="1219200" cy="381000"/>
-          </a:xfrm>
-          <a:prstGeom prst="rect">
-            <a:avLst/>
-          </a:prstGeom>
-          <a:noFill/>
-        </p:spPr>
-        <p:txBody>
-          <a:bodyPr wrap="square" rtlCol="0">
-            <a:spAutoFit/>
-          </a:bodyPr>
-          <a:lstStyle/>
-          <a:p>
-            <a:pPr algn="r"/>
-            <a:r>
-              <a:rPr lang="en-US" dirty="0" smtClean="0">
-                <a:solidFill>
-                  <a:schemeClr val="tx2">
-                    <a:lumMod val="75000"/>
-                  </a:schemeClr>
-                </a:solidFill>
-                <a:latin typeface="Bradley Hand Bold"/>
-                <a:cs typeface="Bradley Hand Bold"/>
-              </a:rPr>
-              <a:t>Bio</a:t>
-            </a:r>
-            <a:endParaRPr lang="en-US" dirty="0">
-              <a:solidFill>
-                <a:schemeClr val="tx2">
-                  <a:lumMod val="75000"/>
-                </a:schemeClr>
-              </a:solidFill>
-              <a:latin typeface="Bradley Hand Bold"/>
-              <a:cs typeface="Bradley Hand Bold"/>
-            </a:endParaRPr>
-          </a:p>
-        </p:txBody>
-      </p:sp>
-      <p:sp>
-        <p:nvSpPr>
-          <p:cNvPr id="41" name="Rectangle 40"/>
-          <p:cNvSpPr/>
-          <p:nvPr/>
-        </p:nvSpPr>
-        <p:spPr>
-          <a:xfrm>
-            <a:off x="6248400" y="533400"/>
-            <a:ext cx="990600" cy="914400"/>
-          </a:xfrm>
-          <a:prstGeom prst="rect">
-            <a:avLst/>
-          </a:prstGeom>
-          <a:noFill/>
-          <a:ln w="28575" cmpd="sng">
-            <a:solidFill>
-              <a:schemeClr val="accent1">
-                <a:lumMod val="75000"/>
-              </a:schemeClr>
-            </a:solidFill>
-            <a:prstDash val="dash"/>
-          </a:ln>
-          <a:effectLst/>
-        </p:spPr>
-        <p:style>
-          <a:lnRef idx="1">
-            <a:schemeClr val="accent1"/>
-          </a:lnRef>
-          <a:fillRef idx="3">
-            <a:schemeClr val="accent1"/>
-          </a:fillRef>
-          <a:effectRef idx="2">
-            <a:schemeClr val="accent1"/>
-          </a:effectRef>
-          <a:fontRef idx="minor">
-            <a:schemeClr val="lt1"/>
-          </a:fontRef>
-        </p:style>
-        <p:txBody>
-          <a:bodyPr rtlCol="0" anchor="ctr"/>
-          <a:lstStyle/>
-          <a:p>
-            <a:pPr algn="ctr"/>
-            <a:endParaRPr lang="en-US"/>
-          </a:p>
-        </p:txBody>
-      </p:sp>
-      <p:sp>
-        <p:nvSpPr>
-          <p:cNvPr id="42" name="TextBox 41"/>
-          <p:cNvSpPr txBox="1"/>
-          <p:nvPr/>
-        </p:nvSpPr>
-        <p:spPr>
-          <a:xfrm>
-            <a:off x="6172200" y="762000"/>
-            <a:ext cx="990600" cy="338554"/>
-          </a:xfrm>
-          <a:prstGeom prst="rect">
-            <a:avLst/>
-          </a:prstGeom>
-          <a:noFill/>
-        </p:spPr>
-        <p:txBody>
-          <a:bodyPr wrap="square" rtlCol="0">
-            <a:spAutoFit/>
-          </a:bodyPr>
-          <a:lstStyle/>
-          <a:p>
-            <a:pPr algn="ctr"/>
-            <a:r>
-              <a:rPr lang="en-US" sz="1600" dirty="0" smtClean="0">
-                <a:solidFill>
-                  <a:schemeClr val="accent1">
-                    <a:lumMod val="75000"/>
-                  </a:schemeClr>
-                </a:solidFill>
-              </a:rPr>
-              <a:t>   Photo</a:t>
-            </a:r>
-            <a:endParaRPr lang="en-US" sz="1600" dirty="0">
-              <a:solidFill>
-                <a:schemeClr val="accent1">
-                  <a:lumMod val="75000"/>
-                </a:schemeClr>
-              </a:solidFill>
-            </a:endParaRPr>
-          </a:p>
-        </p:txBody>
-      </p:sp>
-      <p:sp>
-        <p:nvSpPr>
-          <p:cNvPr id="44" name="Rounded Rectangle 43"/>
-          <p:cNvSpPr/>
-          <p:nvPr/>
-        </p:nvSpPr>
-        <p:spPr>
-          <a:xfrm>
-            <a:off x="6248400" y="2971800"/>
-            <a:ext cx="1905000" cy="381000"/>
-          </a:xfrm>
-          <a:prstGeom prst="roundRect">
-            <a:avLst/>
-          </a:prstGeom>
-          <a:solidFill>
-            <a:schemeClr val="bg1">
-              <a:alpha val="60000"/>
-            </a:schemeClr>
-          </a:solidFill>
-          <a:ln>
-            <a:solidFill>
-              <a:schemeClr val="accent1">
-                <a:lumMod val="75000"/>
-              </a:schemeClr>
-            </a:solidFill>
-          </a:ln>
-          <a:effectLst/>
-        </p:spPr>
-        <p:style>
-          <a:lnRef idx="1">
-            <a:schemeClr val="accent1"/>
-          </a:lnRef>
-          <a:fillRef idx="3">
-            <a:schemeClr val="accent1"/>
-          </a:fillRef>
-          <a:effectRef idx="2">
-            <a:schemeClr val="accent1"/>
-          </a:effectRef>
-          <a:fontRef idx="minor">
-            <a:schemeClr val="lt1"/>
-          </a:fontRef>
-        </p:style>
-        <p:txBody>
-          <a:bodyPr rtlCol="0" anchor="ctr"/>
-          <a:lstStyle/>
-          <a:p>
-            <a:pPr algn="ctr"/>
-            <a:endParaRPr lang="en-US"/>
-          </a:p>
-        </p:txBody>
-      </p:sp>
-      <p:sp>
-        <p:nvSpPr>
-          <p:cNvPr id="45" name="TextBox 44"/>
-          <p:cNvSpPr txBox="1"/>
-          <p:nvPr/>
-        </p:nvSpPr>
-        <p:spPr>
-          <a:xfrm>
-            <a:off x="5029200" y="2971800"/>
-            <a:ext cx="1219200" cy="646331"/>
-          </a:xfrm>
-          <a:prstGeom prst="rect">
-            <a:avLst/>
-          </a:prstGeom>
-          <a:noFill/>
-        </p:spPr>
-        <p:txBody>
-          <a:bodyPr wrap="square" rtlCol="0">
-            <a:spAutoFit/>
-          </a:bodyPr>
-          <a:lstStyle/>
-          <a:p>
-            <a:pPr algn="r"/>
-            <a:r>
-              <a:rPr lang="en-US" dirty="0" smtClean="0">
-                <a:solidFill>
-                  <a:schemeClr val="tx2">
-                    <a:lumMod val="75000"/>
-                  </a:schemeClr>
-                </a:solidFill>
-                <a:latin typeface="Bradley Hand Bold"/>
-                <a:cs typeface="Bradley Hand Bold"/>
-              </a:rPr>
-              <a:t>Confirm</a:t>
-            </a:r>
-          </a:p>
-          <a:p>
-            <a:pPr algn="r"/>
-            <a:r>
-              <a:rPr lang="en-US" dirty="0" smtClean="0">
-                <a:solidFill>
-                  <a:schemeClr val="tx2">
-                    <a:lumMod val="75000"/>
-                  </a:schemeClr>
-                </a:solidFill>
-                <a:latin typeface="Bradley Hand Bold"/>
-                <a:cs typeface="Bradley Hand Bold"/>
-              </a:rPr>
-              <a:t>Password</a:t>
-            </a:r>
-            <a:endParaRPr lang="en-US" dirty="0">
-              <a:solidFill>
-                <a:schemeClr val="tx2">
-                  <a:lumMod val="75000"/>
-                </a:schemeClr>
-              </a:solidFill>
-              <a:latin typeface="Bradley Hand Bold"/>
-              <a:cs typeface="Bradley Hand Bold"/>
-            </a:endParaRPr>
-          </a:p>
-        </p:txBody>
-      </p:sp>
-      <p:sp>
-        <p:nvSpPr>
-          <p:cNvPr id="46" name="TextBox 45"/>
-          <p:cNvSpPr txBox="1"/>
-          <p:nvPr/>
-        </p:nvSpPr>
-        <p:spPr>
-          <a:xfrm>
-            <a:off x="4953000" y="6053486"/>
-            <a:ext cx="3429000" cy="646331"/>
-          </a:xfrm>
-          <a:prstGeom prst="rect">
-            <a:avLst/>
-          </a:prstGeom>
-          <a:noFill/>
-        </p:spPr>
-        <p:txBody>
-          <a:bodyPr wrap="square" rtlCol="0">
-            <a:spAutoFit/>
-          </a:bodyPr>
-          <a:lstStyle/>
-          <a:p>
-            <a:pPr algn="ctr"/>
-            <a:r>
-              <a:rPr lang="en-US" b="1" dirty="0" smtClean="0">
-                <a:solidFill>
-                  <a:srgbClr val="FF0000"/>
-                </a:solidFill>
-              </a:rPr>
-              <a:t>Create/Update Profile Screen (for existing user)</a:t>
-            </a:r>
-            <a:endParaRPr lang="en-US" b="1" dirty="0">
-              <a:solidFill>
-                <a:srgbClr val="FF0000"/>
-              </a:solidFill>
-            </a:endParaRPr>
-          </a:p>
-        </p:txBody>
-      </p:sp>
-      <p:sp>
-        <p:nvSpPr>
-          <p:cNvPr id="47" name="TextBox 46"/>
-          <p:cNvSpPr txBox="1"/>
-          <p:nvPr/>
-        </p:nvSpPr>
-        <p:spPr>
-          <a:xfrm>
-            <a:off x="6248400" y="1786286"/>
-            <a:ext cx="1828800" cy="338554"/>
-          </a:xfrm>
-          <a:prstGeom prst="rect">
-            <a:avLst/>
-          </a:prstGeom>
-          <a:noFill/>
-        </p:spPr>
-        <p:txBody>
-          <a:bodyPr wrap="square" rtlCol="0">
-            <a:spAutoFit/>
-          </a:bodyPr>
-          <a:lstStyle/>
-          <a:p>
-            <a:r>
-              <a:rPr lang="en-US" sz="1600" dirty="0" smtClean="0"/>
-              <a:t>dodom2@gru.edu</a:t>
-            </a:r>
-            <a:endParaRPr lang="en-US" sz="1600" dirty="0"/>
-          </a:p>
-        </p:txBody>
-      </p:sp>
-      <p:sp>
-        <p:nvSpPr>
-          <p:cNvPr id="48" name="TextBox 47"/>
-          <p:cNvSpPr txBox="1"/>
-          <p:nvPr/>
-        </p:nvSpPr>
-        <p:spPr>
-          <a:xfrm>
-            <a:off x="6248400" y="2395886"/>
-            <a:ext cx="1828800" cy="338554"/>
-          </a:xfrm>
-          <a:prstGeom prst="rect">
-            <a:avLst/>
-          </a:prstGeom>
-          <a:noFill/>
-        </p:spPr>
-        <p:txBody>
-          <a:bodyPr wrap="square" rtlCol="0">
-            <a:spAutoFit/>
-          </a:bodyPr>
-          <a:lstStyle/>
-          <a:p>
-            <a:r>
-              <a:rPr lang="en-US" sz="1600" dirty="0" smtClean="0"/>
-              <a:t>**********</a:t>
-            </a:r>
-            <a:endParaRPr lang="en-US" sz="1600" dirty="0"/>
-          </a:p>
-        </p:txBody>
-      </p:sp>
-      <p:sp>
-        <p:nvSpPr>
-          <p:cNvPr id="49" name="TextBox 48"/>
-          <p:cNvSpPr txBox="1"/>
-          <p:nvPr/>
-        </p:nvSpPr>
-        <p:spPr>
-          <a:xfrm>
-            <a:off x="6324600" y="3005486"/>
-            <a:ext cx="1828800" cy="338554"/>
-          </a:xfrm>
-          <a:prstGeom prst="rect">
-            <a:avLst/>
-          </a:prstGeom>
-          <a:noFill/>
-        </p:spPr>
-        <p:txBody>
-          <a:bodyPr wrap="square" rtlCol="0">
-            <a:spAutoFit/>
-          </a:bodyPr>
-          <a:lstStyle/>
-          <a:p>
-            <a:r>
-              <a:rPr lang="en-US" sz="1600" dirty="0" smtClean="0"/>
-              <a:t>**********</a:t>
-            </a:r>
-            <a:endParaRPr lang="en-US" sz="1600" dirty="0"/>
-          </a:p>
-        </p:txBody>
-      </p:sp>
-      <p:sp>
-        <p:nvSpPr>
-          <p:cNvPr id="50" name="TextBox 49"/>
-          <p:cNvSpPr txBox="1"/>
-          <p:nvPr/>
-        </p:nvSpPr>
-        <p:spPr>
-          <a:xfrm>
-            <a:off x="6248400" y="3615086"/>
-            <a:ext cx="1828800" cy="338554"/>
-          </a:xfrm>
-          <a:prstGeom prst="rect">
-            <a:avLst/>
-          </a:prstGeom>
-          <a:noFill/>
-        </p:spPr>
-        <p:txBody>
-          <a:bodyPr wrap="square" rtlCol="0">
-            <a:spAutoFit/>
-          </a:bodyPr>
-          <a:lstStyle/>
-          <a:p>
-            <a:r>
-              <a:rPr lang="en-US" sz="1600" dirty="0" smtClean="0"/>
-              <a:t>Darcie</a:t>
-            </a:r>
-            <a:endParaRPr lang="en-US" sz="1600" dirty="0"/>
-          </a:p>
-        </p:txBody>
-      </p:sp>
-      <p:sp>
-        <p:nvSpPr>
-          <p:cNvPr id="51" name="TextBox 50"/>
-          <p:cNvSpPr txBox="1"/>
-          <p:nvPr/>
-        </p:nvSpPr>
-        <p:spPr>
-          <a:xfrm>
-            <a:off x="6248400" y="4224686"/>
-            <a:ext cx="1828800" cy="584776"/>
-          </a:xfrm>
-          <a:prstGeom prst="rect">
-            <a:avLst/>
-          </a:prstGeom>
-          <a:noFill/>
-        </p:spPr>
-        <p:txBody>
-          <a:bodyPr wrap="square" rtlCol="0">
-            <a:spAutoFit/>
-          </a:bodyPr>
-          <a:lstStyle/>
-          <a:p>
-            <a:r>
-              <a:rPr lang="en-US" sz="1600" dirty="0" smtClean="0"/>
-              <a:t>Hi I’m Darcie! Study with me :)</a:t>
-            </a:r>
-            <a:endParaRPr lang="en-US" sz="1600" dirty="0"/>
-          </a:p>
-        </p:txBody>
-      </p:sp>
-      <p:sp>
-        <p:nvSpPr>
-          <p:cNvPr id="70" name="Rectangle 69"/>
-          <p:cNvSpPr/>
-          <p:nvPr/>
-        </p:nvSpPr>
-        <p:spPr>
-          <a:xfrm>
-            <a:off x="6248400" y="490886"/>
-            <a:ext cx="990600" cy="990600"/>
-          </a:xfrm>
-          <a:prstGeom prst="rect">
-            <a:avLst/>
-          </a:prstGeom>
-          <a:blipFill>
-            <a:blip r:embed="rId2"/>
-            <a:stretch>
-              <a:fillRect/>
-            </a:stretch>
-          </a:blipFill>
-        </p:spPr>
-        <p:style>
-          <a:lnRef idx="2">
-            <a:schemeClr val="accent1">
-              <a:shade val="50000"/>
-            </a:schemeClr>
-          </a:lnRef>
-          <a:fillRef idx="1">
-            <a:schemeClr val="accent1"/>
-          </a:fillRef>
-          <a:effectRef idx="0">
-            <a:schemeClr val="accent1"/>
-          </a:effectRef>
-          <a:fontRef idx="minor">
-            <a:schemeClr val="lt1"/>
-          </a:fontRef>
-        </p:style>
-        <p:txBody>
-          <a:bodyPr rtlCol="0" anchor="ctr"/>
-          <a:lstStyle/>
-          <a:p>
-            <a:pPr algn="ctr"/>
-            <a:endParaRPr lang="en-US"/>
-          </a:p>
-        </p:txBody>
-      </p:sp>
-      <p:sp>
-        <p:nvSpPr>
-          <p:cNvPr id="72" name="TextBox 71"/>
-          <p:cNvSpPr txBox="1"/>
-          <p:nvPr/>
-        </p:nvSpPr>
-        <p:spPr>
-          <a:xfrm>
-            <a:off x="6248400" y="5520086"/>
-            <a:ext cx="928278" cy="369332"/>
-          </a:xfrm>
-          <a:prstGeom prst="rect">
-            <a:avLst/>
-          </a:prstGeom>
-          <a:solidFill>
-            <a:schemeClr val="accent1">
-              <a:lumMod val="75000"/>
-            </a:schemeClr>
-          </a:solidFill>
-          <a:ln>
-            <a:solidFill>
-              <a:schemeClr val="accent1">
-                <a:lumMod val="75000"/>
-              </a:schemeClr>
-            </a:solidFill>
-          </a:ln>
-        </p:spPr>
-        <p:txBody>
-          <a:bodyPr wrap="square" rtlCol="0">
-            <a:spAutoFit/>
-          </a:bodyPr>
-          <a:lstStyle/>
-          <a:p>
-            <a:pPr algn="ctr"/>
-            <a:r>
-              <a:rPr lang="en-US" dirty="0" smtClean="0">
-                <a:solidFill>
-                  <a:srgbClr val="FFFFFF"/>
-                </a:solidFill>
-              </a:rPr>
-              <a:t>Save</a:t>
-            </a:r>
-            <a:endParaRPr lang="en-US" dirty="0">
-              <a:solidFill>
-                <a:srgbClr val="FFFFFF"/>
-              </a:solidFill>
-            </a:endParaRPr>
-          </a:p>
-        </p:txBody>
-      </p:sp>
-      <p:sp>
-        <p:nvSpPr>
-          <p:cNvPr id="73" name="TextBox 72"/>
-          <p:cNvSpPr txBox="1"/>
-          <p:nvPr/>
-        </p:nvSpPr>
-        <p:spPr>
-          <a:xfrm>
-            <a:off x="7315200" y="5520086"/>
-            <a:ext cx="928278" cy="369332"/>
-          </a:xfrm>
-          <a:prstGeom prst="rect">
-            <a:avLst/>
-          </a:prstGeom>
-          <a:solidFill>
-            <a:schemeClr val="accent1">
-              <a:lumMod val="75000"/>
-            </a:schemeClr>
-          </a:solidFill>
-          <a:ln>
-            <a:solidFill>
-              <a:schemeClr val="accent1">
-                <a:lumMod val="75000"/>
-              </a:schemeClr>
-            </a:solidFill>
-          </a:ln>
-        </p:spPr>
-        <p:txBody>
-          <a:bodyPr wrap="square" rtlCol="0">
-            <a:spAutoFit/>
-          </a:bodyPr>
-          <a:lstStyle/>
-          <a:p>
-            <a:pPr algn="ctr"/>
-            <a:r>
-              <a:rPr lang="en-US" dirty="0" smtClean="0">
-                <a:solidFill>
-                  <a:srgbClr val="FFFFFF"/>
-                </a:solidFill>
-              </a:rPr>
-              <a:t>Back</a:t>
-            </a:r>
-            <a:endParaRPr lang="en-US" dirty="0">
-              <a:solidFill>
-                <a:srgbClr val="FFFFFF"/>
-              </a:solidFill>
-            </a:endParaRPr>
-          </a:p>
-        </p:txBody>
-      </p:sp>
-      <p:sp>
-        <p:nvSpPr>
           <p:cNvPr id="81" name="Rectangle 80"/>
           <p:cNvSpPr/>
           <p:nvPr/>
@@ -9380,6 +8507,36 @@
           <p:nvPr/>
         </p:nvPicPr>
         <p:blipFill>
+          <a:blip r:embed="rId2">
+            <a:extLst>
+              <a:ext uri="{28A0092B-C50C-407E-A947-70E740481C1C}">
+                <a14:useLocalDpi xmlns:a14="http://schemas.microsoft.com/office/drawing/2010/main" val="0"/>
+              </a:ext>
+            </a:extLst>
+          </a:blip>
+          <a:stretch>
+            <a:fillRect/>
+          </a:stretch>
+        </p:blipFill>
+        <p:spPr>
+          <a:xfrm>
+            <a:off x="1295400" y="5486400"/>
+            <a:ext cx="304800" cy="304800"/>
+          </a:xfrm>
+          <a:prstGeom prst="rect">
+            <a:avLst/>
+          </a:prstGeom>
+        </p:spPr>
+      </p:pic>
+      <p:pic>
+        <p:nvPicPr>
+          <p:cNvPr id="85" name="Picture 84" descr="student-24.png"/>
+          <p:cNvPicPr>
+            <a:picLocks noChangeAspect="1"/>
+          </p:cNvPicPr>
+          <p:nvPr/>
+        </p:nvPicPr>
+        <p:blipFill>
           <a:blip r:embed="rId3">
             <a:extLst>
               <a:ext uri="{28A0092B-C50C-407E-A947-70E740481C1C}">
@@ -9393,7 +8550,7 @@
         </p:blipFill>
         <p:spPr>
           <a:xfrm>
-            <a:off x="1295400" y="5486400"/>
+            <a:off x="3505200" y="5486400"/>
             <a:ext cx="304800" cy="304800"/>
           </a:xfrm>
           <a:prstGeom prst="rect">
@@ -9401,9 +8558,56 @@
           </a:prstGeom>
         </p:spPr>
       </p:pic>
+      <p:sp>
+        <p:nvSpPr>
+          <p:cNvPr id="86" name="Rounded Rectangle 85"/>
+          <p:cNvSpPr/>
+          <p:nvPr/>
+        </p:nvSpPr>
+        <p:spPr>
+          <a:xfrm>
+            <a:off x="1907177" y="5362303"/>
+            <a:ext cx="685800" cy="533400"/>
+          </a:xfrm>
+          <a:prstGeom prst="roundRect">
+            <a:avLst/>
+          </a:prstGeom>
+          <a:noFill/>
+          <a:ln w="76200" cmpd="sng">
+            <a:solidFill>
+              <a:schemeClr val="accent1">
+                <a:lumMod val="75000"/>
+              </a:schemeClr>
+            </a:solidFill>
+          </a:ln>
+          <a:effectLst/>
+        </p:spPr>
+        <p:style>
+          <a:lnRef idx="1">
+            <a:schemeClr val="accent1"/>
+          </a:lnRef>
+          <a:fillRef idx="3">
+            <a:schemeClr val="accent1"/>
+          </a:fillRef>
+          <a:effectRef idx="2">
+            <a:schemeClr val="accent1"/>
+          </a:effectRef>
+          <a:fontRef idx="minor">
+            <a:schemeClr val="lt1"/>
+          </a:fontRef>
+        </p:style>
+        <p:txBody>
+          <a:bodyPr rtlCol="0" anchor="ctr"/>
+          <a:lstStyle/>
+          <a:p>
+            <a:pPr algn="ctr"/>
+            <a:endParaRPr lang="en-US"/>
+          </a:p>
+        </p:txBody>
+      </p:sp>
       <p:pic>
         <p:nvPicPr>
-          <p:cNvPr id="85" name="Picture 84" descr="student-24.png"/>
+          <p:cNvPr id="87" name="Picture 86" descr="gear-2-24.png"/>
           <p:cNvPicPr>
             <a:picLocks noChangeAspect="1"/>
           </p:cNvPicPr>
@@ -9423,83 +8627,6 @@
         </p:blipFill>
         <p:spPr>
           <a:xfrm>
-            <a:off x="3505200" y="5486400"/>
-            <a:ext cx="304800" cy="304800"/>
-          </a:xfrm>
-          <a:prstGeom prst="rect">
-            <a:avLst/>
-          </a:prstGeom>
-        </p:spPr>
-      </p:pic>
-      <p:sp>
-        <p:nvSpPr>
-          <p:cNvPr id="86" name="Rounded Rectangle 85"/>
-          <p:cNvSpPr/>
-          <p:nvPr/>
-        </p:nvSpPr>
-        <p:spPr>
-          <a:xfrm>
-            <a:off x="1907177" y="5362303"/>
-            <a:ext cx="685800" cy="533400"/>
-          </a:xfrm>
-          <a:prstGeom prst="roundRect">
-            <a:avLst/>
-          </a:prstGeom>
-          <a:noFill/>
-          <a:ln w="76200" cmpd="sng">
-            <a:solidFill>
-              <a:schemeClr val="accent1">
-                <a:lumMod val="75000"/>
-              </a:schemeClr>
-            </a:solidFill>
-          </a:ln>
-          <a:effectLst/>
-        </p:spPr>
-        <p:style>
-          <a:lnRef idx="1">
-            <a:schemeClr val="accent1"/>
-          </a:lnRef>
-          <a:fillRef idx="3">
-            <a:schemeClr val="accent1"/>
-          </a:fillRef>
-          <a:effectRef idx="2">
-            <a:schemeClr val="accent1"/>
-          </a:effectRef>
-          <a:fontRef idx="minor">
-            <a:schemeClr val="lt1"/>
-          </a:fontRef>
-        </p:style>
-        <p:txBody>
-          <a:bodyPr rtlCol="0" anchor="ctr"/>
-          <a:lstStyle/>
-          <a:p>
-            <a:pPr algn="ctr"/>
-            <a:endParaRPr lang="en-US"/>
-          </a:p>
-        </p:txBody>
-      </p:sp>
-      <p:pic>
-        <p:nvPicPr>
-          <p:cNvPr id="87" name="Picture 86" descr="gear-2-24.png"/>
-          <p:cNvPicPr>
-            <a:picLocks noChangeAspect="1"/>
-          </p:cNvPicPr>
-          <p:nvPr/>
-        </p:nvPicPr>
-        <p:blipFill>
-          <a:blip r:embed="rId5">
-            <a:extLst>
-              <a:ext uri="{28A0092B-C50C-407E-A947-70E740481C1C}">
-                <a14:useLocalDpi xmlns:a14="http://schemas.microsoft.com/office/drawing/2010/main" val="0"/>
-              </a:ext>
-            </a:extLst>
-          </a:blip>
-          <a:stretch>
-            <a:fillRect/>
-          </a:stretch>
-        </p:blipFill>
-        <p:spPr>
-          <a:xfrm>
             <a:off x="685800" y="5486400"/>
             <a:ext cx="304800" cy="304800"/>
           </a:xfrm>
@@ -9517,7 +8644,7 @@
           <p:nvPr/>
         </p:nvPicPr>
         <p:blipFill>
-          <a:blip r:embed="rId6">
+          <a:blip r:embed="rId5">
             <a:extLst>
               <a:ext uri="{28A0092B-C50C-407E-A947-70E740481C1C}">
                 <a14:useLocalDpi xmlns:a14="http://schemas.microsoft.com/office/drawing/2010/main" val="0"/>
@@ -9652,7 +8779,7 @@
             <a:avLst/>
           </a:prstGeom>
           <a:blipFill>
-            <a:blip r:embed="rId2"/>
+            <a:blip r:embed="rId6"/>
             <a:stretch>
               <a:fillRect/>
             </a:stretch>
@@ -10130,6 +9257,1207 @@
           </a:p>
         </p:txBody>
       </p:sp>
+      <p:sp>
+        <p:nvSpPr>
+          <p:cNvPr id="141" name="Rectangle 140"/>
+          <p:cNvSpPr/>
+          <p:nvPr/>
+        </p:nvSpPr>
+        <p:spPr>
+          <a:xfrm>
+            <a:off x="5029200" y="76200"/>
+            <a:ext cx="3397431" cy="6324600"/>
+          </a:xfrm>
+          <a:prstGeom prst="rect">
+            <a:avLst/>
+          </a:prstGeom>
+          <a:gradFill flip="none" rotWithShape="1">
+            <a:gsLst>
+              <a:gs pos="0">
+                <a:schemeClr val="accent5"/>
+              </a:gs>
+              <a:gs pos="100000">
+                <a:schemeClr val="accent1"/>
+              </a:gs>
+            </a:gsLst>
+            <a:lin ang="5160000" scaled="0"/>
+            <a:tileRect/>
+          </a:gradFill>
+        </p:spPr>
+        <p:style>
+          <a:lnRef idx="2">
+            <a:schemeClr val="accent1">
+              <a:shade val="50000"/>
+            </a:schemeClr>
+          </a:lnRef>
+          <a:fillRef idx="1">
+            <a:schemeClr val="accent1"/>
+          </a:fillRef>
+          <a:effectRef idx="0">
+            <a:schemeClr val="accent1"/>
+          </a:effectRef>
+          <a:fontRef idx="minor">
+            <a:schemeClr val="lt1"/>
+          </a:fontRef>
+        </p:style>
+        <p:txBody>
+          <a:bodyPr rtlCol="0" anchor="ctr"/>
+          <a:lstStyle/>
+          <a:p>
+            <a:pPr algn="ctr"/>
+            <a:endParaRPr lang="en-US" dirty="0"/>
+          </a:p>
+        </p:txBody>
+      </p:sp>
+      <p:sp>
+        <p:nvSpPr>
+          <p:cNvPr id="142" name="Rounded Rectangle 141"/>
+          <p:cNvSpPr/>
+          <p:nvPr/>
+        </p:nvSpPr>
+        <p:spPr>
+          <a:xfrm>
+            <a:off x="6324600" y="1524000"/>
+            <a:ext cx="1905000" cy="381000"/>
+          </a:xfrm>
+          <a:prstGeom prst="roundRect">
+            <a:avLst/>
+          </a:prstGeom>
+          <a:solidFill>
+            <a:schemeClr val="bg1">
+              <a:alpha val="60000"/>
+            </a:schemeClr>
+          </a:solidFill>
+          <a:ln>
+            <a:solidFill>
+              <a:schemeClr val="accent1">
+                <a:lumMod val="75000"/>
+              </a:schemeClr>
+            </a:solidFill>
+          </a:ln>
+          <a:effectLst/>
+        </p:spPr>
+        <p:style>
+          <a:lnRef idx="1">
+            <a:schemeClr val="accent1"/>
+          </a:lnRef>
+          <a:fillRef idx="3">
+            <a:schemeClr val="accent1"/>
+          </a:fillRef>
+          <a:effectRef idx="2">
+            <a:schemeClr val="accent1"/>
+          </a:effectRef>
+          <a:fontRef idx="minor">
+            <a:schemeClr val="lt1"/>
+          </a:fontRef>
+        </p:style>
+        <p:txBody>
+          <a:bodyPr rtlCol="0" anchor="ctr"/>
+          <a:lstStyle/>
+          <a:p>
+            <a:pPr algn="ctr"/>
+            <a:endParaRPr lang="en-US"/>
+          </a:p>
+        </p:txBody>
+      </p:sp>
+      <p:sp>
+        <p:nvSpPr>
+          <p:cNvPr id="143" name="Rounded Rectangle 142"/>
+          <p:cNvSpPr/>
+          <p:nvPr/>
+        </p:nvSpPr>
+        <p:spPr>
+          <a:xfrm>
+            <a:off x="6324600" y="2133600"/>
+            <a:ext cx="1905000" cy="381000"/>
+          </a:xfrm>
+          <a:prstGeom prst="roundRect">
+            <a:avLst/>
+          </a:prstGeom>
+          <a:solidFill>
+            <a:schemeClr val="bg1">
+              <a:alpha val="60000"/>
+            </a:schemeClr>
+          </a:solidFill>
+          <a:ln>
+            <a:solidFill>
+              <a:schemeClr val="accent1">
+                <a:lumMod val="75000"/>
+              </a:schemeClr>
+            </a:solidFill>
+          </a:ln>
+          <a:effectLst/>
+        </p:spPr>
+        <p:style>
+          <a:lnRef idx="1">
+            <a:schemeClr val="accent1"/>
+          </a:lnRef>
+          <a:fillRef idx="3">
+            <a:schemeClr val="accent1"/>
+          </a:fillRef>
+          <a:effectRef idx="2">
+            <a:schemeClr val="accent1"/>
+          </a:effectRef>
+          <a:fontRef idx="minor">
+            <a:schemeClr val="lt1"/>
+          </a:fontRef>
+        </p:style>
+        <p:txBody>
+          <a:bodyPr rtlCol="0" anchor="ctr"/>
+          <a:lstStyle/>
+          <a:p>
+            <a:pPr algn="ctr"/>
+            <a:endParaRPr lang="en-US"/>
+          </a:p>
+        </p:txBody>
+      </p:sp>
+      <p:sp>
+        <p:nvSpPr>
+          <p:cNvPr id="144" name="TextBox 143"/>
+          <p:cNvSpPr txBox="1"/>
+          <p:nvPr/>
+        </p:nvSpPr>
+        <p:spPr>
+          <a:xfrm>
+            <a:off x="5105400" y="1524000"/>
+            <a:ext cx="1219200" cy="381000"/>
+          </a:xfrm>
+          <a:prstGeom prst="rect">
+            <a:avLst/>
+          </a:prstGeom>
+          <a:noFill/>
+        </p:spPr>
+        <p:txBody>
+          <a:bodyPr wrap="square" rtlCol="0">
+            <a:spAutoFit/>
+          </a:bodyPr>
+          <a:lstStyle/>
+          <a:p>
+            <a:pPr algn="r"/>
+            <a:r>
+              <a:rPr lang="en-US" dirty="0" smtClean="0">
+                <a:solidFill>
+                  <a:schemeClr val="tx2">
+                    <a:lumMod val="75000"/>
+                  </a:schemeClr>
+                </a:solidFill>
+                <a:latin typeface="Bradley Hand Bold"/>
+                <a:cs typeface="Bradley Hand Bold"/>
+              </a:rPr>
+              <a:t>Email</a:t>
+            </a:r>
+            <a:endParaRPr lang="en-US" dirty="0">
+              <a:solidFill>
+                <a:schemeClr val="tx2">
+                  <a:lumMod val="75000"/>
+                </a:schemeClr>
+              </a:solidFill>
+              <a:latin typeface="Bradley Hand Bold"/>
+              <a:cs typeface="Bradley Hand Bold"/>
+            </a:endParaRPr>
+          </a:p>
+        </p:txBody>
+      </p:sp>
+      <p:sp>
+        <p:nvSpPr>
+          <p:cNvPr id="145" name="TextBox 144"/>
+          <p:cNvSpPr txBox="1"/>
+          <p:nvPr/>
+        </p:nvSpPr>
+        <p:spPr>
+          <a:xfrm>
+            <a:off x="5105400" y="2133600"/>
+            <a:ext cx="1219200" cy="381000"/>
+          </a:xfrm>
+          <a:prstGeom prst="rect">
+            <a:avLst/>
+          </a:prstGeom>
+          <a:noFill/>
+        </p:spPr>
+        <p:txBody>
+          <a:bodyPr wrap="square" rtlCol="0">
+            <a:spAutoFit/>
+          </a:bodyPr>
+          <a:lstStyle/>
+          <a:p>
+            <a:pPr algn="r"/>
+            <a:r>
+              <a:rPr lang="en-US" dirty="0" smtClean="0">
+                <a:solidFill>
+                  <a:schemeClr val="tx2">
+                    <a:lumMod val="75000"/>
+                  </a:schemeClr>
+                </a:solidFill>
+                <a:latin typeface="Bradley Hand Bold"/>
+                <a:cs typeface="Bradley Hand Bold"/>
+              </a:rPr>
+              <a:t>Password</a:t>
+            </a:r>
+            <a:endParaRPr lang="en-US" dirty="0">
+              <a:solidFill>
+                <a:schemeClr val="tx2">
+                  <a:lumMod val="75000"/>
+                </a:schemeClr>
+              </a:solidFill>
+              <a:latin typeface="Bradley Hand Bold"/>
+              <a:cs typeface="Bradley Hand Bold"/>
+            </a:endParaRPr>
+          </a:p>
+        </p:txBody>
+      </p:sp>
+      <p:sp>
+        <p:nvSpPr>
+          <p:cNvPr id="146" name="Rounded Rectangle 145"/>
+          <p:cNvSpPr/>
+          <p:nvPr/>
+        </p:nvSpPr>
+        <p:spPr>
+          <a:xfrm>
+            <a:off x="6324600" y="3352800"/>
+            <a:ext cx="1905000" cy="381000"/>
+          </a:xfrm>
+          <a:prstGeom prst="roundRect">
+            <a:avLst/>
+          </a:prstGeom>
+          <a:solidFill>
+            <a:schemeClr val="bg1">
+              <a:alpha val="60000"/>
+            </a:schemeClr>
+          </a:solidFill>
+          <a:ln>
+            <a:solidFill>
+              <a:schemeClr val="accent1">
+                <a:lumMod val="75000"/>
+              </a:schemeClr>
+            </a:solidFill>
+          </a:ln>
+          <a:effectLst/>
+        </p:spPr>
+        <p:style>
+          <a:lnRef idx="1">
+            <a:schemeClr val="accent1"/>
+          </a:lnRef>
+          <a:fillRef idx="3">
+            <a:schemeClr val="accent1"/>
+          </a:fillRef>
+          <a:effectRef idx="2">
+            <a:schemeClr val="accent1"/>
+          </a:effectRef>
+          <a:fontRef idx="minor">
+            <a:schemeClr val="lt1"/>
+          </a:fontRef>
+        </p:style>
+        <p:txBody>
+          <a:bodyPr rtlCol="0" anchor="ctr"/>
+          <a:lstStyle/>
+          <a:p>
+            <a:pPr algn="ctr"/>
+            <a:endParaRPr lang="en-US"/>
+          </a:p>
+        </p:txBody>
+      </p:sp>
+      <p:sp>
+        <p:nvSpPr>
+          <p:cNvPr id="147" name="TextBox 146"/>
+          <p:cNvSpPr txBox="1"/>
+          <p:nvPr/>
+        </p:nvSpPr>
+        <p:spPr>
+          <a:xfrm>
+            <a:off x="5105400" y="3352800"/>
+            <a:ext cx="1219200" cy="381000"/>
+          </a:xfrm>
+          <a:prstGeom prst="rect">
+            <a:avLst/>
+          </a:prstGeom>
+          <a:noFill/>
+        </p:spPr>
+        <p:txBody>
+          <a:bodyPr wrap="square" rtlCol="0">
+            <a:spAutoFit/>
+          </a:bodyPr>
+          <a:lstStyle/>
+          <a:p>
+            <a:pPr algn="r"/>
+            <a:r>
+              <a:rPr lang="en-US" dirty="0" smtClean="0">
+                <a:solidFill>
+                  <a:schemeClr val="tx2">
+                    <a:lumMod val="75000"/>
+                  </a:schemeClr>
+                </a:solidFill>
+                <a:latin typeface="Bradley Hand Bold"/>
+                <a:cs typeface="Bradley Hand Bold"/>
+              </a:rPr>
+              <a:t>Name</a:t>
+            </a:r>
+            <a:endParaRPr lang="en-US" dirty="0">
+              <a:solidFill>
+                <a:schemeClr val="tx2">
+                  <a:lumMod val="75000"/>
+                </a:schemeClr>
+              </a:solidFill>
+              <a:latin typeface="Bradley Hand Bold"/>
+              <a:cs typeface="Bradley Hand Bold"/>
+            </a:endParaRPr>
+          </a:p>
+        </p:txBody>
+      </p:sp>
+      <p:sp>
+        <p:nvSpPr>
+          <p:cNvPr id="148" name="Rounded Rectangle 147"/>
+          <p:cNvSpPr/>
+          <p:nvPr/>
+        </p:nvSpPr>
+        <p:spPr>
+          <a:xfrm>
+            <a:off x="6324600" y="3962400"/>
+            <a:ext cx="1905000" cy="1219200"/>
+          </a:xfrm>
+          <a:prstGeom prst="roundRect">
+            <a:avLst/>
+          </a:prstGeom>
+          <a:solidFill>
+            <a:schemeClr val="bg1">
+              <a:alpha val="60000"/>
+            </a:schemeClr>
+          </a:solidFill>
+          <a:ln>
+            <a:solidFill>
+              <a:schemeClr val="accent1">
+                <a:lumMod val="75000"/>
+              </a:schemeClr>
+            </a:solidFill>
+          </a:ln>
+          <a:effectLst/>
+        </p:spPr>
+        <p:style>
+          <a:lnRef idx="1">
+            <a:schemeClr val="accent1"/>
+          </a:lnRef>
+          <a:fillRef idx="3">
+            <a:schemeClr val="accent1"/>
+          </a:fillRef>
+          <a:effectRef idx="2">
+            <a:schemeClr val="accent1"/>
+          </a:effectRef>
+          <a:fontRef idx="minor">
+            <a:schemeClr val="lt1"/>
+          </a:fontRef>
+        </p:style>
+        <p:txBody>
+          <a:bodyPr rtlCol="0" anchor="ctr"/>
+          <a:lstStyle/>
+          <a:p>
+            <a:pPr algn="ctr"/>
+            <a:endParaRPr lang="en-US"/>
+          </a:p>
+        </p:txBody>
+      </p:sp>
+      <p:sp>
+        <p:nvSpPr>
+          <p:cNvPr id="149" name="TextBox 148"/>
+          <p:cNvSpPr txBox="1"/>
+          <p:nvPr/>
+        </p:nvSpPr>
+        <p:spPr>
+          <a:xfrm>
+            <a:off x="5105400" y="3962400"/>
+            <a:ext cx="1219200" cy="381000"/>
+          </a:xfrm>
+          <a:prstGeom prst="rect">
+            <a:avLst/>
+          </a:prstGeom>
+          <a:noFill/>
+        </p:spPr>
+        <p:txBody>
+          <a:bodyPr wrap="square" rtlCol="0">
+            <a:spAutoFit/>
+          </a:bodyPr>
+          <a:lstStyle/>
+          <a:p>
+            <a:pPr algn="r"/>
+            <a:r>
+              <a:rPr lang="en-US" dirty="0" smtClean="0">
+                <a:solidFill>
+                  <a:schemeClr val="tx2">
+                    <a:lumMod val="75000"/>
+                  </a:schemeClr>
+                </a:solidFill>
+                <a:latin typeface="Bradley Hand Bold"/>
+                <a:cs typeface="Bradley Hand Bold"/>
+              </a:rPr>
+              <a:t>Bio</a:t>
+            </a:r>
+            <a:endParaRPr lang="en-US" dirty="0">
+              <a:solidFill>
+                <a:schemeClr val="tx2">
+                  <a:lumMod val="75000"/>
+                </a:schemeClr>
+              </a:solidFill>
+              <a:latin typeface="Bradley Hand Bold"/>
+              <a:cs typeface="Bradley Hand Bold"/>
+            </a:endParaRPr>
+          </a:p>
+        </p:txBody>
+      </p:sp>
+      <p:sp>
+        <p:nvSpPr>
+          <p:cNvPr id="152" name="Rounded Rectangle 151"/>
+          <p:cNvSpPr/>
+          <p:nvPr/>
+        </p:nvSpPr>
+        <p:spPr>
+          <a:xfrm>
+            <a:off x="6324600" y="2743200"/>
+            <a:ext cx="1905000" cy="381000"/>
+          </a:xfrm>
+          <a:prstGeom prst="roundRect">
+            <a:avLst/>
+          </a:prstGeom>
+          <a:solidFill>
+            <a:schemeClr val="bg1">
+              <a:alpha val="60000"/>
+            </a:schemeClr>
+          </a:solidFill>
+          <a:ln>
+            <a:solidFill>
+              <a:schemeClr val="accent1">
+                <a:lumMod val="75000"/>
+              </a:schemeClr>
+            </a:solidFill>
+          </a:ln>
+          <a:effectLst/>
+        </p:spPr>
+        <p:style>
+          <a:lnRef idx="1">
+            <a:schemeClr val="accent1"/>
+          </a:lnRef>
+          <a:fillRef idx="3">
+            <a:schemeClr val="accent1"/>
+          </a:fillRef>
+          <a:effectRef idx="2">
+            <a:schemeClr val="accent1"/>
+          </a:effectRef>
+          <a:fontRef idx="minor">
+            <a:schemeClr val="lt1"/>
+          </a:fontRef>
+        </p:style>
+        <p:txBody>
+          <a:bodyPr rtlCol="0" anchor="ctr"/>
+          <a:lstStyle/>
+          <a:p>
+            <a:pPr algn="ctr"/>
+            <a:endParaRPr lang="en-US"/>
+          </a:p>
+        </p:txBody>
+      </p:sp>
+      <p:sp>
+        <p:nvSpPr>
+          <p:cNvPr id="153" name="TextBox 152"/>
+          <p:cNvSpPr txBox="1"/>
+          <p:nvPr/>
+        </p:nvSpPr>
+        <p:spPr>
+          <a:xfrm>
+            <a:off x="5105400" y="2624486"/>
+            <a:ext cx="1219200" cy="646331"/>
+          </a:xfrm>
+          <a:prstGeom prst="rect">
+            <a:avLst/>
+          </a:prstGeom>
+          <a:noFill/>
+        </p:spPr>
+        <p:txBody>
+          <a:bodyPr wrap="square" rtlCol="0">
+            <a:spAutoFit/>
+          </a:bodyPr>
+          <a:lstStyle/>
+          <a:p>
+            <a:pPr algn="r"/>
+            <a:r>
+              <a:rPr lang="en-US" dirty="0" smtClean="0">
+                <a:solidFill>
+                  <a:schemeClr val="tx2">
+                    <a:lumMod val="75000"/>
+                  </a:schemeClr>
+                </a:solidFill>
+                <a:latin typeface="Bradley Hand Bold"/>
+                <a:cs typeface="Bradley Hand Bold"/>
+              </a:rPr>
+              <a:t>Confirm</a:t>
+            </a:r>
+          </a:p>
+          <a:p>
+            <a:pPr algn="r"/>
+            <a:r>
+              <a:rPr lang="en-US" dirty="0" smtClean="0">
+                <a:solidFill>
+                  <a:schemeClr val="tx2">
+                    <a:lumMod val="75000"/>
+                  </a:schemeClr>
+                </a:solidFill>
+                <a:latin typeface="Bradley Hand Bold"/>
+                <a:cs typeface="Bradley Hand Bold"/>
+              </a:rPr>
+              <a:t>Password</a:t>
+            </a:r>
+            <a:endParaRPr lang="en-US" dirty="0">
+              <a:solidFill>
+                <a:schemeClr val="tx2">
+                  <a:lumMod val="75000"/>
+                </a:schemeClr>
+              </a:solidFill>
+              <a:latin typeface="Bradley Hand Bold"/>
+              <a:cs typeface="Bradley Hand Bold"/>
+            </a:endParaRPr>
+          </a:p>
+        </p:txBody>
+      </p:sp>
+      <p:sp>
+        <p:nvSpPr>
+          <p:cNvPr id="154" name="TextBox 153"/>
+          <p:cNvSpPr txBox="1"/>
+          <p:nvPr/>
+        </p:nvSpPr>
+        <p:spPr>
+          <a:xfrm>
+            <a:off x="5029200" y="6324600"/>
+            <a:ext cx="3429000" cy="646331"/>
+          </a:xfrm>
+          <a:prstGeom prst="rect">
+            <a:avLst/>
+          </a:prstGeom>
+          <a:noFill/>
+        </p:spPr>
+        <p:txBody>
+          <a:bodyPr wrap="square" rtlCol="0">
+            <a:spAutoFit/>
+          </a:bodyPr>
+          <a:lstStyle/>
+          <a:p>
+            <a:pPr algn="ctr"/>
+            <a:r>
+              <a:rPr lang="en-US" b="1" dirty="0" smtClean="0">
+                <a:solidFill>
+                  <a:srgbClr val="FF0000"/>
+                </a:solidFill>
+              </a:rPr>
+              <a:t>Create/Update Profile Screen (Existing User)</a:t>
+            </a:r>
+            <a:endParaRPr lang="en-US" b="1" dirty="0">
+              <a:solidFill>
+                <a:srgbClr val="FF0000"/>
+              </a:solidFill>
+            </a:endParaRPr>
+          </a:p>
+        </p:txBody>
+      </p:sp>
+      <p:sp>
+        <p:nvSpPr>
+          <p:cNvPr id="155" name="TextBox 154"/>
+          <p:cNvSpPr txBox="1"/>
+          <p:nvPr/>
+        </p:nvSpPr>
+        <p:spPr>
+          <a:xfrm>
+            <a:off x="6324600" y="5307822"/>
+            <a:ext cx="928278" cy="369332"/>
+          </a:xfrm>
+          <a:prstGeom prst="rect">
+            <a:avLst/>
+          </a:prstGeom>
+          <a:solidFill>
+            <a:schemeClr val="accent1">
+              <a:lumMod val="75000"/>
+            </a:schemeClr>
+          </a:solidFill>
+          <a:ln>
+            <a:solidFill>
+              <a:schemeClr val="accent1">
+                <a:lumMod val="75000"/>
+              </a:schemeClr>
+            </a:solidFill>
+          </a:ln>
+        </p:spPr>
+        <p:txBody>
+          <a:bodyPr wrap="square" rtlCol="0">
+            <a:spAutoFit/>
+          </a:bodyPr>
+          <a:lstStyle/>
+          <a:p>
+            <a:pPr algn="ctr"/>
+            <a:r>
+              <a:rPr lang="en-US" dirty="0" smtClean="0">
+                <a:solidFill>
+                  <a:srgbClr val="FFFFFF"/>
+                </a:solidFill>
+              </a:rPr>
+              <a:t>Save</a:t>
+            </a:r>
+            <a:endParaRPr lang="en-US" dirty="0">
+              <a:solidFill>
+                <a:srgbClr val="FFFFFF"/>
+              </a:solidFill>
+            </a:endParaRPr>
+          </a:p>
+        </p:txBody>
+      </p:sp>
+      <p:sp>
+        <p:nvSpPr>
+          <p:cNvPr id="157" name="Rounded Rectangle 156"/>
+          <p:cNvSpPr/>
+          <p:nvPr/>
+        </p:nvSpPr>
+        <p:spPr>
+          <a:xfrm>
+            <a:off x="6324600" y="914400"/>
+            <a:ext cx="1905000" cy="381000"/>
+          </a:xfrm>
+          <a:prstGeom prst="roundRect">
+            <a:avLst/>
+          </a:prstGeom>
+          <a:solidFill>
+            <a:schemeClr val="bg1">
+              <a:alpha val="60000"/>
+            </a:schemeClr>
+          </a:solidFill>
+          <a:ln>
+            <a:solidFill>
+              <a:schemeClr val="accent1">
+                <a:lumMod val="75000"/>
+              </a:schemeClr>
+            </a:solidFill>
+          </a:ln>
+          <a:effectLst/>
+        </p:spPr>
+        <p:style>
+          <a:lnRef idx="1">
+            <a:schemeClr val="accent1"/>
+          </a:lnRef>
+          <a:fillRef idx="3">
+            <a:schemeClr val="accent1"/>
+          </a:fillRef>
+          <a:effectRef idx="2">
+            <a:schemeClr val="accent1"/>
+          </a:effectRef>
+          <a:fontRef idx="minor">
+            <a:schemeClr val="lt1"/>
+          </a:fontRef>
+        </p:style>
+        <p:txBody>
+          <a:bodyPr rtlCol="0" anchor="ctr"/>
+          <a:lstStyle/>
+          <a:p>
+            <a:pPr algn="ctr"/>
+            <a:endParaRPr lang="en-US"/>
+          </a:p>
+        </p:txBody>
+      </p:sp>
+      <p:sp>
+        <p:nvSpPr>
+          <p:cNvPr id="158" name="TextBox 157"/>
+          <p:cNvSpPr txBox="1"/>
+          <p:nvPr/>
+        </p:nvSpPr>
+        <p:spPr>
+          <a:xfrm>
+            <a:off x="5105400" y="914400"/>
+            <a:ext cx="1219200" cy="381000"/>
+          </a:xfrm>
+          <a:prstGeom prst="rect">
+            <a:avLst/>
+          </a:prstGeom>
+          <a:noFill/>
+        </p:spPr>
+        <p:txBody>
+          <a:bodyPr wrap="square" rtlCol="0">
+            <a:spAutoFit/>
+          </a:bodyPr>
+          <a:lstStyle/>
+          <a:p>
+            <a:pPr algn="r"/>
+            <a:r>
+              <a:rPr lang="en-US" dirty="0" smtClean="0">
+                <a:solidFill>
+                  <a:schemeClr val="tx2">
+                    <a:lumMod val="75000"/>
+                  </a:schemeClr>
+                </a:solidFill>
+                <a:latin typeface="Bradley Hand Bold"/>
+                <a:cs typeface="Bradley Hand Bold"/>
+              </a:rPr>
+              <a:t>Username</a:t>
+            </a:r>
+            <a:endParaRPr lang="en-US" dirty="0">
+              <a:solidFill>
+                <a:schemeClr val="tx2">
+                  <a:lumMod val="75000"/>
+                </a:schemeClr>
+              </a:solidFill>
+              <a:latin typeface="Bradley Hand Bold"/>
+              <a:cs typeface="Bradley Hand Bold"/>
+            </a:endParaRPr>
+          </a:p>
+        </p:txBody>
+      </p:sp>
+      <p:sp>
+        <p:nvSpPr>
+          <p:cNvPr id="160" name="TextBox 159"/>
+          <p:cNvSpPr txBox="1"/>
+          <p:nvPr/>
+        </p:nvSpPr>
+        <p:spPr>
+          <a:xfrm>
+            <a:off x="6324600" y="1524000"/>
+            <a:ext cx="1905000" cy="338554"/>
+          </a:xfrm>
+          <a:prstGeom prst="rect">
+            <a:avLst/>
+          </a:prstGeom>
+          <a:noFill/>
+        </p:spPr>
+        <p:txBody>
+          <a:bodyPr wrap="square" rtlCol="0">
+            <a:spAutoFit/>
+          </a:bodyPr>
+          <a:lstStyle/>
+          <a:p>
+            <a:r>
+              <a:rPr lang="en-US" sz="1600" dirty="0" smtClean="0"/>
+              <a:t>dodom2@gru.edu</a:t>
+            </a:r>
+            <a:endParaRPr lang="en-US" sz="1600" dirty="0"/>
+          </a:p>
+        </p:txBody>
+      </p:sp>
+      <p:sp>
+        <p:nvSpPr>
+          <p:cNvPr id="161" name="TextBox 160"/>
+          <p:cNvSpPr txBox="1"/>
+          <p:nvPr/>
+        </p:nvSpPr>
+        <p:spPr>
+          <a:xfrm>
+            <a:off x="6324600" y="3962400"/>
+            <a:ext cx="1828800" cy="584776"/>
+          </a:xfrm>
+          <a:prstGeom prst="rect">
+            <a:avLst/>
+          </a:prstGeom>
+          <a:noFill/>
+        </p:spPr>
+        <p:txBody>
+          <a:bodyPr wrap="square" rtlCol="0">
+            <a:spAutoFit/>
+          </a:bodyPr>
+          <a:lstStyle/>
+          <a:p>
+            <a:r>
+              <a:rPr lang="en-US" sz="1600" dirty="0" smtClean="0"/>
+              <a:t>Hi I’m Darcie! Study with me :)</a:t>
+            </a:r>
+            <a:endParaRPr lang="en-US" sz="1600" dirty="0"/>
+          </a:p>
+        </p:txBody>
+      </p:sp>
+      <p:sp>
+        <p:nvSpPr>
+          <p:cNvPr id="162" name="TextBox 161"/>
+          <p:cNvSpPr txBox="1"/>
+          <p:nvPr/>
+        </p:nvSpPr>
+        <p:spPr>
+          <a:xfrm>
+            <a:off x="6324600" y="3352800"/>
+            <a:ext cx="1828800" cy="338554"/>
+          </a:xfrm>
+          <a:prstGeom prst="rect">
+            <a:avLst/>
+          </a:prstGeom>
+          <a:noFill/>
+        </p:spPr>
+        <p:txBody>
+          <a:bodyPr wrap="square" rtlCol="0">
+            <a:spAutoFit/>
+          </a:bodyPr>
+          <a:lstStyle/>
+          <a:p>
+            <a:r>
+              <a:rPr lang="en-US" sz="1600" dirty="0" smtClean="0"/>
+              <a:t>Darcie Odom</a:t>
+            </a:r>
+            <a:endParaRPr lang="en-US" sz="1600" dirty="0"/>
+          </a:p>
+        </p:txBody>
+      </p:sp>
+      <p:sp>
+        <p:nvSpPr>
+          <p:cNvPr id="163" name="TextBox 162"/>
+          <p:cNvSpPr txBox="1"/>
+          <p:nvPr/>
+        </p:nvSpPr>
+        <p:spPr>
+          <a:xfrm>
+            <a:off x="6324600" y="2819400"/>
+            <a:ext cx="1828800" cy="338554"/>
+          </a:xfrm>
+          <a:prstGeom prst="rect">
+            <a:avLst/>
+          </a:prstGeom>
+          <a:noFill/>
+        </p:spPr>
+        <p:txBody>
+          <a:bodyPr wrap="square" rtlCol="0">
+            <a:spAutoFit/>
+          </a:bodyPr>
+          <a:lstStyle/>
+          <a:p>
+            <a:r>
+              <a:rPr lang="en-US" sz="1600" dirty="0" smtClean="0"/>
+              <a:t>**********</a:t>
+            </a:r>
+            <a:endParaRPr lang="en-US" sz="1600" dirty="0"/>
+          </a:p>
+        </p:txBody>
+      </p:sp>
+      <p:sp>
+        <p:nvSpPr>
+          <p:cNvPr id="164" name="TextBox 163"/>
+          <p:cNvSpPr txBox="1"/>
+          <p:nvPr/>
+        </p:nvSpPr>
+        <p:spPr>
+          <a:xfrm>
+            <a:off x="6324600" y="2209800"/>
+            <a:ext cx="1828800" cy="338554"/>
+          </a:xfrm>
+          <a:prstGeom prst="rect">
+            <a:avLst/>
+          </a:prstGeom>
+          <a:noFill/>
+        </p:spPr>
+        <p:txBody>
+          <a:bodyPr wrap="square" rtlCol="0">
+            <a:spAutoFit/>
+          </a:bodyPr>
+          <a:lstStyle/>
+          <a:p>
+            <a:r>
+              <a:rPr lang="en-US" sz="1600" dirty="0" smtClean="0"/>
+              <a:t>**********</a:t>
+            </a:r>
+            <a:endParaRPr lang="en-US" sz="1600" dirty="0"/>
+          </a:p>
+        </p:txBody>
+      </p:sp>
+      <p:sp>
+        <p:nvSpPr>
+          <p:cNvPr id="165" name="TextBox 164"/>
+          <p:cNvSpPr txBox="1"/>
+          <p:nvPr/>
+        </p:nvSpPr>
+        <p:spPr>
+          <a:xfrm>
+            <a:off x="6324600" y="914400"/>
+            <a:ext cx="1828800" cy="338554"/>
+          </a:xfrm>
+          <a:prstGeom prst="rect">
+            <a:avLst/>
+          </a:prstGeom>
+          <a:noFill/>
+        </p:spPr>
+        <p:txBody>
+          <a:bodyPr wrap="square" rtlCol="0">
+            <a:spAutoFit/>
+          </a:bodyPr>
+          <a:lstStyle/>
+          <a:p>
+            <a:r>
+              <a:rPr lang="en-US" sz="1600" dirty="0" smtClean="0"/>
+              <a:t>darcieo</a:t>
+            </a:r>
+            <a:endParaRPr lang="en-US" sz="1600" dirty="0"/>
+          </a:p>
+        </p:txBody>
+      </p:sp>
+      <p:sp>
+        <p:nvSpPr>
+          <p:cNvPr id="167" name="Rectangle 166"/>
+          <p:cNvSpPr/>
+          <p:nvPr/>
+        </p:nvSpPr>
+        <p:spPr>
+          <a:xfrm>
+            <a:off x="5029199" y="5791200"/>
+            <a:ext cx="3397431" cy="609600"/>
+          </a:xfrm>
+          <a:prstGeom prst="rect">
+            <a:avLst/>
+          </a:prstGeom>
+        </p:spPr>
+        <p:style>
+          <a:lnRef idx="2">
+            <a:schemeClr val="accent1">
+              <a:shade val="50000"/>
+            </a:schemeClr>
+          </a:lnRef>
+          <a:fillRef idx="1">
+            <a:schemeClr val="accent1"/>
+          </a:fillRef>
+          <a:effectRef idx="0">
+            <a:schemeClr val="accent1"/>
+          </a:effectRef>
+          <a:fontRef idx="minor">
+            <a:schemeClr val="lt1"/>
+          </a:fontRef>
+        </p:style>
+        <p:txBody>
+          <a:bodyPr rtlCol="0" anchor="ctr"/>
+          <a:lstStyle/>
+          <a:p>
+            <a:pPr algn="ctr"/>
+            <a:endParaRPr lang="en-US"/>
+          </a:p>
+        </p:txBody>
+      </p:sp>
+      <p:sp>
+        <p:nvSpPr>
+          <p:cNvPr id="168" name="Rectangle 167"/>
+          <p:cNvSpPr/>
+          <p:nvPr/>
+        </p:nvSpPr>
+        <p:spPr>
+          <a:xfrm>
+            <a:off x="5029200" y="5791200"/>
+            <a:ext cx="3397431" cy="609600"/>
+          </a:xfrm>
+          <a:prstGeom prst="rect">
+            <a:avLst/>
+          </a:prstGeom>
+        </p:spPr>
+        <p:style>
+          <a:lnRef idx="2">
+            <a:schemeClr val="accent1">
+              <a:shade val="50000"/>
+            </a:schemeClr>
+          </a:lnRef>
+          <a:fillRef idx="1">
+            <a:schemeClr val="accent1"/>
+          </a:fillRef>
+          <a:effectRef idx="0">
+            <a:schemeClr val="accent1"/>
+          </a:effectRef>
+          <a:fontRef idx="minor">
+            <a:schemeClr val="lt1"/>
+          </a:fontRef>
+        </p:style>
+        <p:txBody>
+          <a:bodyPr rtlCol="0" anchor="ctr"/>
+          <a:lstStyle/>
+          <a:p>
+            <a:pPr algn="ctr"/>
+            <a:endParaRPr lang="en-US"/>
+          </a:p>
+        </p:txBody>
+      </p:sp>
+      <p:pic>
+        <p:nvPicPr>
+          <p:cNvPr id="169" name="Picture 168" descr="chat-4-24.png"/>
+          <p:cNvPicPr>
+            <a:picLocks noChangeAspect="1"/>
+          </p:cNvPicPr>
+          <p:nvPr/>
+        </p:nvPicPr>
+        <p:blipFill>
+          <a:blip r:embed="rId2">
+            <a:extLst>
+              <a:ext uri="{28A0092B-C50C-407E-A947-70E740481C1C}">
+                <a14:useLocalDpi xmlns:a14="http://schemas.microsoft.com/office/drawing/2010/main" val="0"/>
+              </a:ext>
+            </a:extLst>
+          </a:blip>
+          <a:stretch>
+            <a:fillRect/>
+          </a:stretch>
+        </p:blipFill>
+        <p:spPr>
+          <a:xfrm>
+            <a:off x="5715000" y="5943600"/>
+            <a:ext cx="304800" cy="304800"/>
+          </a:xfrm>
+          <a:prstGeom prst="rect">
+            <a:avLst/>
+          </a:prstGeom>
+        </p:spPr>
+      </p:pic>
+      <p:pic>
+        <p:nvPicPr>
+          <p:cNvPr id="170" name="Picture 169" descr="student-24.png"/>
+          <p:cNvPicPr>
+            <a:picLocks noChangeAspect="1"/>
+          </p:cNvPicPr>
+          <p:nvPr/>
+        </p:nvPicPr>
+        <p:blipFill>
+          <a:blip r:embed="rId3">
+            <a:extLst>
+              <a:ext uri="{28A0092B-C50C-407E-A947-70E740481C1C}">
+                <a14:useLocalDpi xmlns:a14="http://schemas.microsoft.com/office/drawing/2010/main" val="0"/>
+              </a:ext>
+            </a:extLst>
+          </a:blip>
+          <a:stretch>
+            <a:fillRect/>
+          </a:stretch>
+        </p:blipFill>
+        <p:spPr>
+          <a:xfrm>
+            <a:off x="7924800" y="5943600"/>
+            <a:ext cx="304800" cy="304800"/>
+          </a:xfrm>
+          <a:prstGeom prst="rect">
+            <a:avLst/>
+          </a:prstGeom>
+        </p:spPr>
+      </p:pic>
+      <p:sp>
+        <p:nvSpPr>
+          <p:cNvPr id="171" name="Rounded Rectangle 170"/>
+          <p:cNvSpPr/>
+          <p:nvPr/>
+        </p:nvSpPr>
+        <p:spPr>
+          <a:xfrm>
+            <a:off x="6326777" y="5819503"/>
+            <a:ext cx="685800" cy="533400"/>
+          </a:xfrm>
+          <a:prstGeom prst="roundRect">
+            <a:avLst/>
+          </a:prstGeom>
+          <a:noFill/>
+          <a:ln w="76200" cmpd="sng">
+            <a:solidFill>
+              <a:schemeClr val="accent1">
+                <a:lumMod val="75000"/>
+              </a:schemeClr>
+            </a:solidFill>
+          </a:ln>
+          <a:effectLst/>
+        </p:spPr>
+        <p:style>
+          <a:lnRef idx="1">
+            <a:schemeClr val="accent1"/>
+          </a:lnRef>
+          <a:fillRef idx="3">
+            <a:schemeClr val="accent1"/>
+          </a:fillRef>
+          <a:effectRef idx="2">
+            <a:schemeClr val="accent1"/>
+          </a:effectRef>
+          <a:fontRef idx="minor">
+            <a:schemeClr val="lt1"/>
+          </a:fontRef>
+        </p:style>
+        <p:txBody>
+          <a:bodyPr rtlCol="0" anchor="ctr"/>
+          <a:lstStyle/>
+          <a:p>
+            <a:pPr algn="ctr"/>
+            <a:endParaRPr lang="en-US"/>
+          </a:p>
+        </p:txBody>
+      </p:sp>
+      <p:pic>
+        <p:nvPicPr>
+          <p:cNvPr id="172" name="Picture 171" descr="gear-2-24.png"/>
+          <p:cNvPicPr>
+            <a:picLocks noChangeAspect="1"/>
+          </p:cNvPicPr>
+          <p:nvPr/>
+        </p:nvPicPr>
+        <p:blipFill>
+          <a:blip r:embed="rId4">
+            <a:extLst>
+              <a:ext uri="{28A0092B-C50C-407E-A947-70E740481C1C}">
+                <a14:useLocalDpi xmlns:a14="http://schemas.microsoft.com/office/drawing/2010/main" val="0"/>
+              </a:ext>
+            </a:extLst>
+          </a:blip>
+          <a:stretch>
+            <a:fillRect/>
+          </a:stretch>
+        </p:blipFill>
+        <p:spPr>
+          <a:xfrm>
+            <a:off x="5105400" y="5943600"/>
+            <a:ext cx="304800" cy="304800"/>
+          </a:xfrm>
+          <a:prstGeom prst="rect">
+            <a:avLst/>
+          </a:prstGeom>
+        </p:spPr>
+      </p:pic>
+      <p:pic>
+        <p:nvPicPr>
+          <p:cNvPr id="173" name="Picture 172" descr="search-13-24.png"/>
+          <p:cNvPicPr>
+            <a:picLocks noChangeAspect="1"/>
+          </p:cNvPicPr>
+          <p:nvPr/>
+        </p:nvPicPr>
+        <p:blipFill>
+          <a:blip r:embed="rId5">
+            <a:extLst>
+              <a:ext uri="{28A0092B-C50C-407E-A947-70E740481C1C}">
+                <a14:useLocalDpi xmlns:a14="http://schemas.microsoft.com/office/drawing/2010/main" val="0"/>
+              </a:ext>
+            </a:extLst>
+          </a:blip>
+          <a:stretch>
+            <a:fillRect/>
+          </a:stretch>
+        </p:blipFill>
+        <p:spPr>
+          <a:xfrm>
+            <a:off x="7315200" y="5943600"/>
+            <a:ext cx="304800" cy="304800"/>
+          </a:xfrm>
+          <a:prstGeom prst="rect">
+            <a:avLst/>
+          </a:prstGeom>
+        </p:spPr>
+      </p:pic>
+      <p:pic>
+        <p:nvPicPr>
+          <p:cNvPr id="2" name="Picture 1" descr="copy.bmp"/>
+          <p:cNvPicPr>
+            <a:picLocks noChangeAspect="1"/>
+          </p:cNvPicPr>
+          <p:nvPr/>
+        </p:nvPicPr>
+        <p:blipFill>
+          <a:blip r:embed="rId8">
+            <a:extLst>
+              <a:ext uri="{28A0092B-C50C-407E-A947-70E740481C1C}">
+                <a14:useLocalDpi xmlns:a14="http://schemas.microsoft.com/office/drawing/2010/main" val="0"/>
+              </a:ext>
+            </a:extLst>
+          </a:blip>
+          <a:stretch>
+            <a:fillRect/>
+          </a:stretch>
+        </p:blipFill>
+        <p:spPr>
+          <a:xfrm>
+            <a:off x="6324600" y="76200"/>
+            <a:ext cx="990020" cy="568982"/>
+          </a:xfrm>
+          <a:prstGeom prst="rect">
+            <a:avLst/>
+          </a:prstGeom>
+        </p:spPr>
+      </p:pic>
     </p:spTree>
     <p:extLst>
       <p:ext uri="{BB962C8B-B14F-4D97-AF65-F5344CB8AC3E}">
@@ -10623,56 +10951,6 @@
             <a:endParaRPr lang="en-US" b="1" dirty="0">
               <a:solidFill>
                 <a:srgbClr val="FF0000"/>
-              </a:solidFill>
-            </a:endParaRPr>
-          </a:p>
-        </p:txBody>
-      </p:sp>
-      <p:sp>
-        <p:nvSpPr>
-          <p:cNvPr id="126" name="TextBox 125"/>
-          <p:cNvSpPr txBox="1"/>
-          <p:nvPr/>
-        </p:nvSpPr>
-        <p:spPr>
-          <a:xfrm>
-            <a:off x="6781800" y="4267200"/>
-            <a:ext cx="928278" cy="369332"/>
-          </a:xfrm>
-          <a:prstGeom prst="rect">
-            <a:avLst/>
-          </a:prstGeom>
-          <a:solidFill>
-            <a:schemeClr val="accent1">
-              <a:lumMod val="75000"/>
-            </a:schemeClr>
-          </a:solidFill>
-          <a:ln>
-            <a:solidFill>
-              <a:schemeClr val="accent1">
-                <a:lumMod val="75000"/>
-              </a:schemeClr>
-            </a:solidFill>
-          </a:ln>
-        </p:spPr>
-        <p:txBody>
-          <a:bodyPr wrap="square" rtlCol="0">
-            <a:spAutoFit/>
-          </a:bodyPr>
-          <a:lstStyle/>
-          <a:p>
-            <a:pPr algn="ctr"/>
-            <a:r>
-              <a:rPr lang="en-US" dirty="0" smtClean="0">
-                <a:solidFill>
-                  <a:srgbClr val="FFFFFF"/>
-                </a:solidFill>
-              </a:rPr>
-              <a:t>Back</a:t>
-            </a:r>
-            <a:endParaRPr lang="en-US" dirty="0">
-              <a:solidFill>
-                <a:srgbClr val="FFFFFF"/>
               </a:solidFill>
             </a:endParaRPr>
           </a:p>
@@ -12830,13 +13108,13 @@
       </p:sp>
       <p:sp>
         <p:nvSpPr>
-          <p:cNvPr id="113" name="TextBox 112"/>
+          <p:cNvPr id="116" name="TextBox 115"/>
           <p:cNvSpPr txBox="1"/>
           <p:nvPr/>
         </p:nvSpPr>
         <p:spPr>
           <a:xfrm>
-            <a:off x="2286000" y="4038600"/>
+            <a:off x="5715000" y="4191000"/>
             <a:ext cx="928278" cy="369332"/>
           </a:xfrm>
           <a:prstGeom prst="rect">
@@ -12868,107 +13146,7 @@
                   <a:srgbClr val="FFFFFF"/>
                 </a:solidFill>
               </a:rPr>
-              <a:t>Back</a:t>
-            </a:r>
-            <a:endParaRPr lang="en-US" dirty="0">
-              <a:solidFill>
-                <a:srgbClr val="FFFFFF"/>
-              </a:solidFill>
-            </a:endParaRPr>
-          </a:p>
-        </p:txBody>
-      </p:sp>
-      <p:sp>
-        <p:nvSpPr>
-          <p:cNvPr id="116" name="TextBox 115"/>
-          <p:cNvSpPr txBox="1"/>
-          <p:nvPr/>
-        </p:nvSpPr>
-        <p:spPr>
-          <a:xfrm>
-            <a:off x="5715000" y="4191000"/>
-            <a:ext cx="928278" cy="369332"/>
-          </a:xfrm>
-          <a:prstGeom prst="rect">
-            <a:avLst/>
-          </a:prstGeom>
-          <a:solidFill>
-            <a:schemeClr val="accent1">
-              <a:lumMod val="75000"/>
-            </a:schemeClr>
-          </a:solidFill>
-          <a:ln>
-            <a:solidFill>
-              <a:schemeClr val="accent1">
-                <a:lumMod val="75000"/>
-              </a:schemeClr>
-            </a:solidFill>
-          </a:ln>
-        </p:spPr>
-        <p:txBody>
-          <a:bodyPr wrap="square" rtlCol="0">
-            <a:spAutoFit/>
-          </a:bodyPr>
-          <a:lstStyle/>
-          <a:p>
-            <a:pPr algn="ctr"/>
-            <a:r>
-              <a:rPr lang="en-US" dirty="0" smtClean="0">
-                <a:solidFill>
-                  <a:srgbClr val="FFFFFF"/>
-                </a:solidFill>
-              </a:rPr>
               <a:t>Save</a:t>
-            </a:r>
-            <a:endParaRPr lang="en-US" dirty="0">
-              <a:solidFill>
-                <a:srgbClr val="FFFFFF"/>
-              </a:solidFill>
-            </a:endParaRPr>
-          </a:p>
-        </p:txBody>
-      </p:sp>
-      <p:sp>
-        <p:nvSpPr>
-          <p:cNvPr id="117" name="TextBox 116"/>
-          <p:cNvSpPr txBox="1"/>
-          <p:nvPr/>
-        </p:nvSpPr>
-        <p:spPr>
-          <a:xfrm>
-            <a:off x="6781800" y="4191000"/>
-            <a:ext cx="928278" cy="369332"/>
-          </a:xfrm>
-          <a:prstGeom prst="rect">
-            <a:avLst/>
-          </a:prstGeom>
-          <a:solidFill>
-            <a:schemeClr val="accent1">
-              <a:lumMod val="75000"/>
-            </a:schemeClr>
-          </a:solidFill>
-          <a:ln>
-            <a:solidFill>
-              <a:schemeClr val="accent1">
-                <a:lumMod val="75000"/>
-              </a:schemeClr>
-            </a:solidFill>
-          </a:ln>
-        </p:spPr>
-        <p:txBody>
-          <a:bodyPr wrap="square" rtlCol="0">
-            <a:spAutoFit/>
-          </a:bodyPr>
-          <a:lstStyle/>
-          <a:p>
-            <a:pPr algn="ctr"/>
-            <a:r>
-              <a:rPr lang="en-US" dirty="0" smtClean="0">
-                <a:solidFill>
-                  <a:srgbClr val="FFFFFF"/>
-                </a:solidFill>
-              </a:rPr>
-              <a:t>Back</a:t>
             </a:r>
             <a:endParaRPr lang="en-US" dirty="0">
               <a:solidFill>
@@ -14695,13 +14873,13 @@
       </p:sp>
       <p:sp>
         <p:nvSpPr>
-          <p:cNvPr id="55" name="TextBox 54"/>
+          <p:cNvPr id="56" name="TextBox 55"/>
           <p:cNvSpPr txBox="1"/>
           <p:nvPr/>
         </p:nvSpPr>
         <p:spPr>
           <a:xfrm>
-            <a:off x="6781800" y="4038600"/>
+            <a:off x="1295400" y="4114800"/>
             <a:ext cx="928278" cy="369332"/>
           </a:xfrm>
           <a:prstGeom prst="rect">
@@ -14733,107 +14911,7 @@
                   <a:srgbClr val="FFFFFF"/>
                 </a:solidFill>
               </a:rPr>
-              <a:t>Back</a:t>
-            </a:r>
-            <a:endParaRPr lang="en-US" dirty="0">
-              <a:solidFill>
-                <a:srgbClr val="FFFFFF"/>
-              </a:solidFill>
-            </a:endParaRPr>
-          </a:p>
-        </p:txBody>
-      </p:sp>
-      <p:sp>
-        <p:nvSpPr>
-          <p:cNvPr id="56" name="TextBox 55"/>
-          <p:cNvSpPr txBox="1"/>
-          <p:nvPr/>
-        </p:nvSpPr>
-        <p:spPr>
-          <a:xfrm>
-            <a:off x="1295400" y="4114800"/>
-            <a:ext cx="928278" cy="369332"/>
-          </a:xfrm>
-          <a:prstGeom prst="rect">
-            <a:avLst/>
-          </a:prstGeom>
-          <a:solidFill>
-            <a:schemeClr val="accent1">
-              <a:lumMod val="75000"/>
-            </a:schemeClr>
-          </a:solidFill>
-          <a:ln>
-            <a:solidFill>
-              <a:schemeClr val="accent1">
-                <a:lumMod val="75000"/>
-              </a:schemeClr>
-            </a:solidFill>
-          </a:ln>
-        </p:spPr>
-        <p:txBody>
-          <a:bodyPr wrap="square" rtlCol="0">
-            <a:spAutoFit/>
-          </a:bodyPr>
-          <a:lstStyle/>
-          <a:p>
-            <a:pPr algn="ctr"/>
-            <a:r>
-              <a:rPr lang="en-US" dirty="0" smtClean="0">
-                <a:solidFill>
-                  <a:srgbClr val="FFFFFF"/>
-                </a:solidFill>
-              </a:rPr>
               <a:t>Save</a:t>
-            </a:r>
-            <a:endParaRPr lang="en-US" dirty="0">
-              <a:solidFill>
-                <a:srgbClr val="FFFFFF"/>
-              </a:solidFill>
-            </a:endParaRPr>
-          </a:p>
-        </p:txBody>
-      </p:sp>
-      <p:sp>
-        <p:nvSpPr>
-          <p:cNvPr id="57" name="TextBox 56"/>
-          <p:cNvSpPr txBox="1"/>
-          <p:nvPr/>
-        </p:nvSpPr>
-        <p:spPr>
-          <a:xfrm>
-            <a:off x="2362200" y="4114800"/>
-            <a:ext cx="928278" cy="369332"/>
-          </a:xfrm>
-          <a:prstGeom prst="rect">
-            <a:avLst/>
-          </a:prstGeom>
-          <a:solidFill>
-            <a:schemeClr val="accent1">
-              <a:lumMod val="75000"/>
-            </a:schemeClr>
-          </a:solidFill>
-          <a:ln>
-            <a:solidFill>
-              <a:schemeClr val="accent1">
-                <a:lumMod val="75000"/>
-              </a:schemeClr>
-            </a:solidFill>
-          </a:ln>
-        </p:spPr>
-        <p:txBody>
-          <a:bodyPr wrap="square" rtlCol="0">
-            <a:spAutoFit/>
-          </a:bodyPr>
-          <a:lstStyle/>
-          <a:p>
-            <a:pPr algn="ctr"/>
-            <a:r>
-              <a:rPr lang="en-US" dirty="0" smtClean="0">
-                <a:solidFill>
-                  <a:srgbClr val="FFFFFF"/>
-                </a:solidFill>
-              </a:rPr>
-              <a:t>Back</a:t>
             </a:r>
             <a:endParaRPr lang="en-US" dirty="0">
               <a:solidFill>
@@ -15679,7 +15757,7 @@
         <p:spPr>
           <a:xfrm>
             <a:off x="4953000" y="3886200"/>
-            <a:ext cx="1219200" cy="381000"/>
+            <a:ext cx="1219200" cy="369332"/>
           </a:xfrm>
           <a:prstGeom prst="rect">
             <a:avLst/>
@@ -15703,7 +15781,7 @@
                 <a:latin typeface="Bradley Hand Bold"/>
                 <a:cs typeface="Bradley Hand Bold"/>
               </a:rPr>
-              <a:t>Email</a:t>
+              <a:t>Username</a:t>
             </a:r>
             <a:endParaRPr lang="en-US" dirty="0">
               <a:solidFill>
@@ -17686,16 +17764,124 @@
           <a:chExt cx="0" cy="0"/>
         </a:xfrm>
       </p:grpSpPr>
-      <p:sp>
-        <p:nvSpPr>
-          <p:cNvPr id="4" name="Rectangle 3"/>
+      <p:cxnSp>
+        <p:nvCxnSpPr>
+          <p:cNvPr id="46" name="Straight Arrow Connector 45"/>
+          <p:cNvCxnSpPr/>
+          <p:nvPr/>
+        </p:nvCxnSpPr>
+        <p:spPr>
+          <a:xfrm>
+            <a:off x="4114800" y="3048000"/>
+            <a:ext cx="739685" cy="0"/>
+          </a:xfrm>
+          <a:prstGeom prst="straightConnector1">
+            <a:avLst/>
+          </a:prstGeom>
+          <a:ln w="28575">
+            <a:solidFill>
+              <a:srgbClr val="FF0000"/>
+            </a:solidFill>
+            <a:tailEnd type="arrow"/>
+          </a:ln>
+        </p:spPr>
+        <p:style>
+          <a:lnRef idx="1">
+            <a:schemeClr val="accent1"/>
+          </a:lnRef>
+          <a:fillRef idx="0">
+            <a:schemeClr val="accent1"/>
+          </a:fillRef>
+          <a:effectRef idx="0">
+            <a:schemeClr val="accent1"/>
+          </a:effectRef>
+          <a:fontRef idx="minor">
+            <a:schemeClr val="tx1"/>
+          </a:fontRef>
+        </p:style>
+      </p:cxnSp>
+      <p:cxnSp>
+        <p:nvCxnSpPr>
+          <p:cNvPr id="49" name="Straight Arrow Connector 48"/>
+          <p:cNvCxnSpPr/>
+          <p:nvPr/>
+        </p:nvCxnSpPr>
+        <p:spPr>
+          <a:xfrm>
+            <a:off x="152400" y="3048000"/>
+            <a:ext cx="304800" cy="0"/>
+          </a:xfrm>
+          <a:prstGeom prst="straightConnector1">
+            <a:avLst/>
+          </a:prstGeom>
+          <a:ln w="28575">
+            <a:solidFill>
+              <a:srgbClr val="FF0000"/>
+            </a:solidFill>
+            <a:tailEnd type="arrow"/>
+          </a:ln>
+        </p:spPr>
+        <p:style>
+          <a:lnRef idx="1">
+            <a:schemeClr val="accent1"/>
+          </a:lnRef>
+          <a:fillRef idx="0">
+            <a:schemeClr val="accent1"/>
+          </a:fillRef>
+          <a:effectRef idx="0">
+            <a:schemeClr val="accent1"/>
+          </a:effectRef>
+          <a:fontRef idx="minor">
+            <a:schemeClr val="tx1"/>
+          </a:fontRef>
+        </p:style>
+      </p:cxnSp>
+      <p:cxnSp>
+        <p:nvCxnSpPr>
+          <p:cNvPr id="50" name="Straight Arrow Connector 49"/>
+          <p:cNvCxnSpPr/>
+          <p:nvPr/>
+        </p:nvCxnSpPr>
+        <p:spPr>
+          <a:xfrm>
+            <a:off x="8610600" y="3048000"/>
+            <a:ext cx="381000" cy="0"/>
+          </a:xfrm>
+          <a:prstGeom prst="straightConnector1">
+            <a:avLst/>
+          </a:prstGeom>
+          <a:ln w="28575">
+            <a:solidFill>
+              <a:srgbClr val="FF0000"/>
+            </a:solidFill>
+            <a:tailEnd type="arrow"/>
+          </a:ln>
+        </p:spPr>
+        <p:style>
+          <a:lnRef idx="1">
+            <a:schemeClr val="accent1"/>
+          </a:lnRef>
+          <a:fillRef idx="0">
+            <a:schemeClr val="accent1"/>
+          </a:fillRef>
+          <a:effectRef idx="0">
+            <a:schemeClr val="accent1"/>
+          </a:effectRef>
+          <a:fontRef idx="minor">
+            <a:schemeClr val="tx1"/>
+          </a:fontRef>
+        </p:style>
+      </p:cxnSp>
+      <p:sp>
+        <p:nvSpPr>
+          <p:cNvPr id="53" name="Rectangle 52"/>
           <p:cNvSpPr/>
           <p:nvPr/>
         </p:nvSpPr>
         <p:spPr>
           <a:xfrm>
-            <a:off x="609600" y="304800"/>
-            <a:ext cx="3397431" cy="5778922"/>
+            <a:off x="5029200" y="76200"/>
+            <a:ext cx="3397431" cy="6324600"/>
           </a:xfrm>
           <a:prstGeom prst="rect">
             <a:avLst/>
@@ -17740,13 +17926,13 @@
       </p:sp>
       <p:sp>
         <p:nvSpPr>
-          <p:cNvPr id="5" name="Rounded Rectangle 4"/>
+          <p:cNvPr id="55" name="Rounded Rectangle 54"/>
           <p:cNvSpPr/>
           <p:nvPr/>
         </p:nvSpPr>
         <p:spPr>
           <a:xfrm>
-            <a:off x="1905000" y="1752600"/>
+            <a:off x="6324600" y="2743200"/>
             <a:ext cx="1905000" cy="381000"/>
           </a:xfrm>
           <a:prstGeom prst="roundRect">
@@ -17791,13 +17977,107 @@
       </p:sp>
       <p:sp>
         <p:nvSpPr>
-          <p:cNvPr id="6" name="Rounded Rectangle 5"/>
+          <p:cNvPr id="56" name="TextBox 55"/>
+          <p:cNvSpPr txBox="1"/>
+          <p:nvPr/>
+        </p:nvSpPr>
+        <p:spPr>
+          <a:xfrm>
+            <a:off x="5105400" y="2057400"/>
+            <a:ext cx="1219200" cy="381000"/>
+          </a:xfrm>
+          <a:prstGeom prst="rect">
+            <a:avLst/>
+          </a:prstGeom>
+          <a:noFill/>
+        </p:spPr>
+        <p:txBody>
+          <a:bodyPr wrap="square" rtlCol="0">
+            <a:spAutoFit/>
+          </a:bodyPr>
+          <a:lstStyle/>
+          <a:p>
+            <a:pPr algn="r"/>
+            <a:r>
+              <a:rPr lang="en-US" dirty="0" smtClean="0">
+                <a:solidFill>
+                  <a:schemeClr val="tx2">
+                    <a:lumMod val="75000"/>
+                  </a:schemeClr>
+                </a:solidFill>
+                <a:latin typeface="Bradley Hand Bold"/>
+                <a:cs typeface="Bradley Hand Bold"/>
+              </a:rPr>
+              <a:t>Email</a:t>
+            </a:r>
+            <a:endParaRPr lang="en-US" dirty="0">
+              <a:solidFill>
+                <a:schemeClr val="tx2">
+                  <a:lumMod val="75000"/>
+                </a:schemeClr>
+              </a:solidFill>
+              <a:latin typeface="Bradley Hand Bold"/>
+              <a:cs typeface="Bradley Hand Bold"/>
+            </a:endParaRPr>
+          </a:p>
+        </p:txBody>
+      </p:sp>
+      <p:sp>
+        <p:nvSpPr>
+          <p:cNvPr id="57" name="TextBox 56"/>
+          <p:cNvSpPr txBox="1"/>
+          <p:nvPr/>
+        </p:nvSpPr>
+        <p:spPr>
+          <a:xfrm>
+            <a:off x="5105400" y="2743200"/>
+            <a:ext cx="1219200" cy="381000"/>
+          </a:xfrm>
+          <a:prstGeom prst="rect">
+            <a:avLst/>
+          </a:prstGeom>
+          <a:noFill/>
+        </p:spPr>
+        <p:txBody>
+          <a:bodyPr wrap="square" rtlCol="0">
+            <a:spAutoFit/>
+          </a:bodyPr>
+          <a:lstStyle/>
+          <a:p>
+            <a:pPr algn="r"/>
+            <a:r>
+              <a:rPr lang="en-US" dirty="0" smtClean="0">
+                <a:solidFill>
+                  <a:schemeClr val="tx2">
+                    <a:lumMod val="75000"/>
+                  </a:schemeClr>
+                </a:solidFill>
+                <a:latin typeface="Bradley Hand Bold"/>
+                <a:cs typeface="Bradley Hand Bold"/>
+              </a:rPr>
+              <a:t>Password</a:t>
+            </a:r>
+            <a:endParaRPr lang="en-US" dirty="0">
+              <a:solidFill>
+                <a:schemeClr val="tx2">
+                  <a:lumMod val="75000"/>
+                </a:schemeClr>
+              </a:solidFill>
+              <a:latin typeface="Bradley Hand Bold"/>
+              <a:cs typeface="Bradley Hand Bold"/>
+            </a:endParaRPr>
+          </a:p>
+        </p:txBody>
+      </p:sp>
+      <p:sp>
+        <p:nvSpPr>
+          <p:cNvPr id="58" name="Rounded Rectangle 57"/>
           <p:cNvSpPr/>
           <p:nvPr/>
         </p:nvSpPr>
         <p:spPr>
           <a:xfrm>
-            <a:off x="1905000" y="2362200"/>
+            <a:off x="6324600" y="3962400"/>
             <a:ext cx="1905000" cy="381000"/>
           </a:xfrm>
           <a:prstGeom prst="roundRect">
@@ -17842,13 +18122,13 @@
       </p:sp>
       <p:sp>
         <p:nvSpPr>
-          <p:cNvPr id="7" name="TextBox 6"/>
+          <p:cNvPr id="61" name="TextBox 60"/>
           <p:cNvSpPr txBox="1"/>
           <p:nvPr/>
         </p:nvSpPr>
         <p:spPr>
           <a:xfrm>
-            <a:off x="685800" y="1752600"/>
+            <a:off x="5105400" y="3962400"/>
             <a:ext cx="1219200" cy="381000"/>
           </a:xfrm>
           <a:prstGeom prst="rect">
@@ -17873,7 +18153,7 @@
                 <a:latin typeface="Bradley Hand Bold"/>
                 <a:cs typeface="Bradley Hand Bold"/>
               </a:rPr>
-              <a:t>Email</a:t>
+              <a:t>Name</a:t>
             </a:r>
             <a:endParaRPr lang="en-US" dirty="0">
               <a:solidFill>
@@ -17889,61 +18169,14 @@
       </p:sp>
       <p:sp>
         <p:nvSpPr>
-          <p:cNvPr id="8" name="TextBox 7"/>
-          <p:cNvSpPr txBox="1"/>
-          <p:nvPr/>
-        </p:nvSpPr>
-        <p:spPr>
-          <a:xfrm>
-            <a:off x="685800" y="2362200"/>
-            <a:ext cx="1219200" cy="381000"/>
-          </a:xfrm>
-          <a:prstGeom prst="rect">
-            <a:avLst/>
-          </a:prstGeom>
-          <a:noFill/>
-        </p:spPr>
-        <p:txBody>
-          <a:bodyPr wrap="square" rtlCol="0">
-            <a:spAutoFit/>
-          </a:bodyPr>
-          <a:lstStyle/>
-          <a:p>
-            <a:pPr algn="r"/>
-            <a:r>
-              <a:rPr lang="en-US" dirty="0" smtClean="0">
-                <a:solidFill>
-                  <a:schemeClr val="tx2">
-                    <a:lumMod val="75000"/>
-                  </a:schemeClr>
-                </a:solidFill>
-                <a:latin typeface="Bradley Hand Bold"/>
-                <a:cs typeface="Bradley Hand Bold"/>
-              </a:rPr>
-              <a:t>Password</a:t>
-            </a:r>
-            <a:endParaRPr lang="en-US" dirty="0">
-              <a:solidFill>
-                <a:schemeClr val="tx2">
-                  <a:lumMod val="75000"/>
-                </a:schemeClr>
-              </a:solidFill>
-              <a:latin typeface="Bradley Hand Bold"/>
-              <a:cs typeface="Bradley Hand Bold"/>
-            </a:endParaRPr>
-          </a:p>
-        </p:txBody>
-      </p:sp>
-      <p:sp>
-        <p:nvSpPr>
-          <p:cNvPr id="9" name="Rounded Rectangle 8"/>
+          <p:cNvPr id="62" name="Rounded Rectangle 61"/>
           <p:cNvSpPr/>
           <p:nvPr/>
         </p:nvSpPr>
         <p:spPr>
           <a:xfrm>
-            <a:off x="1905000" y="3581400"/>
-            <a:ext cx="1905000" cy="381000"/>
+            <a:off x="6324600" y="4572000"/>
+            <a:ext cx="1905000" cy="1219200"/>
           </a:xfrm>
           <a:prstGeom prst="roundRect">
             <a:avLst/>
@@ -17987,13 +18220,13 @@
       </p:sp>
       <p:sp>
         <p:nvSpPr>
-          <p:cNvPr id="10" name="TextBox 9"/>
+          <p:cNvPr id="63" name="TextBox 62"/>
           <p:cNvSpPr txBox="1"/>
           <p:nvPr/>
         </p:nvSpPr>
         <p:spPr>
           <a:xfrm>
-            <a:off x="685800" y="3581400"/>
+            <a:off x="5105400" y="4572000"/>
             <a:ext cx="1219200" cy="381000"/>
           </a:xfrm>
           <a:prstGeom prst="rect">
@@ -18018,7 +18251,7 @@
                 <a:latin typeface="Bradley Hand Bold"/>
                 <a:cs typeface="Bradley Hand Bold"/>
               </a:rPr>
-              <a:t>Name</a:t>
+              <a:t>Bio</a:t>
             </a:r>
             <a:endParaRPr lang="en-US" dirty="0">
               <a:solidFill>
@@ -18034,14 +18267,62 @@
       </p:sp>
       <p:sp>
         <p:nvSpPr>
-          <p:cNvPr id="11" name="Rounded Rectangle 10"/>
+          <p:cNvPr id="64" name="Rectangle 63"/>
           <p:cNvSpPr/>
           <p:nvPr/>
         </p:nvSpPr>
         <p:spPr>
           <a:xfrm>
-            <a:off x="1905000" y="4191000"/>
-            <a:ext cx="1905000" cy="1219200"/>
+            <a:off x="6324600" y="304800"/>
+            <a:ext cx="990600" cy="914400"/>
+          </a:xfrm>
+          <a:prstGeom prst="rect">
+            <a:avLst/>
+          </a:prstGeom>
+          <a:noFill/>
+          <a:ln w="28575" cmpd="sng">
+            <a:solidFill>
+              <a:schemeClr val="accent1">
+                <a:lumMod val="75000"/>
+              </a:schemeClr>
+            </a:solidFill>
+            <a:prstDash val="dash"/>
+          </a:ln>
+          <a:effectLst/>
+        </p:spPr>
+        <p:style>
+          <a:lnRef idx="1">
+            <a:schemeClr val="accent1"/>
+          </a:lnRef>
+          <a:fillRef idx="3">
+            <a:schemeClr val="accent1"/>
+          </a:fillRef>
+          <a:effectRef idx="2">
+            <a:schemeClr val="accent1"/>
+          </a:effectRef>
+          <a:fontRef idx="minor">
+            <a:schemeClr val="lt1"/>
+          </a:fontRef>
+        </p:style>
+        <p:txBody>
+          <a:bodyPr rtlCol="0" anchor="ctr"/>
+          <a:lstStyle/>
+          <a:p>
+            <a:pPr algn="ctr"/>
+            <a:endParaRPr lang="en-US"/>
+          </a:p>
+        </p:txBody>
+      </p:sp>
+      <p:sp>
+        <p:nvSpPr>
+          <p:cNvPr id="66" name="Rounded Rectangle 65"/>
+          <p:cNvSpPr/>
+          <p:nvPr/>
+        </p:nvSpPr>
+        <p:spPr>
+          <a:xfrm>
+            <a:off x="6324600" y="3352800"/>
+            <a:ext cx="1905000" cy="381000"/>
           </a:xfrm>
           <a:prstGeom prst="roundRect">
             <a:avLst/>
@@ -18085,14 +18366,14 @@
       </p:sp>
       <p:sp>
         <p:nvSpPr>
-          <p:cNvPr id="12" name="TextBox 11"/>
+          <p:cNvPr id="67" name="TextBox 66"/>
           <p:cNvSpPr txBox="1"/>
           <p:nvPr/>
         </p:nvSpPr>
         <p:spPr>
           <a:xfrm>
-            <a:off x="685800" y="4191000"/>
-            <a:ext cx="1219200" cy="381000"/>
+            <a:off x="5105400" y="3234086"/>
+            <a:ext cx="1219200" cy="646331"/>
           </a:xfrm>
           <a:prstGeom prst="rect">
             <a:avLst/>
@@ -18116,7 +18397,22 @@
                 <a:latin typeface="Bradley Hand Bold"/>
                 <a:cs typeface="Bradley Hand Bold"/>
               </a:rPr>
-              <a:t>Bio</a:t>
+              <a:t>Confirm</a:t>
+            </a:r>
+          </a:p>
+          <a:p>
+            <a:pPr algn="r"/>
+            <a:r>
+              <a:rPr lang="en-US" dirty="0" smtClean="0">
+                <a:solidFill>
+                  <a:schemeClr val="tx2">
+                    <a:lumMod val="75000"/>
+                  </a:schemeClr>
+                </a:solidFill>
+                <a:latin typeface="Bradley Hand Bold"/>
+                <a:cs typeface="Bradley Hand Bold"/>
+              </a:rPr>
+              <a:t>Password</a:t>
             </a:r>
             <a:endParaRPr lang="en-US" dirty="0">
               <a:solidFill>
@@ -18132,67 +18428,69 @@
       </p:sp>
       <p:sp>
         <p:nvSpPr>
-          <p:cNvPr id="13" name="Rectangle 12"/>
-          <p:cNvSpPr/>
-          <p:nvPr/>
-        </p:nvSpPr>
-        <p:spPr>
-          <a:xfrm>
-            <a:off x="1905000" y="533400"/>
-            <a:ext cx="990600" cy="914400"/>
+          <p:cNvPr id="68" name="TextBox 67"/>
+          <p:cNvSpPr txBox="1"/>
+          <p:nvPr/>
+        </p:nvSpPr>
+        <p:spPr>
+          <a:xfrm>
+            <a:off x="5029200" y="6324600"/>
+            <a:ext cx="3429000" cy="369332"/>
           </a:xfrm>
           <a:prstGeom prst="rect">
             <a:avLst/>
           </a:prstGeom>
           <a:noFill/>
-          <a:ln w="28575" cmpd="sng">
+        </p:spPr>
+        <p:txBody>
+          <a:bodyPr wrap="square" rtlCol="0">
+            <a:spAutoFit/>
+          </a:bodyPr>
+          <a:lstStyle/>
+          <a:p>
+            <a:pPr algn="ctr"/>
+            <a:r>
+              <a:rPr lang="en-US" b="1" dirty="0" smtClean="0">
+                <a:solidFill>
+                  <a:srgbClr val="FF0000"/>
+                </a:solidFill>
+              </a:rPr>
+              <a:t>Highlight fields with errors</a:t>
+            </a:r>
+            <a:endParaRPr lang="en-US" b="1" dirty="0">
+              <a:solidFill>
+                <a:srgbClr val="FF0000"/>
+              </a:solidFill>
+            </a:endParaRPr>
+          </a:p>
+        </p:txBody>
+      </p:sp>
+      <p:sp>
+        <p:nvSpPr>
+          <p:cNvPr id="69" name="TextBox 68"/>
+          <p:cNvSpPr txBox="1"/>
+          <p:nvPr/>
+        </p:nvSpPr>
+        <p:spPr>
+          <a:xfrm>
+            <a:off x="6324600" y="5917422"/>
+            <a:ext cx="928278" cy="369332"/>
+          </a:xfrm>
+          <a:prstGeom prst="rect">
+            <a:avLst/>
+          </a:prstGeom>
+          <a:solidFill>
+            <a:schemeClr val="accent1">
+              <a:lumMod val="75000"/>
+            </a:schemeClr>
+          </a:solidFill>
+          <a:ln>
             <a:solidFill>
               <a:schemeClr val="accent1">
                 <a:lumMod val="75000"/>
               </a:schemeClr>
             </a:solidFill>
-            <a:prstDash val="dash"/>
           </a:ln>
-          <a:effectLst/>
-        </p:spPr>
-        <p:style>
-          <a:lnRef idx="1">
-            <a:schemeClr val="accent1"/>
-          </a:lnRef>
-          <a:fillRef idx="3">
-            <a:schemeClr val="accent1"/>
-          </a:fillRef>
-          <a:effectRef idx="2">
-            <a:schemeClr val="accent1"/>
-          </a:effectRef>
-          <a:fontRef idx="minor">
-            <a:schemeClr val="lt1"/>
-          </a:fontRef>
-        </p:style>
-        <p:txBody>
-          <a:bodyPr rtlCol="0" anchor="ctr"/>
-          <a:lstStyle/>
-          <a:p>
-            <a:pPr algn="ctr"/>
-            <a:endParaRPr lang="en-US"/>
-          </a:p>
-        </p:txBody>
-      </p:sp>
-      <p:sp>
-        <p:nvSpPr>
-          <p:cNvPr id="14" name="TextBox 13"/>
-          <p:cNvSpPr txBox="1"/>
-          <p:nvPr/>
-        </p:nvSpPr>
-        <p:spPr>
-          <a:xfrm>
-            <a:off x="1828800" y="762000"/>
-            <a:ext cx="990600" cy="338554"/>
-          </a:xfrm>
-          <a:prstGeom prst="rect">
-            <a:avLst/>
-          </a:prstGeom>
-          <a:noFill/>
         </p:spPr>
         <p:txBody>
           <a:bodyPr wrap="square" rtlCol="0">
@@ -18202,20 +18500,16 @@
           <a:p>
             <a:pPr algn="ctr"/>
             <a:r>
-              <a:rPr lang="en-US" sz="1600" dirty="0" smtClean="0">
+              <a:rPr lang="en-US" dirty="0" smtClean="0">
                 <a:solidFill>
-                  <a:schemeClr val="accent1">
-                    <a:lumMod val="75000"/>
-                  </a:schemeClr>
+                  <a:srgbClr val="FFFFFF"/>
                 </a:solidFill>
               </a:rPr>
-              <a:t>   Photo</a:t>
-            </a:r>
-            <a:endParaRPr lang="en-US" sz="1600" dirty="0">
+              <a:t>Save</a:t>
+            </a:r>
+            <a:endParaRPr lang="en-US" dirty="0">
               <a:solidFill>
-                <a:schemeClr val="accent1">
-                  <a:lumMod val="75000"/>
-                </a:schemeClr>
+                <a:srgbClr val="FFFFFF"/>
               </a:solidFill>
             </a:endParaRPr>
           </a:p>
@@ -18223,13 +18517,63 @@
       </p:sp>
       <p:sp>
         <p:nvSpPr>
-          <p:cNvPr id="16" name="Rounded Rectangle 15"/>
+          <p:cNvPr id="70" name="TextBox 69"/>
+          <p:cNvSpPr txBox="1"/>
+          <p:nvPr/>
+        </p:nvSpPr>
+        <p:spPr>
+          <a:xfrm>
+            <a:off x="7391400" y="5917422"/>
+            <a:ext cx="928278" cy="369332"/>
+          </a:xfrm>
+          <a:prstGeom prst="rect">
+            <a:avLst/>
+          </a:prstGeom>
+          <a:solidFill>
+            <a:schemeClr val="accent1">
+              <a:lumMod val="75000"/>
+            </a:schemeClr>
+          </a:solidFill>
+          <a:ln>
+            <a:solidFill>
+              <a:schemeClr val="accent1">
+                <a:lumMod val="75000"/>
+              </a:schemeClr>
+            </a:solidFill>
+          </a:ln>
+        </p:spPr>
+        <p:txBody>
+          <a:bodyPr wrap="square" rtlCol="0">
+            <a:spAutoFit/>
+          </a:bodyPr>
+          <a:lstStyle/>
+          <a:p>
+            <a:pPr algn="ctr"/>
+            <a:r>
+              <a:rPr lang="en-US" dirty="0" smtClean="0">
+                <a:solidFill>
+                  <a:srgbClr val="FFFFFF"/>
+                </a:solidFill>
+              </a:rPr>
+              <a:t>Back</a:t>
+            </a:r>
+            <a:endParaRPr lang="en-US" dirty="0">
+              <a:solidFill>
+                <a:srgbClr val="FFFFFF"/>
+              </a:solidFill>
+            </a:endParaRPr>
+          </a:p>
+        </p:txBody>
+      </p:sp>
+      <p:sp>
+        <p:nvSpPr>
+          <p:cNvPr id="71" name="Rounded Rectangle 70"/>
           <p:cNvSpPr/>
           <p:nvPr/>
         </p:nvSpPr>
         <p:spPr>
           <a:xfrm>
-            <a:off x="1905000" y="2971800"/>
+            <a:off x="6324600" y="1447800"/>
             <a:ext cx="1905000" cy="381000"/>
           </a:xfrm>
           <a:prstGeom prst="roundRect">
@@ -18274,14 +18618,14 @@
       </p:sp>
       <p:sp>
         <p:nvSpPr>
-          <p:cNvPr id="17" name="TextBox 16"/>
+          <p:cNvPr id="72" name="TextBox 71"/>
           <p:cNvSpPr txBox="1"/>
           <p:nvPr/>
         </p:nvSpPr>
         <p:spPr>
           <a:xfrm>
-            <a:off x="685800" y="2971800"/>
-            <a:ext cx="1219200" cy="646331"/>
+            <a:off x="5105400" y="1447800"/>
+            <a:ext cx="1219200" cy="381000"/>
           </a:xfrm>
           <a:prstGeom prst="rect">
             <a:avLst/>
@@ -18305,22 +18649,7 @@
                 <a:latin typeface="Bradley Hand Bold"/>
                 <a:cs typeface="Bradley Hand Bold"/>
               </a:rPr>
-              <a:t>Confirm</a:t>
-            </a:r>
-          </a:p>
-          <a:p>
-            <a:pPr algn="r"/>
-            <a:r>
-              <a:rPr lang="en-US" dirty="0" smtClean="0">
-                <a:solidFill>
-                  <a:schemeClr val="tx2">
-                    <a:lumMod val="75000"/>
-                  </a:schemeClr>
-                </a:solidFill>
-                <a:latin typeface="Bradley Hand Bold"/>
-                <a:cs typeface="Bradley Hand Bold"/>
-              </a:rPr>
-              <a:t>Password</a:t>
+              <a:t>Username</a:t>
             </a:r>
             <a:endParaRPr lang="en-US" dirty="0">
               <a:solidFill>
@@ -18336,14 +18665,60 @@
       </p:sp>
       <p:sp>
         <p:nvSpPr>
-          <p:cNvPr id="18" name="TextBox 17"/>
+          <p:cNvPr id="73" name="Rectangle 72"/>
+          <p:cNvSpPr/>
+          <p:nvPr/>
+        </p:nvSpPr>
+        <p:spPr>
+          <a:xfrm>
+            <a:off x="6324600" y="304800"/>
+            <a:ext cx="990600" cy="914400"/>
+          </a:xfrm>
+          <a:prstGeom prst="rect">
+            <a:avLst/>
+          </a:prstGeom>
+          <a:blipFill>
+            <a:blip r:embed="rId2"/>
+            <a:stretch>
+              <a:fillRect/>
+            </a:stretch>
+          </a:blipFill>
+        </p:spPr>
+        <p:style>
+          <a:lnRef idx="2">
+            <a:schemeClr val="accent1">
+              <a:shade val="50000"/>
+            </a:schemeClr>
+          </a:lnRef>
+          <a:fillRef idx="1">
+            <a:schemeClr val="accent1"/>
+          </a:fillRef>
+          <a:effectRef idx="0">
+            <a:schemeClr val="accent1"/>
+          </a:effectRef>
+          <a:fontRef idx="minor">
+            <a:schemeClr val="lt1"/>
+          </a:fontRef>
+        </p:style>
+        <p:txBody>
+          <a:bodyPr rtlCol="0" anchor="ctr"/>
+          <a:lstStyle/>
+          <a:p>
+            <a:pPr algn="ctr"/>
+            <a:endParaRPr lang="en-US"/>
+          </a:p>
+        </p:txBody>
+      </p:sp>
+      <p:sp>
+        <p:nvSpPr>
+          <p:cNvPr id="76" name="TextBox 75"/>
           <p:cNvSpPr txBox="1"/>
           <p:nvPr/>
         </p:nvSpPr>
         <p:spPr>
           <a:xfrm>
-            <a:off x="609600" y="6053486"/>
-            <a:ext cx="3429000" cy="369332"/>
+            <a:off x="6324600" y="2819400"/>
+            <a:ext cx="1828800" cy="338554"/>
           </a:xfrm>
           <a:prstGeom prst="rect">
             <a:avLst/>
@@ -18356,33 +18731,24 @@
           </a:bodyPr>
           <a:lstStyle/>
           <a:p>
-            <a:pPr algn="ctr"/>
-            <a:r>
-              <a:rPr lang="en-US" b="1" dirty="0" smtClean="0">
-                <a:solidFill>
-                  <a:srgbClr val="FF0000"/>
-                </a:solidFill>
-              </a:rPr>
-              <a:t>Save with invalid information</a:t>
-            </a:r>
-            <a:endParaRPr lang="en-US" b="1" dirty="0">
-              <a:solidFill>
-                <a:srgbClr val="FF0000"/>
-              </a:solidFill>
-            </a:endParaRPr>
-          </a:p>
-        </p:txBody>
-      </p:sp>
-      <p:sp>
-        <p:nvSpPr>
-          <p:cNvPr id="19" name="TextBox 18"/>
+            <a:r>
+              <a:rPr lang="en-US" sz="1600" dirty="0" smtClean="0"/>
+              <a:t>**********</a:t>
+            </a:r>
+            <a:endParaRPr lang="en-US" sz="1600" dirty="0"/>
+          </a:p>
+        </p:txBody>
+      </p:sp>
+      <p:sp>
+        <p:nvSpPr>
+          <p:cNvPr id="77" name="TextBox 76"/>
           <p:cNvSpPr txBox="1"/>
           <p:nvPr/>
         </p:nvSpPr>
         <p:spPr>
           <a:xfrm>
-            <a:off x="1905000" y="1786286"/>
-            <a:ext cx="1905000" cy="338554"/>
+            <a:off x="6324600" y="3429000"/>
+            <a:ext cx="1828800" cy="338554"/>
           </a:xfrm>
           <a:prstGeom prst="rect">
             <a:avLst/>
@@ -18397,7 +18763,7 @@
           <a:p>
             <a:r>
               <a:rPr lang="en-US" sz="1600" dirty="0" smtClean="0"/>
-              <a:t>o.darcie@gmail.com</a:t>
+              <a:t>**********</a:t>
             </a:r>
             <a:endParaRPr lang="en-US" sz="1600" dirty="0"/>
           </a:p>
@@ -18405,13 +18771,13 @@
       </p:sp>
       <p:sp>
         <p:nvSpPr>
-          <p:cNvPr id="20" name="TextBox 19"/>
+          <p:cNvPr id="78" name="TextBox 77"/>
           <p:cNvSpPr txBox="1"/>
           <p:nvPr/>
         </p:nvSpPr>
         <p:spPr>
           <a:xfrm>
-            <a:off x="1905000" y="2395886"/>
+            <a:off x="6324600" y="3962400"/>
             <a:ext cx="1828800" cy="338554"/>
           </a:xfrm>
           <a:prstGeom prst="rect">
@@ -18427,7 +18793,7 @@
           <a:p>
             <a:r>
               <a:rPr lang="en-US" sz="1600" dirty="0" smtClean="0"/>
-              <a:t>**********</a:t>
+              <a:t>Darcie Odom</a:t>
             </a:r>
             <a:endParaRPr lang="en-US" sz="1600" dirty="0"/>
           </a:p>
@@ -18435,14 +18801,14 @@
       </p:sp>
       <p:sp>
         <p:nvSpPr>
-          <p:cNvPr id="21" name="TextBox 20"/>
+          <p:cNvPr id="81" name="TextBox 80"/>
           <p:cNvSpPr txBox="1"/>
           <p:nvPr/>
         </p:nvSpPr>
         <p:spPr>
           <a:xfrm>
-            <a:off x="1981200" y="3005486"/>
-            <a:ext cx="1828800" cy="338554"/>
+            <a:off x="6324600" y="4572000"/>
+            <a:ext cx="1828800" cy="584776"/>
           </a:xfrm>
           <a:prstGeom prst="rect">
             <a:avLst/>
@@ -18457,7 +18823,7 @@
           <a:p>
             <a:r>
               <a:rPr lang="en-US" sz="1600" dirty="0" smtClean="0"/>
-              <a:t>**********</a:t>
+              <a:t>Hi I’m Darcie! Study with me :)</a:t>
             </a:r>
             <a:endParaRPr lang="en-US" sz="1600" dirty="0"/>
           </a:p>
@@ -18465,14 +18831,63 @@
       </p:sp>
       <p:sp>
         <p:nvSpPr>
-          <p:cNvPr id="22" name="TextBox 21"/>
+          <p:cNvPr id="82" name="Rounded Rectangle 81"/>
+          <p:cNvSpPr/>
+          <p:nvPr/>
+        </p:nvSpPr>
+        <p:spPr>
+          <a:xfrm>
+            <a:off x="6324600" y="2057400"/>
+            <a:ext cx="1905000" cy="381000"/>
+          </a:xfrm>
+          <a:prstGeom prst="roundRect">
+            <a:avLst/>
+          </a:prstGeom>
+          <a:solidFill>
+            <a:schemeClr val="bg1">
+              <a:alpha val="60000"/>
+            </a:schemeClr>
+          </a:solidFill>
+          <a:ln w="38100" cmpd="sng">
+            <a:solidFill>
+              <a:srgbClr val="AA0101"/>
+            </a:solidFill>
+          </a:ln>
+          <a:effectLst/>
+        </p:spPr>
+        <p:style>
+          <a:lnRef idx="1">
+            <a:schemeClr val="accent1"/>
+          </a:lnRef>
+          <a:fillRef idx="3">
+            <a:schemeClr val="accent1"/>
+          </a:fillRef>
+          <a:effectRef idx="2">
+            <a:schemeClr val="accent1"/>
+          </a:effectRef>
+          <a:fontRef idx="minor">
+            <a:schemeClr val="lt1"/>
+          </a:fontRef>
+        </p:style>
+        <p:txBody>
+          <a:bodyPr rtlCol="0" anchor="ctr"/>
+          <a:lstStyle/>
+          <a:p>
+            <a:pPr algn="ctr"/>
+            <a:endParaRPr lang="en-US"/>
+          </a:p>
+        </p:txBody>
+      </p:sp>
+      <p:sp>
+        <p:nvSpPr>
+          <p:cNvPr id="83" name="TextBox 82"/>
           <p:cNvSpPr txBox="1"/>
           <p:nvPr/>
         </p:nvSpPr>
         <p:spPr>
           <a:xfrm>
-            <a:off x="1905000" y="3615086"/>
-            <a:ext cx="1828800" cy="338554"/>
+            <a:off x="6248400" y="2362200"/>
+            <a:ext cx="2057400" cy="338554"/>
           </a:xfrm>
           <a:prstGeom prst="rect">
             <a:avLst/>
@@ -18486,53 +18901,35 @@
           <a:lstStyle/>
           <a:p>
             <a:r>
-              <a:rPr lang="en-US" sz="1600" dirty="0" smtClean="0"/>
-              <a:t>Darcie</a:t>
-            </a:r>
-            <a:endParaRPr lang="en-US" sz="1600" dirty="0"/>
-          </a:p>
-        </p:txBody>
-      </p:sp>
-      <p:sp>
-        <p:nvSpPr>
-          <p:cNvPr id="23" name="TextBox 22"/>
-          <p:cNvSpPr txBox="1"/>
-          <p:nvPr/>
-        </p:nvSpPr>
-        <p:spPr>
-          <a:xfrm>
-            <a:off x="1905000" y="4224686"/>
-            <a:ext cx="1828800" cy="584776"/>
-          </a:xfrm>
-          <a:prstGeom prst="rect">
-            <a:avLst/>
-          </a:prstGeom>
-          <a:noFill/>
-        </p:spPr>
-        <p:txBody>
-          <a:bodyPr wrap="square" rtlCol="0">
-            <a:spAutoFit/>
-          </a:bodyPr>
-          <a:lstStyle/>
-          <a:p>
-            <a:r>
-              <a:rPr lang="en-US" sz="1600" dirty="0" smtClean="0"/>
-              <a:t>Hi I’m Darcie! Study with me :)</a:t>
-            </a:r>
-            <a:endParaRPr lang="en-US" sz="1600" dirty="0"/>
-          </a:p>
-        </p:txBody>
-      </p:sp>
-      <p:sp>
-        <p:nvSpPr>
-          <p:cNvPr id="24" name="Rectangle 23"/>
+              <a:rPr lang="en-US" sz="1600" dirty="0" smtClean="0">
+                <a:solidFill>
+                  <a:srgbClr val="AA0101"/>
+                </a:solidFill>
+                <a:latin typeface="Bradley Hand Bold"/>
+                <a:cs typeface="Bradley Hand Bold"/>
+              </a:rPr>
+              <a:t>Email must be “edu”</a:t>
+            </a:r>
+            <a:endParaRPr lang="en-US" sz="1600" dirty="0">
+              <a:solidFill>
+                <a:srgbClr val="AA0101"/>
+              </a:solidFill>
+              <a:latin typeface="Bradley Hand Bold"/>
+              <a:cs typeface="Bradley Hand Bold"/>
+            </a:endParaRPr>
+          </a:p>
+        </p:txBody>
+      </p:sp>
+      <p:sp>
+        <p:nvSpPr>
+          <p:cNvPr id="85" name="Rectangle 84"/>
           <p:cNvSpPr/>
           <p:nvPr/>
         </p:nvSpPr>
         <p:spPr>
           <a:xfrm>
-            <a:off x="5029200" y="304800"/>
-            <a:ext cx="3397431" cy="5778922"/>
+            <a:off x="609600" y="76200"/>
+            <a:ext cx="3397431" cy="6324600"/>
           </a:xfrm>
           <a:prstGeom prst="rect">
             <a:avLst/>
@@ -18577,62 +18974,13 @@
       </p:sp>
       <p:sp>
         <p:nvSpPr>
-          <p:cNvPr id="25" name="Rounded Rectangle 24"/>
+          <p:cNvPr id="86" name="Rounded Rectangle 85"/>
           <p:cNvSpPr/>
           <p:nvPr/>
         </p:nvSpPr>
         <p:spPr>
           <a:xfrm>
-            <a:off x="6324600" y="1752600"/>
-            <a:ext cx="1905000" cy="381000"/>
-          </a:xfrm>
-          <a:prstGeom prst="roundRect">
-            <a:avLst/>
-          </a:prstGeom>
-          <a:solidFill>
-            <a:schemeClr val="bg1">
-              <a:alpha val="60000"/>
-            </a:schemeClr>
-          </a:solidFill>
-          <a:ln w="38100" cmpd="sng">
-            <a:solidFill>
-              <a:srgbClr val="AA0101"/>
-            </a:solidFill>
-          </a:ln>
-          <a:effectLst/>
-        </p:spPr>
-        <p:style>
-          <a:lnRef idx="1">
-            <a:schemeClr val="accent1"/>
-          </a:lnRef>
-          <a:fillRef idx="3">
-            <a:schemeClr val="accent1"/>
-          </a:fillRef>
-          <a:effectRef idx="2">
-            <a:schemeClr val="accent1"/>
-          </a:effectRef>
-          <a:fontRef idx="minor">
-            <a:schemeClr val="lt1"/>
-          </a:fontRef>
-        </p:style>
-        <p:txBody>
-          <a:bodyPr rtlCol="0" anchor="ctr"/>
-          <a:lstStyle/>
-          <a:p>
-            <a:pPr algn="ctr"/>
-            <a:endParaRPr lang="en-US"/>
-          </a:p>
-        </p:txBody>
-      </p:sp>
-      <p:sp>
-        <p:nvSpPr>
-          <p:cNvPr id="26" name="Rounded Rectangle 25"/>
-          <p:cNvSpPr/>
-          <p:nvPr/>
-        </p:nvSpPr>
-        <p:spPr>
-          <a:xfrm>
-            <a:off x="6324600" y="2480914"/>
+            <a:off x="1905000" y="2057400"/>
             <a:ext cx="1905000" cy="381000"/>
           </a:xfrm>
           <a:prstGeom prst="roundRect">
@@ -18677,107 +19025,13 @@
       </p:sp>
       <p:sp>
         <p:nvSpPr>
-          <p:cNvPr id="27" name="TextBox 26"/>
-          <p:cNvSpPr txBox="1"/>
-          <p:nvPr/>
-        </p:nvSpPr>
-        <p:spPr>
-          <a:xfrm>
-            <a:off x="5105400" y="1752600"/>
-            <a:ext cx="1219200" cy="381000"/>
-          </a:xfrm>
-          <a:prstGeom prst="rect">
-            <a:avLst/>
-          </a:prstGeom>
-          <a:noFill/>
-        </p:spPr>
-        <p:txBody>
-          <a:bodyPr wrap="square" rtlCol="0">
-            <a:spAutoFit/>
-          </a:bodyPr>
-          <a:lstStyle/>
-          <a:p>
-            <a:pPr algn="r"/>
-            <a:r>
-              <a:rPr lang="en-US" dirty="0" smtClean="0">
-                <a:solidFill>
-                  <a:schemeClr val="tx2">
-                    <a:lumMod val="75000"/>
-                  </a:schemeClr>
-                </a:solidFill>
-                <a:latin typeface="Bradley Hand Bold"/>
-                <a:cs typeface="Bradley Hand Bold"/>
-              </a:rPr>
-              <a:t>Email</a:t>
-            </a:r>
-            <a:endParaRPr lang="en-US" dirty="0">
-              <a:solidFill>
-                <a:schemeClr val="tx2">
-                  <a:lumMod val="75000"/>
-                </a:schemeClr>
-              </a:solidFill>
-              <a:latin typeface="Bradley Hand Bold"/>
-              <a:cs typeface="Bradley Hand Bold"/>
-            </a:endParaRPr>
-          </a:p>
-        </p:txBody>
-      </p:sp>
-      <p:sp>
-        <p:nvSpPr>
-          <p:cNvPr id="28" name="TextBox 27"/>
-          <p:cNvSpPr txBox="1"/>
-          <p:nvPr/>
-        </p:nvSpPr>
-        <p:spPr>
-          <a:xfrm>
-            <a:off x="5105400" y="2480914"/>
-            <a:ext cx="1219200" cy="381000"/>
-          </a:xfrm>
-          <a:prstGeom prst="rect">
-            <a:avLst/>
-          </a:prstGeom>
-          <a:noFill/>
-        </p:spPr>
-        <p:txBody>
-          <a:bodyPr wrap="square" rtlCol="0">
-            <a:spAutoFit/>
-          </a:bodyPr>
-          <a:lstStyle/>
-          <a:p>
-            <a:pPr algn="r"/>
-            <a:r>
-              <a:rPr lang="en-US" dirty="0" smtClean="0">
-                <a:solidFill>
-                  <a:schemeClr val="tx2">
-                    <a:lumMod val="75000"/>
-                  </a:schemeClr>
-                </a:solidFill>
-                <a:latin typeface="Bradley Hand Bold"/>
-                <a:cs typeface="Bradley Hand Bold"/>
-              </a:rPr>
-              <a:t>Password</a:t>
-            </a:r>
-            <a:endParaRPr lang="en-US" dirty="0">
-              <a:solidFill>
-                <a:schemeClr val="tx2">
-                  <a:lumMod val="75000"/>
-                </a:schemeClr>
-              </a:solidFill>
-              <a:latin typeface="Bradley Hand Bold"/>
-              <a:cs typeface="Bradley Hand Bold"/>
-            </a:endParaRPr>
-          </a:p>
-        </p:txBody>
-      </p:sp>
-      <p:sp>
-        <p:nvSpPr>
-          <p:cNvPr id="29" name="Rounded Rectangle 28"/>
+          <p:cNvPr id="87" name="Rounded Rectangle 86"/>
           <p:cNvSpPr/>
           <p:nvPr/>
         </p:nvSpPr>
         <p:spPr>
           <a:xfrm>
-            <a:off x="6324600" y="3700114"/>
+            <a:off x="1905000" y="2667000"/>
             <a:ext cx="1905000" cy="381000"/>
           </a:xfrm>
           <a:prstGeom prst="roundRect">
@@ -18822,13 +19076,13 @@
       </p:sp>
       <p:sp>
         <p:nvSpPr>
-          <p:cNvPr id="30" name="TextBox 29"/>
+          <p:cNvPr id="88" name="TextBox 87"/>
           <p:cNvSpPr txBox="1"/>
           <p:nvPr/>
         </p:nvSpPr>
         <p:spPr>
           <a:xfrm>
-            <a:off x="5105400" y="3700114"/>
+            <a:off x="685800" y="2057400"/>
             <a:ext cx="1219200" cy="381000"/>
           </a:xfrm>
           <a:prstGeom prst="rect">
@@ -18853,7 +19107,7 @@
                 <a:latin typeface="Bradley Hand Bold"/>
                 <a:cs typeface="Bradley Hand Bold"/>
               </a:rPr>
-              <a:t>Name</a:t>
+              <a:t>Email</a:t>
             </a:r>
             <a:endParaRPr lang="en-US" dirty="0">
               <a:solidFill>
@@ -18869,14 +19123,61 @@
       </p:sp>
       <p:sp>
         <p:nvSpPr>
-          <p:cNvPr id="31" name="Rounded Rectangle 30"/>
+          <p:cNvPr id="89" name="TextBox 88"/>
+          <p:cNvSpPr txBox="1"/>
+          <p:nvPr/>
+        </p:nvSpPr>
+        <p:spPr>
+          <a:xfrm>
+            <a:off x="685800" y="2667000"/>
+            <a:ext cx="1219200" cy="381000"/>
+          </a:xfrm>
+          <a:prstGeom prst="rect">
+            <a:avLst/>
+          </a:prstGeom>
+          <a:noFill/>
+        </p:spPr>
+        <p:txBody>
+          <a:bodyPr wrap="square" rtlCol="0">
+            <a:spAutoFit/>
+          </a:bodyPr>
+          <a:lstStyle/>
+          <a:p>
+            <a:pPr algn="r"/>
+            <a:r>
+              <a:rPr lang="en-US" dirty="0" smtClean="0">
+                <a:solidFill>
+                  <a:schemeClr val="tx2">
+                    <a:lumMod val="75000"/>
+                  </a:schemeClr>
+                </a:solidFill>
+                <a:latin typeface="Bradley Hand Bold"/>
+                <a:cs typeface="Bradley Hand Bold"/>
+              </a:rPr>
+              <a:t>Password</a:t>
+            </a:r>
+            <a:endParaRPr lang="en-US" dirty="0">
+              <a:solidFill>
+                <a:schemeClr val="tx2">
+                  <a:lumMod val="75000"/>
+                </a:schemeClr>
+              </a:solidFill>
+              <a:latin typeface="Bradley Hand Bold"/>
+              <a:cs typeface="Bradley Hand Bold"/>
+            </a:endParaRPr>
+          </a:p>
+        </p:txBody>
+      </p:sp>
+      <p:sp>
+        <p:nvSpPr>
+          <p:cNvPr id="90" name="Rounded Rectangle 89"/>
           <p:cNvSpPr/>
           <p:nvPr/>
         </p:nvSpPr>
         <p:spPr>
           <a:xfrm>
-            <a:off x="6324600" y="4309714"/>
-            <a:ext cx="1905000" cy="1219200"/>
+            <a:off x="1905000" y="3886200"/>
+            <a:ext cx="1905000" cy="381000"/>
           </a:xfrm>
           <a:prstGeom prst="roundRect">
             <a:avLst/>
@@ -18920,13 +19221,13 @@
       </p:sp>
       <p:sp>
         <p:nvSpPr>
-          <p:cNvPr id="32" name="TextBox 31"/>
+          <p:cNvPr id="91" name="TextBox 90"/>
           <p:cNvSpPr txBox="1"/>
           <p:nvPr/>
         </p:nvSpPr>
         <p:spPr>
           <a:xfrm>
-            <a:off x="5105400" y="4309714"/>
+            <a:off x="685800" y="3886200"/>
             <a:ext cx="1219200" cy="381000"/>
           </a:xfrm>
           <a:prstGeom prst="rect">
@@ -18951,7 +19252,7 @@
                 <a:latin typeface="Bradley Hand Bold"/>
                 <a:cs typeface="Bradley Hand Bold"/>
               </a:rPr>
-              <a:t>Bio</a:t>
+              <a:t>Name</a:t>
             </a:r>
             <a:endParaRPr lang="en-US" dirty="0">
               <a:solidFill>
@@ -18967,105 +19268,14 @@
       </p:sp>
       <p:sp>
         <p:nvSpPr>
-          <p:cNvPr id="33" name="Rectangle 32"/>
+          <p:cNvPr id="92" name="Rounded Rectangle 91"/>
           <p:cNvSpPr/>
           <p:nvPr/>
         </p:nvSpPr>
         <p:spPr>
           <a:xfrm>
-            <a:off x="6324600" y="533400"/>
-            <a:ext cx="990600" cy="914400"/>
-          </a:xfrm>
-          <a:prstGeom prst="rect">
-            <a:avLst/>
-          </a:prstGeom>
-          <a:noFill/>
-          <a:ln w="28575" cmpd="sng">
-            <a:solidFill>
-              <a:schemeClr val="accent1">
-                <a:lumMod val="75000"/>
-              </a:schemeClr>
-            </a:solidFill>
-            <a:prstDash val="dash"/>
-          </a:ln>
-          <a:effectLst/>
-        </p:spPr>
-        <p:style>
-          <a:lnRef idx="1">
-            <a:schemeClr val="accent1"/>
-          </a:lnRef>
-          <a:fillRef idx="3">
-            <a:schemeClr val="accent1"/>
-          </a:fillRef>
-          <a:effectRef idx="2">
-            <a:schemeClr val="accent1"/>
-          </a:effectRef>
-          <a:fontRef idx="minor">
-            <a:schemeClr val="lt1"/>
-          </a:fontRef>
-        </p:style>
-        <p:txBody>
-          <a:bodyPr rtlCol="0" anchor="ctr"/>
-          <a:lstStyle/>
-          <a:p>
-            <a:pPr algn="ctr"/>
-            <a:endParaRPr lang="en-US"/>
-          </a:p>
-        </p:txBody>
-      </p:sp>
-      <p:sp>
-        <p:nvSpPr>
-          <p:cNvPr id="34" name="TextBox 33"/>
-          <p:cNvSpPr txBox="1"/>
-          <p:nvPr/>
-        </p:nvSpPr>
-        <p:spPr>
-          <a:xfrm>
-            <a:off x="6248400" y="762000"/>
-            <a:ext cx="990600" cy="338554"/>
-          </a:xfrm>
-          <a:prstGeom prst="rect">
-            <a:avLst/>
-          </a:prstGeom>
-          <a:noFill/>
-        </p:spPr>
-        <p:txBody>
-          <a:bodyPr wrap="square" rtlCol="0">
-            <a:spAutoFit/>
-          </a:bodyPr>
-          <a:lstStyle/>
-          <a:p>
-            <a:pPr algn="ctr"/>
-            <a:r>
-              <a:rPr lang="en-US" sz="1600" dirty="0" smtClean="0">
-                <a:solidFill>
-                  <a:schemeClr val="accent1">
-                    <a:lumMod val="75000"/>
-                  </a:schemeClr>
-                </a:solidFill>
-              </a:rPr>
-              <a:t>   Photo</a:t>
-            </a:r>
-            <a:endParaRPr lang="en-US" sz="1600" dirty="0">
-              <a:solidFill>
-                <a:schemeClr val="accent1">
-                  <a:lumMod val="75000"/>
-                </a:schemeClr>
-              </a:solidFill>
-            </a:endParaRPr>
-          </a:p>
-        </p:txBody>
-      </p:sp>
-      <p:sp>
-        <p:nvSpPr>
-          <p:cNvPr id="36" name="Rounded Rectangle 35"/>
-          <p:cNvSpPr/>
-          <p:nvPr/>
-        </p:nvSpPr>
-        <p:spPr>
-          <a:xfrm>
-            <a:off x="6324600" y="3090514"/>
-            <a:ext cx="1905000" cy="381000"/>
+            <a:off x="1905000" y="4495800"/>
+            <a:ext cx="1905000" cy="1219200"/>
           </a:xfrm>
           <a:prstGeom prst="roundRect">
             <a:avLst/>
@@ -19109,13 +19319,202 @@
       </p:sp>
       <p:sp>
         <p:nvSpPr>
-          <p:cNvPr id="37" name="TextBox 36"/>
+          <p:cNvPr id="93" name="TextBox 92"/>
           <p:cNvSpPr txBox="1"/>
           <p:nvPr/>
         </p:nvSpPr>
         <p:spPr>
           <a:xfrm>
-            <a:off x="5105400" y="3090514"/>
+            <a:off x="685800" y="4495800"/>
+            <a:ext cx="1219200" cy="381000"/>
+          </a:xfrm>
+          <a:prstGeom prst="rect">
+            <a:avLst/>
+          </a:prstGeom>
+          <a:noFill/>
+        </p:spPr>
+        <p:txBody>
+          <a:bodyPr wrap="square" rtlCol="0">
+            <a:spAutoFit/>
+          </a:bodyPr>
+          <a:lstStyle/>
+          <a:p>
+            <a:pPr algn="r"/>
+            <a:r>
+              <a:rPr lang="en-US" dirty="0" smtClean="0">
+                <a:solidFill>
+                  <a:schemeClr val="tx2">
+                    <a:lumMod val="75000"/>
+                  </a:schemeClr>
+                </a:solidFill>
+                <a:latin typeface="Bradley Hand Bold"/>
+                <a:cs typeface="Bradley Hand Bold"/>
+              </a:rPr>
+              <a:t>Bio</a:t>
+            </a:r>
+            <a:endParaRPr lang="en-US" dirty="0">
+              <a:solidFill>
+                <a:schemeClr val="tx2">
+                  <a:lumMod val="75000"/>
+                </a:schemeClr>
+              </a:solidFill>
+              <a:latin typeface="Bradley Hand Bold"/>
+              <a:cs typeface="Bradley Hand Bold"/>
+            </a:endParaRPr>
+          </a:p>
+        </p:txBody>
+      </p:sp>
+      <p:sp>
+        <p:nvSpPr>
+          <p:cNvPr id="94" name="Rectangle 93"/>
+          <p:cNvSpPr/>
+          <p:nvPr/>
+        </p:nvSpPr>
+        <p:spPr>
+          <a:xfrm>
+            <a:off x="1905000" y="304800"/>
+            <a:ext cx="990600" cy="914400"/>
+          </a:xfrm>
+          <a:prstGeom prst="rect">
+            <a:avLst/>
+          </a:prstGeom>
+          <a:noFill/>
+          <a:ln w="28575" cmpd="sng">
+            <a:solidFill>
+              <a:schemeClr val="accent1">
+                <a:lumMod val="75000"/>
+              </a:schemeClr>
+            </a:solidFill>
+            <a:prstDash val="dash"/>
+          </a:ln>
+          <a:effectLst/>
+        </p:spPr>
+        <p:style>
+          <a:lnRef idx="1">
+            <a:schemeClr val="accent1"/>
+          </a:lnRef>
+          <a:fillRef idx="3">
+            <a:schemeClr val="accent1"/>
+          </a:fillRef>
+          <a:effectRef idx="2">
+            <a:schemeClr val="accent1"/>
+          </a:effectRef>
+          <a:fontRef idx="minor">
+            <a:schemeClr val="lt1"/>
+          </a:fontRef>
+        </p:style>
+        <p:txBody>
+          <a:bodyPr rtlCol="0" anchor="ctr"/>
+          <a:lstStyle/>
+          <a:p>
+            <a:pPr algn="ctr"/>
+            <a:endParaRPr lang="en-US"/>
+          </a:p>
+        </p:txBody>
+      </p:sp>
+      <p:sp>
+        <p:nvSpPr>
+          <p:cNvPr id="95" name="TextBox 94"/>
+          <p:cNvSpPr txBox="1"/>
+          <p:nvPr/>
+        </p:nvSpPr>
+        <p:spPr>
+          <a:xfrm>
+            <a:off x="1828800" y="533400"/>
+            <a:ext cx="990600" cy="338554"/>
+          </a:xfrm>
+          <a:prstGeom prst="rect">
+            <a:avLst/>
+          </a:prstGeom>
+          <a:noFill/>
+        </p:spPr>
+        <p:txBody>
+          <a:bodyPr wrap="square" rtlCol="0">
+            <a:spAutoFit/>
+          </a:bodyPr>
+          <a:lstStyle/>
+          <a:p>
+            <a:pPr algn="ctr"/>
+            <a:r>
+              <a:rPr lang="en-US" sz="1600" dirty="0" smtClean="0">
+                <a:solidFill>
+                  <a:schemeClr val="accent1">
+                    <a:lumMod val="75000"/>
+                  </a:schemeClr>
+                </a:solidFill>
+              </a:rPr>
+              <a:t>   Photo</a:t>
+            </a:r>
+            <a:endParaRPr lang="en-US" sz="1600" dirty="0">
+              <a:solidFill>
+                <a:schemeClr val="accent1">
+                  <a:lumMod val="75000"/>
+                </a:schemeClr>
+              </a:solidFill>
+            </a:endParaRPr>
+          </a:p>
+        </p:txBody>
+      </p:sp>
+      <p:sp>
+        <p:nvSpPr>
+          <p:cNvPr id="96" name="Rounded Rectangle 95"/>
+          <p:cNvSpPr/>
+          <p:nvPr/>
+        </p:nvSpPr>
+        <p:spPr>
+          <a:xfrm>
+            <a:off x="1905000" y="3276600"/>
+            <a:ext cx="1905000" cy="381000"/>
+          </a:xfrm>
+          <a:prstGeom prst="roundRect">
+            <a:avLst/>
+          </a:prstGeom>
+          <a:solidFill>
+            <a:schemeClr val="bg1">
+              <a:alpha val="60000"/>
+            </a:schemeClr>
+          </a:solidFill>
+          <a:ln>
+            <a:solidFill>
+              <a:schemeClr val="accent1">
+                <a:lumMod val="75000"/>
+              </a:schemeClr>
+            </a:solidFill>
+          </a:ln>
+          <a:effectLst/>
+        </p:spPr>
+        <p:style>
+          <a:lnRef idx="1">
+            <a:schemeClr val="accent1"/>
+          </a:lnRef>
+          <a:fillRef idx="3">
+            <a:schemeClr val="accent1"/>
+          </a:fillRef>
+          <a:effectRef idx="2">
+            <a:schemeClr val="accent1"/>
+          </a:effectRef>
+          <a:fontRef idx="minor">
+            <a:schemeClr val="lt1"/>
+          </a:fontRef>
+        </p:style>
+        <p:txBody>
+          <a:bodyPr rtlCol="0" anchor="ctr"/>
+          <a:lstStyle/>
+          <a:p>
+            <a:pPr algn="ctr"/>
+            <a:endParaRPr lang="en-US"/>
+          </a:p>
+        </p:txBody>
+      </p:sp>
+      <p:sp>
+        <p:nvSpPr>
+          <p:cNvPr id="97" name="TextBox 96"/>
+          <p:cNvSpPr txBox="1"/>
+          <p:nvPr/>
+        </p:nvSpPr>
+        <p:spPr>
+          <a:xfrm>
+            <a:off x="685800" y="3157886"/>
             <a:ext cx="1219200" cy="646331"/>
           </a:xfrm>
           <a:prstGeom prst="rect">
@@ -19171,14 +19570,14 @@
       </p:sp>
       <p:sp>
         <p:nvSpPr>
-          <p:cNvPr id="38" name="TextBox 37"/>
+          <p:cNvPr id="98" name="TextBox 97"/>
           <p:cNvSpPr txBox="1"/>
           <p:nvPr/>
         </p:nvSpPr>
         <p:spPr>
           <a:xfrm>
-            <a:off x="4876800" y="6019800"/>
-            <a:ext cx="3733800" cy="369332"/>
+            <a:off x="609600" y="6324600"/>
+            <a:ext cx="3429000" cy="369332"/>
           </a:xfrm>
           <a:prstGeom prst="rect">
             <a:avLst/>
@@ -19198,7 +19597,7 @@
                   <a:srgbClr val="FF0000"/>
                 </a:solidFill>
               </a:rPr>
-              <a:t>Highlight fields with errors</a:t>
+              <a:t>Save with invalid information</a:t>
             </a:r>
             <a:endParaRPr lang="en-US" b="1" dirty="0">
               <a:solidFill>
@@ -19210,421 +19609,13 @@
       </p:sp>
       <p:sp>
         <p:nvSpPr>
-          <p:cNvPr id="40" name="TextBox 39"/>
+          <p:cNvPr id="99" name="TextBox 98"/>
           <p:cNvSpPr txBox="1"/>
           <p:nvPr/>
         </p:nvSpPr>
         <p:spPr>
           <a:xfrm>
-            <a:off x="6324600" y="2514600"/>
-            <a:ext cx="1828800" cy="338554"/>
-          </a:xfrm>
-          <a:prstGeom prst="rect">
-            <a:avLst/>
-          </a:prstGeom>
-          <a:noFill/>
-        </p:spPr>
-        <p:txBody>
-          <a:bodyPr wrap="square" rtlCol="0">
-            <a:spAutoFit/>
-          </a:bodyPr>
-          <a:lstStyle/>
-          <a:p>
-            <a:r>
-              <a:rPr lang="en-US" sz="1600" dirty="0" smtClean="0"/>
-              <a:t>**********</a:t>
-            </a:r>
-            <a:endParaRPr lang="en-US" sz="1600" dirty="0"/>
-          </a:p>
-        </p:txBody>
-      </p:sp>
-      <p:sp>
-        <p:nvSpPr>
-          <p:cNvPr id="41" name="TextBox 40"/>
-          <p:cNvSpPr txBox="1"/>
-          <p:nvPr/>
-        </p:nvSpPr>
-        <p:spPr>
-          <a:xfrm>
-            <a:off x="6400800" y="3124200"/>
-            <a:ext cx="1828800" cy="338554"/>
-          </a:xfrm>
-          <a:prstGeom prst="rect">
-            <a:avLst/>
-          </a:prstGeom>
-          <a:noFill/>
-        </p:spPr>
-        <p:txBody>
-          <a:bodyPr wrap="square" rtlCol="0">
-            <a:spAutoFit/>
-          </a:bodyPr>
-          <a:lstStyle/>
-          <a:p>
-            <a:r>
-              <a:rPr lang="en-US" sz="1600" dirty="0" smtClean="0"/>
-              <a:t>**********</a:t>
-            </a:r>
-            <a:endParaRPr lang="en-US" sz="1600" dirty="0"/>
-          </a:p>
-        </p:txBody>
-      </p:sp>
-      <p:sp>
-        <p:nvSpPr>
-          <p:cNvPr id="42" name="TextBox 41"/>
-          <p:cNvSpPr txBox="1"/>
-          <p:nvPr/>
-        </p:nvSpPr>
-        <p:spPr>
-          <a:xfrm>
-            <a:off x="6324600" y="3733800"/>
-            <a:ext cx="1828800" cy="338554"/>
-          </a:xfrm>
-          <a:prstGeom prst="rect">
-            <a:avLst/>
-          </a:prstGeom>
-          <a:noFill/>
-        </p:spPr>
-        <p:txBody>
-          <a:bodyPr wrap="square" rtlCol="0">
-            <a:spAutoFit/>
-          </a:bodyPr>
-          <a:lstStyle/>
-          <a:p>
-            <a:r>
-              <a:rPr lang="en-US" sz="1600" dirty="0" smtClean="0"/>
-              <a:t>Darcie</a:t>
-            </a:r>
-            <a:endParaRPr lang="en-US" sz="1600" dirty="0"/>
-          </a:p>
-        </p:txBody>
-      </p:sp>
-      <p:sp>
-        <p:nvSpPr>
-          <p:cNvPr id="43" name="TextBox 42"/>
-          <p:cNvSpPr txBox="1"/>
-          <p:nvPr/>
-        </p:nvSpPr>
-        <p:spPr>
-          <a:xfrm>
-            <a:off x="6324600" y="4343400"/>
-            <a:ext cx="1828800" cy="584776"/>
-          </a:xfrm>
-          <a:prstGeom prst="rect">
-            <a:avLst/>
-          </a:prstGeom>
-          <a:noFill/>
-        </p:spPr>
-        <p:txBody>
-          <a:bodyPr wrap="square" rtlCol="0">
-            <a:spAutoFit/>
-          </a:bodyPr>
-          <a:lstStyle/>
-          <a:p>
-            <a:r>
-              <a:rPr lang="en-US" sz="1600" dirty="0" smtClean="0"/>
-              <a:t>Hi I’m Darcie! Study with me :)</a:t>
-            </a:r>
-            <a:endParaRPr lang="en-US" sz="1600" dirty="0"/>
-          </a:p>
-        </p:txBody>
-      </p:sp>
-      <p:sp>
-        <p:nvSpPr>
-          <p:cNvPr id="44" name="TextBox 43"/>
-          <p:cNvSpPr txBox="1"/>
-          <p:nvPr/>
-        </p:nvSpPr>
-        <p:spPr>
-          <a:xfrm>
-            <a:off x="6324600" y="2133600"/>
-            <a:ext cx="2057400" cy="338554"/>
-          </a:xfrm>
-          <a:prstGeom prst="rect">
-            <a:avLst/>
-          </a:prstGeom>
-          <a:noFill/>
-        </p:spPr>
-        <p:txBody>
-          <a:bodyPr wrap="square" rtlCol="0">
-            <a:spAutoFit/>
-          </a:bodyPr>
-          <a:lstStyle/>
-          <a:p>
-            <a:r>
-              <a:rPr lang="en-US" sz="1600" dirty="0" smtClean="0">
-                <a:solidFill>
-                  <a:srgbClr val="AA0101"/>
-                </a:solidFill>
-                <a:latin typeface="Bradley Hand Bold"/>
-                <a:cs typeface="Bradley Hand Bold"/>
-              </a:rPr>
-              <a:t>Email must be “edu”</a:t>
-            </a:r>
-            <a:endParaRPr lang="en-US" sz="1600" dirty="0">
-              <a:solidFill>
-                <a:srgbClr val="AA0101"/>
-              </a:solidFill>
-              <a:latin typeface="Bradley Hand Bold"/>
-              <a:cs typeface="Bradley Hand Bold"/>
-            </a:endParaRPr>
-          </a:p>
-        </p:txBody>
-      </p:sp>
-      <p:sp>
-        <p:nvSpPr>
-          <p:cNvPr id="45" name="Rectangle 44"/>
-          <p:cNvSpPr/>
-          <p:nvPr/>
-        </p:nvSpPr>
-        <p:spPr>
-          <a:xfrm>
-            <a:off x="1828800" y="5410200"/>
-            <a:ext cx="1066800" cy="533400"/>
-          </a:xfrm>
-          <a:prstGeom prst="rect">
-            <a:avLst/>
-          </a:prstGeom>
-          <a:noFill/>
-          <a:ln w="50800">
-            <a:solidFill>
-              <a:srgbClr val="FF0000"/>
-            </a:solidFill>
-          </a:ln>
-        </p:spPr>
-        <p:style>
-          <a:lnRef idx="2">
-            <a:schemeClr val="accent1">
-              <a:shade val="50000"/>
-            </a:schemeClr>
-          </a:lnRef>
-          <a:fillRef idx="1">
-            <a:schemeClr val="accent1"/>
-          </a:fillRef>
-          <a:effectRef idx="0">
-            <a:schemeClr val="accent1"/>
-          </a:effectRef>
-          <a:fontRef idx="minor">
-            <a:schemeClr val="lt1"/>
-          </a:fontRef>
-        </p:style>
-        <p:txBody>
-          <a:bodyPr rtlCol="0" anchor="ctr"/>
-          <a:lstStyle/>
-          <a:p>
-            <a:pPr algn="ctr"/>
-            <a:endParaRPr lang="en-US"/>
-          </a:p>
-        </p:txBody>
-      </p:sp>
-      <p:cxnSp>
-        <p:nvCxnSpPr>
-          <p:cNvPr id="46" name="Straight Arrow Connector 45"/>
-          <p:cNvCxnSpPr/>
-          <p:nvPr/>
-        </p:nvCxnSpPr>
-        <p:spPr>
-          <a:xfrm>
-            <a:off x="4114800" y="3048000"/>
-            <a:ext cx="739685" cy="0"/>
-          </a:xfrm>
-          <a:prstGeom prst="straightConnector1">
-            <a:avLst/>
-          </a:prstGeom>
-          <a:ln w="28575">
-            <a:solidFill>
-              <a:srgbClr val="FF0000"/>
-            </a:solidFill>
-            <a:tailEnd type="arrow"/>
-          </a:ln>
-        </p:spPr>
-        <p:style>
-          <a:lnRef idx="1">
-            <a:schemeClr val="accent1"/>
-          </a:lnRef>
-          <a:fillRef idx="0">
-            <a:schemeClr val="accent1"/>
-          </a:fillRef>
-          <a:effectRef idx="0">
-            <a:schemeClr val="accent1"/>
-          </a:effectRef>
-          <a:fontRef idx="minor">
-            <a:schemeClr val="tx1"/>
-          </a:fontRef>
-        </p:style>
-      </p:cxnSp>
-      <p:sp>
-        <p:nvSpPr>
-          <p:cNvPr id="47" name="Rectangle 46"/>
-          <p:cNvSpPr/>
-          <p:nvPr/>
-        </p:nvSpPr>
-        <p:spPr>
-          <a:xfrm>
-            <a:off x="1905000" y="533400"/>
-            <a:ext cx="990600" cy="914400"/>
-          </a:xfrm>
-          <a:prstGeom prst="rect">
-            <a:avLst/>
-          </a:prstGeom>
-          <a:blipFill>
-            <a:blip r:embed="rId2"/>
-            <a:stretch>
-              <a:fillRect/>
-            </a:stretch>
-          </a:blipFill>
-        </p:spPr>
-        <p:style>
-          <a:lnRef idx="2">
-            <a:schemeClr val="accent1">
-              <a:shade val="50000"/>
-            </a:schemeClr>
-          </a:lnRef>
-          <a:fillRef idx="1">
-            <a:schemeClr val="accent1"/>
-          </a:fillRef>
-          <a:effectRef idx="0">
-            <a:schemeClr val="accent1"/>
-          </a:effectRef>
-          <a:fontRef idx="minor">
-            <a:schemeClr val="lt1"/>
-          </a:fontRef>
-        </p:style>
-        <p:txBody>
-          <a:bodyPr rtlCol="0" anchor="ctr"/>
-          <a:lstStyle/>
-          <a:p>
-            <a:pPr algn="ctr"/>
-            <a:endParaRPr lang="en-US"/>
-          </a:p>
-        </p:txBody>
-      </p:sp>
-      <p:sp>
-        <p:nvSpPr>
-          <p:cNvPr id="48" name="Rectangle 47"/>
-          <p:cNvSpPr/>
-          <p:nvPr/>
-        </p:nvSpPr>
-        <p:spPr>
-          <a:xfrm>
-            <a:off x="6324600" y="533400"/>
-            <a:ext cx="990600" cy="914400"/>
-          </a:xfrm>
-          <a:prstGeom prst="rect">
-            <a:avLst/>
-          </a:prstGeom>
-          <a:blipFill>
-            <a:blip r:embed="rId2"/>
-            <a:stretch>
-              <a:fillRect/>
-            </a:stretch>
-          </a:blipFill>
-        </p:spPr>
-        <p:style>
-          <a:lnRef idx="2">
-            <a:schemeClr val="accent1">
-              <a:shade val="50000"/>
-            </a:schemeClr>
-          </a:lnRef>
-          <a:fillRef idx="1">
-            <a:schemeClr val="accent1"/>
-          </a:fillRef>
-          <a:effectRef idx="0">
-            <a:schemeClr val="accent1"/>
-          </a:effectRef>
-          <a:fontRef idx="minor">
-            <a:schemeClr val="lt1"/>
-          </a:fontRef>
-        </p:style>
-        <p:txBody>
-          <a:bodyPr rtlCol="0" anchor="ctr"/>
-          <a:lstStyle/>
-          <a:p>
-            <a:pPr algn="ctr"/>
-            <a:endParaRPr lang="en-US"/>
-          </a:p>
-        </p:txBody>
-      </p:sp>
-      <p:cxnSp>
-        <p:nvCxnSpPr>
-          <p:cNvPr id="49" name="Straight Arrow Connector 48"/>
-          <p:cNvCxnSpPr/>
-          <p:nvPr/>
-        </p:nvCxnSpPr>
-        <p:spPr>
-          <a:xfrm>
-            <a:off x="152400" y="3048000"/>
-            <a:ext cx="304800" cy="0"/>
-          </a:xfrm>
-          <a:prstGeom prst="straightConnector1">
-            <a:avLst/>
-          </a:prstGeom>
-          <a:ln w="28575">
-            <a:solidFill>
-              <a:srgbClr val="FF0000"/>
-            </a:solidFill>
-            <a:tailEnd type="arrow"/>
-          </a:ln>
-        </p:spPr>
-        <p:style>
-          <a:lnRef idx="1">
-            <a:schemeClr val="accent1"/>
-          </a:lnRef>
-          <a:fillRef idx="0">
-            <a:schemeClr val="accent1"/>
-          </a:fillRef>
-          <a:effectRef idx="0">
-            <a:schemeClr val="accent1"/>
-          </a:effectRef>
-          <a:fontRef idx="minor">
-            <a:schemeClr val="tx1"/>
-          </a:fontRef>
-        </p:style>
-      </p:cxnSp>
-      <p:cxnSp>
-        <p:nvCxnSpPr>
-          <p:cNvPr id="50" name="Straight Arrow Connector 49"/>
-          <p:cNvCxnSpPr/>
-          <p:nvPr/>
-        </p:nvCxnSpPr>
-        <p:spPr>
-          <a:xfrm>
-            <a:off x="8610600" y="3048000"/>
-            <a:ext cx="381000" cy="0"/>
-          </a:xfrm>
-          <a:prstGeom prst="straightConnector1">
-            <a:avLst/>
-          </a:prstGeom>
-          <a:ln w="28575">
-            <a:solidFill>
-              <a:srgbClr val="FF0000"/>
-            </a:solidFill>
-            <a:tailEnd type="arrow"/>
-          </a:ln>
-        </p:spPr>
-        <p:style>
-          <a:lnRef idx="1">
-            <a:schemeClr val="accent1"/>
-          </a:lnRef>
-          <a:fillRef idx="0">
-            <a:schemeClr val="accent1"/>
-          </a:fillRef>
-          <a:effectRef idx="0">
-            <a:schemeClr val="accent1"/>
-          </a:effectRef>
-          <a:fontRef idx="minor">
-            <a:schemeClr val="tx1"/>
-          </a:fontRef>
-        </p:style>
-      </p:cxnSp>
-      <p:sp>
-        <p:nvSpPr>
-          <p:cNvPr id="51" name="TextBox 50"/>
-          <p:cNvSpPr txBox="1"/>
-          <p:nvPr/>
-        </p:nvSpPr>
-        <p:spPr>
-          <a:xfrm>
-            <a:off x="1905000" y="5486400"/>
+            <a:off x="1905000" y="5841222"/>
             <a:ext cx="928278" cy="369332"/>
           </a:xfrm>
           <a:prstGeom prst="rect">
@@ -19668,13 +19659,13 @@
       </p:sp>
       <p:sp>
         <p:nvSpPr>
-          <p:cNvPr id="52" name="TextBox 51"/>
+          <p:cNvPr id="100" name="TextBox 99"/>
           <p:cNvSpPr txBox="1"/>
           <p:nvPr/>
         </p:nvSpPr>
         <p:spPr>
           <a:xfrm>
-            <a:off x="2971800" y="5486400"/>
+            <a:off x="2971800" y="5841222"/>
             <a:ext cx="928278" cy="369332"/>
           </a:xfrm>
           <a:prstGeom prst="rect">
@@ -19718,21 +19709,21 @@
       </p:sp>
       <p:sp>
         <p:nvSpPr>
-          <p:cNvPr id="59" name="TextBox 58"/>
-          <p:cNvSpPr txBox="1"/>
-          <p:nvPr/>
-        </p:nvSpPr>
-        <p:spPr>
-          <a:xfrm>
-            <a:off x="6324600" y="5638800"/>
-            <a:ext cx="928278" cy="369332"/>
-          </a:xfrm>
-          <a:prstGeom prst="rect">
+          <p:cNvPr id="101" name="Rounded Rectangle 100"/>
+          <p:cNvSpPr/>
+          <p:nvPr/>
+        </p:nvSpPr>
+        <p:spPr>
+          <a:xfrm>
+            <a:off x="1905000" y="1447800"/>
+            <a:ext cx="1905000" cy="381000"/>
+          </a:xfrm>
+          <a:prstGeom prst="roundRect">
             <a:avLst/>
           </a:prstGeom>
           <a:solidFill>
-            <a:schemeClr val="accent1">
-              <a:lumMod val="75000"/>
+            <a:schemeClr val="bg1">
+              <a:alpha val="60000"/>
             </a:schemeClr>
           </a:solidFill>
           <a:ln>
@@ -19742,6 +19733,46 @@
               </a:schemeClr>
             </a:solidFill>
           </a:ln>
+          <a:effectLst/>
+        </p:spPr>
+        <p:style>
+          <a:lnRef idx="1">
+            <a:schemeClr val="accent1"/>
+          </a:lnRef>
+          <a:fillRef idx="3">
+            <a:schemeClr val="accent1"/>
+          </a:fillRef>
+          <a:effectRef idx="2">
+            <a:schemeClr val="accent1"/>
+          </a:effectRef>
+          <a:fontRef idx="minor">
+            <a:schemeClr val="lt1"/>
+          </a:fontRef>
+        </p:style>
+        <p:txBody>
+          <a:bodyPr rtlCol="0" anchor="ctr"/>
+          <a:lstStyle/>
+          <a:p>
+            <a:pPr algn="ctr"/>
+            <a:endParaRPr lang="en-US"/>
+          </a:p>
+        </p:txBody>
+      </p:sp>
+      <p:sp>
+        <p:nvSpPr>
+          <p:cNvPr id="102" name="TextBox 101"/>
+          <p:cNvSpPr txBox="1"/>
+          <p:nvPr/>
+        </p:nvSpPr>
+        <p:spPr>
+          <a:xfrm>
+            <a:off x="685800" y="1447800"/>
+            <a:ext cx="1219200" cy="381000"/>
+          </a:xfrm>
+          <a:prstGeom prst="rect">
+            <a:avLst/>
+          </a:prstGeom>
+          <a:noFill/>
         </p:spPr>
         <p:txBody>
           <a:bodyPr wrap="square" rtlCol="0">
@@ -19749,49 +19780,92 @@
           </a:bodyPr>
           <a:lstStyle/>
           <a:p>
-            <a:pPr algn="ctr"/>
+            <a:pPr algn="r"/>
             <a:r>
               <a:rPr lang="en-US" dirty="0" smtClean="0">
                 <a:solidFill>
-                  <a:srgbClr val="FFFFFF"/>
+                  <a:schemeClr val="tx2">
+                    <a:lumMod val="75000"/>
+                  </a:schemeClr>
                 </a:solidFill>
+                <a:latin typeface="Bradley Hand Bold"/>
+                <a:cs typeface="Bradley Hand Bold"/>
               </a:rPr>
-              <a:t>Save</a:t>
+              <a:t>Username</a:t>
             </a:r>
             <a:endParaRPr lang="en-US" dirty="0">
               <a:solidFill>
-                <a:srgbClr val="FFFFFF"/>
+                <a:schemeClr val="tx2">
+                  <a:lumMod val="75000"/>
+                </a:schemeClr>
               </a:solidFill>
+              <a:latin typeface="Bradley Hand Bold"/>
+              <a:cs typeface="Bradley Hand Bold"/>
             </a:endParaRPr>
           </a:p>
         </p:txBody>
       </p:sp>
       <p:sp>
         <p:nvSpPr>
-          <p:cNvPr id="60" name="TextBox 59"/>
+          <p:cNvPr id="103" name="Rectangle 102"/>
+          <p:cNvSpPr/>
+          <p:nvPr/>
+        </p:nvSpPr>
+        <p:spPr>
+          <a:xfrm>
+            <a:off x="1905000" y="304800"/>
+            <a:ext cx="990600" cy="914400"/>
+          </a:xfrm>
+          <a:prstGeom prst="rect">
+            <a:avLst/>
+          </a:prstGeom>
+          <a:blipFill>
+            <a:blip r:embed="rId2"/>
+            <a:stretch>
+              <a:fillRect/>
+            </a:stretch>
+          </a:blipFill>
+        </p:spPr>
+        <p:style>
+          <a:lnRef idx="2">
+            <a:schemeClr val="accent1">
+              <a:shade val="50000"/>
+            </a:schemeClr>
+          </a:lnRef>
+          <a:fillRef idx="1">
+            <a:schemeClr val="accent1"/>
+          </a:fillRef>
+          <a:effectRef idx="0">
+            <a:schemeClr val="accent1"/>
+          </a:effectRef>
+          <a:fontRef idx="minor">
+            <a:schemeClr val="lt1"/>
+          </a:fontRef>
+        </p:style>
+        <p:txBody>
+          <a:bodyPr rtlCol="0" anchor="ctr"/>
+          <a:lstStyle/>
+          <a:p>
+            <a:pPr algn="ctr"/>
+            <a:endParaRPr lang="en-US"/>
+          </a:p>
+        </p:txBody>
+      </p:sp>
+      <p:sp>
+        <p:nvSpPr>
+          <p:cNvPr id="104" name="TextBox 103"/>
           <p:cNvSpPr txBox="1"/>
           <p:nvPr/>
         </p:nvSpPr>
         <p:spPr>
           <a:xfrm>
-            <a:off x="7391400" y="5638800"/>
-            <a:ext cx="928278" cy="369332"/>
-          </a:xfrm>
-          <a:prstGeom prst="rect">
-            <a:avLst/>
-          </a:prstGeom>
-          <a:solidFill>
-            <a:schemeClr val="accent1">
-              <a:lumMod val="75000"/>
-            </a:schemeClr>
-          </a:solidFill>
-          <a:ln>
-            <a:solidFill>
-              <a:schemeClr val="accent1">
-                <a:lumMod val="75000"/>
-              </a:schemeClr>
-            </a:solidFill>
-          </a:ln>
+            <a:off x="1905000" y="2057400"/>
+            <a:ext cx="1905000" cy="338554"/>
+          </a:xfrm>
+          <a:prstGeom prst="rect">
+            <a:avLst/>
+          </a:prstGeom>
+          <a:noFill/>
         </p:spPr>
         <p:txBody>
           <a:bodyPr wrap="square" rtlCol="0">
@@ -19799,20 +19873,237 @@
           </a:bodyPr>
           <a:lstStyle/>
           <a:p>
-            <a:pPr algn="ctr"/>
-            <a:r>
-              <a:rPr lang="en-US" dirty="0" smtClean="0">
-                <a:solidFill>
-                  <a:srgbClr val="FFFFFF"/>
-                </a:solidFill>
-              </a:rPr>
-              <a:t>Back</a:t>
-            </a:r>
-            <a:endParaRPr lang="en-US" dirty="0">
-              <a:solidFill>
-                <a:srgbClr val="FFFFFF"/>
-              </a:solidFill>
-            </a:endParaRPr>
+            <a:r>
+              <a:rPr lang="en-US" sz="1600" dirty="0" smtClean="0"/>
+              <a:t>o.darcie@gmail.com</a:t>
+            </a:r>
+            <a:endParaRPr lang="en-US" sz="1600" dirty="0"/>
+          </a:p>
+        </p:txBody>
+      </p:sp>
+      <p:sp>
+        <p:nvSpPr>
+          <p:cNvPr id="105" name="TextBox 104"/>
+          <p:cNvSpPr txBox="1"/>
+          <p:nvPr/>
+        </p:nvSpPr>
+        <p:spPr>
+          <a:xfrm>
+            <a:off x="1905000" y="4495800"/>
+            <a:ext cx="1828800" cy="584776"/>
+          </a:xfrm>
+          <a:prstGeom prst="rect">
+            <a:avLst/>
+          </a:prstGeom>
+          <a:noFill/>
+        </p:spPr>
+        <p:txBody>
+          <a:bodyPr wrap="square" rtlCol="0">
+            <a:spAutoFit/>
+          </a:bodyPr>
+          <a:lstStyle/>
+          <a:p>
+            <a:r>
+              <a:rPr lang="en-US" sz="1600" dirty="0" smtClean="0"/>
+              <a:t>Hi I’m Darcie! Study with me :)</a:t>
+            </a:r>
+            <a:endParaRPr lang="en-US" sz="1600" dirty="0"/>
+          </a:p>
+        </p:txBody>
+      </p:sp>
+      <p:sp>
+        <p:nvSpPr>
+          <p:cNvPr id="106" name="TextBox 105"/>
+          <p:cNvSpPr txBox="1"/>
+          <p:nvPr/>
+        </p:nvSpPr>
+        <p:spPr>
+          <a:xfrm>
+            <a:off x="1905000" y="3886200"/>
+            <a:ext cx="1828800" cy="338554"/>
+          </a:xfrm>
+          <a:prstGeom prst="rect">
+            <a:avLst/>
+          </a:prstGeom>
+          <a:noFill/>
+        </p:spPr>
+        <p:txBody>
+          <a:bodyPr wrap="square" rtlCol="0">
+            <a:spAutoFit/>
+          </a:bodyPr>
+          <a:lstStyle/>
+          <a:p>
+            <a:r>
+              <a:rPr lang="en-US" sz="1600" dirty="0" smtClean="0"/>
+              <a:t>Darcie Odom</a:t>
+            </a:r>
+            <a:endParaRPr lang="en-US" sz="1600" dirty="0"/>
+          </a:p>
+        </p:txBody>
+      </p:sp>
+      <p:sp>
+        <p:nvSpPr>
+          <p:cNvPr id="107" name="TextBox 106"/>
+          <p:cNvSpPr txBox="1"/>
+          <p:nvPr/>
+        </p:nvSpPr>
+        <p:spPr>
+          <a:xfrm>
+            <a:off x="1905000" y="3352800"/>
+            <a:ext cx="1828800" cy="338554"/>
+          </a:xfrm>
+          <a:prstGeom prst="rect">
+            <a:avLst/>
+          </a:prstGeom>
+          <a:noFill/>
+        </p:spPr>
+        <p:txBody>
+          <a:bodyPr wrap="square" rtlCol="0">
+            <a:spAutoFit/>
+          </a:bodyPr>
+          <a:lstStyle/>
+          <a:p>
+            <a:r>
+              <a:rPr lang="en-US" sz="1600" dirty="0" smtClean="0"/>
+              <a:t>**********</a:t>
+            </a:r>
+            <a:endParaRPr lang="en-US" sz="1600" dirty="0"/>
+          </a:p>
+        </p:txBody>
+      </p:sp>
+      <p:sp>
+        <p:nvSpPr>
+          <p:cNvPr id="108" name="TextBox 107"/>
+          <p:cNvSpPr txBox="1"/>
+          <p:nvPr/>
+        </p:nvSpPr>
+        <p:spPr>
+          <a:xfrm>
+            <a:off x="1905000" y="2743200"/>
+            <a:ext cx="1828800" cy="338554"/>
+          </a:xfrm>
+          <a:prstGeom prst="rect">
+            <a:avLst/>
+          </a:prstGeom>
+          <a:noFill/>
+        </p:spPr>
+        <p:txBody>
+          <a:bodyPr wrap="square" rtlCol="0">
+            <a:spAutoFit/>
+          </a:bodyPr>
+          <a:lstStyle/>
+          <a:p>
+            <a:r>
+              <a:rPr lang="en-US" sz="1600" dirty="0" smtClean="0"/>
+              <a:t>**********</a:t>
+            </a:r>
+            <a:endParaRPr lang="en-US" sz="1600" dirty="0"/>
+          </a:p>
+        </p:txBody>
+      </p:sp>
+      <p:sp>
+        <p:nvSpPr>
+          <p:cNvPr id="109" name="TextBox 108"/>
+          <p:cNvSpPr txBox="1"/>
+          <p:nvPr/>
+        </p:nvSpPr>
+        <p:spPr>
+          <a:xfrm>
+            <a:off x="1905000" y="1447800"/>
+            <a:ext cx="1828800" cy="338554"/>
+          </a:xfrm>
+          <a:prstGeom prst="rect">
+            <a:avLst/>
+          </a:prstGeom>
+          <a:noFill/>
+        </p:spPr>
+        <p:txBody>
+          <a:bodyPr wrap="square" rtlCol="0">
+            <a:spAutoFit/>
+          </a:bodyPr>
+          <a:lstStyle/>
+          <a:p>
+            <a:r>
+              <a:rPr lang="en-US" sz="1600" dirty="0" smtClean="0"/>
+              <a:t>darcieo</a:t>
+            </a:r>
+            <a:endParaRPr lang="en-US" sz="1600" dirty="0"/>
+          </a:p>
+        </p:txBody>
+      </p:sp>
+      <p:sp>
+        <p:nvSpPr>
+          <p:cNvPr id="110" name="TextBox 109"/>
+          <p:cNvSpPr txBox="1"/>
+          <p:nvPr/>
+        </p:nvSpPr>
+        <p:spPr>
+          <a:xfrm>
+            <a:off x="6324600" y="1447800"/>
+            <a:ext cx="1828800" cy="338554"/>
+          </a:xfrm>
+          <a:prstGeom prst="rect">
+            <a:avLst/>
+          </a:prstGeom>
+          <a:noFill/>
+        </p:spPr>
+        <p:txBody>
+          <a:bodyPr wrap="square" rtlCol="0">
+            <a:spAutoFit/>
+          </a:bodyPr>
+          <a:lstStyle/>
+          <a:p>
+            <a:r>
+              <a:rPr lang="en-US" sz="1600" dirty="0" smtClean="0"/>
+              <a:t>darcieo</a:t>
+            </a:r>
+            <a:endParaRPr lang="en-US" sz="1600" dirty="0"/>
+          </a:p>
+        </p:txBody>
+      </p:sp>
+      <p:sp>
+        <p:nvSpPr>
+          <p:cNvPr id="112" name="Rectangle 111"/>
+          <p:cNvSpPr/>
+          <p:nvPr/>
+        </p:nvSpPr>
+        <p:spPr>
+          <a:xfrm>
+            <a:off x="1828800" y="5791200"/>
+            <a:ext cx="1066800" cy="457200"/>
+          </a:xfrm>
+          <a:prstGeom prst="rect">
+            <a:avLst/>
+          </a:prstGeom>
+          <a:noFill/>
+          <a:ln w="50800">
+            <a:solidFill>
+              <a:srgbClr val="FF0000"/>
+            </a:solidFill>
+          </a:ln>
+        </p:spPr>
+        <p:style>
+          <a:lnRef idx="2">
+            <a:schemeClr val="accent1">
+              <a:shade val="50000"/>
+            </a:schemeClr>
+          </a:lnRef>
+          <a:fillRef idx="1">
+            <a:schemeClr val="accent1"/>
+          </a:fillRef>
+          <a:effectRef idx="0">
+            <a:schemeClr val="accent1"/>
+          </a:effectRef>
+          <a:fontRef idx="minor">
+            <a:schemeClr val="lt1"/>
+          </a:fontRef>
+        </p:style>
+        <p:txBody>
+          <a:bodyPr rtlCol="0" anchor="ctr"/>
+          <a:lstStyle/>
+          <a:p>
+            <a:pPr algn="ctr"/>
+            <a:endParaRPr lang="en-US"/>
           </a:p>
         </p:txBody>
       </p:sp>
@@ -19846,16 +20137,124 @@
           <a:chExt cx="0" cy="0"/>
         </a:xfrm>
       </p:grpSpPr>
-      <p:sp>
-        <p:nvSpPr>
-          <p:cNvPr id="97" name="Rectangle 96"/>
+      <p:cxnSp>
+        <p:nvCxnSpPr>
+          <p:cNvPr id="138" name="Straight Arrow Connector 137"/>
+          <p:cNvCxnSpPr/>
+          <p:nvPr/>
+        </p:nvCxnSpPr>
+        <p:spPr>
+          <a:xfrm>
+            <a:off x="4114800" y="3048000"/>
+            <a:ext cx="739685" cy="0"/>
+          </a:xfrm>
+          <a:prstGeom prst="straightConnector1">
+            <a:avLst/>
+          </a:prstGeom>
+          <a:ln w="28575">
+            <a:solidFill>
+              <a:srgbClr val="FF0000"/>
+            </a:solidFill>
+            <a:tailEnd type="arrow"/>
+          </a:ln>
+        </p:spPr>
+        <p:style>
+          <a:lnRef idx="1">
+            <a:schemeClr val="accent1"/>
+          </a:lnRef>
+          <a:fillRef idx="0">
+            <a:schemeClr val="accent1"/>
+          </a:fillRef>
+          <a:effectRef idx="0">
+            <a:schemeClr val="accent1"/>
+          </a:effectRef>
+          <a:fontRef idx="minor">
+            <a:schemeClr val="tx1"/>
+          </a:fontRef>
+        </p:style>
+      </p:cxnSp>
+      <p:cxnSp>
+        <p:nvCxnSpPr>
+          <p:cNvPr id="169" name="Straight Arrow Connector 168"/>
+          <p:cNvCxnSpPr/>
+          <p:nvPr/>
+        </p:nvCxnSpPr>
+        <p:spPr>
+          <a:xfrm>
+            <a:off x="152400" y="3048000"/>
+            <a:ext cx="304800" cy="0"/>
+          </a:xfrm>
+          <a:prstGeom prst="straightConnector1">
+            <a:avLst/>
+          </a:prstGeom>
+          <a:ln w="28575">
+            <a:solidFill>
+              <a:srgbClr val="FF0000"/>
+            </a:solidFill>
+            <a:tailEnd type="arrow"/>
+          </a:ln>
+        </p:spPr>
+        <p:style>
+          <a:lnRef idx="1">
+            <a:schemeClr val="accent1"/>
+          </a:lnRef>
+          <a:fillRef idx="0">
+            <a:schemeClr val="accent1"/>
+          </a:fillRef>
+          <a:effectRef idx="0">
+            <a:schemeClr val="accent1"/>
+          </a:effectRef>
+          <a:fontRef idx="minor">
+            <a:schemeClr val="tx1"/>
+          </a:fontRef>
+        </p:style>
+      </p:cxnSp>
+      <p:cxnSp>
+        <p:nvCxnSpPr>
+          <p:cNvPr id="202" name="Straight Arrow Connector 201"/>
+          <p:cNvCxnSpPr/>
+          <p:nvPr/>
+        </p:nvCxnSpPr>
+        <p:spPr>
+          <a:xfrm>
+            <a:off x="8610600" y="3048000"/>
+            <a:ext cx="381000" cy="0"/>
+          </a:xfrm>
+          <a:prstGeom prst="straightConnector1">
+            <a:avLst/>
+          </a:prstGeom>
+          <a:ln w="28575">
+            <a:solidFill>
+              <a:srgbClr val="FF0000"/>
+            </a:solidFill>
+            <a:tailEnd type="arrow"/>
+          </a:ln>
+        </p:spPr>
+        <p:style>
+          <a:lnRef idx="1">
+            <a:schemeClr val="accent1"/>
+          </a:lnRef>
+          <a:fillRef idx="0">
+            <a:schemeClr val="accent1"/>
+          </a:fillRef>
+          <a:effectRef idx="0">
+            <a:schemeClr val="accent1"/>
+          </a:effectRef>
+          <a:fontRef idx="minor">
+            <a:schemeClr val="tx1"/>
+          </a:fontRef>
+        </p:style>
+      </p:cxnSp>
+      <p:sp>
+        <p:nvSpPr>
+          <p:cNvPr id="203" name="Rectangle 202"/>
           <p:cNvSpPr/>
           <p:nvPr/>
         </p:nvSpPr>
         <p:spPr>
           <a:xfrm>
-            <a:off x="609600" y="304800"/>
-            <a:ext cx="3397431" cy="5778922"/>
+            <a:off x="609600" y="76200"/>
+            <a:ext cx="3397431" cy="6324600"/>
           </a:xfrm>
           <a:prstGeom prst="rect">
             <a:avLst/>
@@ -19900,13 +20299,13 @@
       </p:sp>
       <p:sp>
         <p:nvSpPr>
-          <p:cNvPr id="98" name="Rounded Rectangle 97"/>
+          <p:cNvPr id="204" name="Rounded Rectangle 203"/>
           <p:cNvSpPr/>
           <p:nvPr/>
         </p:nvSpPr>
         <p:spPr>
           <a:xfrm>
-            <a:off x="1905000" y="1752600"/>
+            <a:off x="1905000" y="2057400"/>
             <a:ext cx="1905000" cy="381000"/>
           </a:xfrm>
           <a:prstGeom prst="roundRect">
@@ -19951,13 +20350,13 @@
       </p:sp>
       <p:sp>
         <p:nvSpPr>
-          <p:cNvPr id="99" name="Rounded Rectangle 98"/>
+          <p:cNvPr id="205" name="Rounded Rectangle 204"/>
           <p:cNvSpPr/>
           <p:nvPr/>
         </p:nvSpPr>
         <p:spPr>
           <a:xfrm>
-            <a:off x="1905000" y="2362200"/>
+            <a:off x="1905000" y="2667000"/>
             <a:ext cx="1905000" cy="381000"/>
           </a:xfrm>
           <a:prstGeom prst="roundRect">
@@ -20002,13 +20401,13 @@
       </p:sp>
       <p:sp>
         <p:nvSpPr>
-          <p:cNvPr id="100" name="TextBox 99"/>
+          <p:cNvPr id="206" name="TextBox 205"/>
           <p:cNvSpPr txBox="1"/>
           <p:nvPr/>
         </p:nvSpPr>
         <p:spPr>
           <a:xfrm>
-            <a:off x="685800" y="1752600"/>
+            <a:off x="685800" y="2057400"/>
             <a:ext cx="1219200" cy="381000"/>
           </a:xfrm>
           <a:prstGeom prst="rect">
@@ -20049,13 +20448,13 @@
       </p:sp>
       <p:sp>
         <p:nvSpPr>
-          <p:cNvPr id="101" name="TextBox 100"/>
+          <p:cNvPr id="207" name="TextBox 206"/>
           <p:cNvSpPr txBox="1"/>
           <p:nvPr/>
         </p:nvSpPr>
         <p:spPr>
           <a:xfrm>
-            <a:off x="685800" y="2362200"/>
+            <a:off x="685800" y="2667000"/>
             <a:ext cx="1219200" cy="381000"/>
           </a:xfrm>
           <a:prstGeom prst="rect">
@@ -20096,13 +20495,13 @@
       </p:sp>
       <p:sp>
         <p:nvSpPr>
-          <p:cNvPr id="102" name="Rounded Rectangle 101"/>
+          <p:cNvPr id="208" name="Rounded Rectangle 207"/>
           <p:cNvSpPr/>
           <p:nvPr/>
         </p:nvSpPr>
         <p:spPr>
           <a:xfrm>
-            <a:off x="1905000" y="3581400"/>
+            <a:off x="1905000" y="3886200"/>
             <a:ext cx="1905000" cy="381000"/>
           </a:xfrm>
           <a:prstGeom prst="roundRect">
@@ -20147,13 +20546,13 @@
       </p:sp>
       <p:sp>
         <p:nvSpPr>
-          <p:cNvPr id="103" name="TextBox 102"/>
+          <p:cNvPr id="209" name="TextBox 208"/>
           <p:cNvSpPr txBox="1"/>
           <p:nvPr/>
         </p:nvSpPr>
         <p:spPr>
           <a:xfrm>
-            <a:off x="685800" y="3581400"/>
+            <a:off x="685800" y="3886200"/>
             <a:ext cx="1219200" cy="381000"/>
           </a:xfrm>
           <a:prstGeom prst="rect">
@@ -20194,13 +20593,13 @@
       </p:sp>
       <p:sp>
         <p:nvSpPr>
-          <p:cNvPr id="104" name="Rounded Rectangle 103"/>
+          <p:cNvPr id="210" name="Rounded Rectangle 209"/>
           <p:cNvSpPr/>
           <p:nvPr/>
         </p:nvSpPr>
         <p:spPr>
           <a:xfrm>
-            <a:off x="1905000" y="4191000"/>
+            <a:off x="1905000" y="4495800"/>
             <a:ext cx="1905000" cy="1219200"/>
           </a:xfrm>
           <a:prstGeom prst="roundRect">
@@ -20245,13 +20644,13 @@
       </p:sp>
       <p:sp>
         <p:nvSpPr>
-          <p:cNvPr id="105" name="TextBox 104"/>
+          <p:cNvPr id="211" name="TextBox 210"/>
           <p:cNvSpPr txBox="1"/>
           <p:nvPr/>
         </p:nvSpPr>
         <p:spPr>
           <a:xfrm>
-            <a:off x="685800" y="4191000"/>
+            <a:off x="685800" y="4495800"/>
             <a:ext cx="1219200" cy="381000"/>
           </a:xfrm>
           <a:prstGeom prst="rect">
@@ -20292,13 +20691,13 @@
       </p:sp>
       <p:sp>
         <p:nvSpPr>
-          <p:cNvPr id="106" name="Rectangle 105"/>
+          <p:cNvPr id="212" name="Rectangle 211"/>
           <p:cNvSpPr/>
           <p:nvPr/>
         </p:nvSpPr>
         <p:spPr>
           <a:xfrm>
-            <a:off x="1905000" y="533400"/>
+            <a:off x="1905000" y="304800"/>
             <a:ext cx="990600" cy="914400"/>
           </a:xfrm>
           <a:prstGeom prst="rect">
@@ -20340,13 +20739,13 @@
       </p:sp>
       <p:sp>
         <p:nvSpPr>
-          <p:cNvPr id="107" name="TextBox 106"/>
+          <p:cNvPr id="213" name="TextBox 212"/>
           <p:cNvSpPr txBox="1"/>
           <p:nvPr/>
         </p:nvSpPr>
         <p:spPr>
           <a:xfrm>
-            <a:off x="1828800" y="762000"/>
+            <a:off x="1828800" y="533400"/>
             <a:ext cx="990600" cy="338554"/>
           </a:xfrm>
           <a:prstGeom prst="rect">
@@ -20383,13 +20782,13 @@
       </p:sp>
       <p:sp>
         <p:nvSpPr>
-          <p:cNvPr id="109" name="Rounded Rectangle 108"/>
+          <p:cNvPr id="214" name="Rounded Rectangle 213"/>
           <p:cNvSpPr/>
           <p:nvPr/>
         </p:nvSpPr>
         <p:spPr>
           <a:xfrm>
-            <a:off x="1905000" y="2971800"/>
+            <a:off x="1905000" y="3276600"/>
             <a:ext cx="1905000" cy="381000"/>
           </a:xfrm>
           <a:prstGeom prst="roundRect">
@@ -20434,13 +20833,13 @@
       </p:sp>
       <p:sp>
         <p:nvSpPr>
-          <p:cNvPr id="110" name="TextBox 109"/>
+          <p:cNvPr id="215" name="TextBox 214"/>
           <p:cNvSpPr txBox="1"/>
           <p:nvPr/>
         </p:nvSpPr>
         <p:spPr>
           <a:xfrm>
-            <a:off x="685800" y="2971800"/>
+            <a:off x="685800" y="3157886"/>
             <a:ext cx="1219200" cy="646331"/>
           </a:xfrm>
           <a:prstGeom prst="rect">
@@ -20496,13 +20895,13 @@
       </p:sp>
       <p:sp>
         <p:nvSpPr>
-          <p:cNvPr id="111" name="TextBox 110"/>
+          <p:cNvPr id="216" name="TextBox 215"/>
           <p:cNvSpPr txBox="1"/>
           <p:nvPr/>
         </p:nvSpPr>
         <p:spPr>
           <a:xfrm>
-            <a:off x="609600" y="6053486"/>
+            <a:off x="609600" y="6324600"/>
             <a:ext cx="3429000" cy="369332"/>
           </a:xfrm>
           <a:prstGeom prst="rect">
@@ -20535,19 +20934,30 @@
       </p:sp>
       <p:sp>
         <p:nvSpPr>
-          <p:cNvPr id="112" name="TextBox 111"/>
+          <p:cNvPr id="217" name="TextBox 216"/>
           <p:cNvSpPr txBox="1"/>
           <p:nvPr/>
         </p:nvSpPr>
         <p:spPr>
           <a:xfrm>
-            <a:off x="1905000" y="1786286"/>
-            <a:ext cx="1905000" cy="338554"/>
-          </a:xfrm>
-          <a:prstGeom prst="rect">
-            <a:avLst/>
-          </a:prstGeom>
-          <a:noFill/>
+            <a:off x="1905000" y="5841222"/>
+            <a:ext cx="928278" cy="369332"/>
+          </a:xfrm>
+          <a:prstGeom prst="rect">
+            <a:avLst/>
+          </a:prstGeom>
+          <a:solidFill>
+            <a:schemeClr val="accent1">
+              <a:lumMod val="75000"/>
+            </a:schemeClr>
+          </a:solidFill>
+          <a:ln>
+            <a:solidFill>
+              <a:schemeClr val="accent1">
+                <a:lumMod val="75000"/>
+              </a:schemeClr>
+            </a:solidFill>
+          </a:ln>
         </p:spPr>
         <p:txBody>
           <a:bodyPr wrap="square" rtlCol="0">
@@ -20555,29 +20965,49 @@
           </a:bodyPr>
           <a:lstStyle/>
           <a:p>
-            <a:r>
-              <a:rPr lang="en-US" sz="1600" dirty="0" smtClean="0"/>
-              <a:t>dodom2@gru.edu</a:t>
-            </a:r>
-            <a:endParaRPr lang="en-US" sz="1600" dirty="0"/>
-          </a:p>
-        </p:txBody>
-      </p:sp>
-      <p:sp>
-        <p:nvSpPr>
-          <p:cNvPr id="113" name="TextBox 112"/>
+            <a:pPr algn="ctr"/>
+            <a:r>
+              <a:rPr lang="en-US" dirty="0" smtClean="0">
+                <a:solidFill>
+                  <a:srgbClr val="FFFFFF"/>
+                </a:solidFill>
+              </a:rPr>
+              <a:t>Save</a:t>
+            </a:r>
+            <a:endParaRPr lang="en-US" dirty="0">
+              <a:solidFill>
+                <a:srgbClr val="FFFFFF"/>
+              </a:solidFill>
+            </a:endParaRPr>
+          </a:p>
+        </p:txBody>
+      </p:sp>
+      <p:sp>
+        <p:nvSpPr>
+          <p:cNvPr id="218" name="TextBox 217"/>
           <p:cNvSpPr txBox="1"/>
           <p:nvPr/>
         </p:nvSpPr>
         <p:spPr>
           <a:xfrm>
-            <a:off x="1905000" y="2395886"/>
-            <a:ext cx="1828800" cy="338554"/>
-          </a:xfrm>
-          <a:prstGeom prst="rect">
-            <a:avLst/>
-          </a:prstGeom>
-          <a:noFill/>
+            <a:off x="2971800" y="5841222"/>
+            <a:ext cx="928278" cy="369332"/>
+          </a:xfrm>
+          <a:prstGeom prst="rect">
+            <a:avLst/>
+          </a:prstGeom>
+          <a:solidFill>
+            <a:schemeClr val="accent1">
+              <a:lumMod val="75000"/>
+            </a:schemeClr>
+          </a:solidFill>
+          <a:ln>
+            <a:solidFill>
+              <a:schemeClr val="accent1">
+                <a:lumMod val="75000"/>
+              </a:schemeClr>
+            </a:solidFill>
+          </a:ln>
         </p:spPr>
         <p:txBody>
           <a:bodyPr wrap="square" rtlCol="0">
@@ -20585,201 +21015,32 @@
           </a:bodyPr>
           <a:lstStyle/>
           <a:p>
-            <a:r>
-              <a:rPr lang="en-US" sz="1600" dirty="0" smtClean="0"/>
-              <a:t>**********</a:t>
-            </a:r>
-            <a:endParaRPr lang="en-US" sz="1600" dirty="0"/>
-          </a:p>
-        </p:txBody>
-      </p:sp>
-      <p:sp>
-        <p:nvSpPr>
-          <p:cNvPr id="114" name="TextBox 113"/>
-          <p:cNvSpPr txBox="1"/>
-          <p:nvPr/>
-        </p:nvSpPr>
-        <p:spPr>
-          <a:xfrm>
-            <a:off x="1981200" y="3005486"/>
-            <a:ext cx="1828800" cy="338554"/>
-          </a:xfrm>
-          <a:prstGeom prst="rect">
-            <a:avLst/>
-          </a:prstGeom>
-          <a:noFill/>
-        </p:spPr>
-        <p:txBody>
-          <a:bodyPr wrap="square" rtlCol="0">
-            <a:spAutoFit/>
-          </a:bodyPr>
-          <a:lstStyle/>
-          <a:p>
-            <a:r>
-              <a:rPr lang="en-US" sz="1600" dirty="0" smtClean="0"/>
-              <a:t>**********</a:t>
-            </a:r>
-            <a:endParaRPr lang="en-US" sz="1600" dirty="0"/>
-          </a:p>
-        </p:txBody>
-      </p:sp>
-      <p:sp>
-        <p:nvSpPr>
-          <p:cNvPr id="115" name="TextBox 114"/>
-          <p:cNvSpPr txBox="1"/>
-          <p:nvPr/>
-        </p:nvSpPr>
-        <p:spPr>
-          <a:xfrm>
-            <a:off x="1905000" y="3615086"/>
-            <a:ext cx="1828800" cy="338554"/>
-          </a:xfrm>
-          <a:prstGeom prst="rect">
-            <a:avLst/>
-          </a:prstGeom>
-          <a:noFill/>
-        </p:spPr>
-        <p:txBody>
-          <a:bodyPr wrap="square" rtlCol="0">
-            <a:spAutoFit/>
-          </a:bodyPr>
-          <a:lstStyle/>
-          <a:p>
-            <a:r>
-              <a:rPr lang="en-US" sz="1600" dirty="0" smtClean="0"/>
-              <a:t>Darcie</a:t>
-            </a:r>
-            <a:endParaRPr lang="en-US" sz="1600" dirty="0"/>
-          </a:p>
-        </p:txBody>
-      </p:sp>
-      <p:sp>
-        <p:nvSpPr>
-          <p:cNvPr id="116" name="TextBox 115"/>
-          <p:cNvSpPr txBox="1"/>
-          <p:nvPr/>
-        </p:nvSpPr>
-        <p:spPr>
-          <a:xfrm>
-            <a:off x="1905000" y="4224686"/>
-            <a:ext cx="1828800" cy="584776"/>
-          </a:xfrm>
-          <a:prstGeom prst="rect">
-            <a:avLst/>
-          </a:prstGeom>
-          <a:noFill/>
-        </p:spPr>
-        <p:txBody>
-          <a:bodyPr wrap="square" rtlCol="0">
-            <a:spAutoFit/>
-          </a:bodyPr>
-          <a:lstStyle/>
-          <a:p>
-            <a:r>
-              <a:rPr lang="en-US" sz="1600" dirty="0" smtClean="0"/>
-              <a:t>Hi I’m Darcie! Study with me :)</a:t>
-            </a:r>
-            <a:endParaRPr lang="en-US" sz="1600" dirty="0"/>
-          </a:p>
-        </p:txBody>
-      </p:sp>
-      <p:cxnSp>
-        <p:nvCxnSpPr>
-          <p:cNvPr id="138" name="Straight Arrow Connector 137"/>
-          <p:cNvCxnSpPr/>
-          <p:nvPr/>
-        </p:nvCxnSpPr>
-        <p:spPr>
-          <a:xfrm>
-            <a:off x="4114800" y="3048000"/>
-            <a:ext cx="739685" cy="0"/>
-          </a:xfrm>
-          <a:prstGeom prst="straightConnector1">
-            <a:avLst/>
-          </a:prstGeom>
-          <a:ln w="28575">
-            <a:solidFill>
-              <a:srgbClr val="FF0000"/>
-            </a:solidFill>
-            <a:tailEnd type="arrow"/>
-          </a:ln>
-        </p:spPr>
-        <p:style>
-          <a:lnRef idx="1">
-            <a:schemeClr val="accent1"/>
-          </a:lnRef>
-          <a:fillRef idx="0">
-            <a:schemeClr val="accent1"/>
-          </a:fillRef>
-          <a:effectRef idx="0">
-            <a:schemeClr val="accent1"/>
-          </a:effectRef>
-          <a:fontRef idx="minor">
-            <a:schemeClr val="tx1"/>
-          </a:fontRef>
-        </p:style>
-      </p:cxnSp>
-      <p:sp>
-        <p:nvSpPr>
-          <p:cNvPr id="139" name="Rectangle 138"/>
+            <a:pPr algn="ctr"/>
+            <a:r>
+              <a:rPr lang="en-US" dirty="0" smtClean="0">
+                <a:solidFill>
+                  <a:srgbClr val="FFFFFF"/>
+                </a:solidFill>
+              </a:rPr>
+              <a:t>Back</a:t>
+            </a:r>
+            <a:endParaRPr lang="en-US" dirty="0">
+              <a:solidFill>
+                <a:srgbClr val="FFFFFF"/>
+              </a:solidFill>
+            </a:endParaRPr>
+          </a:p>
+        </p:txBody>
+      </p:sp>
+      <p:sp>
+        <p:nvSpPr>
+          <p:cNvPr id="219" name="Rounded Rectangle 218"/>
           <p:cNvSpPr/>
           <p:nvPr/>
         </p:nvSpPr>
         <p:spPr>
           <a:xfrm>
-            <a:off x="5029200" y="304800"/>
-            <a:ext cx="3397431" cy="5778922"/>
-          </a:xfrm>
-          <a:prstGeom prst="rect">
-            <a:avLst/>
-          </a:prstGeom>
-          <a:gradFill flip="none" rotWithShape="1">
-            <a:gsLst>
-              <a:gs pos="0">
-                <a:schemeClr val="accent5"/>
-              </a:gs>
-              <a:gs pos="100000">
-                <a:schemeClr val="accent1"/>
-              </a:gs>
-            </a:gsLst>
-            <a:lin ang="5160000" scaled="0"/>
-            <a:tileRect/>
-          </a:gradFill>
-        </p:spPr>
-        <p:style>
-          <a:lnRef idx="2">
-            <a:schemeClr val="accent1">
-              <a:shade val="50000"/>
-            </a:schemeClr>
-          </a:lnRef>
-          <a:fillRef idx="1">
-            <a:schemeClr val="accent1"/>
-          </a:fillRef>
-          <a:effectRef idx="0">
-            <a:schemeClr val="accent1"/>
-          </a:effectRef>
-          <a:fontRef idx="minor">
-            <a:schemeClr val="lt1"/>
-          </a:fontRef>
-        </p:style>
-        <p:txBody>
-          <a:bodyPr rtlCol="0" anchor="ctr"/>
-          <a:lstStyle/>
-          <a:p>
-            <a:pPr algn="ctr"/>
-            <a:endParaRPr lang="en-US" dirty="0"/>
-          </a:p>
-        </p:txBody>
-      </p:sp>
-      <p:sp>
-        <p:nvSpPr>
-          <p:cNvPr id="140" name="Rounded Rectangle 139"/>
-          <p:cNvSpPr/>
-          <p:nvPr/>
-        </p:nvSpPr>
-        <p:spPr>
-          <a:xfrm>
-            <a:off x="6324600" y="1752600"/>
+            <a:off x="1905000" y="1447800"/>
             <a:ext cx="1905000" cy="381000"/>
           </a:xfrm>
           <a:prstGeom prst="roundRect">
@@ -20824,13 +21085,384 @@
       </p:sp>
       <p:sp>
         <p:nvSpPr>
-          <p:cNvPr id="141" name="Rounded Rectangle 140"/>
+          <p:cNvPr id="220" name="TextBox 219"/>
+          <p:cNvSpPr txBox="1"/>
+          <p:nvPr/>
+        </p:nvSpPr>
+        <p:spPr>
+          <a:xfrm>
+            <a:off x="685800" y="1447800"/>
+            <a:ext cx="1219200" cy="381000"/>
+          </a:xfrm>
+          <a:prstGeom prst="rect">
+            <a:avLst/>
+          </a:prstGeom>
+          <a:noFill/>
+        </p:spPr>
+        <p:txBody>
+          <a:bodyPr wrap="square" rtlCol="0">
+            <a:spAutoFit/>
+          </a:bodyPr>
+          <a:lstStyle/>
+          <a:p>
+            <a:pPr algn="r"/>
+            <a:r>
+              <a:rPr lang="en-US" dirty="0" smtClean="0">
+                <a:solidFill>
+                  <a:schemeClr val="tx2">
+                    <a:lumMod val="75000"/>
+                  </a:schemeClr>
+                </a:solidFill>
+                <a:latin typeface="Bradley Hand Bold"/>
+                <a:cs typeface="Bradley Hand Bold"/>
+              </a:rPr>
+              <a:t>Username</a:t>
+            </a:r>
+            <a:endParaRPr lang="en-US" dirty="0">
+              <a:solidFill>
+                <a:schemeClr val="tx2">
+                  <a:lumMod val="75000"/>
+                </a:schemeClr>
+              </a:solidFill>
+              <a:latin typeface="Bradley Hand Bold"/>
+              <a:cs typeface="Bradley Hand Bold"/>
+            </a:endParaRPr>
+          </a:p>
+        </p:txBody>
+      </p:sp>
+      <p:sp>
+        <p:nvSpPr>
+          <p:cNvPr id="221" name="Rectangle 220"/>
           <p:cNvSpPr/>
           <p:nvPr/>
         </p:nvSpPr>
         <p:spPr>
           <a:xfrm>
-            <a:off x="6324600" y="2362200"/>
+            <a:off x="1905000" y="304800"/>
+            <a:ext cx="990600" cy="914400"/>
+          </a:xfrm>
+          <a:prstGeom prst="rect">
+            <a:avLst/>
+          </a:prstGeom>
+          <a:blipFill>
+            <a:blip r:embed="rId2"/>
+            <a:stretch>
+              <a:fillRect/>
+            </a:stretch>
+          </a:blipFill>
+        </p:spPr>
+        <p:style>
+          <a:lnRef idx="2">
+            <a:schemeClr val="accent1">
+              <a:shade val="50000"/>
+            </a:schemeClr>
+          </a:lnRef>
+          <a:fillRef idx="1">
+            <a:schemeClr val="accent1"/>
+          </a:fillRef>
+          <a:effectRef idx="0">
+            <a:schemeClr val="accent1"/>
+          </a:effectRef>
+          <a:fontRef idx="minor">
+            <a:schemeClr val="lt1"/>
+          </a:fontRef>
+        </p:style>
+        <p:txBody>
+          <a:bodyPr rtlCol="0" anchor="ctr"/>
+          <a:lstStyle/>
+          <a:p>
+            <a:pPr algn="ctr"/>
+            <a:endParaRPr lang="en-US"/>
+          </a:p>
+        </p:txBody>
+      </p:sp>
+      <p:sp>
+        <p:nvSpPr>
+          <p:cNvPr id="222" name="TextBox 221"/>
+          <p:cNvSpPr txBox="1"/>
+          <p:nvPr/>
+        </p:nvSpPr>
+        <p:spPr>
+          <a:xfrm>
+            <a:off x="1905000" y="2057400"/>
+            <a:ext cx="1905000" cy="338554"/>
+          </a:xfrm>
+          <a:prstGeom prst="rect">
+            <a:avLst/>
+          </a:prstGeom>
+          <a:noFill/>
+        </p:spPr>
+        <p:txBody>
+          <a:bodyPr wrap="square" rtlCol="0">
+            <a:spAutoFit/>
+          </a:bodyPr>
+          <a:lstStyle/>
+          <a:p>
+            <a:r>
+              <a:rPr lang="en-US" sz="1600" dirty="0" smtClean="0"/>
+              <a:t>dodom2@gru.edu</a:t>
+            </a:r>
+            <a:endParaRPr lang="en-US" sz="1600" dirty="0"/>
+          </a:p>
+        </p:txBody>
+      </p:sp>
+      <p:sp>
+        <p:nvSpPr>
+          <p:cNvPr id="223" name="TextBox 222"/>
+          <p:cNvSpPr txBox="1"/>
+          <p:nvPr/>
+        </p:nvSpPr>
+        <p:spPr>
+          <a:xfrm>
+            <a:off x="1905000" y="4495800"/>
+            <a:ext cx="1828800" cy="584776"/>
+          </a:xfrm>
+          <a:prstGeom prst="rect">
+            <a:avLst/>
+          </a:prstGeom>
+          <a:noFill/>
+        </p:spPr>
+        <p:txBody>
+          <a:bodyPr wrap="square" rtlCol="0">
+            <a:spAutoFit/>
+          </a:bodyPr>
+          <a:lstStyle/>
+          <a:p>
+            <a:r>
+              <a:rPr lang="en-US" sz="1600" dirty="0" smtClean="0"/>
+              <a:t>Hi I’m Darcie! Study with me :)</a:t>
+            </a:r>
+            <a:endParaRPr lang="en-US" sz="1600" dirty="0"/>
+          </a:p>
+        </p:txBody>
+      </p:sp>
+      <p:sp>
+        <p:nvSpPr>
+          <p:cNvPr id="224" name="TextBox 223"/>
+          <p:cNvSpPr txBox="1"/>
+          <p:nvPr/>
+        </p:nvSpPr>
+        <p:spPr>
+          <a:xfrm>
+            <a:off x="1905000" y="3886200"/>
+            <a:ext cx="1828800" cy="338554"/>
+          </a:xfrm>
+          <a:prstGeom prst="rect">
+            <a:avLst/>
+          </a:prstGeom>
+          <a:noFill/>
+        </p:spPr>
+        <p:txBody>
+          <a:bodyPr wrap="square" rtlCol="0">
+            <a:spAutoFit/>
+          </a:bodyPr>
+          <a:lstStyle/>
+          <a:p>
+            <a:r>
+              <a:rPr lang="en-US" sz="1600" dirty="0" smtClean="0"/>
+              <a:t>Darcie Odom</a:t>
+            </a:r>
+            <a:endParaRPr lang="en-US" sz="1600" dirty="0"/>
+          </a:p>
+        </p:txBody>
+      </p:sp>
+      <p:sp>
+        <p:nvSpPr>
+          <p:cNvPr id="225" name="TextBox 224"/>
+          <p:cNvSpPr txBox="1"/>
+          <p:nvPr/>
+        </p:nvSpPr>
+        <p:spPr>
+          <a:xfrm>
+            <a:off x="1905000" y="3352800"/>
+            <a:ext cx="1828800" cy="338554"/>
+          </a:xfrm>
+          <a:prstGeom prst="rect">
+            <a:avLst/>
+          </a:prstGeom>
+          <a:noFill/>
+        </p:spPr>
+        <p:txBody>
+          <a:bodyPr wrap="square" rtlCol="0">
+            <a:spAutoFit/>
+          </a:bodyPr>
+          <a:lstStyle/>
+          <a:p>
+            <a:r>
+              <a:rPr lang="en-US" sz="1600" dirty="0" smtClean="0"/>
+              <a:t>**********</a:t>
+            </a:r>
+            <a:endParaRPr lang="en-US" sz="1600" dirty="0"/>
+          </a:p>
+        </p:txBody>
+      </p:sp>
+      <p:sp>
+        <p:nvSpPr>
+          <p:cNvPr id="226" name="TextBox 225"/>
+          <p:cNvSpPr txBox="1"/>
+          <p:nvPr/>
+        </p:nvSpPr>
+        <p:spPr>
+          <a:xfrm>
+            <a:off x="1905000" y="2743200"/>
+            <a:ext cx="1828800" cy="338554"/>
+          </a:xfrm>
+          <a:prstGeom prst="rect">
+            <a:avLst/>
+          </a:prstGeom>
+          <a:noFill/>
+        </p:spPr>
+        <p:txBody>
+          <a:bodyPr wrap="square" rtlCol="0">
+            <a:spAutoFit/>
+          </a:bodyPr>
+          <a:lstStyle/>
+          <a:p>
+            <a:r>
+              <a:rPr lang="en-US" sz="1600" dirty="0" smtClean="0"/>
+              <a:t>**********</a:t>
+            </a:r>
+            <a:endParaRPr lang="en-US" sz="1600" dirty="0"/>
+          </a:p>
+        </p:txBody>
+      </p:sp>
+      <p:sp>
+        <p:nvSpPr>
+          <p:cNvPr id="227" name="TextBox 226"/>
+          <p:cNvSpPr txBox="1"/>
+          <p:nvPr/>
+        </p:nvSpPr>
+        <p:spPr>
+          <a:xfrm>
+            <a:off x="1905000" y="1447800"/>
+            <a:ext cx="1828800" cy="338554"/>
+          </a:xfrm>
+          <a:prstGeom prst="rect">
+            <a:avLst/>
+          </a:prstGeom>
+          <a:noFill/>
+        </p:spPr>
+        <p:txBody>
+          <a:bodyPr wrap="square" rtlCol="0">
+            <a:spAutoFit/>
+          </a:bodyPr>
+          <a:lstStyle/>
+          <a:p>
+            <a:r>
+              <a:rPr lang="en-US" sz="1600" dirty="0" smtClean="0"/>
+              <a:t>darcieo</a:t>
+            </a:r>
+            <a:endParaRPr lang="en-US" sz="1600" dirty="0"/>
+          </a:p>
+        </p:txBody>
+      </p:sp>
+      <p:sp>
+        <p:nvSpPr>
+          <p:cNvPr id="228" name="Rectangle 227"/>
+          <p:cNvSpPr/>
+          <p:nvPr/>
+        </p:nvSpPr>
+        <p:spPr>
+          <a:xfrm>
+            <a:off x="1828800" y="5791200"/>
+            <a:ext cx="1066800" cy="457200"/>
+          </a:xfrm>
+          <a:prstGeom prst="rect">
+            <a:avLst/>
+          </a:prstGeom>
+          <a:noFill/>
+          <a:ln w="50800">
+            <a:solidFill>
+              <a:srgbClr val="FF0000"/>
+            </a:solidFill>
+          </a:ln>
+        </p:spPr>
+        <p:style>
+          <a:lnRef idx="2">
+            <a:schemeClr val="accent1">
+              <a:shade val="50000"/>
+            </a:schemeClr>
+          </a:lnRef>
+          <a:fillRef idx="1">
+            <a:schemeClr val="accent1"/>
+          </a:fillRef>
+          <a:effectRef idx="0">
+            <a:schemeClr val="accent1"/>
+          </a:effectRef>
+          <a:fontRef idx="minor">
+            <a:schemeClr val="lt1"/>
+          </a:fontRef>
+        </p:style>
+        <p:txBody>
+          <a:bodyPr rtlCol="0" anchor="ctr"/>
+          <a:lstStyle/>
+          <a:p>
+            <a:pPr algn="ctr"/>
+            <a:endParaRPr lang="en-US"/>
+          </a:p>
+        </p:txBody>
+      </p:sp>
+      <p:sp>
+        <p:nvSpPr>
+          <p:cNvPr id="229" name="Rectangle 228"/>
+          <p:cNvSpPr/>
+          <p:nvPr/>
+        </p:nvSpPr>
+        <p:spPr>
+          <a:xfrm>
+            <a:off x="4953000" y="76200"/>
+            <a:ext cx="3397431" cy="6324600"/>
+          </a:xfrm>
+          <a:prstGeom prst="rect">
+            <a:avLst/>
+          </a:prstGeom>
+          <a:gradFill flip="none" rotWithShape="1">
+            <a:gsLst>
+              <a:gs pos="0">
+                <a:schemeClr val="accent5"/>
+              </a:gs>
+              <a:gs pos="100000">
+                <a:schemeClr val="accent1"/>
+              </a:gs>
+            </a:gsLst>
+            <a:lin ang="5160000" scaled="0"/>
+            <a:tileRect/>
+          </a:gradFill>
+        </p:spPr>
+        <p:style>
+          <a:lnRef idx="2">
+            <a:schemeClr val="accent1">
+              <a:shade val="50000"/>
+            </a:schemeClr>
+          </a:lnRef>
+          <a:fillRef idx="1">
+            <a:schemeClr val="accent1"/>
+          </a:fillRef>
+          <a:effectRef idx="0">
+            <a:schemeClr val="accent1"/>
+          </a:effectRef>
+          <a:fontRef idx="minor">
+            <a:schemeClr val="lt1"/>
+          </a:fontRef>
+        </p:style>
+        <p:txBody>
+          <a:bodyPr rtlCol="0" anchor="ctr"/>
+          <a:lstStyle/>
+          <a:p>
+            <a:pPr algn="ctr"/>
+            <a:endParaRPr lang="en-US" dirty="0"/>
+          </a:p>
+        </p:txBody>
+      </p:sp>
+      <p:sp>
+        <p:nvSpPr>
+          <p:cNvPr id="230" name="Rounded Rectangle 229"/>
+          <p:cNvSpPr/>
+          <p:nvPr/>
+        </p:nvSpPr>
+        <p:spPr>
+          <a:xfrm>
+            <a:off x="6248400" y="2057400"/>
             <a:ext cx="1905000" cy="381000"/>
           </a:xfrm>
           <a:prstGeom prst="roundRect">
@@ -20875,107 +21507,13 @@
       </p:sp>
       <p:sp>
         <p:nvSpPr>
-          <p:cNvPr id="142" name="TextBox 141"/>
-          <p:cNvSpPr txBox="1"/>
-          <p:nvPr/>
-        </p:nvSpPr>
-        <p:spPr>
-          <a:xfrm>
-            <a:off x="5105400" y="1752600"/>
-            <a:ext cx="1219200" cy="381000"/>
-          </a:xfrm>
-          <a:prstGeom prst="rect">
-            <a:avLst/>
-          </a:prstGeom>
-          <a:noFill/>
-        </p:spPr>
-        <p:txBody>
-          <a:bodyPr wrap="square" rtlCol="0">
-            <a:spAutoFit/>
-          </a:bodyPr>
-          <a:lstStyle/>
-          <a:p>
-            <a:pPr algn="r"/>
-            <a:r>
-              <a:rPr lang="en-US" dirty="0" smtClean="0">
-                <a:solidFill>
-                  <a:schemeClr val="tx2">
-                    <a:lumMod val="75000"/>
-                  </a:schemeClr>
-                </a:solidFill>
-                <a:latin typeface="Bradley Hand Bold"/>
-                <a:cs typeface="Bradley Hand Bold"/>
-              </a:rPr>
-              <a:t>Email</a:t>
-            </a:r>
-            <a:endParaRPr lang="en-US" dirty="0">
-              <a:solidFill>
-                <a:schemeClr val="tx2">
-                  <a:lumMod val="75000"/>
-                </a:schemeClr>
-              </a:solidFill>
-              <a:latin typeface="Bradley Hand Bold"/>
-              <a:cs typeface="Bradley Hand Bold"/>
-            </a:endParaRPr>
-          </a:p>
-        </p:txBody>
-      </p:sp>
-      <p:sp>
-        <p:nvSpPr>
-          <p:cNvPr id="143" name="TextBox 142"/>
-          <p:cNvSpPr txBox="1"/>
-          <p:nvPr/>
-        </p:nvSpPr>
-        <p:spPr>
-          <a:xfrm>
-            <a:off x="5105400" y="2362200"/>
-            <a:ext cx="1219200" cy="381000"/>
-          </a:xfrm>
-          <a:prstGeom prst="rect">
-            <a:avLst/>
-          </a:prstGeom>
-          <a:noFill/>
-        </p:spPr>
-        <p:txBody>
-          <a:bodyPr wrap="square" rtlCol="0">
-            <a:spAutoFit/>
-          </a:bodyPr>
-          <a:lstStyle/>
-          <a:p>
-            <a:pPr algn="r"/>
-            <a:r>
-              <a:rPr lang="en-US" dirty="0" smtClean="0">
-                <a:solidFill>
-                  <a:schemeClr val="tx2">
-                    <a:lumMod val="75000"/>
-                  </a:schemeClr>
-                </a:solidFill>
-                <a:latin typeface="Bradley Hand Bold"/>
-                <a:cs typeface="Bradley Hand Bold"/>
-              </a:rPr>
-              <a:t>Password</a:t>
-            </a:r>
-            <a:endParaRPr lang="en-US" dirty="0">
-              <a:solidFill>
-                <a:schemeClr val="tx2">
-                  <a:lumMod val="75000"/>
-                </a:schemeClr>
-              </a:solidFill>
-              <a:latin typeface="Bradley Hand Bold"/>
-              <a:cs typeface="Bradley Hand Bold"/>
-            </a:endParaRPr>
-          </a:p>
-        </p:txBody>
-      </p:sp>
-      <p:sp>
-        <p:nvSpPr>
-          <p:cNvPr id="144" name="Rounded Rectangle 143"/>
+          <p:cNvPr id="231" name="Rounded Rectangle 230"/>
           <p:cNvSpPr/>
           <p:nvPr/>
         </p:nvSpPr>
         <p:spPr>
           <a:xfrm>
-            <a:off x="6324600" y="3581400"/>
+            <a:off x="6248400" y="2667000"/>
             <a:ext cx="1905000" cy="381000"/>
           </a:xfrm>
           <a:prstGeom prst="roundRect">
@@ -21020,13 +21558,13 @@
       </p:sp>
       <p:sp>
         <p:nvSpPr>
-          <p:cNvPr id="145" name="TextBox 144"/>
+          <p:cNvPr id="232" name="TextBox 231"/>
           <p:cNvSpPr txBox="1"/>
           <p:nvPr/>
         </p:nvSpPr>
         <p:spPr>
           <a:xfrm>
-            <a:off x="5105400" y="3581400"/>
+            <a:off x="5029200" y="2057400"/>
             <a:ext cx="1219200" cy="381000"/>
           </a:xfrm>
           <a:prstGeom prst="rect">
@@ -21051,7 +21589,7 @@
                 <a:latin typeface="Bradley Hand Bold"/>
                 <a:cs typeface="Bradley Hand Bold"/>
               </a:rPr>
-              <a:t>Name</a:t>
+              <a:t>Email</a:t>
             </a:r>
             <a:endParaRPr lang="en-US" dirty="0">
               <a:solidFill>
@@ -21067,14 +21605,61 @@
       </p:sp>
       <p:sp>
         <p:nvSpPr>
-          <p:cNvPr id="146" name="Rounded Rectangle 145"/>
+          <p:cNvPr id="233" name="TextBox 232"/>
+          <p:cNvSpPr txBox="1"/>
+          <p:nvPr/>
+        </p:nvSpPr>
+        <p:spPr>
+          <a:xfrm>
+            <a:off x="5029200" y="2667000"/>
+            <a:ext cx="1219200" cy="381000"/>
+          </a:xfrm>
+          <a:prstGeom prst="rect">
+            <a:avLst/>
+          </a:prstGeom>
+          <a:noFill/>
+        </p:spPr>
+        <p:txBody>
+          <a:bodyPr wrap="square" rtlCol="0">
+            <a:spAutoFit/>
+          </a:bodyPr>
+          <a:lstStyle/>
+          <a:p>
+            <a:pPr algn="r"/>
+            <a:r>
+              <a:rPr lang="en-US" dirty="0" smtClean="0">
+                <a:solidFill>
+                  <a:schemeClr val="tx2">
+                    <a:lumMod val="75000"/>
+                  </a:schemeClr>
+                </a:solidFill>
+                <a:latin typeface="Bradley Hand Bold"/>
+                <a:cs typeface="Bradley Hand Bold"/>
+              </a:rPr>
+              <a:t>Password</a:t>
+            </a:r>
+            <a:endParaRPr lang="en-US" dirty="0">
+              <a:solidFill>
+                <a:schemeClr val="tx2">
+                  <a:lumMod val="75000"/>
+                </a:schemeClr>
+              </a:solidFill>
+              <a:latin typeface="Bradley Hand Bold"/>
+              <a:cs typeface="Bradley Hand Bold"/>
+            </a:endParaRPr>
+          </a:p>
+        </p:txBody>
+      </p:sp>
+      <p:sp>
+        <p:nvSpPr>
+          <p:cNvPr id="234" name="Rounded Rectangle 233"/>
           <p:cNvSpPr/>
           <p:nvPr/>
         </p:nvSpPr>
         <p:spPr>
           <a:xfrm>
-            <a:off x="6324600" y="4191000"/>
-            <a:ext cx="1905000" cy="1219200"/>
+            <a:off x="6248400" y="3886200"/>
+            <a:ext cx="1905000" cy="381000"/>
           </a:xfrm>
           <a:prstGeom prst="roundRect">
             <a:avLst/>
@@ -21118,13 +21703,13 @@
       </p:sp>
       <p:sp>
         <p:nvSpPr>
-          <p:cNvPr id="147" name="TextBox 146"/>
+          <p:cNvPr id="235" name="TextBox 234"/>
           <p:cNvSpPr txBox="1"/>
           <p:nvPr/>
         </p:nvSpPr>
         <p:spPr>
           <a:xfrm>
-            <a:off x="5105400" y="4191000"/>
+            <a:off x="5029200" y="3886200"/>
             <a:ext cx="1219200" cy="381000"/>
           </a:xfrm>
           <a:prstGeom prst="rect">
@@ -21149,7 +21734,7 @@
                 <a:latin typeface="Bradley Hand Bold"/>
                 <a:cs typeface="Bradley Hand Bold"/>
               </a:rPr>
-              <a:t>Bio</a:t>
+              <a:t>Name</a:t>
             </a:r>
             <a:endParaRPr lang="en-US" dirty="0">
               <a:solidFill>
@@ -21165,105 +21750,14 @@
       </p:sp>
       <p:sp>
         <p:nvSpPr>
-          <p:cNvPr id="148" name="Rectangle 147"/>
+          <p:cNvPr id="236" name="Rounded Rectangle 235"/>
           <p:cNvSpPr/>
           <p:nvPr/>
         </p:nvSpPr>
         <p:spPr>
           <a:xfrm>
-            <a:off x="6324600" y="533400"/>
-            <a:ext cx="990600" cy="914400"/>
-          </a:xfrm>
-          <a:prstGeom prst="rect">
-            <a:avLst/>
-          </a:prstGeom>
-          <a:noFill/>
-          <a:ln w="28575" cmpd="sng">
-            <a:solidFill>
-              <a:schemeClr val="accent1">
-                <a:lumMod val="75000"/>
-              </a:schemeClr>
-            </a:solidFill>
-            <a:prstDash val="dash"/>
-          </a:ln>
-          <a:effectLst/>
-        </p:spPr>
-        <p:style>
-          <a:lnRef idx="1">
-            <a:schemeClr val="accent1"/>
-          </a:lnRef>
-          <a:fillRef idx="3">
-            <a:schemeClr val="accent1"/>
-          </a:fillRef>
-          <a:effectRef idx="2">
-            <a:schemeClr val="accent1"/>
-          </a:effectRef>
-          <a:fontRef idx="minor">
-            <a:schemeClr val="lt1"/>
-          </a:fontRef>
-        </p:style>
-        <p:txBody>
-          <a:bodyPr rtlCol="0" anchor="ctr"/>
-          <a:lstStyle/>
-          <a:p>
-            <a:pPr algn="ctr"/>
-            <a:endParaRPr lang="en-US"/>
-          </a:p>
-        </p:txBody>
-      </p:sp>
-      <p:sp>
-        <p:nvSpPr>
-          <p:cNvPr id="149" name="TextBox 148"/>
-          <p:cNvSpPr txBox="1"/>
-          <p:nvPr/>
-        </p:nvSpPr>
-        <p:spPr>
-          <a:xfrm>
-            <a:off x="6248400" y="762000"/>
-            <a:ext cx="990600" cy="338554"/>
-          </a:xfrm>
-          <a:prstGeom prst="rect">
-            <a:avLst/>
-          </a:prstGeom>
-          <a:noFill/>
-        </p:spPr>
-        <p:txBody>
-          <a:bodyPr wrap="square" rtlCol="0">
-            <a:spAutoFit/>
-          </a:bodyPr>
-          <a:lstStyle/>
-          <a:p>
-            <a:pPr algn="ctr"/>
-            <a:r>
-              <a:rPr lang="en-US" sz="1600" dirty="0" smtClean="0">
-                <a:solidFill>
-                  <a:schemeClr val="accent1">
-                    <a:lumMod val="75000"/>
-                  </a:schemeClr>
-                </a:solidFill>
-              </a:rPr>
-              <a:t>   Photo</a:t>
-            </a:r>
-            <a:endParaRPr lang="en-US" sz="1600" dirty="0">
-              <a:solidFill>
-                <a:schemeClr val="accent1">
-                  <a:lumMod val="75000"/>
-                </a:schemeClr>
-              </a:solidFill>
-            </a:endParaRPr>
-          </a:p>
-        </p:txBody>
-      </p:sp>
-      <p:sp>
-        <p:nvSpPr>
-          <p:cNvPr id="151" name="Rounded Rectangle 150"/>
-          <p:cNvSpPr/>
-          <p:nvPr/>
-        </p:nvSpPr>
-        <p:spPr>
-          <a:xfrm>
-            <a:off x="6324600" y="2971800"/>
-            <a:ext cx="1905000" cy="381000"/>
+            <a:off x="6248400" y="4495800"/>
+            <a:ext cx="1905000" cy="1219200"/>
           </a:xfrm>
           <a:prstGeom prst="roundRect">
             <a:avLst/>
@@ -21307,13 +21801,202 @@
       </p:sp>
       <p:sp>
         <p:nvSpPr>
-          <p:cNvPr id="152" name="TextBox 151"/>
+          <p:cNvPr id="237" name="TextBox 236"/>
           <p:cNvSpPr txBox="1"/>
           <p:nvPr/>
         </p:nvSpPr>
         <p:spPr>
           <a:xfrm>
-            <a:off x="5105400" y="2971800"/>
+            <a:off x="5029200" y="4495800"/>
+            <a:ext cx="1219200" cy="381000"/>
+          </a:xfrm>
+          <a:prstGeom prst="rect">
+            <a:avLst/>
+          </a:prstGeom>
+          <a:noFill/>
+        </p:spPr>
+        <p:txBody>
+          <a:bodyPr wrap="square" rtlCol="0">
+            <a:spAutoFit/>
+          </a:bodyPr>
+          <a:lstStyle/>
+          <a:p>
+            <a:pPr algn="r"/>
+            <a:r>
+              <a:rPr lang="en-US" dirty="0" smtClean="0">
+                <a:solidFill>
+                  <a:schemeClr val="tx2">
+                    <a:lumMod val="75000"/>
+                  </a:schemeClr>
+                </a:solidFill>
+                <a:latin typeface="Bradley Hand Bold"/>
+                <a:cs typeface="Bradley Hand Bold"/>
+              </a:rPr>
+              <a:t>Bio</a:t>
+            </a:r>
+            <a:endParaRPr lang="en-US" dirty="0">
+              <a:solidFill>
+                <a:schemeClr val="tx2">
+                  <a:lumMod val="75000"/>
+                </a:schemeClr>
+              </a:solidFill>
+              <a:latin typeface="Bradley Hand Bold"/>
+              <a:cs typeface="Bradley Hand Bold"/>
+            </a:endParaRPr>
+          </a:p>
+        </p:txBody>
+      </p:sp>
+      <p:sp>
+        <p:nvSpPr>
+          <p:cNvPr id="238" name="Rectangle 237"/>
+          <p:cNvSpPr/>
+          <p:nvPr/>
+        </p:nvSpPr>
+        <p:spPr>
+          <a:xfrm>
+            <a:off x="6248400" y="304800"/>
+            <a:ext cx="990600" cy="914400"/>
+          </a:xfrm>
+          <a:prstGeom prst="rect">
+            <a:avLst/>
+          </a:prstGeom>
+          <a:noFill/>
+          <a:ln w="28575" cmpd="sng">
+            <a:solidFill>
+              <a:schemeClr val="accent1">
+                <a:lumMod val="75000"/>
+              </a:schemeClr>
+            </a:solidFill>
+            <a:prstDash val="dash"/>
+          </a:ln>
+          <a:effectLst/>
+        </p:spPr>
+        <p:style>
+          <a:lnRef idx="1">
+            <a:schemeClr val="accent1"/>
+          </a:lnRef>
+          <a:fillRef idx="3">
+            <a:schemeClr val="accent1"/>
+          </a:fillRef>
+          <a:effectRef idx="2">
+            <a:schemeClr val="accent1"/>
+          </a:effectRef>
+          <a:fontRef idx="minor">
+            <a:schemeClr val="lt1"/>
+          </a:fontRef>
+        </p:style>
+        <p:txBody>
+          <a:bodyPr rtlCol="0" anchor="ctr"/>
+          <a:lstStyle/>
+          <a:p>
+            <a:pPr algn="ctr"/>
+            <a:endParaRPr lang="en-US"/>
+          </a:p>
+        </p:txBody>
+      </p:sp>
+      <p:sp>
+        <p:nvSpPr>
+          <p:cNvPr id="239" name="TextBox 238"/>
+          <p:cNvSpPr txBox="1"/>
+          <p:nvPr/>
+        </p:nvSpPr>
+        <p:spPr>
+          <a:xfrm>
+            <a:off x="6172200" y="533400"/>
+            <a:ext cx="990600" cy="338554"/>
+          </a:xfrm>
+          <a:prstGeom prst="rect">
+            <a:avLst/>
+          </a:prstGeom>
+          <a:noFill/>
+        </p:spPr>
+        <p:txBody>
+          <a:bodyPr wrap="square" rtlCol="0">
+            <a:spAutoFit/>
+          </a:bodyPr>
+          <a:lstStyle/>
+          <a:p>
+            <a:pPr algn="ctr"/>
+            <a:r>
+              <a:rPr lang="en-US" sz="1600" dirty="0" smtClean="0">
+                <a:solidFill>
+                  <a:schemeClr val="accent1">
+                    <a:lumMod val="75000"/>
+                  </a:schemeClr>
+                </a:solidFill>
+              </a:rPr>
+              <a:t>   Photo</a:t>
+            </a:r>
+            <a:endParaRPr lang="en-US" sz="1600" dirty="0">
+              <a:solidFill>
+                <a:schemeClr val="accent1">
+                  <a:lumMod val="75000"/>
+                </a:schemeClr>
+              </a:solidFill>
+            </a:endParaRPr>
+          </a:p>
+        </p:txBody>
+      </p:sp>
+      <p:sp>
+        <p:nvSpPr>
+          <p:cNvPr id="240" name="Rounded Rectangle 239"/>
+          <p:cNvSpPr/>
+          <p:nvPr/>
+        </p:nvSpPr>
+        <p:spPr>
+          <a:xfrm>
+            <a:off x="6248400" y="3276600"/>
+            <a:ext cx="1905000" cy="381000"/>
+          </a:xfrm>
+          <a:prstGeom prst="roundRect">
+            <a:avLst/>
+          </a:prstGeom>
+          <a:solidFill>
+            <a:schemeClr val="bg1">
+              <a:alpha val="60000"/>
+            </a:schemeClr>
+          </a:solidFill>
+          <a:ln>
+            <a:solidFill>
+              <a:schemeClr val="accent1">
+                <a:lumMod val="75000"/>
+              </a:schemeClr>
+            </a:solidFill>
+          </a:ln>
+          <a:effectLst/>
+        </p:spPr>
+        <p:style>
+          <a:lnRef idx="1">
+            <a:schemeClr val="accent1"/>
+          </a:lnRef>
+          <a:fillRef idx="3">
+            <a:schemeClr val="accent1"/>
+          </a:fillRef>
+          <a:effectRef idx="2">
+            <a:schemeClr val="accent1"/>
+          </a:effectRef>
+          <a:fontRef idx="minor">
+            <a:schemeClr val="lt1"/>
+          </a:fontRef>
+        </p:style>
+        <p:txBody>
+          <a:bodyPr rtlCol="0" anchor="ctr"/>
+          <a:lstStyle/>
+          <a:p>
+            <a:pPr algn="ctr"/>
+            <a:endParaRPr lang="en-US"/>
+          </a:p>
+        </p:txBody>
+      </p:sp>
+      <p:sp>
+        <p:nvSpPr>
+          <p:cNvPr id="241" name="TextBox 240"/>
+          <p:cNvSpPr txBox="1"/>
+          <p:nvPr/>
+        </p:nvSpPr>
+        <p:spPr>
+          <a:xfrm>
+            <a:off x="5029200" y="3157886"/>
             <a:ext cx="1219200" cy="646331"/>
           </a:xfrm>
           <a:prstGeom prst="rect">
@@ -21369,14 +22052,14 @@
       </p:sp>
       <p:sp>
         <p:nvSpPr>
-          <p:cNvPr id="153" name="TextBox 152"/>
+          <p:cNvPr id="242" name="TextBox 241"/>
           <p:cNvSpPr txBox="1"/>
           <p:nvPr/>
         </p:nvSpPr>
         <p:spPr>
           <a:xfrm>
-            <a:off x="6324600" y="1786286"/>
-            <a:ext cx="1905000" cy="338554"/>
+            <a:off x="4953000" y="6324600"/>
+            <a:ext cx="3429000" cy="369332"/>
           </a:xfrm>
           <a:prstGeom prst="rect">
             <a:avLst/>
@@ -21389,301 +22072,27 @@
           </a:bodyPr>
           <a:lstStyle/>
           <a:p>
-            <a:r>
-              <a:rPr lang="en-US" sz="1600" dirty="0" smtClean="0"/>
-              <a:t>dodom2@gru.edu</a:t>
-            </a:r>
-            <a:endParaRPr lang="en-US" sz="1600" dirty="0"/>
-          </a:p>
-        </p:txBody>
-      </p:sp>
-      <p:sp>
-        <p:nvSpPr>
-          <p:cNvPr id="154" name="TextBox 153"/>
-          <p:cNvSpPr txBox="1"/>
-          <p:nvPr/>
-        </p:nvSpPr>
-        <p:spPr>
-          <a:xfrm>
-            <a:off x="6324600" y="2395886"/>
-            <a:ext cx="1828800" cy="338554"/>
-          </a:xfrm>
-          <a:prstGeom prst="rect">
-            <a:avLst/>
-          </a:prstGeom>
-          <a:noFill/>
-        </p:spPr>
-        <p:txBody>
-          <a:bodyPr wrap="square" rtlCol="0">
-            <a:spAutoFit/>
-          </a:bodyPr>
-          <a:lstStyle/>
-          <a:p>
-            <a:r>
-              <a:rPr lang="en-US" sz="1600" dirty="0" smtClean="0"/>
-              <a:t>**********</a:t>
-            </a:r>
-            <a:endParaRPr lang="en-US" sz="1600" dirty="0"/>
-          </a:p>
-        </p:txBody>
-      </p:sp>
-      <p:sp>
-        <p:nvSpPr>
-          <p:cNvPr id="155" name="TextBox 154"/>
-          <p:cNvSpPr txBox="1"/>
-          <p:nvPr/>
-        </p:nvSpPr>
-        <p:spPr>
-          <a:xfrm>
-            <a:off x="6400800" y="3005486"/>
-            <a:ext cx="1828800" cy="338554"/>
-          </a:xfrm>
-          <a:prstGeom prst="rect">
-            <a:avLst/>
-          </a:prstGeom>
-          <a:noFill/>
-        </p:spPr>
-        <p:txBody>
-          <a:bodyPr wrap="square" rtlCol="0">
-            <a:spAutoFit/>
-          </a:bodyPr>
-          <a:lstStyle/>
-          <a:p>
-            <a:r>
-              <a:rPr lang="en-US" sz="1600" dirty="0" smtClean="0"/>
-              <a:t>**********</a:t>
-            </a:r>
-            <a:endParaRPr lang="en-US" sz="1600" dirty="0"/>
-          </a:p>
-        </p:txBody>
-      </p:sp>
-      <p:sp>
-        <p:nvSpPr>
-          <p:cNvPr id="156" name="TextBox 155"/>
-          <p:cNvSpPr txBox="1"/>
-          <p:nvPr/>
-        </p:nvSpPr>
-        <p:spPr>
-          <a:xfrm>
-            <a:off x="6324600" y="3615086"/>
-            <a:ext cx="1828800" cy="338554"/>
-          </a:xfrm>
-          <a:prstGeom prst="rect">
-            <a:avLst/>
-          </a:prstGeom>
-          <a:noFill/>
-        </p:spPr>
-        <p:txBody>
-          <a:bodyPr wrap="square" rtlCol="0">
-            <a:spAutoFit/>
-          </a:bodyPr>
-          <a:lstStyle/>
-          <a:p>
-            <a:r>
-              <a:rPr lang="en-US" sz="1600" dirty="0" smtClean="0"/>
-              <a:t>Darcie</a:t>
-            </a:r>
-            <a:endParaRPr lang="en-US" sz="1600" dirty="0"/>
-          </a:p>
-        </p:txBody>
-      </p:sp>
-      <p:sp>
-        <p:nvSpPr>
-          <p:cNvPr id="157" name="TextBox 156"/>
-          <p:cNvSpPr txBox="1"/>
-          <p:nvPr/>
-        </p:nvSpPr>
-        <p:spPr>
-          <a:xfrm>
-            <a:off x="6324600" y="4224686"/>
-            <a:ext cx="1828800" cy="584776"/>
-          </a:xfrm>
-          <a:prstGeom prst="rect">
-            <a:avLst/>
-          </a:prstGeom>
-          <a:noFill/>
-        </p:spPr>
-        <p:txBody>
-          <a:bodyPr wrap="square" rtlCol="0">
-            <a:spAutoFit/>
-          </a:bodyPr>
-          <a:lstStyle/>
-          <a:p>
-            <a:r>
-              <a:rPr lang="en-US" sz="1600" dirty="0" smtClean="0"/>
-              <a:t>Hi I’m Darcie! Study with me :)</a:t>
-            </a:r>
-            <a:endParaRPr lang="en-US" sz="1600" dirty="0"/>
-          </a:p>
-        </p:txBody>
-      </p:sp>
-      <p:sp>
-        <p:nvSpPr>
-          <p:cNvPr id="159" name="Rectangle 158"/>
-          <p:cNvSpPr/>
-          <p:nvPr/>
-        </p:nvSpPr>
-        <p:spPr>
-          <a:xfrm>
-            <a:off x="5257800" y="1600200"/>
-            <a:ext cx="2971800" cy="2819400"/>
-          </a:xfrm>
-          <a:prstGeom prst="rect">
-            <a:avLst/>
-          </a:prstGeom>
-          <a:solidFill>
-            <a:schemeClr val="accent1"/>
-          </a:solidFill>
-        </p:spPr>
-        <p:style>
-          <a:lnRef idx="1">
-            <a:schemeClr val="accent1"/>
-          </a:lnRef>
-          <a:fillRef idx="3">
-            <a:schemeClr val="accent1"/>
-          </a:fillRef>
-          <a:effectRef idx="2">
-            <a:schemeClr val="accent1"/>
-          </a:effectRef>
-          <a:fontRef idx="minor">
-            <a:schemeClr val="lt1"/>
-          </a:fontRef>
-        </p:style>
-        <p:txBody>
-          <a:bodyPr rtlCol="0" anchor="ctr"/>
-          <a:lstStyle/>
-          <a:p>
-            <a:pPr algn="ctr"/>
-            <a:endParaRPr lang="en-US"/>
-          </a:p>
-        </p:txBody>
-      </p:sp>
-      <p:sp>
-        <p:nvSpPr>
-          <p:cNvPr id="160" name="Rectangle 159"/>
-          <p:cNvSpPr/>
-          <p:nvPr/>
-        </p:nvSpPr>
-        <p:spPr>
-          <a:xfrm>
-            <a:off x="1905000" y="533400"/>
-            <a:ext cx="990600" cy="914400"/>
-          </a:xfrm>
-          <a:prstGeom prst="rect">
-            <a:avLst/>
-          </a:prstGeom>
-          <a:blipFill>
-            <a:blip r:embed="rId2"/>
-            <a:stretch>
-              <a:fillRect/>
-            </a:stretch>
-          </a:blipFill>
-        </p:spPr>
-        <p:style>
-          <a:lnRef idx="2">
-            <a:schemeClr val="accent1">
-              <a:shade val="50000"/>
-            </a:schemeClr>
-          </a:lnRef>
-          <a:fillRef idx="1">
-            <a:schemeClr val="accent1"/>
-          </a:fillRef>
-          <a:effectRef idx="0">
-            <a:schemeClr val="accent1"/>
-          </a:effectRef>
-          <a:fontRef idx="minor">
-            <a:schemeClr val="lt1"/>
-          </a:fontRef>
-        </p:style>
-        <p:txBody>
-          <a:bodyPr rtlCol="0" anchor="ctr"/>
-          <a:lstStyle/>
-          <a:p>
-            <a:pPr algn="ctr"/>
-            <a:endParaRPr lang="en-US"/>
-          </a:p>
-        </p:txBody>
-      </p:sp>
-      <p:sp>
-        <p:nvSpPr>
-          <p:cNvPr id="161" name="Rectangle 160"/>
-          <p:cNvSpPr/>
-          <p:nvPr/>
-        </p:nvSpPr>
-        <p:spPr>
-          <a:xfrm>
-            <a:off x="6324600" y="533400"/>
-            <a:ext cx="990600" cy="914400"/>
-          </a:xfrm>
-          <a:prstGeom prst="rect">
-            <a:avLst/>
-          </a:prstGeom>
-          <a:blipFill>
-            <a:blip r:embed="rId2"/>
-            <a:stretch>
-              <a:fillRect/>
-            </a:stretch>
-          </a:blipFill>
-        </p:spPr>
-        <p:style>
-          <a:lnRef idx="2">
-            <a:schemeClr val="accent1">
-              <a:shade val="50000"/>
-            </a:schemeClr>
-          </a:lnRef>
-          <a:fillRef idx="1">
-            <a:schemeClr val="accent1"/>
-          </a:fillRef>
-          <a:effectRef idx="0">
-            <a:schemeClr val="accent1"/>
-          </a:effectRef>
-          <a:fontRef idx="minor">
-            <a:schemeClr val="lt1"/>
-          </a:fontRef>
-        </p:style>
-        <p:txBody>
-          <a:bodyPr rtlCol="0" anchor="ctr"/>
-          <a:lstStyle/>
-          <a:p>
-            <a:pPr algn="ctr"/>
-            <a:endParaRPr lang="en-US"/>
-          </a:p>
-        </p:txBody>
-      </p:sp>
-      <p:sp>
-        <p:nvSpPr>
-          <p:cNvPr id="162" name="TextBox 161"/>
-          <p:cNvSpPr txBox="1"/>
-          <p:nvPr/>
-        </p:nvSpPr>
-        <p:spPr>
-          <a:xfrm>
-            <a:off x="5562600" y="1981200"/>
-            <a:ext cx="2362200" cy="1200329"/>
-          </a:xfrm>
-          <a:prstGeom prst="rect">
-            <a:avLst/>
-          </a:prstGeom>
-          <a:noFill/>
-        </p:spPr>
-        <p:txBody>
-          <a:bodyPr wrap="square" rtlCol="0">
-            <a:spAutoFit/>
-          </a:bodyPr>
-          <a:lstStyle/>
-          <a:p>
-            <a:pPr algn="ctr"/>
-            <a:r>
-              <a:rPr lang="en-US" dirty="0" smtClean="0">
+            <a:pPr algn="ctr"/>
+            <a:r>
+              <a:rPr lang="en-US" b="1" dirty="0" smtClean="0">
                 <a:solidFill>
-                  <a:srgbClr val="FFFFFF"/>
+                  <a:srgbClr val="FF0000"/>
                 </a:solidFill>
               </a:rPr>
-              <a:t>Thanks for creating a StudyBear account! Please check email for verification link.</a:t>
-            </a:r>
-            <a:endParaRPr lang="en-US" dirty="0">
+              <a:t>Valid save </a:t>
+            </a:r>
+            <a:r>
+              <a:rPr lang="en-US" b="1" dirty="0" smtClean="0">
+                <a:solidFill>
+                  <a:srgbClr val="FF0000"/>
+                </a:solidFill>
+                <a:sym typeface="Wingdings"/>
+              </a:rPr>
+              <a:t> Pop-up</a:t>
+            </a:r>
+            <a:endParaRPr lang="en-US" b="1" dirty="0">
               <a:solidFill>
-                <a:srgbClr val="FFFFFF"/>
+                <a:srgbClr val="FF0000"/>
               </a:solidFill>
             </a:endParaRPr>
           </a:p>
@@ -21691,13 +22100,13 @@
       </p:sp>
       <p:sp>
         <p:nvSpPr>
-          <p:cNvPr id="163" name="TextBox 162"/>
+          <p:cNvPr id="243" name="TextBox 242"/>
           <p:cNvSpPr txBox="1"/>
           <p:nvPr/>
         </p:nvSpPr>
         <p:spPr>
           <a:xfrm>
-            <a:off x="6324600" y="3581400"/>
+            <a:off x="6248400" y="5841222"/>
             <a:ext cx="928278" cy="369332"/>
           </a:xfrm>
           <a:prstGeom prst="rect">
@@ -21729,54 +22138,11 @@
                   <a:srgbClr val="FFFFFF"/>
                 </a:solidFill>
               </a:rPr>
-              <a:t>OK</a:t>
-            </a:r>
-          </a:p>
-        </p:txBody>
-      </p:sp>
-      <p:sp>
-        <p:nvSpPr>
-          <p:cNvPr id="165" name="TextBox 164"/>
-          <p:cNvSpPr txBox="1"/>
-          <p:nvPr/>
-        </p:nvSpPr>
-        <p:spPr>
-          <a:xfrm>
-            <a:off x="5029200" y="6019800"/>
-            <a:ext cx="3429000" cy="369332"/>
-          </a:xfrm>
-          <a:prstGeom prst="rect">
-            <a:avLst/>
-          </a:prstGeom>
-          <a:noFill/>
-        </p:spPr>
-        <p:txBody>
-          <a:bodyPr wrap="square" rtlCol="0">
-            <a:spAutoFit/>
-          </a:bodyPr>
-          <a:lstStyle/>
-          <a:p>
-            <a:pPr algn="ctr"/>
-            <a:r>
-              <a:rPr lang="en-US" b="1" dirty="0" smtClean="0">
-                <a:solidFill>
-                  <a:srgbClr val="FF0000"/>
-                </a:solidFill>
-              </a:rPr>
-              <a:t>Valid save </a:t>
-            </a:r>
-            <a:r>
-              <a:rPr lang="en-US" b="1" dirty="0" smtClean="0">
-                <a:solidFill>
-                  <a:srgbClr val="FF0000"/>
-                </a:solidFill>
-                <a:sym typeface="Wingdings"/>
-              </a:rPr>
-              <a:t> Pop-up</a:t>
-            </a:r>
-            <a:endParaRPr lang="en-US" b="1" dirty="0">
+              <a:t>Save</a:t>
+            </a:r>
+            <a:endParaRPr lang="en-US" dirty="0">
               <a:solidFill>
-                <a:srgbClr val="FF0000"/>
+                <a:srgbClr val="FFFFFF"/>
               </a:solidFill>
             </a:endParaRPr>
           </a:p>
@@ -21784,177 +22150,13 @@
       </p:sp>
       <p:sp>
         <p:nvSpPr>
-          <p:cNvPr id="166" name="Rectangle 165"/>
-          <p:cNvSpPr/>
-          <p:nvPr/>
-        </p:nvSpPr>
-        <p:spPr>
-          <a:xfrm>
-            <a:off x="6248400" y="3505200"/>
-            <a:ext cx="1066800" cy="533400"/>
-          </a:xfrm>
-          <a:prstGeom prst="rect">
-            <a:avLst/>
-          </a:prstGeom>
-          <a:noFill/>
-          <a:ln w="50800">
-            <a:solidFill>
-              <a:srgbClr val="FF0000"/>
-            </a:solidFill>
-          </a:ln>
-        </p:spPr>
-        <p:style>
-          <a:lnRef idx="2">
-            <a:schemeClr val="accent1">
-              <a:shade val="50000"/>
-            </a:schemeClr>
-          </a:lnRef>
-          <a:fillRef idx="1">
-            <a:schemeClr val="accent1"/>
-          </a:fillRef>
-          <a:effectRef idx="0">
-            <a:schemeClr val="accent1"/>
-          </a:effectRef>
-          <a:fontRef idx="minor">
-            <a:schemeClr val="lt1"/>
-          </a:fontRef>
-        </p:style>
-        <p:txBody>
-          <a:bodyPr rtlCol="0" anchor="ctr"/>
-          <a:lstStyle/>
-          <a:p>
-            <a:pPr algn="ctr"/>
-            <a:endParaRPr lang="en-US"/>
-          </a:p>
-        </p:txBody>
-      </p:sp>
-      <p:cxnSp>
-        <p:nvCxnSpPr>
-          <p:cNvPr id="167" name="Straight Arrow Connector 166"/>
-          <p:cNvCxnSpPr/>
-          <p:nvPr/>
-        </p:nvCxnSpPr>
-        <p:spPr>
-          <a:xfrm>
-            <a:off x="8610600" y="3048000"/>
-            <a:ext cx="381000" cy="0"/>
-          </a:xfrm>
-          <a:prstGeom prst="straightConnector1">
-            <a:avLst/>
-          </a:prstGeom>
-          <a:ln w="28575">
-            <a:solidFill>
-              <a:srgbClr val="FF0000"/>
-            </a:solidFill>
-            <a:tailEnd type="arrow"/>
-          </a:ln>
-        </p:spPr>
-        <p:style>
-          <a:lnRef idx="1">
-            <a:schemeClr val="accent1"/>
-          </a:lnRef>
-          <a:fillRef idx="0">
-            <a:schemeClr val="accent1"/>
-          </a:fillRef>
-          <a:effectRef idx="0">
-            <a:schemeClr val="accent1"/>
-          </a:effectRef>
-          <a:fontRef idx="minor">
-            <a:schemeClr val="tx1"/>
-          </a:fontRef>
-        </p:style>
-      </p:cxnSp>
-      <p:cxnSp>
-        <p:nvCxnSpPr>
-          <p:cNvPr id="169" name="Straight Arrow Connector 168"/>
-          <p:cNvCxnSpPr/>
-          <p:nvPr/>
-        </p:nvCxnSpPr>
-        <p:spPr>
-          <a:xfrm>
-            <a:off x="152400" y="3048000"/>
-            <a:ext cx="304800" cy="0"/>
-          </a:xfrm>
-          <a:prstGeom prst="straightConnector1">
-            <a:avLst/>
-          </a:prstGeom>
-          <a:ln w="28575">
-            <a:solidFill>
-              <a:srgbClr val="FF0000"/>
-            </a:solidFill>
-            <a:tailEnd type="arrow"/>
-          </a:ln>
-        </p:spPr>
-        <p:style>
-          <a:lnRef idx="1">
-            <a:schemeClr val="accent1"/>
-          </a:lnRef>
-          <a:fillRef idx="0">
-            <a:schemeClr val="accent1"/>
-          </a:fillRef>
-          <a:effectRef idx="0">
-            <a:schemeClr val="accent1"/>
-          </a:effectRef>
-          <a:fontRef idx="minor">
-            <a:schemeClr val="tx1"/>
-          </a:fontRef>
-        </p:style>
-      </p:cxnSp>
-      <p:sp>
-        <p:nvSpPr>
-          <p:cNvPr id="173" name="Rectangle 172"/>
-          <p:cNvSpPr/>
-          <p:nvPr/>
-        </p:nvSpPr>
-        <p:spPr>
-          <a:xfrm>
-            <a:off x="1828800" y="5410200"/>
-            <a:ext cx="1066800" cy="533400"/>
-          </a:xfrm>
-          <a:prstGeom prst="rect">
-            <a:avLst/>
-          </a:prstGeom>
-          <a:noFill/>
-          <a:ln w="50800">
-            <a:solidFill>
-              <a:srgbClr val="FF0000"/>
-            </a:solidFill>
-          </a:ln>
-        </p:spPr>
-        <p:style>
-          <a:lnRef idx="2">
-            <a:schemeClr val="accent1">
-              <a:shade val="50000"/>
-            </a:schemeClr>
-          </a:lnRef>
-          <a:fillRef idx="1">
-            <a:schemeClr val="accent1"/>
-          </a:fillRef>
-          <a:effectRef idx="0">
-            <a:schemeClr val="accent1"/>
-          </a:effectRef>
-          <a:fontRef idx="minor">
-            <a:schemeClr val="lt1"/>
-          </a:fontRef>
-        </p:style>
-        <p:txBody>
-          <a:bodyPr rtlCol="0" anchor="ctr"/>
-          <a:lstStyle/>
-          <a:p>
-            <a:pPr algn="ctr"/>
-            <a:endParaRPr lang="en-US"/>
-          </a:p>
-        </p:txBody>
-      </p:sp>
-      <p:sp>
-        <p:nvSpPr>
-          <p:cNvPr id="174" name="TextBox 173"/>
+          <p:cNvPr id="244" name="TextBox 243"/>
           <p:cNvSpPr txBox="1"/>
           <p:nvPr/>
         </p:nvSpPr>
         <p:spPr>
           <a:xfrm>
-            <a:off x="1905000" y="5486400"/>
+            <a:off x="7315200" y="5841222"/>
             <a:ext cx="928278" cy="369332"/>
           </a:xfrm>
           <a:prstGeom prst="rect">
@@ -21986,7 +22188,7 @@
                   <a:srgbClr val="FFFFFF"/>
                 </a:solidFill>
               </a:rPr>
-              <a:t>Save</a:t>
+              <a:t>Back</a:t>
             </a:r>
             <a:endParaRPr lang="en-US" dirty="0">
               <a:solidFill>
@@ -21998,13 +22200,417 @@
       </p:sp>
       <p:sp>
         <p:nvSpPr>
-          <p:cNvPr id="175" name="TextBox 174"/>
+          <p:cNvPr id="245" name="Rounded Rectangle 244"/>
+          <p:cNvSpPr/>
+          <p:nvPr/>
+        </p:nvSpPr>
+        <p:spPr>
+          <a:xfrm>
+            <a:off x="6248400" y="1447800"/>
+            <a:ext cx="1905000" cy="381000"/>
+          </a:xfrm>
+          <a:prstGeom prst="roundRect">
+            <a:avLst/>
+          </a:prstGeom>
+          <a:solidFill>
+            <a:schemeClr val="bg1">
+              <a:alpha val="60000"/>
+            </a:schemeClr>
+          </a:solidFill>
+          <a:ln>
+            <a:solidFill>
+              <a:schemeClr val="accent1">
+                <a:lumMod val="75000"/>
+              </a:schemeClr>
+            </a:solidFill>
+          </a:ln>
+          <a:effectLst/>
+        </p:spPr>
+        <p:style>
+          <a:lnRef idx="1">
+            <a:schemeClr val="accent1"/>
+          </a:lnRef>
+          <a:fillRef idx="3">
+            <a:schemeClr val="accent1"/>
+          </a:fillRef>
+          <a:effectRef idx="2">
+            <a:schemeClr val="accent1"/>
+          </a:effectRef>
+          <a:fontRef idx="minor">
+            <a:schemeClr val="lt1"/>
+          </a:fontRef>
+        </p:style>
+        <p:txBody>
+          <a:bodyPr rtlCol="0" anchor="ctr"/>
+          <a:lstStyle/>
+          <a:p>
+            <a:pPr algn="ctr"/>
+            <a:endParaRPr lang="en-US"/>
+          </a:p>
+        </p:txBody>
+      </p:sp>
+      <p:sp>
+        <p:nvSpPr>
+          <p:cNvPr id="246" name="TextBox 245"/>
           <p:cNvSpPr txBox="1"/>
           <p:nvPr/>
         </p:nvSpPr>
         <p:spPr>
           <a:xfrm>
-            <a:off x="2971800" y="5486400"/>
+            <a:off x="5029200" y="1447800"/>
+            <a:ext cx="1219200" cy="381000"/>
+          </a:xfrm>
+          <a:prstGeom prst="rect">
+            <a:avLst/>
+          </a:prstGeom>
+          <a:noFill/>
+        </p:spPr>
+        <p:txBody>
+          <a:bodyPr wrap="square" rtlCol="0">
+            <a:spAutoFit/>
+          </a:bodyPr>
+          <a:lstStyle/>
+          <a:p>
+            <a:pPr algn="r"/>
+            <a:r>
+              <a:rPr lang="en-US" dirty="0" smtClean="0">
+                <a:solidFill>
+                  <a:schemeClr val="tx2">
+                    <a:lumMod val="75000"/>
+                  </a:schemeClr>
+                </a:solidFill>
+                <a:latin typeface="Bradley Hand Bold"/>
+                <a:cs typeface="Bradley Hand Bold"/>
+              </a:rPr>
+              <a:t>Username</a:t>
+            </a:r>
+            <a:endParaRPr lang="en-US" dirty="0">
+              <a:solidFill>
+                <a:schemeClr val="tx2">
+                  <a:lumMod val="75000"/>
+                </a:schemeClr>
+              </a:solidFill>
+              <a:latin typeface="Bradley Hand Bold"/>
+              <a:cs typeface="Bradley Hand Bold"/>
+            </a:endParaRPr>
+          </a:p>
+        </p:txBody>
+      </p:sp>
+      <p:sp>
+        <p:nvSpPr>
+          <p:cNvPr id="247" name="Rectangle 246"/>
+          <p:cNvSpPr/>
+          <p:nvPr/>
+        </p:nvSpPr>
+        <p:spPr>
+          <a:xfrm>
+            <a:off x="6248400" y="304800"/>
+            <a:ext cx="990600" cy="914400"/>
+          </a:xfrm>
+          <a:prstGeom prst="rect">
+            <a:avLst/>
+          </a:prstGeom>
+          <a:blipFill>
+            <a:blip r:embed="rId2"/>
+            <a:stretch>
+              <a:fillRect/>
+            </a:stretch>
+          </a:blipFill>
+        </p:spPr>
+        <p:style>
+          <a:lnRef idx="2">
+            <a:schemeClr val="accent1">
+              <a:shade val="50000"/>
+            </a:schemeClr>
+          </a:lnRef>
+          <a:fillRef idx="1">
+            <a:schemeClr val="accent1"/>
+          </a:fillRef>
+          <a:effectRef idx="0">
+            <a:schemeClr val="accent1"/>
+          </a:effectRef>
+          <a:fontRef idx="minor">
+            <a:schemeClr val="lt1"/>
+          </a:fontRef>
+        </p:style>
+        <p:txBody>
+          <a:bodyPr rtlCol="0" anchor="ctr"/>
+          <a:lstStyle/>
+          <a:p>
+            <a:pPr algn="ctr"/>
+            <a:endParaRPr lang="en-US"/>
+          </a:p>
+        </p:txBody>
+      </p:sp>
+      <p:sp>
+        <p:nvSpPr>
+          <p:cNvPr id="248" name="TextBox 247"/>
+          <p:cNvSpPr txBox="1"/>
+          <p:nvPr/>
+        </p:nvSpPr>
+        <p:spPr>
+          <a:xfrm>
+            <a:off x="6248400" y="2057400"/>
+            <a:ext cx="1905000" cy="338554"/>
+          </a:xfrm>
+          <a:prstGeom prst="rect">
+            <a:avLst/>
+          </a:prstGeom>
+          <a:noFill/>
+        </p:spPr>
+        <p:txBody>
+          <a:bodyPr wrap="square" rtlCol="0">
+            <a:spAutoFit/>
+          </a:bodyPr>
+          <a:lstStyle/>
+          <a:p>
+            <a:r>
+              <a:rPr lang="en-US" sz="1600" dirty="0" smtClean="0"/>
+              <a:t>o.darcie@gmail.com</a:t>
+            </a:r>
+            <a:endParaRPr lang="en-US" sz="1600" dirty="0"/>
+          </a:p>
+        </p:txBody>
+      </p:sp>
+      <p:sp>
+        <p:nvSpPr>
+          <p:cNvPr id="249" name="TextBox 248"/>
+          <p:cNvSpPr txBox="1"/>
+          <p:nvPr/>
+        </p:nvSpPr>
+        <p:spPr>
+          <a:xfrm>
+            <a:off x="6248400" y="4495800"/>
+            <a:ext cx="1828800" cy="584776"/>
+          </a:xfrm>
+          <a:prstGeom prst="rect">
+            <a:avLst/>
+          </a:prstGeom>
+          <a:noFill/>
+        </p:spPr>
+        <p:txBody>
+          <a:bodyPr wrap="square" rtlCol="0">
+            <a:spAutoFit/>
+          </a:bodyPr>
+          <a:lstStyle/>
+          <a:p>
+            <a:r>
+              <a:rPr lang="en-US" sz="1600" dirty="0" smtClean="0"/>
+              <a:t>Hi I’m Darcie! Study with me :)</a:t>
+            </a:r>
+            <a:endParaRPr lang="en-US" sz="1600" dirty="0"/>
+          </a:p>
+        </p:txBody>
+      </p:sp>
+      <p:sp>
+        <p:nvSpPr>
+          <p:cNvPr id="250" name="TextBox 249"/>
+          <p:cNvSpPr txBox="1"/>
+          <p:nvPr/>
+        </p:nvSpPr>
+        <p:spPr>
+          <a:xfrm>
+            <a:off x="6248400" y="3886200"/>
+            <a:ext cx="1828800" cy="338554"/>
+          </a:xfrm>
+          <a:prstGeom prst="rect">
+            <a:avLst/>
+          </a:prstGeom>
+          <a:noFill/>
+        </p:spPr>
+        <p:txBody>
+          <a:bodyPr wrap="square" rtlCol="0">
+            <a:spAutoFit/>
+          </a:bodyPr>
+          <a:lstStyle/>
+          <a:p>
+            <a:r>
+              <a:rPr lang="en-US" sz="1600" dirty="0" smtClean="0"/>
+              <a:t>Darcie Odom</a:t>
+            </a:r>
+            <a:endParaRPr lang="en-US" sz="1600" dirty="0"/>
+          </a:p>
+        </p:txBody>
+      </p:sp>
+      <p:sp>
+        <p:nvSpPr>
+          <p:cNvPr id="251" name="TextBox 250"/>
+          <p:cNvSpPr txBox="1"/>
+          <p:nvPr/>
+        </p:nvSpPr>
+        <p:spPr>
+          <a:xfrm>
+            <a:off x="6248400" y="3352800"/>
+            <a:ext cx="1828800" cy="338554"/>
+          </a:xfrm>
+          <a:prstGeom prst="rect">
+            <a:avLst/>
+          </a:prstGeom>
+          <a:noFill/>
+        </p:spPr>
+        <p:txBody>
+          <a:bodyPr wrap="square" rtlCol="0">
+            <a:spAutoFit/>
+          </a:bodyPr>
+          <a:lstStyle/>
+          <a:p>
+            <a:r>
+              <a:rPr lang="en-US" sz="1600" dirty="0" smtClean="0"/>
+              <a:t>**********</a:t>
+            </a:r>
+            <a:endParaRPr lang="en-US" sz="1600" dirty="0"/>
+          </a:p>
+        </p:txBody>
+      </p:sp>
+      <p:sp>
+        <p:nvSpPr>
+          <p:cNvPr id="252" name="TextBox 251"/>
+          <p:cNvSpPr txBox="1"/>
+          <p:nvPr/>
+        </p:nvSpPr>
+        <p:spPr>
+          <a:xfrm>
+            <a:off x="6248400" y="2743200"/>
+            <a:ext cx="1828800" cy="338554"/>
+          </a:xfrm>
+          <a:prstGeom prst="rect">
+            <a:avLst/>
+          </a:prstGeom>
+          <a:noFill/>
+        </p:spPr>
+        <p:txBody>
+          <a:bodyPr wrap="square" rtlCol="0">
+            <a:spAutoFit/>
+          </a:bodyPr>
+          <a:lstStyle/>
+          <a:p>
+            <a:r>
+              <a:rPr lang="en-US" sz="1600" dirty="0" smtClean="0"/>
+              <a:t>**********</a:t>
+            </a:r>
+            <a:endParaRPr lang="en-US" sz="1600" dirty="0"/>
+          </a:p>
+        </p:txBody>
+      </p:sp>
+      <p:sp>
+        <p:nvSpPr>
+          <p:cNvPr id="253" name="TextBox 252"/>
+          <p:cNvSpPr txBox="1"/>
+          <p:nvPr/>
+        </p:nvSpPr>
+        <p:spPr>
+          <a:xfrm>
+            <a:off x="6248400" y="1447800"/>
+            <a:ext cx="1828800" cy="338554"/>
+          </a:xfrm>
+          <a:prstGeom prst="rect">
+            <a:avLst/>
+          </a:prstGeom>
+          <a:noFill/>
+        </p:spPr>
+        <p:txBody>
+          <a:bodyPr wrap="square" rtlCol="0">
+            <a:spAutoFit/>
+          </a:bodyPr>
+          <a:lstStyle/>
+          <a:p>
+            <a:r>
+              <a:rPr lang="en-US" sz="1600" dirty="0" smtClean="0"/>
+              <a:t>darcieo</a:t>
+            </a:r>
+            <a:endParaRPr lang="en-US" sz="1600" dirty="0"/>
+          </a:p>
+        </p:txBody>
+      </p:sp>
+      <p:sp>
+        <p:nvSpPr>
+          <p:cNvPr id="255" name="Rectangle 254"/>
+          <p:cNvSpPr/>
+          <p:nvPr/>
+        </p:nvSpPr>
+        <p:spPr>
+          <a:xfrm>
+            <a:off x="5181600" y="1371600"/>
+            <a:ext cx="2971800" cy="2819400"/>
+          </a:xfrm>
+          <a:prstGeom prst="rect">
+            <a:avLst/>
+          </a:prstGeom>
+          <a:solidFill>
+            <a:schemeClr val="accent1"/>
+          </a:solidFill>
+        </p:spPr>
+        <p:style>
+          <a:lnRef idx="1">
+            <a:schemeClr val="accent1"/>
+          </a:lnRef>
+          <a:fillRef idx="3">
+            <a:schemeClr val="accent1"/>
+          </a:fillRef>
+          <a:effectRef idx="2">
+            <a:schemeClr val="accent1"/>
+          </a:effectRef>
+          <a:fontRef idx="minor">
+            <a:schemeClr val="lt1"/>
+          </a:fontRef>
+        </p:style>
+        <p:txBody>
+          <a:bodyPr rtlCol="0" anchor="ctr"/>
+          <a:lstStyle/>
+          <a:p>
+            <a:pPr algn="ctr"/>
+            <a:endParaRPr lang="en-US"/>
+          </a:p>
+        </p:txBody>
+      </p:sp>
+      <p:sp>
+        <p:nvSpPr>
+          <p:cNvPr id="256" name="TextBox 255"/>
+          <p:cNvSpPr txBox="1"/>
+          <p:nvPr/>
+        </p:nvSpPr>
+        <p:spPr>
+          <a:xfrm>
+            <a:off x="5486400" y="1676400"/>
+            <a:ext cx="2362200" cy="1200329"/>
+          </a:xfrm>
+          <a:prstGeom prst="rect">
+            <a:avLst/>
+          </a:prstGeom>
+          <a:noFill/>
+        </p:spPr>
+        <p:txBody>
+          <a:bodyPr wrap="square" rtlCol="0">
+            <a:spAutoFit/>
+          </a:bodyPr>
+          <a:lstStyle/>
+          <a:p>
+            <a:pPr algn="ctr"/>
+            <a:r>
+              <a:rPr lang="en-US" dirty="0" smtClean="0">
+                <a:solidFill>
+                  <a:srgbClr val="FFFFFF"/>
+                </a:solidFill>
+              </a:rPr>
+              <a:t>Thanks for creating a StudyBear account! Please check email for verification link.</a:t>
+            </a:r>
+            <a:endParaRPr lang="en-US" dirty="0">
+              <a:solidFill>
+                <a:srgbClr val="FFFFFF"/>
+              </a:solidFill>
+            </a:endParaRPr>
+          </a:p>
+        </p:txBody>
+      </p:sp>
+      <p:sp>
+        <p:nvSpPr>
+          <p:cNvPr id="257" name="TextBox 256"/>
+          <p:cNvSpPr txBox="1"/>
+          <p:nvPr/>
+        </p:nvSpPr>
+        <p:spPr>
+          <a:xfrm>
+            <a:off x="6248400" y="3048000"/>
             <a:ext cx="928278" cy="369332"/>
           </a:xfrm>
           <a:prstGeom prst="rect">
@@ -22036,113 +22642,54 @@
                   <a:srgbClr val="FFFFFF"/>
                 </a:solidFill>
               </a:rPr>
-              <a:t>Back</a:t>
-            </a:r>
-            <a:endParaRPr lang="en-US" dirty="0">
-              <a:solidFill>
-                <a:srgbClr val="FFFFFF"/>
-              </a:solidFill>
-            </a:endParaRPr>
-          </a:p>
-        </p:txBody>
-      </p:sp>
-      <p:sp>
-        <p:nvSpPr>
-          <p:cNvPr id="176" name="TextBox 175"/>
-          <p:cNvSpPr txBox="1"/>
-          <p:nvPr/>
-        </p:nvSpPr>
-        <p:spPr>
-          <a:xfrm>
-            <a:off x="6324600" y="5486400"/>
-            <a:ext cx="928278" cy="369332"/>
-          </a:xfrm>
-          <a:prstGeom prst="rect">
-            <a:avLst/>
-          </a:prstGeom>
-          <a:solidFill>
-            <a:schemeClr val="accent1">
-              <a:lumMod val="75000"/>
-            </a:schemeClr>
-          </a:solidFill>
-          <a:ln>
+              <a:t>OK</a:t>
+            </a:r>
+          </a:p>
+        </p:txBody>
+      </p:sp>
+      <p:sp>
+        <p:nvSpPr>
+          <p:cNvPr id="258" name="Rectangle 257"/>
+          <p:cNvSpPr/>
+          <p:nvPr/>
+        </p:nvSpPr>
+        <p:spPr>
+          <a:xfrm>
+            <a:off x="6172200" y="2971800"/>
+            <a:ext cx="1066800" cy="533400"/>
+          </a:xfrm>
+          <a:prstGeom prst="rect">
+            <a:avLst/>
+          </a:prstGeom>
+          <a:noFill/>
+          <a:ln w="50800">
             <a:solidFill>
-              <a:schemeClr val="accent1">
-                <a:lumMod val="75000"/>
-              </a:schemeClr>
+              <a:srgbClr val="FF0000"/>
             </a:solidFill>
           </a:ln>
         </p:spPr>
-        <p:txBody>
-          <a:bodyPr wrap="square" rtlCol="0">
-            <a:spAutoFit/>
-          </a:bodyPr>
-          <a:lstStyle/>
-          <a:p>
-            <a:pPr algn="ctr"/>
-            <a:r>
-              <a:rPr lang="en-US" dirty="0" smtClean="0">
-                <a:solidFill>
-                  <a:srgbClr val="FFFFFF"/>
-                </a:solidFill>
-              </a:rPr>
-              <a:t>Save</a:t>
-            </a:r>
-            <a:endParaRPr lang="en-US" dirty="0">
-              <a:solidFill>
-                <a:srgbClr val="FFFFFF"/>
-              </a:solidFill>
-            </a:endParaRPr>
-          </a:p>
-        </p:txBody>
-      </p:sp>
-      <p:sp>
-        <p:nvSpPr>
-          <p:cNvPr id="177" name="TextBox 176"/>
-          <p:cNvSpPr txBox="1"/>
-          <p:nvPr/>
-        </p:nvSpPr>
-        <p:spPr>
-          <a:xfrm>
-            <a:off x="7391400" y="5486400"/>
-            <a:ext cx="928278" cy="369332"/>
-          </a:xfrm>
-          <a:prstGeom prst="rect">
-            <a:avLst/>
-          </a:prstGeom>
-          <a:solidFill>
+        <p:style>
+          <a:lnRef idx="2">
             <a:schemeClr val="accent1">
-              <a:lumMod val="75000"/>
+              <a:shade val="50000"/>
             </a:schemeClr>
-          </a:solidFill>
-          <a:ln>
-            <a:solidFill>
-              <a:schemeClr val="accent1">
-                <a:lumMod val="75000"/>
-              </a:schemeClr>
-            </a:solidFill>
-          </a:ln>
-        </p:spPr>
-        <p:txBody>
-          <a:bodyPr wrap="square" rtlCol="0">
-            <a:spAutoFit/>
-          </a:bodyPr>
-          <a:lstStyle/>
-          <a:p>
-            <a:pPr algn="ctr"/>
-            <a:r>
-              <a:rPr lang="en-US" dirty="0" smtClean="0">
-                <a:solidFill>
-                  <a:srgbClr val="FFFFFF"/>
-                </a:solidFill>
-              </a:rPr>
-              <a:t>Back</a:t>
-            </a:r>
-            <a:endParaRPr lang="en-US" dirty="0">
-              <a:solidFill>
-                <a:srgbClr val="FFFFFF"/>
-              </a:solidFill>
-            </a:endParaRPr>
+          </a:lnRef>
+          <a:fillRef idx="1">
+            <a:schemeClr val="accent1"/>
+          </a:fillRef>
+          <a:effectRef idx="0">
+            <a:schemeClr val="accent1"/>
+          </a:effectRef>
+          <a:fontRef idx="minor">
+            <a:schemeClr val="lt1"/>
+          </a:fontRef>
+        </p:style>
+        <p:txBody>
+          <a:bodyPr rtlCol="0" anchor="ctr"/>
+          <a:lstStyle/>
+          <a:p>
+            <a:pPr algn="ctr"/>
+            <a:endParaRPr lang="en-US"/>
           </a:p>
         </p:txBody>
       </p:sp>
@@ -22440,7 +22987,7 @@
                 <a:latin typeface="Bradley Hand Bold"/>
                 <a:cs typeface="Bradley Hand Bold"/>
               </a:rPr>
-              <a:t>Email</a:t>
+              <a:t>Username</a:t>
             </a:r>
             <a:endParaRPr lang="en-US" dirty="0">
               <a:solidFill>
@@ -23012,53 +23559,6 @@
       </p:sp>
       <p:sp>
         <p:nvSpPr>
-          <p:cNvPr id="25" name="TextBox 24"/>
-          <p:cNvSpPr txBox="1"/>
-          <p:nvPr/>
-        </p:nvSpPr>
-        <p:spPr>
-          <a:xfrm>
-            <a:off x="5029200" y="3886200"/>
-            <a:ext cx="1219200" cy="381000"/>
-          </a:xfrm>
-          <a:prstGeom prst="rect">
-            <a:avLst/>
-          </a:prstGeom>
-          <a:noFill/>
-        </p:spPr>
-        <p:txBody>
-          <a:bodyPr wrap="square" rtlCol="0">
-            <a:spAutoFit/>
-          </a:bodyPr>
-          <a:lstStyle/>
-          <a:p>
-            <a:pPr algn="r"/>
-            <a:r>
-              <a:rPr lang="en-US" dirty="0" smtClean="0">
-                <a:solidFill>
-                  <a:schemeClr val="tx2">
-                    <a:lumMod val="75000"/>
-                  </a:schemeClr>
-                </a:solidFill>
-                <a:latin typeface="Bradley Hand Bold"/>
-                <a:cs typeface="Bradley Hand Bold"/>
-              </a:rPr>
-              <a:t>Email</a:t>
-            </a:r>
-            <a:endParaRPr lang="en-US" dirty="0">
-              <a:solidFill>
-                <a:schemeClr val="tx2">
-                  <a:lumMod val="75000"/>
-                </a:schemeClr>
-              </a:solidFill>
-              <a:latin typeface="Bradley Hand Bold"/>
-              <a:cs typeface="Bradley Hand Bold"/>
-            </a:endParaRPr>
-          </a:p>
-        </p:txBody>
-      </p:sp>
-      <p:sp>
-        <p:nvSpPr>
           <p:cNvPr id="26" name="TextBox 25"/>
           <p:cNvSpPr txBox="1"/>
           <p:nvPr/>
@@ -23275,13 +23775,156 @@
       </p:sp>
       <p:sp>
         <p:nvSpPr>
-          <p:cNvPr id="31" name="Rectangle 30"/>
+          <p:cNvPr id="41" name="TextBox 40"/>
+          <p:cNvSpPr txBox="1"/>
+          <p:nvPr/>
+        </p:nvSpPr>
+        <p:spPr>
+          <a:xfrm>
+            <a:off x="1828800" y="3886200"/>
+            <a:ext cx="1905000" cy="338554"/>
+          </a:xfrm>
+          <a:prstGeom prst="rect">
+            <a:avLst/>
+          </a:prstGeom>
+          <a:noFill/>
+        </p:spPr>
+        <p:txBody>
+          <a:bodyPr wrap="square" rtlCol="0">
+            <a:spAutoFit/>
+          </a:bodyPr>
+          <a:lstStyle/>
+          <a:p>
+            <a:r>
+              <a:rPr lang="en-US" sz="1600" dirty="0" smtClean="0"/>
+              <a:t>darcieo</a:t>
+            </a:r>
+            <a:endParaRPr lang="en-US" sz="1600" dirty="0"/>
+          </a:p>
+        </p:txBody>
+      </p:sp>
+      <p:sp>
+        <p:nvSpPr>
+          <p:cNvPr id="42" name="TextBox 41"/>
+          <p:cNvSpPr txBox="1"/>
+          <p:nvPr/>
+        </p:nvSpPr>
+        <p:spPr>
+          <a:xfrm>
+            <a:off x="1828800" y="4495800"/>
+            <a:ext cx="1828800" cy="338554"/>
+          </a:xfrm>
+          <a:prstGeom prst="rect">
+            <a:avLst/>
+          </a:prstGeom>
+          <a:noFill/>
+        </p:spPr>
+        <p:txBody>
+          <a:bodyPr wrap="square" rtlCol="0">
+            <a:spAutoFit/>
+          </a:bodyPr>
+          <a:lstStyle/>
+          <a:p>
+            <a:r>
+              <a:rPr lang="en-US" sz="1600" dirty="0" smtClean="0"/>
+              <a:t>**********</a:t>
+            </a:r>
+            <a:endParaRPr lang="en-US" sz="1600" dirty="0"/>
+          </a:p>
+        </p:txBody>
+      </p:sp>
+      <p:cxnSp>
+        <p:nvCxnSpPr>
+          <p:cNvPr id="43" name="Straight Arrow Connector 42"/>
+          <p:cNvCxnSpPr/>
+          <p:nvPr/>
+        </p:nvCxnSpPr>
+        <p:spPr>
+          <a:xfrm>
+            <a:off x="8610600" y="3048000"/>
+            <a:ext cx="381000" cy="0"/>
+          </a:xfrm>
+          <a:prstGeom prst="straightConnector1">
+            <a:avLst/>
+          </a:prstGeom>
+          <a:ln w="28575">
+            <a:solidFill>
+              <a:srgbClr val="FF0000"/>
+            </a:solidFill>
+            <a:tailEnd type="arrow"/>
+          </a:ln>
+        </p:spPr>
+        <p:style>
+          <a:lnRef idx="1">
+            <a:schemeClr val="accent1"/>
+          </a:lnRef>
+          <a:fillRef idx="0">
+            <a:schemeClr val="accent1"/>
+          </a:fillRef>
+          <a:effectRef idx="0">
+            <a:schemeClr val="accent1"/>
+          </a:effectRef>
+          <a:fontRef idx="minor">
+            <a:schemeClr val="tx1"/>
+          </a:fontRef>
+        </p:style>
+      </p:cxnSp>
+      <p:sp>
+        <p:nvSpPr>
+          <p:cNvPr id="33" name="TextBox 32"/>
+          <p:cNvSpPr txBox="1"/>
+          <p:nvPr/>
+        </p:nvSpPr>
+        <p:spPr>
+          <a:xfrm>
+            <a:off x="5029200" y="3886200"/>
+            <a:ext cx="1219200" cy="381000"/>
+          </a:xfrm>
+          <a:prstGeom prst="rect">
+            <a:avLst/>
+          </a:prstGeom>
+          <a:noFill/>
+        </p:spPr>
+        <p:txBody>
+          <a:bodyPr wrap="square" rtlCol="0">
+            <a:spAutoFit/>
+          </a:bodyPr>
+          <a:lstStyle/>
+          <a:p>
+            <a:pPr algn="r"/>
+            <a:r>
+              <a:rPr lang="en-US" dirty="0" smtClean="0">
+                <a:solidFill>
+                  <a:schemeClr val="tx2">
+                    <a:lumMod val="75000"/>
+                  </a:schemeClr>
+                </a:solidFill>
+                <a:latin typeface="Bradley Hand Bold"/>
+                <a:cs typeface="Bradley Hand Bold"/>
+              </a:rPr>
+              <a:t>Username</a:t>
+            </a:r>
+            <a:endParaRPr lang="en-US" dirty="0">
+              <a:solidFill>
+                <a:schemeClr val="tx2">
+                  <a:lumMod val="75000"/>
+                </a:schemeClr>
+              </a:solidFill>
+              <a:latin typeface="Bradley Hand Bold"/>
+              <a:cs typeface="Bradley Hand Bold"/>
+            </a:endParaRPr>
+          </a:p>
+        </p:txBody>
+      </p:sp>
+      <p:sp>
+        <p:nvSpPr>
+          <p:cNvPr id="34" name="Rectangle 33"/>
           <p:cNvSpPr/>
           <p:nvPr/>
         </p:nvSpPr>
         <p:spPr>
           <a:xfrm>
-            <a:off x="5257800" y="1752600"/>
+            <a:off x="5257800" y="1905000"/>
             <a:ext cx="2971800" cy="2819400"/>
           </a:xfrm>
           <a:prstGeom prst="rect">
@@ -23316,7 +23959,7 @@
       </p:sp>
       <p:sp>
         <p:nvSpPr>
-          <p:cNvPr id="32" name="TextBox 31"/>
+          <p:cNvPr id="35" name="TextBox 34"/>
           <p:cNvSpPr txBox="1"/>
           <p:nvPr/>
         </p:nvSpPr>
@@ -23343,7 +23986,23 @@
                   <a:srgbClr val="FFFFFF"/>
                 </a:solidFill>
               </a:rPr>
-              <a:t>Your account has not been verified. Please check email for verification link </a:t>
+              <a:t>Your account has not been verified. Please </a:t>
+            </a:r>
+            <a:r>
+              <a:rPr lang="en-US" dirty="0" smtClean="0">
+                <a:solidFill>
+                  <a:srgbClr val="FFFFFF"/>
+                </a:solidFill>
+              </a:rPr>
+              <a:t>check </a:t>
+            </a:r>
+            <a:r>
+              <a:rPr lang="en-US" dirty="0" smtClean="0">
+                <a:solidFill>
+                  <a:srgbClr val="FFFFFF"/>
+                </a:solidFill>
+              </a:rPr>
+              <a:t>email for verification link </a:t>
             </a:r>
             <a:r>
               <a:rPr lang="en-US" dirty="0" smtClean="0">
@@ -23371,7 +24030,7 @@
       </p:sp>
       <p:sp>
         <p:nvSpPr>
-          <p:cNvPr id="39" name="TextBox 38"/>
+          <p:cNvPr id="36" name="TextBox 35"/>
           <p:cNvSpPr txBox="1"/>
           <p:nvPr/>
         </p:nvSpPr>
@@ -23416,7 +24075,7 @@
       </p:sp>
       <p:sp>
         <p:nvSpPr>
-          <p:cNvPr id="40" name="Rectangle 39"/>
+          <p:cNvPr id="37" name="Rectangle 36"/>
           <p:cNvSpPr/>
           <p:nvPr/>
         </p:nvSpPr>
@@ -23460,102 +24119,6 @@
           </a:p>
         </p:txBody>
       </p:sp>
-      <p:sp>
-        <p:nvSpPr>
-          <p:cNvPr id="41" name="TextBox 40"/>
-          <p:cNvSpPr txBox="1"/>
-          <p:nvPr/>
-        </p:nvSpPr>
-        <p:spPr>
-          <a:xfrm>
-            <a:off x="1828800" y="3886200"/>
-            <a:ext cx="1905000" cy="338554"/>
-          </a:xfrm>
-          <a:prstGeom prst="rect">
-            <a:avLst/>
-          </a:prstGeom>
-          <a:noFill/>
-        </p:spPr>
-        <p:txBody>
-          <a:bodyPr wrap="square" rtlCol="0">
-            <a:spAutoFit/>
-          </a:bodyPr>
-          <a:lstStyle/>
-          <a:p>
-            <a:r>
-              <a:rPr lang="en-US" sz="1600" dirty="0" smtClean="0"/>
-              <a:t>dodom2@gru.edu</a:t>
-            </a:r>
-            <a:endParaRPr lang="en-US" sz="1600" dirty="0"/>
-          </a:p>
-        </p:txBody>
-      </p:sp>
-      <p:sp>
-        <p:nvSpPr>
-          <p:cNvPr id="42" name="TextBox 41"/>
-          <p:cNvSpPr txBox="1"/>
-          <p:nvPr/>
-        </p:nvSpPr>
-        <p:spPr>
-          <a:xfrm>
-            <a:off x="1828800" y="4495800"/>
-            <a:ext cx="1828800" cy="338554"/>
-          </a:xfrm>
-          <a:prstGeom prst="rect">
-            <a:avLst/>
-          </a:prstGeom>
-          <a:noFill/>
-        </p:spPr>
-        <p:txBody>
-          <a:bodyPr wrap="square" rtlCol="0">
-            <a:spAutoFit/>
-          </a:bodyPr>
-          <a:lstStyle/>
-          <a:p>
-            <a:r>
-              <a:rPr lang="en-US" sz="1600" dirty="0" smtClean="0"/>
-              <a:t>**********</a:t>
-            </a:r>
-            <a:endParaRPr lang="en-US" sz="1600" dirty="0"/>
-          </a:p>
-        </p:txBody>
-      </p:sp>
-      <p:cxnSp>
-        <p:nvCxnSpPr>
-          <p:cNvPr id="43" name="Straight Arrow Connector 42"/>
-          <p:cNvCxnSpPr/>
-          <p:nvPr/>
-        </p:nvCxnSpPr>
-        <p:spPr>
-          <a:xfrm>
-            <a:off x="8610600" y="3048000"/>
-            <a:ext cx="381000" cy="0"/>
-          </a:xfrm>
-          <a:prstGeom prst="straightConnector1">
-            <a:avLst/>
-          </a:prstGeom>
-          <a:ln w="28575">
-            <a:solidFill>
-              <a:srgbClr val="FF0000"/>
-            </a:solidFill>
-            <a:tailEnd type="arrow"/>
-          </a:ln>
-        </p:spPr>
-        <p:style>
-          <a:lnRef idx="1">
-            <a:schemeClr val="accent1"/>
-          </a:lnRef>
-          <a:fillRef idx="0">
-            <a:schemeClr val="accent1"/>
-          </a:fillRef>
-          <a:effectRef idx="0">
-            <a:schemeClr val="accent1"/>
-          </a:effectRef>
-          <a:fontRef idx="minor">
-            <a:schemeClr val="tx1"/>
-          </a:fontRef>
-        </p:style>
-      </p:cxnSp>
     </p:spTree>
     <p:extLst>
       <p:ext uri="{BB962C8B-B14F-4D97-AF65-F5344CB8AC3E}">
@@ -23850,7 +24413,7 @@
                 <a:latin typeface="Bradley Hand Bold"/>
                 <a:cs typeface="Bradley Hand Bold"/>
               </a:rPr>
-              <a:t>Email</a:t>
+              <a:t>Username</a:t>
             </a:r>
             <a:endParaRPr lang="en-US" dirty="0">
               <a:solidFill>
@@ -24213,7 +24776,7 @@
           <a:p>
             <a:r>
               <a:rPr lang="en-US" sz="1600" dirty="0" smtClean="0"/>
-              <a:t>dodom2@gru.edu</a:t>
+              <a:t>darcieo</a:t>
             </a:r>
             <a:endParaRPr lang="en-US" sz="1600" dirty="0"/>
           </a:p>
@@ -24449,7 +25012,7 @@
         </p:nvSpPr>
         <p:spPr>
           <a:xfrm>
-            <a:off x="5257800" y="3810000"/>
+            <a:off x="5257800" y="3962400"/>
             <a:ext cx="1905000" cy="338554"/>
           </a:xfrm>
           <a:prstGeom prst="rect">
@@ -24603,6 +25166,7 @@
               <a:rPr lang="en-US" sz="2200" dirty="0" smtClean="0"/>
               <a:t>Darcie Odom</a:t>
             </a:r>
+            <a:endParaRPr lang="en-US" sz="2200" dirty="0" smtClean="0"/>
           </a:p>
           <a:p>
             <a:r>
@@ -25406,7 +25970,7 @@
         <p:spPr>
           <a:xfrm>
             <a:off x="533400" y="6019800"/>
-            <a:ext cx="3581400" cy="369332"/>
+            <a:ext cx="3581400" cy="646331"/>
           </a:xfrm>
           <a:prstGeom prst="rect">
             <a:avLst/>
@@ -25426,7 +25990,31 @@
                   <a:srgbClr val="FF0000"/>
                 </a:solidFill>
               </a:rPr>
-              <a:t>Login with invalid email/password</a:t>
+              <a:t>Login with invalid </a:t>
+            </a:r>
+            <a:r>
+              <a:rPr lang="en-US" b="1" dirty="0" smtClean="0">
+                <a:solidFill>
+                  <a:srgbClr val="FF0000"/>
+                </a:solidFill>
+              </a:rPr>
+              <a:t>username</a:t>
+            </a:r>
+            <a:r>
+              <a:rPr lang="en-US" b="1" dirty="0" smtClean="0">
+                <a:solidFill>
+                  <a:srgbClr val="FF0000"/>
+                </a:solidFill>
+              </a:rPr>
+              <a:t>/</a:t>
+            </a:r>
+            <a:r>
+              <a:rPr lang="en-US" b="1" dirty="0" smtClean="0">
+                <a:solidFill>
+                  <a:srgbClr val="FF0000"/>
+                </a:solidFill>
+              </a:rPr>
+              <a:t>password</a:t>
             </a:r>
             <a:endParaRPr lang="en-US" b="1" dirty="0">
               <a:solidFill>
@@ -26062,7 +26650,7 @@
         <p:spPr>
           <a:xfrm>
             <a:off x="5638800" y="2057400"/>
-            <a:ext cx="2209800" cy="923330"/>
+            <a:ext cx="2209800" cy="1200329"/>
           </a:xfrm>
           <a:prstGeom prst="rect">
             <a:avLst/>
@@ -26082,7 +26670,15 @@
                   <a:srgbClr val="FFFFFF"/>
                 </a:solidFill>
               </a:rPr>
-              <a:t>Email and password do not match. Please try again</a:t>
+              <a:t>Username </a:t>
+            </a:r>
+            <a:r>
+              <a:rPr lang="en-US" dirty="0" smtClean="0">
+                <a:solidFill>
+                  <a:srgbClr val="FFFFFF"/>
+                </a:solidFill>
+              </a:rPr>
+              <a:t>and password do not match. Please try again</a:t>
             </a:r>
             <a:endParaRPr lang="en-US" dirty="0">
               <a:solidFill>
@@ -26100,7 +26696,7 @@
         </p:nvSpPr>
         <p:spPr>
           <a:xfrm>
-            <a:off x="6248400" y="3276600"/>
+            <a:off x="6248400" y="3429000"/>
             <a:ext cx="928278" cy="369332"/>
           </a:xfrm>
           <a:prstGeom prst="rect">
@@ -26145,7 +26741,7 @@
         </p:nvSpPr>
         <p:spPr>
           <a:xfrm>
-            <a:off x="6172200" y="3200400"/>
+            <a:off x="6172200" y="3352800"/>
             <a:ext cx="1066800" cy="533400"/>
           </a:xfrm>
           <a:prstGeom prst="rect">
@@ -26207,7 +26803,7 @@
           <a:p>
             <a:r>
               <a:rPr lang="en-US" sz="1600" dirty="0" smtClean="0"/>
-              <a:t>dodom2@gru.edu</a:t>
+              <a:t>darcieo</a:t>
             </a:r>
             <a:endParaRPr lang="en-US" sz="1600" dirty="0"/>
           </a:p>
@@ -28720,7 +29316,7 @@
         <p:spPr>
           <a:xfrm>
             <a:off x="609600" y="6019800"/>
-            <a:ext cx="3429000" cy="369332"/>
+            <a:ext cx="3429000" cy="646331"/>
           </a:xfrm>
           <a:prstGeom prst="rect">
             <a:avLst/>
@@ -28748,7 +29344,31 @@
                   <a:srgbClr val="FF0000"/>
                 </a:solidFill>
               </a:rPr>
-              <a:t>valid email/password</a:t>
+              <a:t>valid </a:t>
+            </a:r>
+            <a:r>
+              <a:rPr lang="en-US" b="1" dirty="0" smtClean="0">
+                <a:solidFill>
+                  <a:srgbClr val="FF0000"/>
+                </a:solidFill>
+              </a:rPr>
+              <a:t>username</a:t>
+            </a:r>
+            <a:r>
+              <a:rPr lang="en-US" b="1" dirty="0" smtClean="0">
+                <a:solidFill>
+                  <a:srgbClr val="FF0000"/>
+                </a:solidFill>
+              </a:rPr>
+              <a:t>/</a:t>
+            </a:r>
+            <a:r>
+              <a:rPr lang="en-US" b="1" dirty="0" smtClean="0">
+                <a:solidFill>
+                  <a:srgbClr val="FF0000"/>
+                </a:solidFill>
+              </a:rPr>
+              <a:t>password</a:t>
             </a:r>
             <a:endParaRPr lang="en-US" b="1" dirty="0">
               <a:solidFill>
@@ -28782,7 +29402,7 @@
           <a:p>
             <a:r>
               <a:rPr lang="en-US" sz="1600" dirty="0" smtClean="0"/>
-              <a:t>dodom2@gru.edu</a:t>
+              <a:t>darcieo</a:t>
             </a:r>
             <a:endParaRPr lang="en-US" sz="1600" dirty="0"/>
           </a:p>

--- a/docs/mock-ups/Mock-ups.pptx
+++ b/docs/mock-ups/Mock-ups.pptx
@@ -10551,7 +10551,7 @@
         </p:nvSpPr>
         <p:spPr>
           <a:xfrm>
-            <a:off x="5715000" y="2557114"/>
+            <a:off x="5562600" y="2590800"/>
             <a:ext cx="1905000" cy="1024286"/>
           </a:xfrm>
           <a:prstGeom prst="roundRect">
@@ -10602,7 +10602,7 @@
         </p:nvSpPr>
         <p:spPr>
           <a:xfrm>
-            <a:off x="5715000" y="2590800"/>
+            <a:off x="5562600" y="2590800"/>
             <a:ext cx="1828800" cy="1077218"/>
           </a:xfrm>
           <a:prstGeom prst="rect">
@@ -10646,8 +10646,8 @@
         </p:nvSpPr>
         <p:spPr>
           <a:xfrm>
-            <a:off x="7696200" y="3733800"/>
-            <a:ext cx="304800" cy="304800"/>
+            <a:off x="7543800" y="4114800"/>
+            <a:ext cx="381000" cy="381000"/>
           </a:xfrm>
           <a:prstGeom prst="mathPlus">
             <a:avLst/>
@@ -10694,7 +10694,7 @@
         </p:nvSpPr>
         <p:spPr>
           <a:xfrm>
-            <a:off x="5715000" y="3700114"/>
+            <a:off x="5562600" y="4114800"/>
             <a:ext cx="1905000" cy="381000"/>
           </a:xfrm>
           <a:prstGeom prst="roundRect">
@@ -10739,86 +10739,6 @@
       </p:sp>
       <p:sp>
         <p:nvSpPr>
-          <p:cNvPr id="100" name="TextBox 99"/>
-          <p:cNvSpPr txBox="1"/>
-          <p:nvPr/>
-        </p:nvSpPr>
-        <p:spPr>
-          <a:xfrm>
-            <a:off x="5715000" y="3733800"/>
-            <a:ext cx="1828800" cy="338554"/>
-          </a:xfrm>
-          <a:prstGeom prst="rect">
-            <a:avLst/>
-          </a:prstGeom>
-          <a:noFill/>
-        </p:spPr>
-        <p:txBody>
-          <a:bodyPr wrap="square" rtlCol="0">
-            <a:spAutoFit/>
-          </a:bodyPr>
-          <a:lstStyle/>
-          <a:p>
-            <a:r>
-              <a:rPr lang="en-US" sz="1600" dirty="0" smtClean="0"/>
-              <a:t>Username to Block</a:t>
-            </a:r>
-            <a:endParaRPr lang="en-US" sz="1600" dirty="0"/>
-          </a:p>
-        </p:txBody>
-      </p:sp>
-      <p:sp>
-        <p:nvSpPr>
-          <p:cNvPr id="102" name="TextBox 101"/>
-          <p:cNvSpPr txBox="1"/>
-          <p:nvPr/>
-        </p:nvSpPr>
-        <p:spPr>
-          <a:xfrm>
-            <a:off x="5715000" y="4267200"/>
-            <a:ext cx="928278" cy="369332"/>
-          </a:xfrm>
-          <a:prstGeom prst="rect">
-            <a:avLst/>
-          </a:prstGeom>
-          <a:solidFill>
-            <a:schemeClr val="accent1">
-              <a:lumMod val="75000"/>
-            </a:schemeClr>
-          </a:solidFill>
-          <a:ln>
-            <a:solidFill>
-              <a:schemeClr val="accent1">
-                <a:lumMod val="75000"/>
-              </a:schemeClr>
-            </a:solidFill>
-          </a:ln>
-        </p:spPr>
-        <p:txBody>
-          <a:bodyPr wrap="square" rtlCol="0">
-            <a:spAutoFit/>
-          </a:bodyPr>
-          <a:lstStyle/>
-          <a:p>
-            <a:pPr algn="ctr"/>
-            <a:r>
-              <a:rPr lang="en-US" dirty="0" smtClean="0">
-                <a:solidFill>
-                  <a:srgbClr val="FFFFFF"/>
-                </a:solidFill>
-              </a:rPr>
-              <a:t>Save</a:t>
-            </a:r>
-            <a:endParaRPr lang="en-US" dirty="0">
-              <a:solidFill>
-                <a:srgbClr val="FFFFFF"/>
-              </a:solidFill>
-            </a:endParaRPr>
-          </a:p>
-        </p:txBody>
-      </p:sp>
-      <p:sp>
-        <p:nvSpPr>
           <p:cNvPr id="104" name="TextBox 103"/>
           <p:cNvSpPr txBox="1"/>
           <p:nvPr/>
@@ -10826,7 +10746,7 @@
         <p:spPr>
           <a:xfrm>
             <a:off x="4953000" y="533400"/>
-            <a:ext cx="3352800" cy="2154436"/>
+            <a:ext cx="3352800" cy="1908215"/>
           </a:xfrm>
           <a:prstGeom prst="rect">
             <a:avLst/>
@@ -10849,20 +10769,14 @@
           </a:p>
           <a:p>
             <a:r>
-              <a:rPr lang="en-US" sz="1600" dirty="0" smtClean="0"/>
-              <a:t>-To add user to block list, type username into textbox and click the +</a:t>
-            </a:r>
-          </a:p>
-          <a:p>
-            <a:r>
-              <a:rPr lang="en-US" sz="1600" dirty="0" smtClean="0"/>
-              <a:t>-To remove user(s) from block list, click username(s) so username is highlighted, then click the –</a:t>
-            </a:r>
-          </a:p>
-          <a:p>
-            <a:r>
-              <a:rPr lang="en-US" sz="1600" dirty="0" smtClean="0"/>
-              <a:t>-When finished, click Save button</a:t>
+              <a:rPr lang="en-US" sz="1600" dirty="0"/>
+              <a:t>-To add user to block list, type username into textbox then click the +</a:t>
+            </a:r>
+          </a:p>
+          <a:p>
+            <a:r>
+              <a:rPr lang="en-US" sz="1600" dirty="0"/>
+              <a:t>-To remove user(s) from block list, select username(s) from blocked list then click the –</a:t>
             </a:r>
           </a:p>
           <a:p>
@@ -10878,8 +10792,8 @@
         </p:nvSpPr>
         <p:spPr>
           <a:xfrm>
-            <a:off x="7696200" y="2971800"/>
-            <a:ext cx="304800" cy="228600"/>
+            <a:off x="7543800" y="2895600"/>
+            <a:ext cx="381000" cy="381000"/>
           </a:xfrm>
           <a:prstGeom prst="mathMinus">
             <a:avLst/>
@@ -12136,6 +12050,98 @@
           </a:prstGeom>
         </p:spPr>
       </p:pic>
+      <p:sp>
+        <p:nvSpPr>
+          <p:cNvPr id="45" name="TextBox 44"/>
+          <p:cNvSpPr txBox="1"/>
+          <p:nvPr/>
+        </p:nvSpPr>
+        <p:spPr>
+          <a:xfrm>
+            <a:off x="5562600" y="3733800"/>
+            <a:ext cx="2667000" cy="369332"/>
+          </a:xfrm>
+          <a:prstGeom prst="rect">
+            <a:avLst/>
+          </a:prstGeom>
+          <a:noFill/>
+        </p:spPr>
+        <p:txBody>
+          <a:bodyPr wrap="square" rtlCol="0">
+            <a:spAutoFit/>
+          </a:bodyPr>
+          <a:lstStyle/>
+          <a:p>
+            <a:r>
+              <a:rPr lang="en-US" dirty="0" smtClean="0">
+                <a:solidFill>
+                  <a:schemeClr val="tx2">
+                    <a:lumMod val="75000"/>
+                  </a:schemeClr>
+                </a:solidFill>
+                <a:latin typeface="Bradley Hand Bold"/>
+                <a:cs typeface="Bradley Hand Bold"/>
+              </a:rPr>
+              <a:t>Add user to Blocked List</a:t>
+            </a:r>
+            <a:endParaRPr lang="en-US" dirty="0">
+              <a:solidFill>
+                <a:schemeClr val="tx2">
+                  <a:lumMod val="75000"/>
+                </a:schemeClr>
+              </a:solidFill>
+              <a:latin typeface="Bradley Hand Bold"/>
+              <a:cs typeface="Bradley Hand Bold"/>
+            </a:endParaRPr>
+          </a:p>
+        </p:txBody>
+      </p:sp>
+      <p:sp>
+        <p:nvSpPr>
+          <p:cNvPr id="46" name="TextBox 45"/>
+          <p:cNvSpPr txBox="1"/>
+          <p:nvPr/>
+        </p:nvSpPr>
+        <p:spPr>
+          <a:xfrm>
+            <a:off x="5486400" y="2209800"/>
+            <a:ext cx="1981200" cy="369332"/>
+          </a:xfrm>
+          <a:prstGeom prst="rect">
+            <a:avLst/>
+          </a:prstGeom>
+          <a:noFill/>
+        </p:spPr>
+        <p:txBody>
+          <a:bodyPr wrap="square" rtlCol="0">
+            <a:spAutoFit/>
+          </a:bodyPr>
+          <a:lstStyle/>
+          <a:p>
+            <a:r>
+              <a:rPr lang="en-US" dirty="0" smtClean="0">
+                <a:solidFill>
+                  <a:schemeClr val="tx2">
+                    <a:lumMod val="75000"/>
+                  </a:schemeClr>
+                </a:solidFill>
+                <a:latin typeface="Bradley Hand Bold"/>
+                <a:cs typeface="Bradley Hand Bold"/>
+              </a:rPr>
+              <a:t>Blocked List</a:t>
+            </a:r>
+            <a:endParaRPr lang="en-US" dirty="0">
+              <a:solidFill>
+                <a:schemeClr val="tx2">
+                  <a:lumMod val="75000"/>
+                </a:schemeClr>
+              </a:solidFill>
+              <a:latin typeface="Bradley Hand Bold"/>
+              <a:cs typeface="Bradley Hand Bold"/>
+            </a:endParaRPr>
+          </a:p>
+        </p:txBody>
+      </p:sp>
     </p:spTree>
     <p:extLst>
       <p:ext uri="{BB962C8B-B14F-4D97-AF65-F5344CB8AC3E}">
@@ -12174,7 +12180,7 @@
         </p:nvSpPr>
         <p:spPr>
           <a:xfrm>
-            <a:off x="381000" y="5867400"/>
+            <a:off x="533400" y="5867400"/>
             <a:ext cx="3352800" cy="369332"/>
           </a:xfrm>
           <a:prstGeom prst="rect">
@@ -12207,13 +12213,13 @@
       </p:sp>
       <p:sp>
         <p:nvSpPr>
-          <p:cNvPr id="47" name="Rectangle 46"/>
+          <p:cNvPr id="60" name="Rectangle 59"/>
           <p:cNvSpPr/>
           <p:nvPr/>
         </p:nvSpPr>
         <p:spPr>
           <a:xfrm>
-            <a:off x="4953000" y="304800"/>
+            <a:off x="609600" y="304800"/>
             <a:ext cx="3397431" cy="5562600"/>
           </a:xfrm>
           <a:prstGeom prst="rect">
@@ -12260,16 +12266,335 @@
           </a:p>
         </p:txBody>
       </p:sp>
-      <p:sp>
-        <p:nvSpPr>
-          <p:cNvPr id="95" name="Rounded Rectangle 94"/>
+      <p:cxnSp>
+        <p:nvCxnSpPr>
+          <p:cNvPr id="120" name="Straight Arrow Connector 119"/>
+          <p:cNvCxnSpPr/>
+          <p:nvPr/>
+        </p:nvCxnSpPr>
+        <p:spPr>
+          <a:xfrm>
+            <a:off x="4114800" y="3048000"/>
+            <a:ext cx="739685" cy="0"/>
+          </a:xfrm>
+          <a:prstGeom prst="straightConnector1">
+            <a:avLst/>
+          </a:prstGeom>
+          <a:ln w="28575">
+            <a:solidFill>
+              <a:srgbClr val="FF0000"/>
+            </a:solidFill>
+            <a:tailEnd type="arrow"/>
+          </a:ln>
+        </p:spPr>
+        <p:style>
+          <a:lnRef idx="1">
+            <a:schemeClr val="accent1"/>
+          </a:lnRef>
+          <a:fillRef idx="0">
+            <a:schemeClr val="accent1"/>
+          </a:fillRef>
+          <a:effectRef idx="0">
+            <a:schemeClr val="accent1"/>
+          </a:effectRef>
+          <a:fontRef idx="minor">
+            <a:schemeClr val="tx1"/>
+          </a:fontRef>
+        </p:style>
+      </p:cxnSp>
+      <p:sp>
+        <p:nvSpPr>
+          <p:cNvPr id="121" name="Rectangle 120"/>
           <p:cNvSpPr/>
           <p:nvPr/>
         </p:nvSpPr>
         <p:spPr>
           <a:xfrm>
-            <a:off x="5715000" y="2328514"/>
-            <a:ext cx="1905000" cy="1100486"/>
+            <a:off x="609599" y="5257800"/>
+            <a:ext cx="3397431" cy="609600"/>
+          </a:xfrm>
+          <a:prstGeom prst="rect">
+            <a:avLst/>
+          </a:prstGeom>
+        </p:spPr>
+        <p:style>
+          <a:lnRef idx="2">
+            <a:schemeClr val="accent1">
+              <a:shade val="50000"/>
+            </a:schemeClr>
+          </a:lnRef>
+          <a:fillRef idx="1">
+            <a:schemeClr val="accent1"/>
+          </a:fillRef>
+          <a:effectRef idx="0">
+            <a:schemeClr val="accent1"/>
+          </a:effectRef>
+          <a:fontRef idx="minor">
+            <a:schemeClr val="lt1"/>
+          </a:fontRef>
+        </p:style>
+        <p:txBody>
+          <a:bodyPr rtlCol="0" anchor="ctr"/>
+          <a:lstStyle/>
+          <a:p>
+            <a:pPr algn="ctr"/>
+            <a:endParaRPr lang="en-US"/>
+          </a:p>
+        </p:txBody>
+      </p:sp>
+      <p:sp>
+        <p:nvSpPr>
+          <p:cNvPr id="122" name="Rectangle 121"/>
+          <p:cNvSpPr/>
+          <p:nvPr/>
+        </p:nvSpPr>
+        <p:spPr>
+          <a:xfrm>
+            <a:off x="609600" y="5257800"/>
+            <a:ext cx="3397431" cy="609600"/>
+          </a:xfrm>
+          <a:prstGeom prst="rect">
+            <a:avLst/>
+          </a:prstGeom>
+        </p:spPr>
+        <p:style>
+          <a:lnRef idx="2">
+            <a:schemeClr val="accent1">
+              <a:shade val="50000"/>
+            </a:schemeClr>
+          </a:lnRef>
+          <a:fillRef idx="1">
+            <a:schemeClr val="accent1"/>
+          </a:fillRef>
+          <a:effectRef idx="0">
+            <a:schemeClr val="accent1"/>
+          </a:effectRef>
+          <a:fontRef idx="minor">
+            <a:schemeClr val="lt1"/>
+          </a:fontRef>
+        </p:style>
+        <p:txBody>
+          <a:bodyPr rtlCol="0" anchor="ctr"/>
+          <a:lstStyle/>
+          <a:p>
+            <a:pPr algn="ctr"/>
+            <a:endParaRPr lang="en-US"/>
+          </a:p>
+        </p:txBody>
+      </p:sp>
+      <p:pic>
+        <p:nvPicPr>
+          <p:cNvPr id="123" name="Picture 122" descr="chat-4-24.png"/>
+          <p:cNvPicPr>
+            <a:picLocks noChangeAspect="1"/>
+          </p:cNvPicPr>
+          <p:nvPr/>
+        </p:nvPicPr>
+        <p:blipFill>
+          <a:blip r:embed="rId2">
+            <a:extLst>
+              <a:ext uri="{28A0092B-C50C-407E-A947-70E740481C1C}">
+                <a14:useLocalDpi xmlns:a14="http://schemas.microsoft.com/office/drawing/2010/main" val="0"/>
+              </a:ext>
+            </a:extLst>
+          </a:blip>
+          <a:stretch>
+            <a:fillRect/>
+          </a:stretch>
+        </p:blipFill>
+        <p:spPr>
+          <a:xfrm>
+            <a:off x="1295400" y="5410200"/>
+            <a:ext cx="304800" cy="304800"/>
+          </a:xfrm>
+          <a:prstGeom prst="rect">
+            <a:avLst/>
+          </a:prstGeom>
+        </p:spPr>
+      </p:pic>
+      <p:pic>
+        <p:nvPicPr>
+          <p:cNvPr id="124" name="Picture 123" descr="student-24.png"/>
+          <p:cNvPicPr>
+            <a:picLocks noChangeAspect="1"/>
+          </p:cNvPicPr>
+          <p:nvPr/>
+        </p:nvPicPr>
+        <p:blipFill>
+          <a:blip r:embed="rId3">
+            <a:extLst>
+              <a:ext uri="{28A0092B-C50C-407E-A947-70E740481C1C}">
+                <a14:useLocalDpi xmlns:a14="http://schemas.microsoft.com/office/drawing/2010/main" val="0"/>
+              </a:ext>
+            </a:extLst>
+          </a:blip>
+          <a:stretch>
+            <a:fillRect/>
+          </a:stretch>
+        </p:blipFill>
+        <p:spPr>
+          <a:xfrm>
+            <a:off x="3505200" y="5410200"/>
+            <a:ext cx="304800" cy="304800"/>
+          </a:xfrm>
+          <a:prstGeom prst="rect">
+            <a:avLst/>
+          </a:prstGeom>
+        </p:spPr>
+      </p:pic>
+      <p:sp>
+        <p:nvSpPr>
+          <p:cNvPr id="125" name="Rounded Rectangle 124"/>
+          <p:cNvSpPr/>
+          <p:nvPr/>
+        </p:nvSpPr>
+        <p:spPr>
+          <a:xfrm>
+            <a:off x="1907177" y="5286103"/>
+            <a:ext cx="685800" cy="533400"/>
+          </a:xfrm>
+          <a:prstGeom prst="roundRect">
+            <a:avLst/>
+          </a:prstGeom>
+          <a:noFill/>
+          <a:ln w="76200" cmpd="sng">
+            <a:solidFill>
+              <a:schemeClr val="accent1">
+                <a:lumMod val="75000"/>
+              </a:schemeClr>
+            </a:solidFill>
+          </a:ln>
+          <a:effectLst/>
+        </p:spPr>
+        <p:style>
+          <a:lnRef idx="1">
+            <a:schemeClr val="accent1"/>
+          </a:lnRef>
+          <a:fillRef idx="3">
+            <a:schemeClr val="accent1"/>
+          </a:fillRef>
+          <a:effectRef idx="2">
+            <a:schemeClr val="accent1"/>
+          </a:effectRef>
+          <a:fontRef idx="minor">
+            <a:schemeClr val="lt1"/>
+          </a:fontRef>
+        </p:style>
+        <p:txBody>
+          <a:bodyPr rtlCol="0" anchor="ctr"/>
+          <a:lstStyle/>
+          <a:p>
+            <a:pPr algn="ctr"/>
+            <a:endParaRPr lang="en-US"/>
+          </a:p>
+        </p:txBody>
+      </p:sp>
+      <p:pic>
+        <p:nvPicPr>
+          <p:cNvPr id="126" name="Picture 125" descr="gear-2-24.png"/>
+          <p:cNvPicPr>
+            <a:picLocks noChangeAspect="1"/>
+          </p:cNvPicPr>
+          <p:nvPr/>
+        </p:nvPicPr>
+        <p:blipFill>
+          <a:blip r:embed="rId4">
+            <a:extLst>
+              <a:ext uri="{28A0092B-C50C-407E-A947-70E740481C1C}">
+                <a14:useLocalDpi xmlns:a14="http://schemas.microsoft.com/office/drawing/2010/main" val="0"/>
+              </a:ext>
+            </a:extLst>
+          </a:blip>
+          <a:stretch>
+            <a:fillRect/>
+          </a:stretch>
+        </p:blipFill>
+        <p:spPr>
+          <a:xfrm>
+            <a:off x="685800" y="5410200"/>
+            <a:ext cx="304800" cy="304800"/>
+          </a:xfrm>
+          <a:prstGeom prst="rect">
+            <a:avLst/>
+          </a:prstGeom>
+        </p:spPr>
+      </p:pic>
+      <p:pic>
+        <p:nvPicPr>
+          <p:cNvPr id="127" name="Picture 126" descr="search-13-24.png"/>
+          <p:cNvPicPr>
+            <a:picLocks noChangeAspect="1"/>
+          </p:cNvPicPr>
+          <p:nvPr/>
+        </p:nvPicPr>
+        <p:blipFill>
+          <a:blip r:embed="rId5">
+            <a:extLst>
+              <a:ext uri="{28A0092B-C50C-407E-A947-70E740481C1C}">
+                <a14:useLocalDpi xmlns:a14="http://schemas.microsoft.com/office/drawing/2010/main" val="0"/>
+              </a:ext>
+            </a:extLst>
+          </a:blip>
+          <a:stretch>
+            <a:fillRect/>
+          </a:stretch>
+        </p:blipFill>
+        <p:spPr>
+          <a:xfrm>
+            <a:off x="2895600" y="5410200"/>
+            <a:ext cx="304800" cy="304800"/>
+          </a:xfrm>
+          <a:prstGeom prst="rect">
+            <a:avLst/>
+          </a:prstGeom>
+        </p:spPr>
+      </p:pic>
+      <p:cxnSp>
+        <p:nvCxnSpPr>
+          <p:cNvPr id="41" name="Straight Arrow Connector 40"/>
+          <p:cNvCxnSpPr/>
+          <p:nvPr/>
+        </p:nvCxnSpPr>
+        <p:spPr>
+          <a:xfrm>
+            <a:off x="8610600" y="3048000"/>
+            <a:ext cx="381000" cy="0"/>
+          </a:xfrm>
+          <a:prstGeom prst="straightConnector1">
+            <a:avLst/>
+          </a:prstGeom>
+          <a:ln w="28575">
+            <a:solidFill>
+              <a:srgbClr val="FF0000"/>
+            </a:solidFill>
+            <a:tailEnd type="arrow"/>
+          </a:ln>
+        </p:spPr>
+        <p:style>
+          <a:lnRef idx="1">
+            <a:schemeClr val="accent1"/>
+          </a:lnRef>
+          <a:fillRef idx="0">
+            <a:schemeClr val="accent1"/>
+          </a:fillRef>
+          <a:effectRef idx="0">
+            <a:schemeClr val="accent1"/>
+          </a:effectRef>
+          <a:fontRef idx="minor">
+            <a:schemeClr val="tx1"/>
+          </a:fontRef>
+        </p:style>
+      </p:cxnSp>
+      <p:sp>
+        <p:nvSpPr>
+          <p:cNvPr id="43" name="Rounded Rectangle 42"/>
+          <p:cNvSpPr/>
+          <p:nvPr/>
+        </p:nvSpPr>
+        <p:spPr>
+          <a:xfrm>
+            <a:off x="1219200" y="2514600"/>
+            <a:ext cx="1905000" cy="1024286"/>
           </a:xfrm>
           <a:prstGeom prst="roundRect">
             <a:avLst/>
@@ -12313,14 +12638,14 @@
       </p:sp>
       <p:sp>
         <p:nvSpPr>
-          <p:cNvPr id="96" name="TextBox 95"/>
+          <p:cNvPr id="44" name="TextBox 43"/>
           <p:cNvSpPr txBox="1"/>
           <p:nvPr/>
         </p:nvSpPr>
         <p:spPr>
           <a:xfrm>
-            <a:off x="5715000" y="2362200"/>
-            <a:ext cx="1828800" cy="1323439"/>
+            <a:off x="1219200" y="2514600"/>
+            <a:ext cx="1828800" cy="1077218"/>
           </a:xfrm>
           <a:prstGeom prst="rect">
             <a:avLst/>
@@ -12351,26 +12676,20 @@
             </a:r>
           </a:p>
           <a:p>
-            <a:r>
-              <a:rPr lang="en-US" sz="1600" dirty="0" smtClean="0"/>
-              <a:t>BigBadChad90</a:t>
-            </a:r>
-          </a:p>
-          <a:p>
             <a:endParaRPr lang="en-US" sz="1600" dirty="0"/>
           </a:p>
         </p:txBody>
       </p:sp>
       <p:sp>
         <p:nvSpPr>
-          <p:cNvPr id="97" name="Plus 96"/>
+          <p:cNvPr id="45" name="Plus 44"/>
           <p:cNvSpPr/>
           <p:nvPr/>
         </p:nvSpPr>
         <p:spPr>
           <a:xfrm>
-            <a:off x="7696200" y="3581400"/>
-            <a:ext cx="304800" cy="304800"/>
+            <a:off x="3200400" y="4038600"/>
+            <a:ext cx="381000" cy="381000"/>
           </a:xfrm>
           <a:prstGeom prst="mathPlus">
             <a:avLst/>
@@ -12411,13 +12730,13 @@
       </p:sp>
       <p:sp>
         <p:nvSpPr>
-          <p:cNvPr id="99" name="Rounded Rectangle 98"/>
+          <p:cNvPr id="46" name="Rounded Rectangle 45"/>
           <p:cNvSpPr/>
           <p:nvPr/>
         </p:nvSpPr>
         <p:spPr>
           <a:xfrm>
-            <a:off x="5715000" y="3547714"/>
+            <a:off x="1219200" y="4038600"/>
             <a:ext cx="1905000" cy="381000"/>
           </a:xfrm>
           <a:prstGeom prst="roundRect">
@@ -12462,44 +12781,14 @@
       </p:sp>
       <p:sp>
         <p:nvSpPr>
-          <p:cNvPr id="100" name="TextBox 99"/>
+          <p:cNvPr id="48" name="TextBox 47"/>
           <p:cNvSpPr txBox="1"/>
           <p:nvPr/>
         </p:nvSpPr>
         <p:spPr>
           <a:xfrm>
-            <a:off x="5715000" y="3581400"/>
-            <a:ext cx="1828800" cy="338554"/>
-          </a:xfrm>
-          <a:prstGeom prst="rect">
-            <a:avLst/>
-          </a:prstGeom>
-          <a:noFill/>
-        </p:spPr>
-        <p:txBody>
-          <a:bodyPr wrap="square" rtlCol="0">
-            <a:spAutoFit/>
-          </a:bodyPr>
-          <a:lstStyle/>
-          <a:p>
-            <a:r>
-              <a:rPr lang="en-US" sz="1600" dirty="0" smtClean="0"/>
-              <a:t>Username to Block</a:t>
-            </a:r>
-            <a:endParaRPr lang="en-US" sz="1600" dirty="0"/>
-          </a:p>
-        </p:txBody>
-      </p:sp>
-      <p:sp>
-        <p:nvSpPr>
-          <p:cNvPr id="104" name="TextBox 103"/>
-          <p:cNvSpPr txBox="1"/>
-          <p:nvPr/>
-        </p:nvSpPr>
-        <p:spPr>
-          <a:xfrm>
-            <a:off x="4953000" y="381000"/>
-            <a:ext cx="3352800" cy="2154436"/>
+            <a:off x="609600" y="457200"/>
+            <a:ext cx="3352800" cy="1661993"/>
           </a:xfrm>
           <a:prstGeom prst="rect">
             <a:avLst/>
@@ -12522,38 +12811,29 @@
           </a:p>
           <a:p>
             <a:r>
-              <a:rPr lang="en-US" sz="1600" dirty="0" smtClean="0"/>
-              <a:t>-To add user to block list, type username into textbox and click the +</a:t>
+              <a:rPr lang="en-US" sz="1600" dirty="0"/>
+              <a:t>-To add user to block list, type username into textbox then click the +</a:t>
+            </a:r>
+          </a:p>
+          <a:p>
+            <a:r>
+              <a:rPr lang="en-US" sz="1600" dirty="0"/>
+              <a:t>-To remove user(s) from block list, select username(s) from blocked list then click the –</a:t>
             </a:r>
             <a:endParaRPr lang="en-US" sz="1600" dirty="0"/>
           </a:p>
-          <a:p>
-            <a:r>
-              <a:rPr lang="en-US" sz="1600" dirty="0" smtClean="0"/>
-              <a:t>-To remove user(s) from block list, click username(s) so username is highlighted, then click the –</a:t>
-            </a:r>
-          </a:p>
-          <a:p>
-            <a:r>
-              <a:rPr lang="en-US" sz="1600" dirty="0" smtClean="0"/>
-              <a:t>-When finished, click Save button</a:t>
-            </a:r>
-          </a:p>
-          <a:p>
-            <a:endParaRPr lang="en-US" sz="1600" dirty="0"/>
-          </a:p>
-        </p:txBody>
-      </p:sp>
-      <p:sp>
-        <p:nvSpPr>
-          <p:cNvPr id="2" name="Minus 1"/>
+        </p:txBody>
+      </p:sp>
+      <p:sp>
+        <p:nvSpPr>
+          <p:cNvPr id="49" name="Minus 48"/>
           <p:cNvSpPr/>
           <p:nvPr/>
         </p:nvSpPr>
         <p:spPr>
           <a:xfrm>
-            <a:off x="7696200" y="2743200"/>
-            <a:ext cx="304800" cy="228600"/>
+            <a:off x="3200400" y="2819400"/>
+            <a:ext cx="381000" cy="381000"/>
           </a:xfrm>
           <a:prstGeom prst="mathMinus">
             <a:avLst/>
@@ -12593,13 +12873,89 @@
       </p:sp>
       <p:sp>
         <p:nvSpPr>
-          <p:cNvPr id="60" name="Rectangle 59"/>
+          <p:cNvPr id="50" name="Rectangle 49"/>
           <p:cNvSpPr/>
           <p:nvPr/>
         </p:nvSpPr>
         <p:spPr>
           <a:xfrm>
-            <a:off x="457200" y="304800"/>
+            <a:off x="3200400" y="4038600"/>
+            <a:ext cx="381000" cy="381000"/>
+          </a:xfrm>
+          <a:prstGeom prst="rect">
+            <a:avLst/>
+          </a:prstGeom>
+          <a:noFill/>
+          <a:ln w="50800">
+            <a:solidFill>
+              <a:srgbClr val="FF0000"/>
+            </a:solidFill>
+          </a:ln>
+        </p:spPr>
+        <p:style>
+          <a:lnRef idx="2">
+            <a:schemeClr val="accent1">
+              <a:shade val="50000"/>
+            </a:schemeClr>
+          </a:lnRef>
+          <a:fillRef idx="1">
+            <a:schemeClr val="accent1"/>
+          </a:fillRef>
+          <a:effectRef idx="0">
+            <a:schemeClr val="accent1"/>
+          </a:effectRef>
+          <a:fontRef idx="minor">
+            <a:schemeClr val="lt1"/>
+          </a:fontRef>
+        </p:style>
+        <p:txBody>
+          <a:bodyPr rtlCol="0" anchor="ctr"/>
+          <a:lstStyle/>
+          <a:p>
+            <a:pPr algn="ctr"/>
+            <a:endParaRPr lang="en-US"/>
+          </a:p>
+        </p:txBody>
+      </p:sp>
+      <p:sp>
+        <p:nvSpPr>
+          <p:cNvPr id="51" name="TextBox 50"/>
+          <p:cNvSpPr txBox="1"/>
+          <p:nvPr/>
+        </p:nvSpPr>
+        <p:spPr>
+          <a:xfrm>
+            <a:off x="1219200" y="4038600"/>
+            <a:ext cx="1828800" cy="338554"/>
+          </a:xfrm>
+          <a:prstGeom prst="rect">
+            <a:avLst/>
+          </a:prstGeom>
+          <a:noFill/>
+        </p:spPr>
+        <p:txBody>
+          <a:bodyPr wrap="square" rtlCol="0">
+            <a:spAutoFit/>
+          </a:bodyPr>
+          <a:lstStyle/>
+          <a:p>
+            <a:r>
+              <a:rPr lang="en-US" sz="1600" dirty="0" smtClean="0"/>
+              <a:t>BigBadChad90</a:t>
+            </a:r>
+            <a:endParaRPr lang="en-US" sz="1600" dirty="0"/>
+          </a:p>
+        </p:txBody>
+      </p:sp>
+      <p:sp>
+        <p:nvSpPr>
+          <p:cNvPr id="52" name="Rectangle 51"/>
+          <p:cNvSpPr/>
+          <p:nvPr/>
+        </p:nvSpPr>
+        <p:spPr>
+          <a:xfrm>
+            <a:off x="4953000" y="304800"/>
             <a:ext cx="3397431" cy="5562600"/>
           </a:xfrm>
           <a:prstGeom prst="rect">
@@ -12648,13 +13004,13 @@
       </p:sp>
       <p:sp>
         <p:nvSpPr>
-          <p:cNvPr id="74" name="Rounded Rectangle 73"/>
+          <p:cNvPr id="53" name="Rounded Rectangle 52"/>
           <p:cNvSpPr/>
           <p:nvPr/>
         </p:nvSpPr>
         <p:spPr>
           <a:xfrm>
-            <a:off x="1219200" y="2328514"/>
+            <a:off x="5562600" y="2514600"/>
             <a:ext cx="1905000" cy="1024286"/>
           </a:xfrm>
           <a:prstGeom prst="roundRect">
@@ -12699,14 +13055,14 @@
       </p:sp>
       <p:sp>
         <p:nvSpPr>
-          <p:cNvPr id="75" name="TextBox 74"/>
+          <p:cNvPr id="54" name="TextBox 53"/>
           <p:cNvSpPr txBox="1"/>
           <p:nvPr/>
         </p:nvSpPr>
         <p:spPr>
           <a:xfrm>
-            <a:off x="1219200" y="2362200"/>
-            <a:ext cx="1828800" cy="1077218"/>
+            <a:off x="5562600" y="2514600"/>
+            <a:ext cx="1828800" cy="1323439"/>
           </a:xfrm>
           <a:prstGeom prst="rect">
             <a:avLst/>
@@ -12737,20 +13093,26 @@
             </a:r>
           </a:p>
           <a:p>
+            <a:r>
+              <a:rPr lang="en-US" sz="1600" dirty="0" smtClean="0"/>
+              <a:t>BigBadChad90</a:t>
+            </a:r>
+          </a:p>
+          <a:p>
             <a:endParaRPr lang="en-US" sz="1600" dirty="0"/>
           </a:p>
         </p:txBody>
       </p:sp>
       <p:sp>
         <p:nvSpPr>
-          <p:cNvPr id="94" name="Plus 93"/>
+          <p:cNvPr id="55" name="Plus 54"/>
           <p:cNvSpPr/>
           <p:nvPr/>
         </p:nvSpPr>
         <p:spPr>
           <a:xfrm>
-            <a:off x="3200400" y="3505200"/>
-            <a:ext cx="304800" cy="304800"/>
+            <a:off x="7543800" y="4038600"/>
+            <a:ext cx="381000" cy="381000"/>
           </a:xfrm>
           <a:prstGeom prst="mathPlus">
             <a:avLst/>
@@ -12791,13 +13153,13 @@
       </p:sp>
       <p:sp>
         <p:nvSpPr>
-          <p:cNvPr id="98" name="Rounded Rectangle 97"/>
+          <p:cNvPr id="56" name="Rounded Rectangle 55"/>
           <p:cNvSpPr/>
           <p:nvPr/>
         </p:nvSpPr>
         <p:spPr>
           <a:xfrm>
-            <a:off x="1219200" y="3471514"/>
+            <a:off x="5562600" y="4038600"/>
             <a:ext cx="1905000" cy="381000"/>
           </a:xfrm>
           <a:prstGeom prst="roundRect">
@@ -12842,44 +13204,14 @@
       </p:sp>
       <p:sp>
         <p:nvSpPr>
-          <p:cNvPr id="103" name="TextBox 102"/>
+          <p:cNvPr id="57" name="TextBox 56"/>
           <p:cNvSpPr txBox="1"/>
           <p:nvPr/>
         </p:nvSpPr>
         <p:spPr>
           <a:xfrm>
-            <a:off x="1219200" y="3505200"/>
-            <a:ext cx="1828800" cy="338554"/>
-          </a:xfrm>
-          <a:prstGeom prst="rect">
-            <a:avLst/>
-          </a:prstGeom>
-          <a:noFill/>
-        </p:spPr>
-        <p:txBody>
-          <a:bodyPr wrap="square" rtlCol="0">
-            <a:spAutoFit/>
-          </a:bodyPr>
-          <a:lstStyle/>
-          <a:p>
-            <a:r>
-              <a:rPr lang="en-US" sz="1600" dirty="0" smtClean="0"/>
-              <a:t>BigBadChad90</a:t>
-            </a:r>
-            <a:endParaRPr lang="en-US" sz="1600" dirty="0"/>
-          </a:p>
-        </p:txBody>
-      </p:sp>
-      <p:sp>
-        <p:nvSpPr>
-          <p:cNvPr id="106" name="TextBox 105"/>
-          <p:cNvSpPr txBox="1"/>
-          <p:nvPr/>
-        </p:nvSpPr>
-        <p:spPr>
-          <a:xfrm>
-            <a:off x="457200" y="381000"/>
-            <a:ext cx="3352800" cy="2154436"/>
+            <a:off x="4953000" y="457200"/>
+            <a:ext cx="3352800" cy="1661993"/>
           </a:xfrm>
           <a:prstGeom prst="rect">
             <a:avLst/>
@@ -12902,38 +13234,29 @@
           </a:p>
           <a:p>
             <a:r>
-              <a:rPr lang="en-US" sz="1600" dirty="0" smtClean="0"/>
-              <a:t>-To add user to block list, type username into textbox and click the +</a:t>
+              <a:rPr lang="en-US" sz="1600" dirty="0"/>
+              <a:t>-To add user to block list, type username into textbox then click the +</a:t>
+            </a:r>
+          </a:p>
+          <a:p>
+            <a:r>
+              <a:rPr lang="en-US" sz="1600" dirty="0"/>
+              <a:t>-To remove user(s) from block list, select username(s) from blocked list then click the –</a:t>
             </a:r>
             <a:endParaRPr lang="en-US" sz="1600" dirty="0"/>
           </a:p>
-          <a:p>
-            <a:r>
-              <a:rPr lang="en-US" sz="1600" dirty="0" smtClean="0"/>
-              <a:t>-To remove user(s) from block list, click username(s) so username is highlighted, then click the –</a:t>
-            </a:r>
-          </a:p>
-          <a:p>
-            <a:r>
-              <a:rPr lang="en-US" sz="1600" dirty="0" smtClean="0"/>
-              <a:t>-When finished, click Save button</a:t>
-            </a:r>
-          </a:p>
-          <a:p>
-            <a:endParaRPr lang="en-US" sz="1600" dirty="0"/>
-          </a:p>
-        </p:txBody>
-      </p:sp>
-      <p:sp>
-        <p:nvSpPr>
-          <p:cNvPr id="107" name="Minus 106"/>
+        </p:txBody>
+      </p:sp>
+      <p:sp>
+        <p:nvSpPr>
+          <p:cNvPr id="58" name="Minus 57"/>
           <p:cNvSpPr/>
           <p:nvPr/>
         </p:nvSpPr>
         <p:spPr>
           <a:xfrm>
-            <a:off x="3200400" y="2743200"/>
-            <a:ext cx="304800" cy="228600"/>
+            <a:off x="7543800" y="2819400"/>
+            <a:ext cx="381000" cy="381000"/>
           </a:xfrm>
           <a:prstGeom prst="mathMinus">
             <a:avLst/>
@@ -12973,24 +13296,57 @@
       </p:sp>
       <p:sp>
         <p:nvSpPr>
-          <p:cNvPr id="108" name="Rectangle 107"/>
+          <p:cNvPr id="59" name="TextBox 58"/>
+          <p:cNvSpPr txBox="1"/>
+          <p:nvPr/>
+        </p:nvSpPr>
+        <p:spPr>
+          <a:xfrm>
+            <a:off x="4953000" y="5867400"/>
+            <a:ext cx="3352800" cy="369332"/>
+          </a:xfrm>
+          <a:prstGeom prst="rect">
+            <a:avLst/>
+          </a:prstGeom>
+          <a:noFill/>
+        </p:spPr>
+        <p:txBody>
+          <a:bodyPr wrap="square" rtlCol="0">
+            <a:spAutoFit/>
+          </a:bodyPr>
+          <a:lstStyle/>
+          <a:p>
+            <a:pPr algn="ctr"/>
+            <a:r>
+              <a:rPr lang="en-US" b="1" dirty="0" smtClean="0">
+                <a:solidFill>
+                  <a:srgbClr val="FF0000"/>
+                </a:solidFill>
+              </a:rPr>
+              <a:t>User is added</a:t>
+            </a:r>
+            <a:endParaRPr lang="en-US" b="1" dirty="0">
+              <a:solidFill>
+                <a:srgbClr val="FF0000"/>
+              </a:solidFill>
+            </a:endParaRPr>
+          </a:p>
+        </p:txBody>
+      </p:sp>
+      <p:sp>
+        <p:nvSpPr>
+          <p:cNvPr id="61" name="Rectangle 60"/>
           <p:cNvSpPr/>
           <p:nvPr/>
         </p:nvSpPr>
         <p:spPr>
           <a:xfrm>
-            <a:off x="3124200" y="3429000"/>
-            <a:ext cx="457200" cy="457200"/>
-          </a:xfrm>
-          <a:prstGeom prst="rect">
-            <a:avLst/>
-          </a:prstGeom>
-          <a:noFill/>
-          <a:ln w="50800">
-            <a:solidFill>
-              <a:srgbClr val="FF0000"/>
-            </a:solidFill>
-          </a:ln>
+            <a:off x="4952999" y="5257800"/>
+            <a:ext cx="3397431" cy="609600"/>
+          </a:xfrm>
+          <a:prstGeom prst="rect">
+            <a:avLst/>
+          </a:prstGeom>
         </p:spPr>
         <p:style>
           <a:lnRef idx="2">
@@ -13019,163 +13375,18 @@
       </p:sp>
       <p:sp>
         <p:nvSpPr>
-          <p:cNvPr id="111" name="TextBox 110"/>
-          <p:cNvSpPr txBox="1"/>
-          <p:nvPr/>
-        </p:nvSpPr>
-        <p:spPr>
-          <a:xfrm>
-            <a:off x="4953000" y="5867400"/>
-            <a:ext cx="3352800" cy="369332"/>
-          </a:xfrm>
-          <a:prstGeom prst="rect">
-            <a:avLst/>
-          </a:prstGeom>
-          <a:noFill/>
-        </p:spPr>
-        <p:txBody>
-          <a:bodyPr wrap="square" rtlCol="0">
-            <a:spAutoFit/>
-          </a:bodyPr>
-          <a:lstStyle/>
-          <a:p>
-            <a:pPr algn="ctr"/>
-            <a:r>
-              <a:rPr lang="en-US" b="1" dirty="0" smtClean="0">
-                <a:solidFill>
-                  <a:srgbClr val="FF0000"/>
-                </a:solidFill>
-              </a:rPr>
-              <a:t>Save Changes</a:t>
-            </a:r>
-            <a:endParaRPr lang="en-US" b="1" dirty="0">
-              <a:solidFill>
-                <a:srgbClr val="FF0000"/>
-              </a:solidFill>
-            </a:endParaRPr>
-          </a:p>
-        </p:txBody>
-      </p:sp>
-      <p:sp>
-        <p:nvSpPr>
-          <p:cNvPr id="112" name="TextBox 111"/>
-          <p:cNvSpPr txBox="1"/>
-          <p:nvPr/>
-        </p:nvSpPr>
-        <p:spPr>
-          <a:xfrm>
-            <a:off x="1219200" y="4038600"/>
-            <a:ext cx="928278" cy="369332"/>
-          </a:xfrm>
-          <a:prstGeom prst="rect">
-            <a:avLst/>
-          </a:prstGeom>
-          <a:solidFill>
-            <a:schemeClr val="accent1">
-              <a:lumMod val="75000"/>
-            </a:schemeClr>
-          </a:solidFill>
-          <a:ln>
-            <a:solidFill>
-              <a:schemeClr val="accent1">
-                <a:lumMod val="75000"/>
-              </a:schemeClr>
-            </a:solidFill>
-          </a:ln>
-        </p:spPr>
-        <p:txBody>
-          <a:bodyPr wrap="square" rtlCol="0">
-            <a:spAutoFit/>
-          </a:bodyPr>
-          <a:lstStyle/>
-          <a:p>
-            <a:pPr algn="ctr"/>
-            <a:r>
-              <a:rPr lang="en-US" dirty="0" smtClean="0">
-                <a:solidFill>
-                  <a:srgbClr val="FFFFFF"/>
-                </a:solidFill>
-              </a:rPr>
-              <a:t>Save</a:t>
-            </a:r>
-            <a:endParaRPr lang="en-US" dirty="0">
-              <a:solidFill>
-                <a:srgbClr val="FFFFFF"/>
-              </a:solidFill>
-            </a:endParaRPr>
-          </a:p>
-        </p:txBody>
-      </p:sp>
-      <p:sp>
-        <p:nvSpPr>
-          <p:cNvPr id="116" name="TextBox 115"/>
-          <p:cNvSpPr txBox="1"/>
-          <p:nvPr/>
-        </p:nvSpPr>
-        <p:spPr>
-          <a:xfrm>
-            <a:off x="5715000" y="4191000"/>
-            <a:ext cx="928278" cy="369332"/>
-          </a:xfrm>
-          <a:prstGeom prst="rect">
-            <a:avLst/>
-          </a:prstGeom>
-          <a:solidFill>
-            <a:schemeClr val="accent1">
-              <a:lumMod val="75000"/>
-            </a:schemeClr>
-          </a:solidFill>
-          <a:ln>
-            <a:solidFill>
-              <a:schemeClr val="accent1">
-                <a:lumMod val="75000"/>
-              </a:schemeClr>
-            </a:solidFill>
-          </a:ln>
-        </p:spPr>
-        <p:txBody>
-          <a:bodyPr wrap="square" rtlCol="0">
-            <a:spAutoFit/>
-          </a:bodyPr>
-          <a:lstStyle/>
-          <a:p>
-            <a:pPr algn="ctr"/>
-            <a:r>
-              <a:rPr lang="en-US" dirty="0" smtClean="0">
-                <a:solidFill>
-                  <a:srgbClr val="FFFFFF"/>
-                </a:solidFill>
-              </a:rPr>
-              <a:t>Save</a:t>
-            </a:r>
-            <a:endParaRPr lang="en-US" dirty="0">
-              <a:solidFill>
-                <a:srgbClr val="FFFFFF"/>
-              </a:solidFill>
-            </a:endParaRPr>
-          </a:p>
-        </p:txBody>
-      </p:sp>
-      <p:sp>
-        <p:nvSpPr>
-          <p:cNvPr id="118" name="Rectangle 117"/>
+          <p:cNvPr id="62" name="Rectangle 61"/>
           <p:cNvSpPr/>
           <p:nvPr/>
         </p:nvSpPr>
         <p:spPr>
           <a:xfrm>
-            <a:off x="5638800" y="4114800"/>
-            <a:ext cx="1066800" cy="533400"/>
-          </a:xfrm>
-          <a:prstGeom prst="rect">
-            <a:avLst/>
-          </a:prstGeom>
-          <a:noFill/>
-          <a:ln w="50800">
-            <a:solidFill>
-              <a:srgbClr val="FF0000"/>
-            </a:solidFill>
-          </a:ln>
+            <a:off x="4953000" y="5257800"/>
+            <a:ext cx="3397431" cy="609600"/>
+          </a:xfrm>
+          <a:prstGeom prst="rect">
+            <a:avLst/>
+          </a:prstGeom>
         </p:spPr>
         <p:style>
           <a:lnRef idx="2">
@@ -13202,125 +13413,9 @@
           </a:p>
         </p:txBody>
       </p:sp>
-      <p:cxnSp>
-        <p:nvCxnSpPr>
-          <p:cNvPr id="120" name="Straight Arrow Connector 119"/>
-          <p:cNvCxnSpPr/>
-          <p:nvPr/>
-        </p:nvCxnSpPr>
-        <p:spPr>
-          <a:xfrm>
-            <a:off x="4114800" y="3048000"/>
-            <a:ext cx="739685" cy="0"/>
-          </a:xfrm>
-          <a:prstGeom prst="straightConnector1">
-            <a:avLst/>
-          </a:prstGeom>
-          <a:ln w="28575">
-            <a:solidFill>
-              <a:srgbClr val="FF0000"/>
-            </a:solidFill>
-            <a:tailEnd type="arrow"/>
-          </a:ln>
-        </p:spPr>
-        <p:style>
-          <a:lnRef idx="1">
-            <a:schemeClr val="accent1"/>
-          </a:lnRef>
-          <a:fillRef idx="0">
-            <a:schemeClr val="accent1"/>
-          </a:fillRef>
-          <a:effectRef idx="0">
-            <a:schemeClr val="accent1"/>
-          </a:effectRef>
-          <a:fontRef idx="minor">
-            <a:schemeClr val="tx1"/>
-          </a:fontRef>
-        </p:style>
-      </p:cxnSp>
-      <p:sp>
-        <p:nvSpPr>
-          <p:cNvPr id="121" name="Rectangle 120"/>
-          <p:cNvSpPr/>
-          <p:nvPr/>
-        </p:nvSpPr>
-        <p:spPr>
-          <a:xfrm>
-            <a:off x="457199" y="5257800"/>
-            <a:ext cx="3397431" cy="609600"/>
-          </a:xfrm>
-          <a:prstGeom prst="rect">
-            <a:avLst/>
-          </a:prstGeom>
-        </p:spPr>
-        <p:style>
-          <a:lnRef idx="2">
-            <a:schemeClr val="accent1">
-              <a:shade val="50000"/>
-            </a:schemeClr>
-          </a:lnRef>
-          <a:fillRef idx="1">
-            <a:schemeClr val="accent1"/>
-          </a:fillRef>
-          <a:effectRef idx="0">
-            <a:schemeClr val="accent1"/>
-          </a:effectRef>
-          <a:fontRef idx="minor">
-            <a:schemeClr val="lt1"/>
-          </a:fontRef>
-        </p:style>
-        <p:txBody>
-          <a:bodyPr rtlCol="0" anchor="ctr"/>
-          <a:lstStyle/>
-          <a:p>
-            <a:pPr algn="ctr"/>
-            <a:endParaRPr lang="en-US"/>
-          </a:p>
-        </p:txBody>
-      </p:sp>
-      <p:sp>
-        <p:nvSpPr>
-          <p:cNvPr id="122" name="Rectangle 121"/>
-          <p:cNvSpPr/>
-          <p:nvPr/>
-        </p:nvSpPr>
-        <p:spPr>
-          <a:xfrm>
-            <a:off x="457200" y="5257800"/>
-            <a:ext cx="3397431" cy="609600"/>
-          </a:xfrm>
-          <a:prstGeom prst="rect">
-            <a:avLst/>
-          </a:prstGeom>
-        </p:spPr>
-        <p:style>
-          <a:lnRef idx="2">
-            <a:schemeClr val="accent1">
-              <a:shade val="50000"/>
-            </a:schemeClr>
-          </a:lnRef>
-          <a:fillRef idx="1">
-            <a:schemeClr val="accent1"/>
-          </a:fillRef>
-          <a:effectRef idx="0">
-            <a:schemeClr val="accent1"/>
-          </a:effectRef>
-          <a:fontRef idx="minor">
-            <a:schemeClr val="lt1"/>
-          </a:fontRef>
-        </p:style>
-        <p:txBody>
-          <a:bodyPr rtlCol="0" anchor="ctr"/>
-          <a:lstStyle/>
-          <a:p>
-            <a:pPr algn="ctr"/>
-            <a:endParaRPr lang="en-US"/>
-          </a:p>
-        </p:txBody>
-      </p:sp>
       <p:pic>
         <p:nvPicPr>
-          <p:cNvPr id="123" name="Picture 122" descr="chat-4-24.png"/>
+          <p:cNvPr id="63" name="Picture 62" descr="chat-4-24.png"/>
           <p:cNvPicPr>
             <a:picLocks noChangeAspect="1"/>
           </p:cNvPicPr>
@@ -13340,7 +13435,7 @@
         </p:blipFill>
         <p:spPr>
           <a:xfrm>
-            <a:off x="1143000" y="5410200"/>
+            <a:off x="5638800" y="5410200"/>
             <a:ext cx="304800" cy="304800"/>
           </a:xfrm>
           <a:prstGeom prst="rect">
@@ -13350,7 +13445,7 @@
       </p:pic>
       <p:pic>
         <p:nvPicPr>
-          <p:cNvPr id="124" name="Picture 123" descr="student-24.png"/>
+          <p:cNvPr id="64" name="Picture 63" descr="student-24.png"/>
           <p:cNvPicPr>
             <a:picLocks noChangeAspect="1"/>
           </p:cNvPicPr>
@@ -13370,7 +13465,7 @@
         </p:blipFill>
         <p:spPr>
           <a:xfrm>
-            <a:off x="3352800" y="5410200"/>
+            <a:off x="7848600" y="5410200"/>
             <a:ext cx="304800" cy="304800"/>
           </a:xfrm>
           <a:prstGeom prst="rect">
@@ -13380,13 +13475,13 @@
       </p:pic>
       <p:sp>
         <p:nvSpPr>
-          <p:cNvPr id="125" name="Rounded Rectangle 124"/>
+          <p:cNvPr id="65" name="Rounded Rectangle 64"/>
           <p:cNvSpPr/>
           <p:nvPr/>
         </p:nvSpPr>
         <p:spPr>
           <a:xfrm>
-            <a:off x="1754777" y="5286103"/>
+            <a:off x="6250577" y="5286103"/>
             <a:ext cx="685800" cy="533400"/>
           </a:xfrm>
           <a:prstGeom prst="roundRect">
@@ -13427,7 +13522,7 @@
       </p:sp>
       <p:pic>
         <p:nvPicPr>
-          <p:cNvPr id="126" name="Picture 125" descr="gear-2-24.png"/>
+          <p:cNvPr id="66" name="Picture 65" descr="gear-2-24.png"/>
           <p:cNvPicPr>
             <a:picLocks noChangeAspect="1"/>
           </p:cNvPicPr>
@@ -13447,7 +13542,7 @@
         </p:blipFill>
         <p:spPr>
           <a:xfrm>
-            <a:off x="533400" y="5410200"/>
+            <a:off x="5029200" y="5410200"/>
             <a:ext cx="304800" cy="304800"/>
           </a:xfrm>
           <a:prstGeom prst="rect">
@@ -13457,7 +13552,7 @@
       </p:pic>
       <p:pic>
         <p:nvPicPr>
-          <p:cNvPr id="127" name="Picture 126" descr="search-13-24.png"/>
+          <p:cNvPr id="67" name="Picture 66" descr="search-13-24.png"/>
           <p:cNvPicPr>
             <a:picLocks noChangeAspect="1"/>
           </p:cNvPicPr>
@@ -13477,253 +13572,6 @@
         </p:blipFill>
         <p:spPr>
           <a:xfrm>
-            <a:off x="2743200" y="5410200"/>
-            <a:ext cx="304800" cy="304800"/>
-          </a:xfrm>
-          <a:prstGeom prst="rect">
-            <a:avLst/>
-          </a:prstGeom>
-        </p:spPr>
-      </p:pic>
-      <p:sp>
-        <p:nvSpPr>
-          <p:cNvPr id="128" name="Rectangle 127"/>
-          <p:cNvSpPr/>
-          <p:nvPr/>
-        </p:nvSpPr>
-        <p:spPr>
-          <a:xfrm>
-            <a:off x="4952999" y="5257800"/>
-            <a:ext cx="3397431" cy="609600"/>
-          </a:xfrm>
-          <a:prstGeom prst="rect">
-            <a:avLst/>
-          </a:prstGeom>
-        </p:spPr>
-        <p:style>
-          <a:lnRef idx="2">
-            <a:schemeClr val="accent1">
-              <a:shade val="50000"/>
-            </a:schemeClr>
-          </a:lnRef>
-          <a:fillRef idx="1">
-            <a:schemeClr val="accent1"/>
-          </a:fillRef>
-          <a:effectRef idx="0">
-            <a:schemeClr val="accent1"/>
-          </a:effectRef>
-          <a:fontRef idx="minor">
-            <a:schemeClr val="lt1"/>
-          </a:fontRef>
-        </p:style>
-        <p:txBody>
-          <a:bodyPr rtlCol="0" anchor="ctr"/>
-          <a:lstStyle/>
-          <a:p>
-            <a:pPr algn="ctr"/>
-            <a:endParaRPr lang="en-US"/>
-          </a:p>
-        </p:txBody>
-      </p:sp>
-      <p:sp>
-        <p:nvSpPr>
-          <p:cNvPr id="129" name="Rectangle 128"/>
-          <p:cNvSpPr/>
-          <p:nvPr/>
-        </p:nvSpPr>
-        <p:spPr>
-          <a:xfrm>
-            <a:off x="4953000" y="5257800"/>
-            <a:ext cx="3397431" cy="609600"/>
-          </a:xfrm>
-          <a:prstGeom prst="rect">
-            <a:avLst/>
-          </a:prstGeom>
-        </p:spPr>
-        <p:style>
-          <a:lnRef idx="2">
-            <a:schemeClr val="accent1">
-              <a:shade val="50000"/>
-            </a:schemeClr>
-          </a:lnRef>
-          <a:fillRef idx="1">
-            <a:schemeClr val="accent1"/>
-          </a:fillRef>
-          <a:effectRef idx="0">
-            <a:schemeClr val="accent1"/>
-          </a:effectRef>
-          <a:fontRef idx="minor">
-            <a:schemeClr val="lt1"/>
-          </a:fontRef>
-        </p:style>
-        <p:txBody>
-          <a:bodyPr rtlCol="0" anchor="ctr"/>
-          <a:lstStyle/>
-          <a:p>
-            <a:pPr algn="ctr"/>
-            <a:endParaRPr lang="en-US"/>
-          </a:p>
-        </p:txBody>
-      </p:sp>
-      <p:pic>
-        <p:nvPicPr>
-          <p:cNvPr id="130" name="Picture 129" descr="chat-4-24.png"/>
-          <p:cNvPicPr>
-            <a:picLocks noChangeAspect="1"/>
-          </p:cNvPicPr>
-          <p:nvPr/>
-        </p:nvPicPr>
-        <p:blipFill>
-          <a:blip r:embed="rId2">
-            <a:extLst>
-              <a:ext uri="{28A0092B-C50C-407E-A947-70E740481C1C}">
-                <a14:useLocalDpi xmlns:a14="http://schemas.microsoft.com/office/drawing/2010/main" val="0"/>
-              </a:ext>
-            </a:extLst>
-          </a:blip>
-          <a:stretch>
-            <a:fillRect/>
-          </a:stretch>
-        </p:blipFill>
-        <p:spPr>
-          <a:xfrm>
-            <a:off x="5638800" y="5410200"/>
-            <a:ext cx="304800" cy="304800"/>
-          </a:xfrm>
-          <a:prstGeom prst="rect">
-            <a:avLst/>
-          </a:prstGeom>
-        </p:spPr>
-      </p:pic>
-      <p:pic>
-        <p:nvPicPr>
-          <p:cNvPr id="131" name="Picture 130" descr="student-24.png"/>
-          <p:cNvPicPr>
-            <a:picLocks noChangeAspect="1"/>
-          </p:cNvPicPr>
-          <p:nvPr/>
-        </p:nvPicPr>
-        <p:blipFill>
-          <a:blip r:embed="rId3">
-            <a:extLst>
-              <a:ext uri="{28A0092B-C50C-407E-A947-70E740481C1C}">
-                <a14:useLocalDpi xmlns:a14="http://schemas.microsoft.com/office/drawing/2010/main" val="0"/>
-              </a:ext>
-            </a:extLst>
-          </a:blip>
-          <a:stretch>
-            <a:fillRect/>
-          </a:stretch>
-        </p:blipFill>
-        <p:spPr>
-          <a:xfrm>
-            <a:off x="7848600" y="5410200"/>
-            <a:ext cx="304800" cy="304800"/>
-          </a:xfrm>
-          <a:prstGeom prst="rect">
-            <a:avLst/>
-          </a:prstGeom>
-        </p:spPr>
-      </p:pic>
-      <p:sp>
-        <p:nvSpPr>
-          <p:cNvPr id="132" name="Rounded Rectangle 131"/>
-          <p:cNvSpPr/>
-          <p:nvPr/>
-        </p:nvSpPr>
-        <p:spPr>
-          <a:xfrm>
-            <a:off x="6250577" y="5286103"/>
-            <a:ext cx="685800" cy="533400"/>
-          </a:xfrm>
-          <a:prstGeom prst="roundRect">
-            <a:avLst/>
-          </a:prstGeom>
-          <a:noFill/>
-          <a:ln w="76200" cmpd="sng">
-            <a:solidFill>
-              <a:schemeClr val="accent1">
-                <a:lumMod val="75000"/>
-              </a:schemeClr>
-            </a:solidFill>
-          </a:ln>
-          <a:effectLst/>
-        </p:spPr>
-        <p:style>
-          <a:lnRef idx="1">
-            <a:schemeClr val="accent1"/>
-          </a:lnRef>
-          <a:fillRef idx="3">
-            <a:schemeClr val="accent1"/>
-          </a:fillRef>
-          <a:effectRef idx="2">
-            <a:schemeClr val="accent1"/>
-          </a:effectRef>
-          <a:fontRef idx="minor">
-            <a:schemeClr val="lt1"/>
-          </a:fontRef>
-        </p:style>
-        <p:txBody>
-          <a:bodyPr rtlCol="0" anchor="ctr"/>
-          <a:lstStyle/>
-          <a:p>
-            <a:pPr algn="ctr"/>
-            <a:endParaRPr lang="en-US"/>
-          </a:p>
-        </p:txBody>
-      </p:sp>
-      <p:pic>
-        <p:nvPicPr>
-          <p:cNvPr id="133" name="Picture 132" descr="gear-2-24.png"/>
-          <p:cNvPicPr>
-            <a:picLocks noChangeAspect="1"/>
-          </p:cNvPicPr>
-          <p:nvPr/>
-        </p:nvPicPr>
-        <p:blipFill>
-          <a:blip r:embed="rId4">
-            <a:extLst>
-              <a:ext uri="{28A0092B-C50C-407E-A947-70E740481C1C}">
-                <a14:useLocalDpi xmlns:a14="http://schemas.microsoft.com/office/drawing/2010/main" val="0"/>
-              </a:ext>
-            </a:extLst>
-          </a:blip>
-          <a:stretch>
-            <a:fillRect/>
-          </a:stretch>
-        </p:blipFill>
-        <p:spPr>
-          <a:xfrm>
-            <a:off x="5029200" y="5410200"/>
-            <a:ext cx="304800" cy="304800"/>
-          </a:xfrm>
-          <a:prstGeom prst="rect">
-            <a:avLst/>
-          </a:prstGeom>
-        </p:spPr>
-      </p:pic>
-      <p:pic>
-        <p:nvPicPr>
-          <p:cNvPr id="134" name="Picture 133" descr="search-13-24.png"/>
-          <p:cNvPicPr>
-            <a:picLocks noChangeAspect="1"/>
-          </p:cNvPicPr>
-          <p:nvPr/>
-        </p:nvPicPr>
-        <p:blipFill>
-          <a:blip r:embed="rId5">
-            <a:extLst>
-              <a:ext uri="{28A0092B-C50C-407E-A947-70E740481C1C}">
-                <a14:useLocalDpi xmlns:a14="http://schemas.microsoft.com/office/drawing/2010/main" val="0"/>
-              </a:ext>
-            </a:extLst>
-          </a:blip>
-          <a:stretch>
-            <a:fillRect/>
-          </a:stretch>
-        </p:blipFill>
-        <p:spPr>
-          <a:xfrm>
             <a:off x="7239000" y="5410200"/>
             <a:ext cx="304800" cy="304800"/>
           </a:xfrm>
@@ -13732,42 +13580,190 @@
           </a:prstGeom>
         </p:spPr>
       </p:pic>
-      <p:cxnSp>
-        <p:nvCxnSpPr>
-          <p:cNvPr id="41" name="Straight Arrow Connector 40"/>
-          <p:cNvCxnSpPr/>
-          <p:nvPr/>
-        </p:nvCxnSpPr>
-        <p:spPr>
-          <a:xfrm>
-            <a:off x="8610600" y="3048000"/>
-            <a:ext cx="381000" cy="0"/>
-          </a:xfrm>
-          <a:prstGeom prst="straightConnector1">
-            <a:avLst/>
-          </a:prstGeom>
-          <a:ln w="28575">
-            <a:solidFill>
-              <a:srgbClr val="FF0000"/>
-            </a:solidFill>
-            <a:tailEnd type="arrow"/>
-          </a:ln>
-        </p:spPr>
-        <p:style>
-          <a:lnRef idx="1">
-            <a:schemeClr val="accent1"/>
-          </a:lnRef>
-          <a:fillRef idx="0">
-            <a:schemeClr val="accent1"/>
-          </a:fillRef>
-          <a:effectRef idx="0">
-            <a:schemeClr val="accent1"/>
-          </a:effectRef>
-          <a:fontRef idx="minor">
-            <a:schemeClr val="tx1"/>
-          </a:fontRef>
-        </p:style>
-      </p:cxnSp>
+      <p:sp>
+        <p:nvSpPr>
+          <p:cNvPr id="68" name="TextBox 67"/>
+          <p:cNvSpPr txBox="1"/>
+          <p:nvPr/>
+        </p:nvSpPr>
+        <p:spPr>
+          <a:xfrm>
+            <a:off x="1219200" y="2133600"/>
+            <a:ext cx="1905000" cy="369332"/>
+          </a:xfrm>
+          <a:prstGeom prst="rect">
+            <a:avLst/>
+          </a:prstGeom>
+          <a:noFill/>
+        </p:spPr>
+        <p:txBody>
+          <a:bodyPr wrap="square" rtlCol="0">
+            <a:spAutoFit/>
+          </a:bodyPr>
+          <a:lstStyle/>
+          <a:p>
+            <a:r>
+              <a:rPr lang="en-US" dirty="0" smtClean="0">
+                <a:solidFill>
+                  <a:schemeClr val="tx2">
+                    <a:lumMod val="75000"/>
+                  </a:schemeClr>
+                </a:solidFill>
+                <a:latin typeface="Bradley Hand Bold"/>
+                <a:cs typeface="Bradley Hand Bold"/>
+              </a:rPr>
+              <a:t>Blocked List</a:t>
+            </a:r>
+            <a:endParaRPr lang="en-US" dirty="0">
+              <a:solidFill>
+                <a:schemeClr val="tx2">
+                  <a:lumMod val="75000"/>
+                </a:schemeClr>
+              </a:solidFill>
+              <a:latin typeface="Bradley Hand Bold"/>
+              <a:cs typeface="Bradley Hand Bold"/>
+            </a:endParaRPr>
+          </a:p>
+        </p:txBody>
+      </p:sp>
+      <p:sp>
+        <p:nvSpPr>
+          <p:cNvPr id="69" name="TextBox 68"/>
+          <p:cNvSpPr txBox="1"/>
+          <p:nvPr/>
+        </p:nvSpPr>
+        <p:spPr>
+          <a:xfrm>
+            <a:off x="5562600" y="2133600"/>
+            <a:ext cx="1905000" cy="369332"/>
+          </a:xfrm>
+          <a:prstGeom prst="rect">
+            <a:avLst/>
+          </a:prstGeom>
+          <a:noFill/>
+        </p:spPr>
+        <p:txBody>
+          <a:bodyPr wrap="square" rtlCol="0">
+            <a:spAutoFit/>
+          </a:bodyPr>
+          <a:lstStyle/>
+          <a:p>
+            <a:r>
+              <a:rPr lang="en-US" dirty="0" smtClean="0">
+                <a:solidFill>
+                  <a:schemeClr val="tx2">
+                    <a:lumMod val="75000"/>
+                  </a:schemeClr>
+                </a:solidFill>
+                <a:latin typeface="Bradley Hand Bold"/>
+                <a:cs typeface="Bradley Hand Bold"/>
+              </a:rPr>
+              <a:t>Blocked List</a:t>
+            </a:r>
+            <a:endParaRPr lang="en-US" dirty="0">
+              <a:solidFill>
+                <a:schemeClr val="tx2">
+                  <a:lumMod val="75000"/>
+                </a:schemeClr>
+              </a:solidFill>
+              <a:latin typeface="Bradley Hand Bold"/>
+              <a:cs typeface="Bradley Hand Bold"/>
+            </a:endParaRPr>
+          </a:p>
+        </p:txBody>
+      </p:sp>
+      <p:sp>
+        <p:nvSpPr>
+          <p:cNvPr id="70" name="TextBox 69"/>
+          <p:cNvSpPr txBox="1"/>
+          <p:nvPr/>
+        </p:nvSpPr>
+        <p:spPr>
+          <a:xfrm>
+            <a:off x="5562600" y="3657600"/>
+            <a:ext cx="2667000" cy="369332"/>
+          </a:xfrm>
+          <a:prstGeom prst="rect">
+            <a:avLst/>
+          </a:prstGeom>
+          <a:noFill/>
+        </p:spPr>
+        <p:txBody>
+          <a:bodyPr wrap="square" rtlCol="0">
+            <a:spAutoFit/>
+          </a:bodyPr>
+          <a:lstStyle/>
+          <a:p>
+            <a:r>
+              <a:rPr lang="en-US" dirty="0" smtClean="0">
+                <a:solidFill>
+                  <a:schemeClr val="tx2">
+                    <a:lumMod val="75000"/>
+                  </a:schemeClr>
+                </a:solidFill>
+                <a:latin typeface="Bradley Hand Bold"/>
+                <a:cs typeface="Bradley Hand Bold"/>
+              </a:rPr>
+              <a:t>Add user to Blocked List</a:t>
+            </a:r>
+            <a:endParaRPr lang="en-US" dirty="0">
+              <a:solidFill>
+                <a:schemeClr val="tx2">
+                  <a:lumMod val="75000"/>
+                </a:schemeClr>
+              </a:solidFill>
+              <a:latin typeface="Bradley Hand Bold"/>
+              <a:cs typeface="Bradley Hand Bold"/>
+            </a:endParaRPr>
+          </a:p>
+        </p:txBody>
+      </p:sp>
+      <p:sp>
+        <p:nvSpPr>
+          <p:cNvPr id="71" name="TextBox 70"/>
+          <p:cNvSpPr txBox="1"/>
+          <p:nvPr/>
+        </p:nvSpPr>
+        <p:spPr>
+          <a:xfrm>
+            <a:off x="1219200" y="3657600"/>
+            <a:ext cx="2667000" cy="369332"/>
+          </a:xfrm>
+          <a:prstGeom prst="rect">
+            <a:avLst/>
+          </a:prstGeom>
+          <a:noFill/>
+        </p:spPr>
+        <p:txBody>
+          <a:bodyPr wrap="square" rtlCol="0">
+            <a:spAutoFit/>
+          </a:bodyPr>
+          <a:lstStyle/>
+          <a:p>
+            <a:r>
+              <a:rPr lang="en-US" dirty="0" smtClean="0">
+                <a:solidFill>
+                  <a:schemeClr val="tx2">
+                    <a:lumMod val="75000"/>
+                  </a:schemeClr>
+                </a:solidFill>
+                <a:latin typeface="Bradley Hand Bold"/>
+                <a:cs typeface="Bradley Hand Bold"/>
+              </a:rPr>
+              <a:t>Add user to Blocked List</a:t>
+            </a:r>
+            <a:endParaRPr lang="en-US" dirty="0">
+              <a:solidFill>
+                <a:schemeClr val="tx2">
+                  <a:lumMod val="75000"/>
+                </a:schemeClr>
+              </a:solidFill>
+              <a:latin typeface="Bradley Hand Bold"/>
+              <a:cs typeface="Bradley Hand Bold"/>
+            </a:endParaRPr>
+          </a:p>
+        </p:txBody>
+      </p:sp>
     </p:spTree>
     <p:extLst>
       <p:ext uri="{BB962C8B-B14F-4D97-AF65-F5344CB8AC3E}">
@@ -13798,15 +13794,126 @@
           <a:chExt cx="0" cy="0"/>
         </a:xfrm>
       </p:grpSpPr>
-      <p:sp>
-        <p:nvSpPr>
-          <p:cNvPr id="4" name="Rectangle 3"/>
+      <p:cxnSp>
+        <p:nvCxnSpPr>
+          <p:cNvPr id="60" name="Straight Arrow Connector 59"/>
+          <p:cNvCxnSpPr/>
+          <p:nvPr/>
+        </p:nvCxnSpPr>
+        <p:spPr>
+          <a:xfrm>
+            <a:off x="4114800" y="3048000"/>
+            <a:ext cx="739685" cy="0"/>
+          </a:xfrm>
+          <a:prstGeom prst="straightConnector1">
+            <a:avLst/>
+          </a:prstGeom>
+          <a:ln w="28575">
+            <a:solidFill>
+              <a:srgbClr val="FF0000"/>
+            </a:solidFill>
+            <a:tailEnd type="arrow"/>
+          </a:ln>
+        </p:spPr>
+        <p:style>
+          <a:lnRef idx="1">
+            <a:schemeClr val="accent1"/>
+          </a:lnRef>
+          <a:fillRef idx="0">
+            <a:schemeClr val="accent1"/>
+          </a:fillRef>
+          <a:effectRef idx="0">
+            <a:schemeClr val="accent1"/>
+          </a:effectRef>
+          <a:fontRef idx="minor">
+            <a:schemeClr val="tx1"/>
+          </a:fontRef>
+        </p:style>
+      </p:cxnSp>
+      <p:cxnSp>
+        <p:nvCxnSpPr>
+          <p:cNvPr id="47" name="Straight Arrow Connector 46"/>
+          <p:cNvCxnSpPr/>
+          <p:nvPr/>
+        </p:nvCxnSpPr>
+        <p:spPr>
+          <a:xfrm>
+            <a:off x="152400" y="3048000"/>
+            <a:ext cx="304800" cy="0"/>
+          </a:xfrm>
+          <a:prstGeom prst="straightConnector1">
+            <a:avLst/>
+          </a:prstGeom>
+          <a:ln w="28575">
+            <a:solidFill>
+              <a:srgbClr val="FF0000"/>
+            </a:solidFill>
+            <a:tailEnd type="arrow"/>
+          </a:ln>
+        </p:spPr>
+        <p:style>
+          <a:lnRef idx="1">
+            <a:schemeClr val="accent1"/>
+          </a:lnRef>
+          <a:fillRef idx="0">
+            <a:schemeClr val="accent1"/>
+          </a:fillRef>
+          <a:effectRef idx="0">
+            <a:schemeClr val="accent1"/>
+          </a:effectRef>
+          <a:fontRef idx="minor">
+            <a:schemeClr val="tx1"/>
+          </a:fontRef>
+        </p:style>
+      </p:cxnSp>
+      <p:sp>
+        <p:nvSpPr>
+          <p:cNvPr id="48" name="TextBox 47"/>
+          <p:cNvSpPr txBox="1"/>
+          <p:nvPr/>
+        </p:nvSpPr>
+        <p:spPr>
+          <a:xfrm>
+            <a:off x="533400" y="5867400"/>
+            <a:ext cx="3352800" cy="369332"/>
+          </a:xfrm>
+          <a:prstGeom prst="rect">
+            <a:avLst/>
+          </a:prstGeom>
+          <a:noFill/>
+        </p:spPr>
+        <p:txBody>
+          <a:bodyPr wrap="square" rtlCol="0">
+            <a:spAutoFit/>
+          </a:bodyPr>
+          <a:lstStyle/>
+          <a:p>
+            <a:pPr algn="ctr"/>
+            <a:r>
+              <a:rPr lang="en-US" b="1" dirty="0" smtClean="0">
+                <a:solidFill>
+                  <a:srgbClr val="FF0000"/>
+                </a:solidFill>
+              </a:rPr>
+              <a:t>Remove User(s) from Block List</a:t>
+            </a:r>
+            <a:endParaRPr lang="en-US" b="1" dirty="0">
+              <a:solidFill>
+                <a:srgbClr val="FF0000"/>
+              </a:solidFill>
+            </a:endParaRPr>
+          </a:p>
+        </p:txBody>
+      </p:sp>
+      <p:sp>
+        <p:nvSpPr>
+          <p:cNvPr id="51" name="Rectangle 50"/>
           <p:cNvSpPr/>
           <p:nvPr/>
         </p:nvSpPr>
         <p:spPr>
           <a:xfrm>
-            <a:off x="533400" y="304800"/>
+            <a:off x="609600" y="304800"/>
             <a:ext cx="3397431" cy="5562600"/>
           </a:xfrm>
           <a:prstGeom prst="rect">
@@ -13827,11 +13934,6 @@
             <a:lin ang="15600000" scaled="0"/>
             <a:tileRect/>
           </a:gradFill>
-          <a:ln>
-            <a:solidFill>
-              <a:schemeClr val="accent1"/>
-            </a:solidFill>
-          </a:ln>
         </p:spPr>
         <p:style>
           <a:lnRef idx="2">
@@ -13860,14 +13962,261 @@
       </p:sp>
       <p:sp>
         <p:nvSpPr>
-          <p:cNvPr id="16" name="Rounded Rectangle 15"/>
+          <p:cNvPr id="58" name="Rectangle 57"/>
           <p:cNvSpPr/>
           <p:nvPr/>
         </p:nvSpPr>
         <p:spPr>
           <a:xfrm>
-            <a:off x="1295400" y="2404714"/>
-            <a:ext cx="1905000" cy="1100486"/>
+            <a:off x="609599" y="5257800"/>
+            <a:ext cx="3397431" cy="609600"/>
+          </a:xfrm>
+          <a:prstGeom prst="rect">
+            <a:avLst/>
+          </a:prstGeom>
+        </p:spPr>
+        <p:style>
+          <a:lnRef idx="2">
+            <a:schemeClr val="accent1">
+              <a:shade val="50000"/>
+            </a:schemeClr>
+          </a:lnRef>
+          <a:fillRef idx="1">
+            <a:schemeClr val="accent1"/>
+          </a:fillRef>
+          <a:effectRef idx="0">
+            <a:schemeClr val="accent1"/>
+          </a:effectRef>
+          <a:fontRef idx="minor">
+            <a:schemeClr val="lt1"/>
+          </a:fontRef>
+        </p:style>
+        <p:txBody>
+          <a:bodyPr rtlCol="0" anchor="ctr"/>
+          <a:lstStyle/>
+          <a:p>
+            <a:pPr algn="ctr"/>
+            <a:endParaRPr lang="en-US"/>
+          </a:p>
+        </p:txBody>
+      </p:sp>
+      <p:sp>
+        <p:nvSpPr>
+          <p:cNvPr id="59" name="Rectangle 58"/>
+          <p:cNvSpPr/>
+          <p:nvPr/>
+        </p:nvSpPr>
+        <p:spPr>
+          <a:xfrm>
+            <a:off x="609600" y="5257800"/>
+            <a:ext cx="3397431" cy="609600"/>
+          </a:xfrm>
+          <a:prstGeom prst="rect">
+            <a:avLst/>
+          </a:prstGeom>
+        </p:spPr>
+        <p:style>
+          <a:lnRef idx="2">
+            <a:schemeClr val="accent1">
+              <a:shade val="50000"/>
+            </a:schemeClr>
+          </a:lnRef>
+          <a:fillRef idx="1">
+            <a:schemeClr val="accent1"/>
+          </a:fillRef>
+          <a:effectRef idx="0">
+            <a:schemeClr val="accent1"/>
+          </a:effectRef>
+          <a:fontRef idx="minor">
+            <a:schemeClr val="lt1"/>
+          </a:fontRef>
+        </p:style>
+        <p:txBody>
+          <a:bodyPr rtlCol="0" anchor="ctr"/>
+          <a:lstStyle/>
+          <a:p>
+            <a:pPr algn="ctr"/>
+            <a:endParaRPr lang="en-US"/>
+          </a:p>
+        </p:txBody>
+      </p:sp>
+      <p:pic>
+        <p:nvPicPr>
+          <p:cNvPr id="75" name="Picture 74" descr="chat-4-24.png"/>
+          <p:cNvPicPr>
+            <a:picLocks noChangeAspect="1"/>
+          </p:cNvPicPr>
+          <p:nvPr/>
+        </p:nvPicPr>
+        <p:blipFill>
+          <a:blip r:embed="rId2">
+            <a:extLst>
+              <a:ext uri="{28A0092B-C50C-407E-A947-70E740481C1C}">
+                <a14:useLocalDpi xmlns:a14="http://schemas.microsoft.com/office/drawing/2010/main" val="0"/>
+              </a:ext>
+            </a:extLst>
+          </a:blip>
+          <a:stretch>
+            <a:fillRect/>
+          </a:stretch>
+        </p:blipFill>
+        <p:spPr>
+          <a:xfrm>
+            <a:off x="1295400" y="5410200"/>
+            <a:ext cx="304800" cy="304800"/>
+          </a:xfrm>
+          <a:prstGeom prst="rect">
+            <a:avLst/>
+          </a:prstGeom>
+        </p:spPr>
+      </p:pic>
+      <p:pic>
+        <p:nvPicPr>
+          <p:cNvPr id="76" name="Picture 75" descr="student-24.png"/>
+          <p:cNvPicPr>
+            <a:picLocks noChangeAspect="1"/>
+          </p:cNvPicPr>
+          <p:nvPr/>
+        </p:nvPicPr>
+        <p:blipFill>
+          <a:blip r:embed="rId3">
+            <a:extLst>
+              <a:ext uri="{28A0092B-C50C-407E-A947-70E740481C1C}">
+                <a14:useLocalDpi xmlns:a14="http://schemas.microsoft.com/office/drawing/2010/main" val="0"/>
+              </a:ext>
+            </a:extLst>
+          </a:blip>
+          <a:stretch>
+            <a:fillRect/>
+          </a:stretch>
+        </p:blipFill>
+        <p:spPr>
+          <a:xfrm>
+            <a:off x="3505200" y="5410200"/>
+            <a:ext cx="304800" cy="304800"/>
+          </a:xfrm>
+          <a:prstGeom prst="rect">
+            <a:avLst/>
+          </a:prstGeom>
+        </p:spPr>
+      </p:pic>
+      <p:sp>
+        <p:nvSpPr>
+          <p:cNvPr id="77" name="Rounded Rectangle 76"/>
+          <p:cNvSpPr/>
+          <p:nvPr/>
+        </p:nvSpPr>
+        <p:spPr>
+          <a:xfrm>
+            <a:off x="1907177" y="5286103"/>
+            <a:ext cx="685800" cy="533400"/>
+          </a:xfrm>
+          <a:prstGeom prst="roundRect">
+            <a:avLst/>
+          </a:prstGeom>
+          <a:noFill/>
+          <a:ln w="76200" cmpd="sng">
+            <a:solidFill>
+              <a:schemeClr val="accent1">
+                <a:lumMod val="75000"/>
+              </a:schemeClr>
+            </a:solidFill>
+          </a:ln>
+          <a:effectLst/>
+        </p:spPr>
+        <p:style>
+          <a:lnRef idx="1">
+            <a:schemeClr val="accent1"/>
+          </a:lnRef>
+          <a:fillRef idx="3">
+            <a:schemeClr val="accent1"/>
+          </a:fillRef>
+          <a:effectRef idx="2">
+            <a:schemeClr val="accent1"/>
+          </a:effectRef>
+          <a:fontRef idx="minor">
+            <a:schemeClr val="lt1"/>
+          </a:fontRef>
+        </p:style>
+        <p:txBody>
+          <a:bodyPr rtlCol="0" anchor="ctr"/>
+          <a:lstStyle/>
+          <a:p>
+            <a:pPr algn="ctr"/>
+            <a:endParaRPr lang="en-US"/>
+          </a:p>
+        </p:txBody>
+      </p:sp>
+      <p:pic>
+        <p:nvPicPr>
+          <p:cNvPr id="78" name="Picture 77" descr="gear-2-24.png"/>
+          <p:cNvPicPr>
+            <a:picLocks noChangeAspect="1"/>
+          </p:cNvPicPr>
+          <p:nvPr/>
+        </p:nvPicPr>
+        <p:blipFill>
+          <a:blip r:embed="rId4">
+            <a:extLst>
+              <a:ext uri="{28A0092B-C50C-407E-A947-70E740481C1C}">
+                <a14:useLocalDpi xmlns:a14="http://schemas.microsoft.com/office/drawing/2010/main" val="0"/>
+              </a:ext>
+            </a:extLst>
+          </a:blip>
+          <a:stretch>
+            <a:fillRect/>
+          </a:stretch>
+        </p:blipFill>
+        <p:spPr>
+          <a:xfrm>
+            <a:off x="685800" y="5410200"/>
+            <a:ext cx="304800" cy="304800"/>
+          </a:xfrm>
+          <a:prstGeom prst="rect">
+            <a:avLst/>
+          </a:prstGeom>
+        </p:spPr>
+      </p:pic>
+      <p:pic>
+        <p:nvPicPr>
+          <p:cNvPr id="79" name="Picture 78" descr="search-13-24.png"/>
+          <p:cNvPicPr>
+            <a:picLocks noChangeAspect="1"/>
+          </p:cNvPicPr>
+          <p:nvPr/>
+        </p:nvPicPr>
+        <p:blipFill>
+          <a:blip r:embed="rId5">
+            <a:extLst>
+              <a:ext uri="{28A0092B-C50C-407E-A947-70E740481C1C}">
+                <a14:useLocalDpi xmlns:a14="http://schemas.microsoft.com/office/drawing/2010/main" val="0"/>
+              </a:ext>
+            </a:extLst>
+          </a:blip>
+          <a:stretch>
+            <a:fillRect/>
+          </a:stretch>
+        </p:blipFill>
+        <p:spPr>
+          <a:xfrm>
+            <a:off x="2895600" y="5410200"/>
+            <a:ext cx="304800" cy="304800"/>
+          </a:xfrm>
+          <a:prstGeom prst="rect">
+            <a:avLst/>
+          </a:prstGeom>
+        </p:spPr>
+      </p:pic>
+      <p:sp>
+        <p:nvSpPr>
+          <p:cNvPr id="80" name="Rounded Rectangle 79"/>
+          <p:cNvSpPr/>
+          <p:nvPr/>
+        </p:nvSpPr>
+        <p:spPr>
+          <a:xfrm>
+            <a:off x="1219200" y="2514600"/>
+            <a:ext cx="1905000" cy="1024286"/>
           </a:xfrm>
           <a:prstGeom prst="roundRect">
             <a:avLst/>
@@ -13911,14 +14260,14 @@
       </p:sp>
       <p:sp>
         <p:nvSpPr>
-          <p:cNvPr id="18" name="Plus 17"/>
+          <p:cNvPr id="82" name="Plus 81"/>
           <p:cNvSpPr/>
           <p:nvPr/>
         </p:nvSpPr>
         <p:spPr>
           <a:xfrm>
-            <a:off x="3276600" y="3657600"/>
-            <a:ext cx="304800" cy="304800"/>
+            <a:off x="3200400" y="4038600"/>
+            <a:ext cx="381000" cy="381000"/>
           </a:xfrm>
           <a:prstGeom prst="mathPlus">
             <a:avLst/>
@@ -13959,13 +14308,13 @@
       </p:sp>
       <p:sp>
         <p:nvSpPr>
-          <p:cNvPr id="19" name="Rounded Rectangle 18"/>
+          <p:cNvPr id="83" name="Rounded Rectangle 82"/>
           <p:cNvSpPr/>
           <p:nvPr/>
         </p:nvSpPr>
         <p:spPr>
           <a:xfrm>
-            <a:off x="1295400" y="3623914"/>
+            <a:off x="1219200" y="4038600"/>
             <a:ext cx="1905000" cy="381000"/>
           </a:xfrm>
           <a:prstGeom prst="roundRect">
@@ -14010,44 +14359,14 @@
       </p:sp>
       <p:sp>
         <p:nvSpPr>
-          <p:cNvPr id="20" name="TextBox 19"/>
+          <p:cNvPr id="84" name="TextBox 83"/>
           <p:cNvSpPr txBox="1"/>
           <p:nvPr/>
         </p:nvSpPr>
         <p:spPr>
           <a:xfrm>
-            <a:off x="1295400" y="3657600"/>
-            <a:ext cx="1828800" cy="338554"/>
-          </a:xfrm>
-          <a:prstGeom prst="rect">
-            <a:avLst/>
-          </a:prstGeom>
-          <a:noFill/>
-        </p:spPr>
-        <p:txBody>
-          <a:bodyPr wrap="square" rtlCol="0">
-            <a:spAutoFit/>
-          </a:bodyPr>
-          <a:lstStyle/>
-          <a:p>
-            <a:r>
-              <a:rPr lang="en-US" sz="1600" dirty="0" smtClean="0"/>
-              <a:t>Username to Block</a:t>
-            </a:r>
-            <a:endParaRPr lang="en-US" sz="1600" dirty="0"/>
-          </a:p>
-        </p:txBody>
-      </p:sp>
-      <p:sp>
-        <p:nvSpPr>
-          <p:cNvPr id="22" name="TextBox 21"/>
-          <p:cNvSpPr txBox="1"/>
-          <p:nvPr/>
-        </p:nvSpPr>
-        <p:spPr>
-          <a:xfrm>
-            <a:off x="533400" y="457200"/>
-            <a:ext cx="3352800" cy="2154436"/>
+            <a:off x="609600" y="457200"/>
+            <a:ext cx="3352800" cy="1661993"/>
           </a:xfrm>
           <a:prstGeom prst="rect">
             <a:avLst/>
@@ -14070,38 +14389,29 @@
           </a:p>
           <a:p>
             <a:r>
-              <a:rPr lang="en-US" sz="1600" dirty="0" smtClean="0"/>
-              <a:t>-To add user to block list, type username into textbox and click the +</a:t>
+              <a:rPr lang="en-US" sz="1600" dirty="0"/>
+              <a:t>-To add user to block list, type username into textbox then click the +</a:t>
+            </a:r>
+          </a:p>
+          <a:p>
+            <a:r>
+              <a:rPr lang="en-US" sz="1600" dirty="0"/>
+              <a:t>-To remove user(s) from block list, select username(s) from blocked list then click the –</a:t>
             </a:r>
             <a:endParaRPr lang="en-US" sz="1600" dirty="0"/>
           </a:p>
-          <a:p>
-            <a:r>
-              <a:rPr lang="en-US" sz="1600" dirty="0" smtClean="0"/>
-              <a:t>-To remove user(s) from block list, click username(s) so username is highlighted, then click the –</a:t>
-            </a:r>
-          </a:p>
-          <a:p>
-            <a:r>
-              <a:rPr lang="en-US" sz="1600" dirty="0" smtClean="0"/>
-              <a:t>-When finished, click Save button</a:t>
-            </a:r>
-          </a:p>
-          <a:p>
-            <a:endParaRPr lang="en-US" sz="1600" dirty="0"/>
-          </a:p>
-        </p:txBody>
-      </p:sp>
-      <p:sp>
-        <p:nvSpPr>
-          <p:cNvPr id="23" name="Minus 22"/>
+        </p:txBody>
+      </p:sp>
+      <p:sp>
+        <p:nvSpPr>
+          <p:cNvPr id="85" name="Minus 84"/>
           <p:cNvSpPr/>
           <p:nvPr/>
         </p:nvSpPr>
         <p:spPr>
           <a:xfrm>
-            <a:off x="3276600" y="2819400"/>
-            <a:ext cx="304800" cy="228600"/>
+            <a:off x="3200400" y="2819400"/>
+            <a:ext cx="381000" cy="381000"/>
           </a:xfrm>
           <a:prstGeom prst="mathMinus">
             <a:avLst/>
@@ -14141,14 +14451,14 @@
       </p:sp>
       <p:sp>
         <p:nvSpPr>
-          <p:cNvPr id="25" name="TextBox 24"/>
+          <p:cNvPr id="87" name="TextBox 86"/>
           <p:cNvSpPr txBox="1"/>
           <p:nvPr/>
         </p:nvSpPr>
         <p:spPr>
           <a:xfrm>
-            <a:off x="533400" y="5867400"/>
-            <a:ext cx="3352800" cy="369332"/>
+            <a:off x="1219200" y="4038600"/>
+            <a:ext cx="1828800" cy="338554"/>
           </a:xfrm>
           <a:prstGeom prst="rect">
             <a:avLst/>
@@ -14161,123 +14471,20 @@
           </a:bodyPr>
           <a:lstStyle/>
           <a:p>
-            <a:pPr algn="ctr"/>
-            <a:r>
-              <a:rPr lang="en-US" b="1" dirty="0" smtClean="0">
-                <a:solidFill>
-                  <a:srgbClr val="FF0000"/>
-                </a:solidFill>
-              </a:rPr>
-              <a:t>Remove user(s) from Block List</a:t>
-            </a:r>
-            <a:endParaRPr lang="en-US" b="1" dirty="0">
-              <a:solidFill>
-                <a:srgbClr val="FF0000"/>
-              </a:solidFill>
-            </a:endParaRPr>
-          </a:p>
-        </p:txBody>
-      </p:sp>
-      <p:sp>
-        <p:nvSpPr>
-          <p:cNvPr id="26" name="Rectangle 25"/>
-          <p:cNvSpPr/>
-          <p:nvPr/>
-        </p:nvSpPr>
-        <p:spPr>
-          <a:xfrm>
-            <a:off x="1371600" y="2438400"/>
-            <a:ext cx="1752600" cy="304800"/>
-          </a:xfrm>
-          <a:prstGeom prst="rect">
-            <a:avLst/>
-          </a:prstGeom>
-          <a:solidFill>
-            <a:schemeClr val="accent1"/>
-          </a:solidFill>
-          <a:ln>
-            <a:noFill/>
-          </a:ln>
-          <a:effectLst/>
-        </p:spPr>
-        <p:style>
-          <a:lnRef idx="1">
-            <a:schemeClr val="accent1"/>
-          </a:lnRef>
-          <a:fillRef idx="3">
-            <a:schemeClr val="accent1"/>
-          </a:fillRef>
-          <a:effectRef idx="2">
-            <a:schemeClr val="accent1"/>
-          </a:effectRef>
-          <a:fontRef idx="minor">
-            <a:schemeClr val="lt1"/>
-          </a:fontRef>
-        </p:style>
-        <p:txBody>
-          <a:bodyPr rtlCol="0" anchor="ctr"/>
-          <a:lstStyle/>
-          <a:p>
-            <a:pPr algn="ctr"/>
-            <a:endParaRPr lang="en-US"/>
-          </a:p>
-        </p:txBody>
-      </p:sp>
-      <p:sp>
-        <p:nvSpPr>
-          <p:cNvPr id="27" name="Rectangle 26"/>
-          <p:cNvSpPr/>
-          <p:nvPr/>
-        </p:nvSpPr>
-        <p:spPr>
-          <a:xfrm>
-            <a:off x="1371600" y="3200400"/>
-            <a:ext cx="1752600" cy="228600"/>
-          </a:xfrm>
-          <a:prstGeom prst="rect">
-            <a:avLst/>
-          </a:prstGeom>
-          <a:solidFill>
-            <a:schemeClr val="accent1"/>
-          </a:solidFill>
-          <a:ln>
-            <a:noFill/>
-          </a:ln>
-          <a:effectLst/>
-        </p:spPr>
-        <p:style>
-          <a:lnRef idx="1">
-            <a:schemeClr val="accent1"/>
-          </a:lnRef>
-          <a:fillRef idx="3">
-            <a:schemeClr val="accent1"/>
-          </a:fillRef>
-          <a:effectRef idx="2">
-            <a:schemeClr val="accent1"/>
-          </a:effectRef>
-          <a:fontRef idx="minor">
-            <a:schemeClr val="lt1"/>
-          </a:fontRef>
-        </p:style>
-        <p:txBody>
-          <a:bodyPr rtlCol="0" anchor="ctr"/>
-          <a:lstStyle/>
-          <a:p>
-            <a:pPr algn="ctr"/>
-            <a:endParaRPr lang="en-US"/>
-          </a:p>
-        </p:txBody>
-      </p:sp>
-      <p:sp>
-        <p:nvSpPr>
-          <p:cNvPr id="28" name="TextBox 27"/>
+            <a:endParaRPr lang="en-US" sz="1600" dirty="0"/>
+          </a:p>
+        </p:txBody>
+      </p:sp>
+      <p:sp>
+        <p:nvSpPr>
+          <p:cNvPr id="88" name="TextBox 87"/>
           <p:cNvSpPr txBox="1"/>
           <p:nvPr/>
         </p:nvSpPr>
         <p:spPr>
           <a:xfrm>
-            <a:off x="1295400" y="2438400"/>
-            <a:ext cx="1828800" cy="1323439"/>
+            <a:off x="1219200" y="2133600"/>
+            <a:ext cx="1905000" cy="369332"/>
           </a:xfrm>
           <a:prstGeom prst="rect">
             <a:avLst/>
@@ -14291,43 +14498,85 @@
           <a:lstStyle/>
           <a:p>
             <a:r>
-              <a:rPr lang="en-US" sz="1600" dirty="0" smtClean="0"/>
-              <a:t>ZacAttack688</a:t>
-            </a:r>
-          </a:p>
-          <a:p>
-            <a:r>
-              <a:rPr lang="en-US" sz="1600" dirty="0" smtClean="0"/>
-              <a:t>Opossums4Lyfe</a:t>
-            </a:r>
-          </a:p>
-          <a:p>
-            <a:r>
-              <a:rPr lang="en-US" sz="1600" dirty="0" smtClean="0"/>
-              <a:t>DoucheMcGouche</a:t>
-            </a:r>
-          </a:p>
-          <a:p>
-            <a:r>
-              <a:rPr lang="en-US" sz="1600" dirty="0" smtClean="0"/>
-              <a:t>BigBadChad90</a:t>
-            </a:r>
-          </a:p>
-          <a:p>
-            <a:endParaRPr lang="en-US" sz="1600" dirty="0"/>
-          </a:p>
-        </p:txBody>
-      </p:sp>
-      <p:sp>
-        <p:nvSpPr>
-          <p:cNvPr id="29" name="Rectangle 28"/>
+              <a:rPr lang="en-US" dirty="0" smtClean="0">
+                <a:solidFill>
+                  <a:schemeClr val="tx2">
+                    <a:lumMod val="75000"/>
+                  </a:schemeClr>
+                </a:solidFill>
+                <a:latin typeface="Bradley Hand Bold"/>
+                <a:cs typeface="Bradley Hand Bold"/>
+              </a:rPr>
+              <a:t>Blocked List</a:t>
+            </a:r>
+            <a:endParaRPr lang="en-US" dirty="0">
+              <a:solidFill>
+                <a:schemeClr val="tx2">
+                  <a:lumMod val="75000"/>
+                </a:schemeClr>
+              </a:solidFill>
+              <a:latin typeface="Bradley Hand Bold"/>
+              <a:cs typeface="Bradley Hand Bold"/>
+            </a:endParaRPr>
+          </a:p>
+        </p:txBody>
+      </p:sp>
+      <p:sp>
+        <p:nvSpPr>
+          <p:cNvPr id="89" name="TextBox 88"/>
+          <p:cNvSpPr txBox="1"/>
+          <p:nvPr/>
+        </p:nvSpPr>
+        <p:spPr>
+          <a:xfrm>
+            <a:off x="1219200" y="3657600"/>
+            <a:ext cx="2667000" cy="369332"/>
+          </a:xfrm>
+          <a:prstGeom prst="rect">
+            <a:avLst/>
+          </a:prstGeom>
+          <a:noFill/>
+        </p:spPr>
+        <p:txBody>
+          <a:bodyPr wrap="square" rtlCol="0">
+            <a:spAutoFit/>
+          </a:bodyPr>
+          <a:lstStyle/>
+          <a:p>
+            <a:r>
+              <a:rPr lang="en-US" dirty="0" smtClean="0">
+                <a:solidFill>
+                  <a:schemeClr val="tx2">
+                    <a:lumMod val="75000"/>
+                  </a:schemeClr>
+                </a:solidFill>
+                <a:latin typeface="Bradley Hand Bold"/>
+                <a:cs typeface="Bradley Hand Bold"/>
+              </a:rPr>
+              <a:t>Add user to Blocked List</a:t>
+            </a:r>
+            <a:endParaRPr lang="en-US" dirty="0">
+              <a:solidFill>
+                <a:schemeClr val="tx2">
+                  <a:lumMod val="75000"/>
+                </a:schemeClr>
+              </a:solidFill>
+              <a:latin typeface="Bradley Hand Bold"/>
+              <a:cs typeface="Bradley Hand Bold"/>
+            </a:endParaRPr>
+          </a:p>
+        </p:txBody>
+      </p:sp>
+      <p:sp>
+        <p:nvSpPr>
+          <p:cNvPr id="90" name="Rectangle 89"/>
           <p:cNvSpPr/>
           <p:nvPr/>
         </p:nvSpPr>
         <p:spPr>
           <a:xfrm>
-            <a:off x="3200400" y="2667000"/>
-            <a:ext cx="457200" cy="533400"/>
+            <a:off x="3200400" y="2819400"/>
+            <a:ext cx="381000" cy="381000"/>
           </a:xfrm>
           <a:prstGeom prst="rect">
             <a:avLst/>
@@ -14366,7 +14615,147 @@
       </p:sp>
       <p:sp>
         <p:nvSpPr>
-          <p:cNvPr id="30" name="Rectangle 29"/>
+          <p:cNvPr id="91" name="Rectangle 90"/>
+          <p:cNvSpPr/>
+          <p:nvPr/>
+        </p:nvSpPr>
+        <p:spPr>
+          <a:xfrm>
+            <a:off x="1295400" y="2514600"/>
+            <a:ext cx="1752600" cy="304800"/>
+          </a:xfrm>
+          <a:prstGeom prst="rect">
+            <a:avLst/>
+          </a:prstGeom>
+          <a:solidFill>
+            <a:schemeClr val="accent1"/>
+          </a:solidFill>
+          <a:ln>
+            <a:noFill/>
+          </a:ln>
+          <a:effectLst/>
+        </p:spPr>
+        <p:style>
+          <a:lnRef idx="1">
+            <a:schemeClr val="accent1"/>
+          </a:lnRef>
+          <a:fillRef idx="3">
+            <a:schemeClr val="accent1"/>
+          </a:fillRef>
+          <a:effectRef idx="2">
+            <a:schemeClr val="accent1"/>
+          </a:effectRef>
+          <a:fontRef idx="minor">
+            <a:schemeClr val="lt1"/>
+          </a:fontRef>
+        </p:style>
+        <p:txBody>
+          <a:bodyPr rtlCol="0" anchor="ctr"/>
+          <a:lstStyle/>
+          <a:p>
+            <a:pPr algn="ctr"/>
+            <a:endParaRPr lang="en-US"/>
+          </a:p>
+        </p:txBody>
+      </p:sp>
+      <p:sp>
+        <p:nvSpPr>
+          <p:cNvPr id="92" name="Rectangle 91"/>
+          <p:cNvSpPr/>
+          <p:nvPr/>
+        </p:nvSpPr>
+        <p:spPr>
+          <a:xfrm>
+            <a:off x="1295400" y="3276600"/>
+            <a:ext cx="1752600" cy="228600"/>
+          </a:xfrm>
+          <a:prstGeom prst="rect">
+            <a:avLst/>
+          </a:prstGeom>
+          <a:solidFill>
+            <a:schemeClr val="accent1"/>
+          </a:solidFill>
+          <a:ln>
+            <a:noFill/>
+          </a:ln>
+          <a:effectLst/>
+        </p:spPr>
+        <p:style>
+          <a:lnRef idx="1">
+            <a:schemeClr val="accent1"/>
+          </a:lnRef>
+          <a:fillRef idx="3">
+            <a:schemeClr val="accent1"/>
+          </a:fillRef>
+          <a:effectRef idx="2">
+            <a:schemeClr val="accent1"/>
+          </a:effectRef>
+          <a:fontRef idx="minor">
+            <a:schemeClr val="lt1"/>
+          </a:fontRef>
+        </p:style>
+        <p:txBody>
+          <a:bodyPr rtlCol="0" anchor="ctr"/>
+          <a:lstStyle/>
+          <a:p>
+            <a:pPr algn="ctr"/>
+            <a:endParaRPr lang="en-US"/>
+          </a:p>
+        </p:txBody>
+      </p:sp>
+      <p:sp>
+        <p:nvSpPr>
+          <p:cNvPr id="93" name="TextBox 92"/>
+          <p:cNvSpPr txBox="1"/>
+          <p:nvPr/>
+        </p:nvSpPr>
+        <p:spPr>
+          <a:xfrm>
+            <a:off x="1219200" y="2514600"/>
+            <a:ext cx="1828800" cy="1323439"/>
+          </a:xfrm>
+          <a:prstGeom prst="rect">
+            <a:avLst/>
+          </a:prstGeom>
+          <a:noFill/>
+        </p:spPr>
+        <p:txBody>
+          <a:bodyPr wrap="square" rtlCol="0">
+            <a:spAutoFit/>
+          </a:bodyPr>
+          <a:lstStyle/>
+          <a:p>
+            <a:r>
+              <a:rPr lang="en-US" sz="1600" dirty="0" smtClean="0"/>
+              <a:t>ZacAttack688</a:t>
+            </a:r>
+          </a:p>
+          <a:p>
+            <a:r>
+              <a:rPr lang="en-US" sz="1600" dirty="0" smtClean="0"/>
+              <a:t>Opossums4Lyfe</a:t>
+            </a:r>
+          </a:p>
+          <a:p>
+            <a:r>
+              <a:rPr lang="en-US" sz="1600" dirty="0" smtClean="0"/>
+              <a:t>DoucheMcGouche</a:t>
+            </a:r>
+          </a:p>
+          <a:p>
+            <a:r>
+              <a:rPr lang="en-US" sz="1600" dirty="0" smtClean="0"/>
+              <a:t>BigBadChad90</a:t>
+            </a:r>
+          </a:p>
+          <a:p>
+            <a:endParaRPr lang="en-US" sz="1600" dirty="0"/>
+          </a:p>
+        </p:txBody>
+      </p:sp>
+      <p:sp>
+        <p:nvSpPr>
+          <p:cNvPr id="111" name="Rectangle 110"/>
           <p:cNvSpPr/>
           <p:nvPr/>
         </p:nvSpPr>
@@ -14421,14 +14810,14 @@
       </p:sp>
       <p:sp>
         <p:nvSpPr>
-          <p:cNvPr id="42" name="Rounded Rectangle 41"/>
+          <p:cNvPr id="112" name="Rounded Rectangle 111"/>
           <p:cNvSpPr/>
           <p:nvPr/>
         </p:nvSpPr>
         <p:spPr>
           <a:xfrm>
-            <a:off x="5715000" y="2404714"/>
-            <a:ext cx="1905000" cy="948086"/>
+            <a:off x="5562600" y="2514600"/>
+            <a:ext cx="1905000" cy="1024286"/>
           </a:xfrm>
           <a:prstGeom prst="roundRect">
             <a:avLst/>
@@ -14472,13 +14861,13 @@
       </p:sp>
       <p:sp>
         <p:nvSpPr>
-          <p:cNvPr id="43" name="TextBox 42"/>
+          <p:cNvPr id="113" name="TextBox 112"/>
           <p:cNvSpPr txBox="1"/>
           <p:nvPr/>
         </p:nvSpPr>
         <p:spPr>
           <a:xfrm>
-            <a:off x="5715000" y="2438400"/>
+            <a:off x="5562600" y="2514600"/>
             <a:ext cx="1828800" cy="584776"/>
           </a:xfrm>
           <a:prstGeom prst="rect">
@@ -14508,14 +14897,14 @@
       </p:sp>
       <p:sp>
         <p:nvSpPr>
-          <p:cNvPr id="44" name="Plus 43"/>
+          <p:cNvPr id="114" name="Plus 113"/>
           <p:cNvSpPr/>
           <p:nvPr/>
         </p:nvSpPr>
         <p:spPr>
           <a:xfrm>
-            <a:off x="7696200" y="3505200"/>
-            <a:ext cx="304800" cy="304800"/>
+            <a:off x="7543800" y="4038600"/>
+            <a:ext cx="381000" cy="381000"/>
           </a:xfrm>
           <a:prstGeom prst="mathPlus">
             <a:avLst/>
@@ -14556,13 +14945,13 @@
       </p:sp>
       <p:sp>
         <p:nvSpPr>
-          <p:cNvPr id="45" name="Rounded Rectangle 44"/>
+          <p:cNvPr id="115" name="Rounded Rectangle 114"/>
           <p:cNvSpPr/>
           <p:nvPr/>
         </p:nvSpPr>
         <p:spPr>
           <a:xfrm>
-            <a:off x="5715000" y="3471514"/>
+            <a:off x="5562600" y="4038600"/>
             <a:ext cx="1905000" cy="381000"/>
           </a:xfrm>
           <a:prstGeom prst="roundRect">
@@ -14607,44 +14996,14 @@
       </p:sp>
       <p:sp>
         <p:nvSpPr>
-          <p:cNvPr id="46" name="TextBox 45"/>
+          <p:cNvPr id="116" name="TextBox 115"/>
           <p:cNvSpPr txBox="1"/>
           <p:nvPr/>
         </p:nvSpPr>
         <p:spPr>
           <a:xfrm>
-            <a:off x="5715000" y="3505200"/>
-            <a:ext cx="1828800" cy="338554"/>
-          </a:xfrm>
-          <a:prstGeom prst="rect">
-            <a:avLst/>
-          </a:prstGeom>
-          <a:noFill/>
-        </p:spPr>
-        <p:txBody>
-          <a:bodyPr wrap="square" rtlCol="0">
-            <a:spAutoFit/>
-          </a:bodyPr>
-          <a:lstStyle/>
-          <a:p>
-            <a:r>
-              <a:rPr lang="en-US" sz="1600" dirty="0" smtClean="0"/>
-              <a:t>Username to Block</a:t>
-            </a:r>
-            <a:endParaRPr lang="en-US" sz="1600" dirty="0"/>
-          </a:p>
-        </p:txBody>
-      </p:sp>
-      <p:sp>
-        <p:nvSpPr>
-          <p:cNvPr id="49" name="TextBox 48"/>
-          <p:cNvSpPr txBox="1"/>
-          <p:nvPr/>
-        </p:nvSpPr>
-        <p:spPr>
-          <a:xfrm>
             <a:off x="4953000" y="457200"/>
-            <a:ext cx="3352800" cy="2154436"/>
+            <a:ext cx="3352800" cy="1661993"/>
           </a:xfrm>
           <a:prstGeom prst="rect">
             <a:avLst/>
@@ -14667,38 +15026,48 @@
           </a:p>
           <a:p>
             <a:r>
+              <a:rPr lang="en-US" sz="1600" dirty="0"/>
+              <a:t>-To add user to block list, type username into textbox then click the +</a:t>
+            </a:r>
+          </a:p>
+          <a:p>
+            <a:r>
+              <a:rPr lang="en-US" sz="1600" dirty="0"/>
+              <a:t>-To remove user(s) from block list, select username(s) </a:t>
+            </a:r>
+            <a:r>
               <a:rPr lang="en-US" sz="1600" dirty="0" smtClean="0"/>
-              <a:t>-To add user to block list, type username into textbox and click the +</a:t>
-            </a:r>
-            <a:endParaRPr lang="en-US" sz="1600" dirty="0"/>
-          </a:p>
-          <a:p>
+              <a:t>from </a:t>
+            </a:r>
+            <a:r>
+              <a:rPr lang="en-US" sz="1600" dirty="0"/>
+              <a:t>b</a:t>
+            </a:r>
             <a:r>
               <a:rPr lang="en-US" sz="1600" dirty="0" smtClean="0"/>
-              <a:t>-To remove user(s) from block list, click username(s) so username is highlighted, then click the –</a:t>
-            </a:r>
-          </a:p>
-          <a:p>
+              <a:t>locked list</a:t>
+            </a:r>
             <a:r>
               <a:rPr lang="en-US" sz="1600" dirty="0" smtClean="0"/>
-              <a:t>-When finished, click Save button</a:t>
-            </a:r>
-          </a:p>
-          <a:p>
-            <a:endParaRPr lang="en-US" sz="1600" dirty="0"/>
-          </a:p>
-        </p:txBody>
-      </p:sp>
-      <p:sp>
-        <p:nvSpPr>
-          <p:cNvPr id="50" name="Minus 49"/>
+              <a:t> then click </a:t>
+            </a:r>
+            <a:r>
+              <a:rPr lang="en-US" sz="1600" dirty="0"/>
+              <a:t>the –</a:t>
+            </a:r>
+          </a:p>
+        </p:txBody>
+      </p:sp>
+      <p:sp>
+        <p:nvSpPr>
+          <p:cNvPr id="117" name="Minus 116"/>
           <p:cNvSpPr/>
           <p:nvPr/>
         </p:nvSpPr>
         <p:spPr>
           <a:xfrm>
-            <a:off x="7696200" y="2819400"/>
-            <a:ext cx="304800" cy="228600"/>
+            <a:off x="7543800" y="2819400"/>
+            <a:ext cx="381000" cy="381000"/>
           </a:xfrm>
           <a:prstGeom prst="mathMinus">
             <a:avLst/>
@@ -14738,7 +15107,7 @@
       </p:sp>
       <p:sp>
         <p:nvSpPr>
-          <p:cNvPr id="52" name="TextBox 51"/>
+          <p:cNvPr id="118" name="TextBox 117"/>
           <p:cNvSpPr txBox="1"/>
           <p:nvPr/>
         </p:nvSpPr>
@@ -14765,7 +15134,7 @@
                   <a:srgbClr val="FF0000"/>
                 </a:solidFill>
               </a:rPr>
-              <a:t>Save Changes</a:t>
+              <a:t>User(s) are removed</a:t>
             </a:r>
             <a:endParaRPr lang="en-US" b="1" dirty="0">
               <a:solidFill>
@@ -14777,24 +15146,18 @@
       </p:sp>
       <p:sp>
         <p:nvSpPr>
-          <p:cNvPr id="53" name="Rectangle 52"/>
+          <p:cNvPr id="119" name="Rectangle 118"/>
           <p:cNvSpPr/>
           <p:nvPr/>
         </p:nvSpPr>
         <p:spPr>
           <a:xfrm>
-            <a:off x="5638800" y="3962400"/>
-            <a:ext cx="1066800" cy="533400"/>
-          </a:xfrm>
-          <a:prstGeom prst="rect">
-            <a:avLst/>
-          </a:prstGeom>
-          <a:noFill/>
-          <a:ln w="50800">
-            <a:solidFill>
-              <a:srgbClr val="FF0000"/>
-            </a:solidFill>
-          </a:ln>
+            <a:off x="4952999" y="5257800"/>
+            <a:ext cx="3397431" cy="609600"/>
+          </a:xfrm>
+          <a:prstGeom prst="rect">
+            <a:avLst/>
+          </a:prstGeom>
         </p:spPr>
         <p:style>
           <a:lnRef idx="2">
@@ -14823,149 +15186,13 @@
       </p:sp>
       <p:sp>
         <p:nvSpPr>
-          <p:cNvPr id="54" name="TextBox 53"/>
-          <p:cNvSpPr txBox="1"/>
-          <p:nvPr/>
-        </p:nvSpPr>
-        <p:spPr>
-          <a:xfrm>
-            <a:off x="5715000" y="4038600"/>
-            <a:ext cx="928278" cy="369332"/>
-          </a:xfrm>
-          <a:prstGeom prst="rect">
-            <a:avLst/>
-          </a:prstGeom>
-          <a:solidFill>
-            <a:schemeClr val="accent1">
-              <a:lumMod val="75000"/>
-            </a:schemeClr>
-          </a:solidFill>
-          <a:ln>
-            <a:solidFill>
-              <a:schemeClr val="accent1">
-                <a:lumMod val="75000"/>
-              </a:schemeClr>
-            </a:solidFill>
-          </a:ln>
-        </p:spPr>
-        <p:txBody>
-          <a:bodyPr wrap="square" rtlCol="0">
-            <a:spAutoFit/>
-          </a:bodyPr>
-          <a:lstStyle/>
-          <a:p>
-            <a:pPr algn="ctr"/>
-            <a:r>
-              <a:rPr lang="en-US" dirty="0" smtClean="0">
-                <a:solidFill>
-                  <a:srgbClr val="FFFFFF"/>
-                </a:solidFill>
-              </a:rPr>
-              <a:t>Save</a:t>
-            </a:r>
-            <a:endParaRPr lang="en-US" dirty="0">
-              <a:solidFill>
-                <a:srgbClr val="FFFFFF"/>
-              </a:solidFill>
-            </a:endParaRPr>
-          </a:p>
-        </p:txBody>
-      </p:sp>
-      <p:sp>
-        <p:nvSpPr>
-          <p:cNvPr id="56" name="TextBox 55"/>
-          <p:cNvSpPr txBox="1"/>
-          <p:nvPr/>
-        </p:nvSpPr>
-        <p:spPr>
-          <a:xfrm>
-            <a:off x="1295400" y="4114800"/>
-            <a:ext cx="928278" cy="369332"/>
-          </a:xfrm>
-          <a:prstGeom prst="rect">
-            <a:avLst/>
-          </a:prstGeom>
-          <a:solidFill>
-            <a:schemeClr val="accent1">
-              <a:lumMod val="75000"/>
-            </a:schemeClr>
-          </a:solidFill>
-          <a:ln>
-            <a:solidFill>
-              <a:schemeClr val="accent1">
-                <a:lumMod val="75000"/>
-              </a:schemeClr>
-            </a:solidFill>
-          </a:ln>
-        </p:spPr>
-        <p:txBody>
-          <a:bodyPr wrap="square" rtlCol="0">
-            <a:spAutoFit/>
-          </a:bodyPr>
-          <a:lstStyle/>
-          <a:p>
-            <a:pPr algn="ctr"/>
-            <a:r>
-              <a:rPr lang="en-US" dirty="0" smtClean="0">
-                <a:solidFill>
-                  <a:srgbClr val="FFFFFF"/>
-                </a:solidFill>
-              </a:rPr>
-              <a:t>Save</a:t>
-            </a:r>
-            <a:endParaRPr lang="en-US" dirty="0">
-              <a:solidFill>
-                <a:srgbClr val="FFFFFF"/>
-              </a:solidFill>
-            </a:endParaRPr>
-          </a:p>
-        </p:txBody>
-      </p:sp>
-      <p:cxnSp>
-        <p:nvCxnSpPr>
-          <p:cNvPr id="60" name="Straight Arrow Connector 59"/>
-          <p:cNvCxnSpPr/>
-          <p:nvPr/>
-        </p:nvCxnSpPr>
-        <p:spPr>
-          <a:xfrm>
-            <a:off x="4114800" y="3048000"/>
-            <a:ext cx="739685" cy="0"/>
-          </a:xfrm>
-          <a:prstGeom prst="straightConnector1">
-            <a:avLst/>
-          </a:prstGeom>
-          <a:ln w="28575">
-            <a:solidFill>
-              <a:srgbClr val="FF0000"/>
-            </a:solidFill>
-            <a:tailEnd type="arrow"/>
-          </a:ln>
-        </p:spPr>
-        <p:style>
-          <a:lnRef idx="1">
-            <a:schemeClr val="accent1"/>
-          </a:lnRef>
-          <a:fillRef idx="0">
-            <a:schemeClr val="accent1"/>
-          </a:fillRef>
-          <a:effectRef idx="0">
-            <a:schemeClr val="accent1"/>
-          </a:effectRef>
-          <a:fontRef idx="minor">
-            <a:schemeClr val="tx1"/>
-          </a:fontRef>
-        </p:style>
-      </p:cxnSp>
-      <p:sp>
-        <p:nvSpPr>
-          <p:cNvPr id="61" name="Rectangle 60"/>
+          <p:cNvPr id="120" name="Rectangle 119"/>
           <p:cNvSpPr/>
           <p:nvPr/>
         </p:nvSpPr>
         <p:spPr>
           <a:xfrm>
-            <a:off x="533399" y="5257800"/>
+            <a:off x="4953000" y="5257800"/>
             <a:ext cx="3397431" cy="609600"/>
           </a:xfrm>
           <a:prstGeom prst="rect">
@@ -14997,49 +15224,9 @@
           </a:p>
         </p:txBody>
       </p:sp>
-      <p:sp>
-        <p:nvSpPr>
-          <p:cNvPr id="62" name="Rectangle 61"/>
-          <p:cNvSpPr/>
-          <p:nvPr/>
-        </p:nvSpPr>
-        <p:spPr>
-          <a:xfrm>
-            <a:off x="533400" y="5257800"/>
-            <a:ext cx="3397431" cy="609600"/>
-          </a:xfrm>
-          <a:prstGeom prst="rect">
-            <a:avLst/>
-          </a:prstGeom>
-        </p:spPr>
-        <p:style>
-          <a:lnRef idx="2">
-            <a:schemeClr val="accent1">
-              <a:shade val="50000"/>
-            </a:schemeClr>
-          </a:lnRef>
-          <a:fillRef idx="1">
-            <a:schemeClr val="accent1"/>
-          </a:fillRef>
-          <a:effectRef idx="0">
-            <a:schemeClr val="accent1"/>
-          </a:effectRef>
-          <a:fontRef idx="minor">
-            <a:schemeClr val="lt1"/>
-          </a:fontRef>
-        </p:style>
-        <p:txBody>
-          <a:bodyPr rtlCol="0" anchor="ctr"/>
-          <a:lstStyle/>
-          <a:p>
-            <a:pPr algn="ctr"/>
-            <a:endParaRPr lang="en-US"/>
-          </a:p>
-        </p:txBody>
-      </p:sp>
       <p:pic>
         <p:nvPicPr>
-          <p:cNvPr id="63" name="Picture 62" descr="chat-4-24.png"/>
+          <p:cNvPr id="121" name="Picture 120" descr="chat-4-24.png"/>
           <p:cNvPicPr>
             <a:picLocks noChangeAspect="1"/>
           </p:cNvPicPr>
@@ -15059,7 +15246,7 @@
         </p:blipFill>
         <p:spPr>
           <a:xfrm>
-            <a:off x="1219200" y="5410200"/>
+            <a:off x="5638800" y="5410200"/>
             <a:ext cx="304800" cy="304800"/>
           </a:xfrm>
           <a:prstGeom prst="rect">
@@ -15069,7 +15256,7 @@
       </p:pic>
       <p:pic>
         <p:nvPicPr>
-          <p:cNvPr id="64" name="Picture 63" descr="student-24.png"/>
+          <p:cNvPr id="122" name="Picture 121" descr="student-24.png"/>
           <p:cNvPicPr>
             <a:picLocks noChangeAspect="1"/>
           </p:cNvPicPr>
@@ -15089,7 +15276,7 @@
         </p:blipFill>
         <p:spPr>
           <a:xfrm>
-            <a:off x="3429000" y="5410200"/>
+            <a:off x="7848600" y="5410200"/>
             <a:ext cx="304800" cy="304800"/>
           </a:xfrm>
           <a:prstGeom prst="rect">
@@ -15099,13 +15286,13 @@
       </p:pic>
       <p:sp>
         <p:nvSpPr>
-          <p:cNvPr id="65" name="Rounded Rectangle 64"/>
+          <p:cNvPr id="123" name="Rounded Rectangle 122"/>
           <p:cNvSpPr/>
           <p:nvPr/>
         </p:nvSpPr>
         <p:spPr>
           <a:xfrm>
-            <a:off x="1830977" y="5286103"/>
+            <a:off x="6250577" y="5286103"/>
             <a:ext cx="685800" cy="533400"/>
           </a:xfrm>
           <a:prstGeom prst="roundRect">
@@ -15146,7 +15333,7 @@
       </p:sp>
       <p:pic>
         <p:nvPicPr>
-          <p:cNvPr id="66" name="Picture 65" descr="gear-2-24.png"/>
+          <p:cNvPr id="124" name="Picture 123" descr="gear-2-24.png"/>
           <p:cNvPicPr>
             <a:picLocks noChangeAspect="1"/>
           </p:cNvPicPr>
@@ -15166,7 +15353,7 @@
         </p:blipFill>
         <p:spPr>
           <a:xfrm>
-            <a:off x="609600" y="5410200"/>
+            <a:off x="5029200" y="5410200"/>
             <a:ext cx="304800" cy="304800"/>
           </a:xfrm>
           <a:prstGeom prst="rect">
@@ -15176,7 +15363,7 @@
       </p:pic>
       <p:pic>
         <p:nvPicPr>
-          <p:cNvPr id="67" name="Picture 66" descr="search-13-24.png"/>
+          <p:cNvPr id="125" name="Picture 124" descr="search-13-24.png"/>
           <p:cNvPicPr>
             <a:picLocks noChangeAspect="1"/>
           </p:cNvPicPr>
@@ -15196,253 +15383,6 @@
         </p:blipFill>
         <p:spPr>
           <a:xfrm>
-            <a:off x="2819400" y="5410200"/>
-            <a:ext cx="304800" cy="304800"/>
-          </a:xfrm>
-          <a:prstGeom prst="rect">
-            <a:avLst/>
-          </a:prstGeom>
-        </p:spPr>
-      </p:pic>
-      <p:sp>
-        <p:nvSpPr>
-          <p:cNvPr id="68" name="Rectangle 67"/>
-          <p:cNvSpPr/>
-          <p:nvPr/>
-        </p:nvSpPr>
-        <p:spPr>
-          <a:xfrm>
-            <a:off x="4952999" y="5257800"/>
-            <a:ext cx="3397431" cy="609600"/>
-          </a:xfrm>
-          <a:prstGeom prst="rect">
-            <a:avLst/>
-          </a:prstGeom>
-        </p:spPr>
-        <p:style>
-          <a:lnRef idx="2">
-            <a:schemeClr val="accent1">
-              <a:shade val="50000"/>
-            </a:schemeClr>
-          </a:lnRef>
-          <a:fillRef idx="1">
-            <a:schemeClr val="accent1"/>
-          </a:fillRef>
-          <a:effectRef idx="0">
-            <a:schemeClr val="accent1"/>
-          </a:effectRef>
-          <a:fontRef idx="minor">
-            <a:schemeClr val="lt1"/>
-          </a:fontRef>
-        </p:style>
-        <p:txBody>
-          <a:bodyPr rtlCol="0" anchor="ctr"/>
-          <a:lstStyle/>
-          <a:p>
-            <a:pPr algn="ctr"/>
-            <a:endParaRPr lang="en-US"/>
-          </a:p>
-        </p:txBody>
-      </p:sp>
-      <p:sp>
-        <p:nvSpPr>
-          <p:cNvPr id="69" name="Rectangle 68"/>
-          <p:cNvSpPr/>
-          <p:nvPr/>
-        </p:nvSpPr>
-        <p:spPr>
-          <a:xfrm>
-            <a:off x="4953000" y="5257800"/>
-            <a:ext cx="3397431" cy="609600"/>
-          </a:xfrm>
-          <a:prstGeom prst="rect">
-            <a:avLst/>
-          </a:prstGeom>
-        </p:spPr>
-        <p:style>
-          <a:lnRef idx="2">
-            <a:schemeClr val="accent1">
-              <a:shade val="50000"/>
-            </a:schemeClr>
-          </a:lnRef>
-          <a:fillRef idx="1">
-            <a:schemeClr val="accent1"/>
-          </a:fillRef>
-          <a:effectRef idx="0">
-            <a:schemeClr val="accent1"/>
-          </a:effectRef>
-          <a:fontRef idx="minor">
-            <a:schemeClr val="lt1"/>
-          </a:fontRef>
-        </p:style>
-        <p:txBody>
-          <a:bodyPr rtlCol="0" anchor="ctr"/>
-          <a:lstStyle/>
-          <a:p>
-            <a:pPr algn="ctr"/>
-            <a:endParaRPr lang="en-US"/>
-          </a:p>
-        </p:txBody>
-      </p:sp>
-      <p:pic>
-        <p:nvPicPr>
-          <p:cNvPr id="70" name="Picture 69" descr="chat-4-24.png"/>
-          <p:cNvPicPr>
-            <a:picLocks noChangeAspect="1"/>
-          </p:cNvPicPr>
-          <p:nvPr/>
-        </p:nvPicPr>
-        <p:blipFill>
-          <a:blip r:embed="rId2">
-            <a:extLst>
-              <a:ext uri="{28A0092B-C50C-407E-A947-70E740481C1C}">
-                <a14:useLocalDpi xmlns:a14="http://schemas.microsoft.com/office/drawing/2010/main" val="0"/>
-              </a:ext>
-            </a:extLst>
-          </a:blip>
-          <a:stretch>
-            <a:fillRect/>
-          </a:stretch>
-        </p:blipFill>
-        <p:spPr>
-          <a:xfrm>
-            <a:off x="5638800" y="5410200"/>
-            <a:ext cx="304800" cy="304800"/>
-          </a:xfrm>
-          <a:prstGeom prst="rect">
-            <a:avLst/>
-          </a:prstGeom>
-        </p:spPr>
-      </p:pic>
-      <p:pic>
-        <p:nvPicPr>
-          <p:cNvPr id="71" name="Picture 70" descr="student-24.png"/>
-          <p:cNvPicPr>
-            <a:picLocks noChangeAspect="1"/>
-          </p:cNvPicPr>
-          <p:nvPr/>
-        </p:nvPicPr>
-        <p:blipFill>
-          <a:blip r:embed="rId3">
-            <a:extLst>
-              <a:ext uri="{28A0092B-C50C-407E-A947-70E740481C1C}">
-                <a14:useLocalDpi xmlns:a14="http://schemas.microsoft.com/office/drawing/2010/main" val="0"/>
-              </a:ext>
-            </a:extLst>
-          </a:blip>
-          <a:stretch>
-            <a:fillRect/>
-          </a:stretch>
-        </p:blipFill>
-        <p:spPr>
-          <a:xfrm>
-            <a:off x="7848600" y="5410200"/>
-            <a:ext cx="304800" cy="304800"/>
-          </a:xfrm>
-          <a:prstGeom prst="rect">
-            <a:avLst/>
-          </a:prstGeom>
-        </p:spPr>
-      </p:pic>
-      <p:sp>
-        <p:nvSpPr>
-          <p:cNvPr id="72" name="Rounded Rectangle 71"/>
-          <p:cNvSpPr/>
-          <p:nvPr/>
-        </p:nvSpPr>
-        <p:spPr>
-          <a:xfrm>
-            <a:off x="6250577" y="5286103"/>
-            <a:ext cx="685800" cy="533400"/>
-          </a:xfrm>
-          <a:prstGeom prst="roundRect">
-            <a:avLst/>
-          </a:prstGeom>
-          <a:noFill/>
-          <a:ln w="76200" cmpd="sng">
-            <a:solidFill>
-              <a:schemeClr val="accent1">
-                <a:lumMod val="75000"/>
-              </a:schemeClr>
-            </a:solidFill>
-          </a:ln>
-          <a:effectLst/>
-        </p:spPr>
-        <p:style>
-          <a:lnRef idx="1">
-            <a:schemeClr val="accent1"/>
-          </a:lnRef>
-          <a:fillRef idx="3">
-            <a:schemeClr val="accent1"/>
-          </a:fillRef>
-          <a:effectRef idx="2">
-            <a:schemeClr val="accent1"/>
-          </a:effectRef>
-          <a:fontRef idx="minor">
-            <a:schemeClr val="lt1"/>
-          </a:fontRef>
-        </p:style>
-        <p:txBody>
-          <a:bodyPr rtlCol="0" anchor="ctr"/>
-          <a:lstStyle/>
-          <a:p>
-            <a:pPr algn="ctr"/>
-            <a:endParaRPr lang="en-US"/>
-          </a:p>
-        </p:txBody>
-      </p:sp>
-      <p:pic>
-        <p:nvPicPr>
-          <p:cNvPr id="73" name="Picture 72" descr="gear-2-24.png"/>
-          <p:cNvPicPr>
-            <a:picLocks noChangeAspect="1"/>
-          </p:cNvPicPr>
-          <p:nvPr/>
-        </p:nvPicPr>
-        <p:blipFill>
-          <a:blip r:embed="rId4">
-            <a:extLst>
-              <a:ext uri="{28A0092B-C50C-407E-A947-70E740481C1C}">
-                <a14:useLocalDpi xmlns:a14="http://schemas.microsoft.com/office/drawing/2010/main" val="0"/>
-              </a:ext>
-            </a:extLst>
-          </a:blip>
-          <a:stretch>
-            <a:fillRect/>
-          </a:stretch>
-        </p:blipFill>
-        <p:spPr>
-          <a:xfrm>
-            <a:off x="5029200" y="5410200"/>
-            <a:ext cx="304800" cy="304800"/>
-          </a:xfrm>
-          <a:prstGeom prst="rect">
-            <a:avLst/>
-          </a:prstGeom>
-        </p:spPr>
-      </p:pic>
-      <p:pic>
-        <p:nvPicPr>
-          <p:cNvPr id="74" name="Picture 73" descr="search-13-24.png"/>
-          <p:cNvPicPr>
-            <a:picLocks noChangeAspect="1"/>
-          </p:cNvPicPr>
-          <p:nvPr/>
-        </p:nvPicPr>
-        <p:blipFill>
-          <a:blip r:embed="rId5">
-            <a:extLst>
-              <a:ext uri="{28A0092B-C50C-407E-A947-70E740481C1C}">
-                <a14:useLocalDpi xmlns:a14="http://schemas.microsoft.com/office/drawing/2010/main" val="0"/>
-              </a:ext>
-            </a:extLst>
-          </a:blip>
-          <a:stretch>
-            <a:fillRect/>
-          </a:stretch>
-        </p:blipFill>
-        <p:spPr>
-          <a:xfrm>
             <a:off x="7239000" y="5410200"/>
             <a:ext cx="304800" cy="304800"/>
           </a:xfrm>
@@ -15451,42 +15391,98 @@
           </a:prstGeom>
         </p:spPr>
       </p:pic>
-      <p:cxnSp>
-        <p:nvCxnSpPr>
-          <p:cNvPr id="47" name="Straight Arrow Connector 46"/>
-          <p:cNvCxnSpPr/>
-          <p:nvPr/>
-        </p:nvCxnSpPr>
-        <p:spPr>
-          <a:xfrm>
-            <a:off x="152400" y="3048000"/>
-            <a:ext cx="304800" cy="0"/>
-          </a:xfrm>
-          <a:prstGeom prst="straightConnector1">
-            <a:avLst/>
-          </a:prstGeom>
-          <a:ln w="28575">
-            <a:solidFill>
-              <a:srgbClr val="FF0000"/>
-            </a:solidFill>
-            <a:tailEnd type="arrow"/>
-          </a:ln>
-        </p:spPr>
-        <p:style>
-          <a:lnRef idx="1">
-            <a:schemeClr val="accent1"/>
-          </a:lnRef>
-          <a:fillRef idx="0">
-            <a:schemeClr val="accent1"/>
-          </a:fillRef>
-          <a:effectRef idx="0">
-            <a:schemeClr val="accent1"/>
-          </a:effectRef>
-          <a:fontRef idx="minor">
-            <a:schemeClr val="tx1"/>
-          </a:fontRef>
-        </p:style>
-      </p:cxnSp>
+      <p:sp>
+        <p:nvSpPr>
+          <p:cNvPr id="126" name="TextBox 125"/>
+          <p:cNvSpPr txBox="1"/>
+          <p:nvPr/>
+        </p:nvSpPr>
+        <p:spPr>
+          <a:xfrm>
+            <a:off x="5562600" y="2133600"/>
+            <a:ext cx="1905000" cy="369332"/>
+          </a:xfrm>
+          <a:prstGeom prst="rect">
+            <a:avLst/>
+          </a:prstGeom>
+          <a:noFill/>
+        </p:spPr>
+        <p:txBody>
+          <a:bodyPr wrap="square" rtlCol="0">
+            <a:spAutoFit/>
+          </a:bodyPr>
+          <a:lstStyle/>
+          <a:p>
+            <a:r>
+              <a:rPr lang="en-US" dirty="0" smtClean="0">
+                <a:solidFill>
+                  <a:schemeClr val="tx2">
+                    <a:lumMod val="75000"/>
+                  </a:schemeClr>
+                </a:solidFill>
+                <a:latin typeface="Bradley Hand Bold"/>
+                <a:cs typeface="Bradley Hand Bold"/>
+              </a:rPr>
+              <a:t>Blocked List</a:t>
+            </a:r>
+            <a:endParaRPr lang="en-US" dirty="0">
+              <a:solidFill>
+                <a:schemeClr val="tx2">
+                  <a:lumMod val="75000"/>
+                </a:schemeClr>
+              </a:solidFill>
+              <a:latin typeface="Bradley Hand Bold"/>
+              <a:cs typeface="Bradley Hand Bold"/>
+            </a:endParaRPr>
+          </a:p>
+        </p:txBody>
+      </p:sp>
+      <p:sp>
+        <p:nvSpPr>
+          <p:cNvPr id="127" name="TextBox 126"/>
+          <p:cNvSpPr txBox="1"/>
+          <p:nvPr/>
+        </p:nvSpPr>
+        <p:spPr>
+          <a:xfrm>
+            <a:off x="5562600" y="3657600"/>
+            <a:ext cx="2667000" cy="369332"/>
+          </a:xfrm>
+          <a:prstGeom prst="rect">
+            <a:avLst/>
+          </a:prstGeom>
+          <a:noFill/>
+        </p:spPr>
+        <p:txBody>
+          <a:bodyPr wrap="square" rtlCol="0">
+            <a:spAutoFit/>
+          </a:bodyPr>
+          <a:lstStyle/>
+          <a:p>
+            <a:r>
+              <a:rPr lang="en-US" dirty="0" smtClean="0">
+                <a:solidFill>
+                  <a:schemeClr val="tx2">
+                    <a:lumMod val="75000"/>
+                  </a:schemeClr>
+                </a:solidFill>
+                <a:latin typeface="Bradley Hand Bold"/>
+                <a:cs typeface="Bradley Hand Bold"/>
+              </a:rPr>
+              <a:t>Add user to Blocked List</a:t>
+            </a:r>
+            <a:endParaRPr lang="en-US" dirty="0">
+              <a:solidFill>
+                <a:schemeClr val="tx2">
+                  <a:lumMod val="75000"/>
+                </a:schemeClr>
+              </a:solidFill>
+              <a:latin typeface="Bradley Hand Bold"/>
+              <a:cs typeface="Bradley Hand Bold"/>
+            </a:endParaRPr>
+          </a:p>
+        </p:txBody>
+      </p:sp>
     </p:spTree>
     <p:extLst>
       <p:ext uri="{BB962C8B-B14F-4D97-AF65-F5344CB8AC3E}">
@@ -23986,23 +23982,7 @@
                   <a:srgbClr val="FFFFFF"/>
                 </a:solidFill>
               </a:rPr>
-              <a:t>Your account has not been verified. Please </a:t>
-            </a:r>
-            <a:r>
-              <a:rPr lang="en-US" dirty="0" smtClean="0">
-                <a:solidFill>
-                  <a:srgbClr val="FFFFFF"/>
-                </a:solidFill>
-              </a:rPr>
-              <a:t>check </a:t>
-            </a:r>
-            <a:r>
-              <a:rPr lang="en-US" dirty="0" smtClean="0">
-                <a:solidFill>
-                  <a:srgbClr val="FFFFFF"/>
-                </a:solidFill>
-              </a:rPr>
-              <a:t>email for verification link </a:t>
+              <a:t>Your account has not been verified. Please check email for verification link </a:t>
             </a:r>
             <a:r>
               <a:rPr lang="en-US" dirty="0" smtClean="0">
@@ -25166,7 +25146,6 @@
               <a:rPr lang="en-US" sz="2200" dirty="0" smtClean="0"/>
               <a:t>Darcie Odom</a:t>
             </a:r>
-            <a:endParaRPr lang="en-US" sz="2200" dirty="0" smtClean="0"/>
           </a:p>
           <a:p>
             <a:r>
@@ -25990,31 +25969,7 @@
                   <a:srgbClr val="FF0000"/>
                 </a:solidFill>
               </a:rPr>
-              <a:t>Login with invalid </a:t>
-            </a:r>
-            <a:r>
-              <a:rPr lang="en-US" b="1" dirty="0" smtClean="0">
-                <a:solidFill>
-                  <a:srgbClr val="FF0000"/>
-                </a:solidFill>
-              </a:rPr>
-              <a:t>username</a:t>
-            </a:r>
-            <a:r>
-              <a:rPr lang="en-US" b="1" dirty="0" smtClean="0">
-                <a:solidFill>
-                  <a:srgbClr val="FF0000"/>
-                </a:solidFill>
-              </a:rPr>
-              <a:t>/</a:t>
-            </a:r>
-            <a:r>
-              <a:rPr lang="en-US" b="1" dirty="0" smtClean="0">
-                <a:solidFill>
-                  <a:srgbClr val="FF0000"/>
-                </a:solidFill>
-              </a:rPr>
-              <a:t>password</a:t>
+              <a:t>Login with invalid username/password</a:t>
             </a:r>
             <a:endParaRPr lang="en-US" b="1" dirty="0">
               <a:solidFill>
@@ -26670,15 +26625,7 @@
                   <a:srgbClr val="FFFFFF"/>
                 </a:solidFill>
               </a:rPr>
-              <a:t>Username </a:t>
-            </a:r>
-            <a:r>
-              <a:rPr lang="en-US" dirty="0" smtClean="0">
-                <a:solidFill>
-                  <a:srgbClr val="FFFFFF"/>
-                </a:solidFill>
-              </a:rPr>
-              <a:t>and password do not match. Please try again</a:t>
+              <a:t>Username and password do not match. Please try again</a:t>
             </a:r>
             <a:endParaRPr lang="en-US" dirty="0">
               <a:solidFill>
@@ -29344,31 +29291,7 @@
                   <a:srgbClr val="FF0000"/>
                 </a:solidFill>
               </a:rPr>
-              <a:t>valid </a:t>
-            </a:r>
-            <a:r>
-              <a:rPr lang="en-US" b="1" dirty="0" smtClean="0">
-                <a:solidFill>
-                  <a:srgbClr val="FF0000"/>
-                </a:solidFill>
-              </a:rPr>
-              <a:t>username</a:t>
-            </a:r>
-            <a:r>
-              <a:rPr lang="en-US" b="1" dirty="0" smtClean="0">
-                <a:solidFill>
-                  <a:srgbClr val="FF0000"/>
-                </a:solidFill>
-              </a:rPr>
-              <a:t>/</a:t>
-            </a:r>
-            <a:r>
-              <a:rPr lang="en-US" b="1" dirty="0" smtClean="0">
-                <a:solidFill>
-                  <a:srgbClr val="FF0000"/>
-                </a:solidFill>
-              </a:rPr>
-              <a:t>password</a:t>
+              <a:t>valid username/password</a:t>
             </a:r>
             <a:endParaRPr lang="en-US" b="1" dirty="0">
               <a:solidFill>

--- a/docs/mock-ups/Mock-ups.pptx
+++ b/docs/mock-ups/Mock-ups.pptx
@@ -304,7 +304,7 @@
           <a:p>
             <a:fld id="{4D43845C-15FD-4393-A4A3-99F12671E842}" type="datetimeFigureOut">
               <a:rPr lang="en-US" smtClean="0"/>
-              <a:t>2/5/15</a:t>
+              <a:t>2/6/15</a:t>
             </a:fld>
             <a:endParaRPr lang="en-US"/>
           </a:p>
@@ -474,7 +474,7 @@
           <a:p>
             <a:fld id="{4D43845C-15FD-4393-A4A3-99F12671E842}" type="datetimeFigureOut">
               <a:rPr lang="en-US" smtClean="0"/>
-              <a:t>2/5/15</a:t>
+              <a:t>2/6/15</a:t>
             </a:fld>
             <a:endParaRPr lang="en-US"/>
           </a:p>
@@ -654,7 +654,7 @@
           <a:p>
             <a:fld id="{4D43845C-15FD-4393-A4A3-99F12671E842}" type="datetimeFigureOut">
               <a:rPr lang="en-US" smtClean="0"/>
-              <a:t>2/5/15</a:t>
+              <a:t>2/6/15</a:t>
             </a:fld>
             <a:endParaRPr lang="en-US"/>
           </a:p>
@@ -824,7 +824,7 @@
           <a:p>
             <a:fld id="{4D43845C-15FD-4393-A4A3-99F12671E842}" type="datetimeFigureOut">
               <a:rPr lang="en-US" smtClean="0"/>
-              <a:t>2/5/15</a:t>
+              <a:t>2/6/15</a:t>
             </a:fld>
             <a:endParaRPr lang="en-US"/>
           </a:p>
@@ -1070,7 +1070,7 @@
           <a:p>
             <a:fld id="{4D43845C-15FD-4393-A4A3-99F12671E842}" type="datetimeFigureOut">
               <a:rPr lang="en-US" smtClean="0"/>
-              <a:t>2/5/15</a:t>
+              <a:t>2/6/15</a:t>
             </a:fld>
             <a:endParaRPr lang="en-US"/>
           </a:p>
@@ -1358,7 +1358,7 @@
           <a:p>
             <a:fld id="{4D43845C-15FD-4393-A4A3-99F12671E842}" type="datetimeFigureOut">
               <a:rPr lang="en-US" smtClean="0"/>
-              <a:t>2/5/15</a:t>
+              <a:t>2/6/15</a:t>
             </a:fld>
             <a:endParaRPr lang="en-US"/>
           </a:p>
@@ -1780,7 +1780,7 @@
           <a:p>
             <a:fld id="{4D43845C-15FD-4393-A4A3-99F12671E842}" type="datetimeFigureOut">
               <a:rPr lang="en-US" smtClean="0"/>
-              <a:t>2/5/15</a:t>
+              <a:t>2/6/15</a:t>
             </a:fld>
             <a:endParaRPr lang="en-US"/>
           </a:p>
@@ -1898,7 +1898,7 @@
           <a:p>
             <a:fld id="{4D43845C-15FD-4393-A4A3-99F12671E842}" type="datetimeFigureOut">
               <a:rPr lang="en-US" smtClean="0"/>
-              <a:t>2/5/15</a:t>
+              <a:t>2/6/15</a:t>
             </a:fld>
             <a:endParaRPr lang="en-US"/>
           </a:p>
@@ -1993,7 +1993,7 @@
           <a:p>
             <a:fld id="{4D43845C-15FD-4393-A4A3-99F12671E842}" type="datetimeFigureOut">
               <a:rPr lang="en-US" smtClean="0"/>
-              <a:t>2/5/15</a:t>
+              <a:t>2/6/15</a:t>
             </a:fld>
             <a:endParaRPr lang="en-US"/>
           </a:p>
@@ -2270,7 +2270,7 @@
           <a:p>
             <a:fld id="{4D43845C-15FD-4393-A4A3-99F12671E842}" type="datetimeFigureOut">
               <a:rPr lang="en-US" smtClean="0"/>
-              <a:t>2/5/15</a:t>
+              <a:t>2/6/15</a:t>
             </a:fld>
             <a:endParaRPr lang="en-US"/>
           </a:p>
@@ -2523,7 +2523,7 @@
           <a:p>
             <a:fld id="{4D43845C-15FD-4393-A4A3-99F12671E842}" type="datetimeFigureOut">
               <a:rPr lang="en-US" smtClean="0"/>
-              <a:t>2/5/15</a:t>
+              <a:t>2/6/15</a:t>
             </a:fld>
             <a:endParaRPr lang="en-US"/>
           </a:p>
@@ -2736,7 +2736,7 @@
           <a:p>
             <a:fld id="{4D43845C-15FD-4393-A4A3-99F12671E842}" type="datetimeFigureOut">
               <a:rPr lang="en-US" smtClean="0"/>
-              <a:t>2/5/15</a:t>
+              <a:t>2/6/15</a:t>
             </a:fld>
             <a:endParaRPr lang="en-US"/>
           </a:p>
@@ -4265,7 +4265,7 @@
         <p:spPr>
           <a:xfrm>
             <a:off x="5029200" y="6324600"/>
-            <a:ext cx="3429000" cy="646331"/>
+            <a:ext cx="4114800" cy="369332"/>
           </a:xfrm>
           <a:prstGeom prst="rect">
             <a:avLst/>
@@ -4301,7 +4301,7 @@
                   <a:srgbClr val="FF0000"/>
                 </a:solidFill>
               </a:rPr>
-              <a:t>Screen (new user)</a:t>
+              <a:t>Screen (New User)</a:t>
             </a:r>
             <a:endParaRPr lang="en-US" b="1" dirty="0">
               <a:solidFill>
@@ -10776,7 +10776,7 @@
           <a:p>
             <a:r>
               <a:rPr lang="en-US" sz="1600" dirty="0"/>
-              <a:t>-To remove user(s) from block list, select username(s) from blocked list then click the –</a:t>
+              <a:t>-To remove user from block list, select username from blocked list then click the –</a:t>
             </a:r>
           </a:p>
           <a:p>
@@ -12818,7 +12818,7 @@
           <a:p>
             <a:r>
               <a:rPr lang="en-US" sz="1600" dirty="0"/>
-              <a:t>-To remove user(s) from block list, select username(s) from blocked list then click the –</a:t>
+              <a:t>-To remove user from block list, select username from blocked list then click the –</a:t>
             </a:r>
             <a:endParaRPr lang="en-US" sz="1600" dirty="0"/>
           </a:p>
@@ -13241,7 +13241,7 @@
           <a:p>
             <a:r>
               <a:rPr lang="en-US" sz="1600" dirty="0"/>
-              <a:t>-To remove user(s) from block list, select username(s) from blocked list then click the –</a:t>
+              <a:t>-To remove user from block list, select username from blocked list then click the –</a:t>
             </a:r>
             <a:endParaRPr lang="en-US" sz="1600" dirty="0"/>
           </a:p>
@@ -14396,7 +14396,7 @@
           <a:p>
             <a:r>
               <a:rPr lang="en-US" sz="1600" dirty="0"/>
-              <a:t>-To remove user(s) from block list, select username(s) from blocked list then click the –</a:t>
+              <a:t>-To remove user from block list, select username from blocked list then click the –</a:t>
             </a:r>
             <a:endParaRPr lang="en-US" sz="1600" dirty="0"/>
           </a:p>
@@ -14660,58 +14660,13 @@
       </p:sp>
       <p:sp>
         <p:nvSpPr>
-          <p:cNvPr id="92" name="Rectangle 91"/>
-          <p:cNvSpPr/>
-          <p:nvPr/>
-        </p:nvSpPr>
-        <p:spPr>
-          <a:xfrm>
-            <a:off x="1295400" y="3276600"/>
-            <a:ext cx="1752600" cy="228600"/>
-          </a:xfrm>
-          <a:prstGeom prst="rect">
-            <a:avLst/>
-          </a:prstGeom>
-          <a:solidFill>
-            <a:schemeClr val="accent1"/>
-          </a:solidFill>
-          <a:ln>
-            <a:noFill/>
-          </a:ln>
-          <a:effectLst/>
-        </p:spPr>
-        <p:style>
-          <a:lnRef idx="1">
-            <a:schemeClr val="accent1"/>
-          </a:lnRef>
-          <a:fillRef idx="3">
-            <a:schemeClr val="accent1"/>
-          </a:fillRef>
-          <a:effectRef idx="2">
-            <a:schemeClr val="accent1"/>
-          </a:effectRef>
-          <a:fontRef idx="minor">
-            <a:schemeClr val="lt1"/>
-          </a:fontRef>
-        </p:style>
-        <p:txBody>
-          <a:bodyPr rtlCol="0" anchor="ctr"/>
-          <a:lstStyle/>
-          <a:p>
-            <a:pPr algn="ctr"/>
-            <a:endParaRPr lang="en-US"/>
-          </a:p>
-        </p:txBody>
-      </p:sp>
-      <p:sp>
-        <p:nvSpPr>
           <p:cNvPr id="93" name="TextBox 92"/>
           <p:cNvSpPr txBox="1"/>
           <p:nvPr/>
         </p:nvSpPr>
         <p:spPr>
           <a:xfrm>
-            <a:off x="1219200" y="2514600"/>
+            <a:off x="1295400" y="2438400"/>
             <a:ext cx="1828800" cy="1323439"/>
           </a:xfrm>
           <a:prstGeom prst="rect">
@@ -14868,7 +14823,7 @@
         <p:spPr>
           <a:xfrm>
             <a:off x="5562600" y="2514600"/>
-            <a:ext cx="1828800" cy="584776"/>
+            <a:ext cx="1828800" cy="830997"/>
           </a:xfrm>
           <a:prstGeom prst="rect">
             <a:avLst/>
@@ -14890,6 +14845,12 @@
             <a:r>
               <a:rPr lang="en-US" sz="1600" dirty="0" smtClean="0"/>
               <a:t>DoucheMcGouche</a:t>
+            </a:r>
+          </a:p>
+          <a:p>
+            <a:r>
+              <a:rPr lang="en-US" sz="1600" dirty="0" err="1" smtClean="0"/>
+              <a:t>BigBadChad</a:t>
             </a:r>
             <a:endParaRPr lang="en-US" sz="1600" dirty="0"/>
           </a:p>
@@ -15033,28 +14994,9 @@
           <a:p>
             <a:r>
               <a:rPr lang="en-US" sz="1600" dirty="0"/>
-              <a:t>-To remove user(s) from block list, select username(s) </a:t>
-            </a:r>
-            <a:r>
-              <a:rPr lang="en-US" sz="1600" dirty="0" smtClean="0"/>
-              <a:t>from </a:t>
-            </a:r>
-            <a:r>
-              <a:rPr lang="en-US" sz="1600" dirty="0"/>
-              <a:t>b</a:t>
-            </a:r>
-            <a:r>
-              <a:rPr lang="en-US" sz="1600" dirty="0" smtClean="0"/>
-              <a:t>locked list</a:t>
-            </a:r>
-            <a:r>
-              <a:rPr lang="en-US" sz="1600" dirty="0" smtClean="0"/>
-              <a:t> then click </a:t>
-            </a:r>
-            <a:r>
-              <a:rPr lang="en-US" sz="1600" dirty="0"/>
-              <a:t>the –</a:t>
-            </a:r>
+              <a:t>-To remove user from block list, select username from blocked list then click the –</a:t>
+            </a:r>
+            <a:endParaRPr lang="en-US" sz="1600" dirty="0"/>
           </a:p>
         </p:txBody>
       </p:sp>
@@ -22075,16 +22017,7 @@
                   <a:srgbClr val="FF0000"/>
                 </a:solidFill>
               </a:rPr>
-              <a:t>Valid save </a:t>
-            </a:r>
-            <a:r>
-              <a:rPr lang="en-US" b="1" dirty="0" smtClean="0">
-                <a:solidFill>
-                  <a:srgbClr val="FF0000"/>
-                </a:solidFill>
-                <a:sym typeface="Wingdings"/>
-              </a:rPr>
-              <a:t> Pop-up</a:t>
+              <a:t>Valid save message</a:t>
             </a:r>
             <a:endParaRPr lang="en-US" b="1" dirty="0">
               <a:solidFill>
@@ -23750,16 +23683,7 @@
                   <a:srgbClr val="FF0000"/>
                 </a:solidFill>
               </a:rPr>
-              <a:t>Unverified login </a:t>
-            </a:r>
-            <a:r>
-              <a:rPr lang="en-US" b="1" dirty="0" smtClean="0">
-                <a:solidFill>
-                  <a:srgbClr val="FF0000"/>
-                </a:solidFill>
-                <a:sym typeface="Wingdings"/>
-              </a:rPr>
-              <a:t> Pop-up</a:t>
+              <a:t>Unverified login message</a:t>
             </a:r>
             <a:endParaRPr lang="en-US" b="1" dirty="0">
               <a:solidFill>
@@ -26536,7 +26460,7 @@
                   <a:srgbClr val="FF0000"/>
                 </a:solidFill>
               </a:rPr>
-              <a:t>Invalid login</a:t>
+              <a:t>Invalid login </a:t>
             </a:r>
             <a:r>
               <a:rPr lang="en-US" b="1" dirty="0" smtClean="0">
@@ -26545,7 +26469,7 @@
                 </a:solidFill>
                 <a:sym typeface="Wingdings"/>
               </a:rPr>
-              <a:t> Pop-up</a:t>
+              <a:t>message</a:t>
             </a:r>
             <a:endParaRPr lang="en-US" b="1" dirty="0">
               <a:solidFill>
@@ -27428,24 +27352,7 @@
                   <a:srgbClr val="FF0000"/>
                 </a:solidFill>
               </a:rPr>
-              <a:t>Forgot Password Link </a:t>
-            </a:r>
-            <a:r>
-              <a:rPr lang="en-US" b="1" dirty="0" smtClean="0">
-                <a:solidFill>
-                  <a:srgbClr val="FF0000"/>
-                </a:solidFill>
-                <a:sym typeface="Wingdings"/>
-              </a:rPr>
-              <a:t> </a:t>
-            </a:r>
-            <a:r>
-              <a:rPr lang="en-US" b="1" dirty="0" smtClean="0">
-                <a:solidFill>
-                  <a:srgbClr val="FF0000"/>
-                </a:solidFill>
-              </a:rPr>
-              <a:t>Pop-up</a:t>
+              <a:t>Forgot password message</a:t>
             </a:r>
             <a:endParaRPr lang="en-US" b="1" dirty="0">
               <a:solidFill>
